--- a/Chapter1/Screenshot/original/iot.pptx
+++ b/Chapter1/Screenshot/original/iot.pptx
@@ -5,10 +5,16 @@
     <p:sldMasterId id="2147483648" r:id="rId1"/>
   </p:sldMasterIdLst>
   <p:sldIdLst>
-    <p:sldId id="256" r:id="rId3"/>
+    <p:sldId id="256" r:id="rId2"/>
+    <p:sldId id="257" r:id="rId3"/>
+    <p:sldId id="258" r:id="rId4"/>
+    <p:sldId id="259" r:id="rId5"/>
+    <p:sldId id="260" r:id="rId6"/>
+    <p:sldId id="261" r:id="rId7"/>
+    <p:sldId id="262" r:id="rId8"/>
   </p:sldIdLst>
   <p:sldSz cx="12192000" cy="6858000"/>
-  <p:notesSz cx="7103745" cy="10234295"/>
+  <p:notesSz cx="7104063" cy="10234613"/>
   <p:defaultTextStyle>
     <a:defPPr>
       <a:defRPr lang="zh-CN"/>
@@ -104,6 +110,11 @@
       </a:defRPr>
     </a:lvl9pPr>
   </p:defaultTextStyle>
+  <p:extLst>
+    <p:ext uri="{EFAFB233-063F-42B5-8137-9DF3F51BA10A}">
+      <p15:sldGuideLst xmlns:p15="http://schemas.microsoft.com/office/powerpoint/2012/main"/>
+    </p:ext>
+  </p:extLst>
 </p:presentation>
 </file>
 
@@ -149,10 +160,9 @@
           </a:lstStyle>
           <a:p>
             <a:r>
-              <a:rPr lang="zh-CN" altLang="en-US" smtClean="0"/>
+              <a:rPr lang="zh-CN" altLang="en-US"/>
               <a:t>单击此处编辑母版标题样式</a:t>
             </a:r>
-            <a:endParaRPr lang="zh-CN" altLang="en-US"/>
           </a:p>
         </p:txBody>
       </p:sp>
@@ -214,10 +224,9 @@
           </a:lstStyle>
           <a:p>
             <a:r>
-              <a:rPr lang="zh-CN" altLang="en-US" smtClean="0"/>
+              <a:rPr lang="zh-CN" altLang="en-US"/>
               <a:t>单击此处编辑母版副标题样式</a:t>
             </a:r>
-            <a:endParaRPr lang="zh-CN" altLang="en-US"/>
           </a:p>
         </p:txBody>
       </p:sp>
@@ -238,6 +247,7 @@
           <a:p>
             <a:fld id="{82F288E0-7875-42C4-84C8-98DBBD3BF4D2}" type="datetimeFigureOut">
               <a:rPr lang="zh-CN" altLang="en-US" smtClean="0"/>
+              <a:t>2019-8-11</a:t>
             </a:fld>
             <a:endParaRPr lang="zh-CN" altLang="en-US"/>
           </a:p>
@@ -279,6 +289,7 @@
           <a:p>
             <a:fld id="{7D9BB5D0-35E4-459D-AEF3-FE4D7C45CC19}" type="slidenum">
               <a:rPr lang="zh-CN" altLang="en-US" smtClean="0"/>
+              <a:t>‹#›</a:t>
             </a:fld>
             <a:endParaRPr lang="zh-CN" altLang="en-US"/>
           </a:p>
@@ -331,42 +342,37 @@
           <a:p>
             <a:pPr lvl="0"/>
             <a:r>
-              <a:rPr lang="zh-CN" altLang="en-US" smtClean="0"/>
+              <a:rPr lang="zh-CN" altLang="en-US"/>
               <a:t>单击此处编辑母版文本样式</a:t>
             </a:r>
-            <a:endParaRPr lang="zh-CN" altLang="en-US" smtClean="0"/>
           </a:p>
           <a:p>
             <a:pPr lvl="1"/>
             <a:r>
-              <a:rPr lang="zh-CN" altLang="en-US" smtClean="0"/>
+              <a:rPr lang="zh-CN" altLang="en-US"/>
               <a:t>第二级</a:t>
             </a:r>
-            <a:endParaRPr lang="zh-CN" altLang="en-US" smtClean="0"/>
           </a:p>
           <a:p>
             <a:pPr lvl="2"/>
             <a:r>
-              <a:rPr lang="zh-CN" altLang="en-US" smtClean="0"/>
+              <a:rPr lang="zh-CN" altLang="en-US"/>
               <a:t>第三级</a:t>
             </a:r>
-            <a:endParaRPr lang="zh-CN" altLang="en-US" smtClean="0"/>
           </a:p>
           <a:p>
             <a:pPr lvl="3"/>
             <a:r>
-              <a:rPr lang="zh-CN" altLang="en-US" smtClean="0"/>
+              <a:rPr lang="zh-CN" altLang="en-US"/>
               <a:t>第四级</a:t>
             </a:r>
-            <a:endParaRPr lang="zh-CN" altLang="en-US" smtClean="0"/>
           </a:p>
           <a:p>
             <a:pPr lvl="4"/>
             <a:r>
-              <a:rPr lang="zh-CN" altLang="en-US" smtClean="0"/>
+              <a:rPr lang="zh-CN" altLang="en-US"/>
               <a:t>第五级</a:t>
             </a:r>
-            <a:endParaRPr lang="zh-CN" altLang="en-US"/>
           </a:p>
         </p:txBody>
       </p:sp>
@@ -387,6 +393,7 @@
           <a:p>
             <a:fld id="{82F288E0-7875-42C4-84C8-98DBBD3BF4D2}" type="datetimeFigureOut">
               <a:rPr lang="zh-CN" altLang="en-US" smtClean="0"/>
+              <a:t>2019-8-11</a:t>
             </a:fld>
             <a:endParaRPr lang="zh-CN" altLang="en-US"/>
           </a:p>
@@ -428,6 +435,7 @@
           <a:p>
             <a:fld id="{7D9BB5D0-35E4-459D-AEF3-FE4D7C45CC19}" type="slidenum">
               <a:rPr lang="zh-CN" altLang="en-US" smtClean="0"/>
+              <a:t>‹#›</a:t>
             </a:fld>
             <a:endParaRPr lang="zh-CN" altLang="en-US"/>
           </a:p>
@@ -474,10 +482,9 @@
           <a:lstStyle/>
           <a:p>
             <a:r>
-              <a:rPr lang="zh-CN" altLang="en-US" smtClean="0"/>
+              <a:rPr lang="zh-CN" altLang="en-US"/>
               <a:t>单击此处编辑母版标题样式</a:t>
             </a:r>
-            <a:endParaRPr lang="zh-CN" altLang="en-US"/>
           </a:p>
         </p:txBody>
       </p:sp>
@@ -498,42 +505,37 @@
           <a:p>
             <a:pPr lvl="0"/>
             <a:r>
-              <a:rPr lang="zh-CN" altLang="en-US" smtClean="0"/>
+              <a:rPr lang="zh-CN" altLang="en-US"/>
               <a:t>单击此处编辑母版文本样式</a:t>
             </a:r>
-            <a:endParaRPr lang="zh-CN" altLang="en-US" smtClean="0"/>
           </a:p>
           <a:p>
             <a:pPr lvl="1"/>
             <a:r>
-              <a:rPr lang="zh-CN" altLang="en-US" smtClean="0"/>
+              <a:rPr lang="zh-CN" altLang="en-US"/>
               <a:t>第二级</a:t>
             </a:r>
-            <a:endParaRPr lang="zh-CN" altLang="en-US" smtClean="0"/>
           </a:p>
           <a:p>
             <a:pPr lvl="2"/>
             <a:r>
-              <a:rPr lang="zh-CN" altLang="en-US" smtClean="0"/>
+              <a:rPr lang="zh-CN" altLang="en-US"/>
               <a:t>第三级</a:t>
             </a:r>
-            <a:endParaRPr lang="zh-CN" altLang="en-US" smtClean="0"/>
           </a:p>
           <a:p>
             <a:pPr lvl="3"/>
             <a:r>
-              <a:rPr lang="zh-CN" altLang="en-US" smtClean="0"/>
+              <a:rPr lang="zh-CN" altLang="en-US"/>
               <a:t>第四级</a:t>
             </a:r>
-            <a:endParaRPr lang="zh-CN" altLang="en-US" smtClean="0"/>
           </a:p>
           <a:p>
             <a:pPr lvl="4"/>
             <a:r>
-              <a:rPr lang="zh-CN" altLang="en-US" smtClean="0"/>
+              <a:rPr lang="zh-CN" altLang="en-US"/>
               <a:t>第五级</a:t>
             </a:r>
-            <a:endParaRPr lang="zh-CN" altLang="en-US"/>
           </a:p>
         </p:txBody>
       </p:sp>
@@ -554,6 +556,7 @@
           <a:p>
             <a:fld id="{82F288E0-7875-42C4-84C8-98DBBD3BF4D2}" type="datetimeFigureOut">
               <a:rPr lang="zh-CN" altLang="en-US" smtClean="0"/>
+              <a:t>2019-8-11</a:t>
             </a:fld>
             <a:endParaRPr lang="zh-CN" altLang="en-US"/>
           </a:p>
@@ -595,6 +598,7 @@
           <a:p>
             <a:fld id="{7D9BB5D0-35E4-459D-AEF3-FE4D7C45CC19}" type="slidenum">
               <a:rPr lang="zh-CN" altLang="en-US" smtClean="0"/>
+              <a:t>‹#›</a:t>
             </a:fld>
             <a:endParaRPr lang="zh-CN" altLang="en-US"/>
           </a:p>
@@ -650,10 +654,9 @@
           </a:lstStyle>
           <a:p>
             <a:r>
-              <a:rPr lang="zh-CN" altLang="en-US" smtClean="0"/>
+              <a:rPr lang="zh-CN" altLang="en-US"/>
               <a:t>单击此处编辑母版标题样式</a:t>
             </a:r>
-            <a:endParaRPr lang="zh-CN" altLang="en-US"/>
           </a:p>
         </p:txBody>
       </p:sp>
@@ -770,10 +773,9 @@
           <a:p>
             <a:pPr lvl="0"/>
             <a:r>
-              <a:rPr lang="zh-CN" altLang="en-US" smtClean="0"/>
+              <a:rPr lang="zh-CN" altLang="en-US"/>
               <a:t>单击此处编辑母版文本样式</a:t>
             </a:r>
-            <a:endParaRPr lang="zh-CN" altLang="en-US" smtClean="0"/>
           </a:p>
         </p:txBody>
       </p:sp>
@@ -794,6 +796,7 @@
           <a:p>
             <a:fld id="{82F288E0-7875-42C4-84C8-98DBBD3BF4D2}" type="datetimeFigureOut">
               <a:rPr lang="zh-CN" altLang="en-US" smtClean="0"/>
+              <a:t>2019-8-11</a:t>
             </a:fld>
             <a:endParaRPr lang="zh-CN" altLang="en-US"/>
           </a:p>
@@ -835,6 +838,7 @@
           <a:p>
             <a:fld id="{7D9BB5D0-35E4-459D-AEF3-FE4D7C45CC19}" type="slidenum">
               <a:rPr lang="zh-CN" altLang="en-US" smtClean="0"/>
+              <a:t>‹#›</a:t>
             </a:fld>
             <a:endParaRPr lang="zh-CN" altLang="en-US"/>
           </a:p>
@@ -881,10 +885,9 @@
           <a:lstStyle/>
           <a:p>
             <a:r>
-              <a:rPr lang="zh-CN" altLang="en-US" smtClean="0"/>
+              <a:rPr lang="zh-CN" altLang="en-US"/>
               <a:t>单击此处编辑母版标题样式</a:t>
             </a:r>
-            <a:endParaRPr lang="zh-CN" altLang="en-US"/>
           </a:p>
         </p:txBody>
       </p:sp>
@@ -910,42 +913,37 @@
           <a:p>
             <a:pPr lvl="0"/>
             <a:r>
-              <a:rPr lang="zh-CN" altLang="en-US" smtClean="0"/>
+              <a:rPr lang="zh-CN" altLang="en-US"/>
               <a:t>单击此处编辑母版文本样式</a:t>
             </a:r>
-            <a:endParaRPr lang="zh-CN" altLang="en-US" smtClean="0"/>
           </a:p>
           <a:p>
             <a:pPr lvl="1"/>
             <a:r>
-              <a:rPr lang="zh-CN" altLang="en-US" smtClean="0"/>
+              <a:rPr lang="zh-CN" altLang="en-US"/>
               <a:t>第二级</a:t>
             </a:r>
-            <a:endParaRPr lang="zh-CN" altLang="en-US" smtClean="0"/>
           </a:p>
           <a:p>
             <a:pPr lvl="2"/>
             <a:r>
-              <a:rPr lang="zh-CN" altLang="en-US" smtClean="0"/>
+              <a:rPr lang="zh-CN" altLang="en-US"/>
               <a:t>第三级</a:t>
             </a:r>
-            <a:endParaRPr lang="zh-CN" altLang="en-US" smtClean="0"/>
           </a:p>
           <a:p>
             <a:pPr lvl="3"/>
             <a:r>
-              <a:rPr lang="zh-CN" altLang="en-US" smtClean="0"/>
+              <a:rPr lang="zh-CN" altLang="en-US"/>
               <a:t>第四级</a:t>
             </a:r>
-            <a:endParaRPr lang="zh-CN" altLang="en-US" smtClean="0"/>
           </a:p>
           <a:p>
             <a:pPr lvl="4"/>
             <a:r>
-              <a:rPr lang="zh-CN" altLang="en-US" smtClean="0"/>
+              <a:rPr lang="zh-CN" altLang="en-US"/>
               <a:t>第五级</a:t>
             </a:r>
-            <a:endParaRPr lang="zh-CN" altLang="en-US"/>
           </a:p>
         </p:txBody>
       </p:sp>
@@ -971,42 +969,37 @@
           <a:p>
             <a:pPr lvl="0"/>
             <a:r>
-              <a:rPr lang="zh-CN" altLang="en-US" smtClean="0"/>
+              <a:rPr lang="zh-CN" altLang="en-US"/>
               <a:t>单击此处编辑母版文本样式</a:t>
             </a:r>
-            <a:endParaRPr lang="zh-CN" altLang="en-US" smtClean="0"/>
           </a:p>
           <a:p>
             <a:pPr lvl="1"/>
             <a:r>
-              <a:rPr lang="zh-CN" altLang="en-US" smtClean="0"/>
+              <a:rPr lang="zh-CN" altLang="en-US"/>
               <a:t>第二级</a:t>
             </a:r>
-            <a:endParaRPr lang="zh-CN" altLang="en-US" smtClean="0"/>
           </a:p>
           <a:p>
             <a:pPr lvl="2"/>
             <a:r>
-              <a:rPr lang="zh-CN" altLang="en-US" smtClean="0"/>
+              <a:rPr lang="zh-CN" altLang="en-US"/>
               <a:t>第三级</a:t>
             </a:r>
-            <a:endParaRPr lang="zh-CN" altLang="en-US" smtClean="0"/>
           </a:p>
           <a:p>
             <a:pPr lvl="3"/>
             <a:r>
-              <a:rPr lang="zh-CN" altLang="en-US" smtClean="0"/>
+              <a:rPr lang="zh-CN" altLang="en-US"/>
               <a:t>第四级</a:t>
             </a:r>
-            <a:endParaRPr lang="zh-CN" altLang="en-US" smtClean="0"/>
           </a:p>
           <a:p>
             <a:pPr lvl="4"/>
             <a:r>
-              <a:rPr lang="zh-CN" altLang="en-US" smtClean="0"/>
+              <a:rPr lang="zh-CN" altLang="en-US"/>
               <a:t>第五级</a:t>
             </a:r>
-            <a:endParaRPr lang="zh-CN" altLang="en-US"/>
           </a:p>
         </p:txBody>
       </p:sp>
@@ -1027,6 +1020,7 @@
           <a:p>
             <a:fld id="{82F288E0-7875-42C4-84C8-98DBBD3BF4D2}" type="datetimeFigureOut">
               <a:rPr lang="zh-CN" altLang="en-US" smtClean="0"/>
+              <a:t>2019-8-11</a:t>
             </a:fld>
             <a:endParaRPr lang="zh-CN" altLang="en-US"/>
           </a:p>
@@ -1068,6 +1062,7 @@
           <a:p>
             <a:fld id="{7D9BB5D0-35E4-459D-AEF3-FE4D7C45CC19}" type="slidenum">
               <a:rPr lang="zh-CN" altLang="en-US" smtClean="0"/>
+              <a:t>‹#›</a:t>
             </a:fld>
             <a:endParaRPr lang="zh-CN" altLang="en-US"/>
           </a:p>
@@ -1119,10 +1114,9 @@
           <a:lstStyle/>
           <a:p>
             <a:r>
-              <a:rPr lang="zh-CN" altLang="en-US" smtClean="0"/>
+              <a:rPr lang="zh-CN" altLang="en-US"/>
               <a:t>单击此处编辑母版标题样式</a:t>
             </a:r>
-            <a:endParaRPr lang="zh-CN" altLang="en-US"/>
           </a:p>
         </p:txBody>
       </p:sp>
@@ -1185,10 +1179,9 @@
           <a:p>
             <a:pPr lvl="0"/>
             <a:r>
-              <a:rPr lang="zh-CN" altLang="en-US" smtClean="0"/>
+              <a:rPr lang="zh-CN" altLang="en-US"/>
               <a:t>单击此处编辑母版文本样式</a:t>
             </a:r>
-            <a:endParaRPr lang="zh-CN" altLang="en-US" smtClean="0"/>
           </a:p>
         </p:txBody>
       </p:sp>
@@ -1214,42 +1207,37 @@
           <a:p>
             <a:pPr lvl="0"/>
             <a:r>
-              <a:rPr lang="zh-CN" altLang="en-US" smtClean="0"/>
+              <a:rPr lang="zh-CN" altLang="en-US"/>
               <a:t>单击此处编辑母版文本样式</a:t>
             </a:r>
-            <a:endParaRPr lang="zh-CN" altLang="en-US" smtClean="0"/>
           </a:p>
           <a:p>
             <a:pPr lvl="1"/>
             <a:r>
-              <a:rPr lang="zh-CN" altLang="en-US" smtClean="0"/>
+              <a:rPr lang="zh-CN" altLang="en-US"/>
               <a:t>第二级</a:t>
             </a:r>
-            <a:endParaRPr lang="zh-CN" altLang="en-US" smtClean="0"/>
           </a:p>
           <a:p>
             <a:pPr lvl="2"/>
             <a:r>
-              <a:rPr lang="zh-CN" altLang="en-US" smtClean="0"/>
+              <a:rPr lang="zh-CN" altLang="en-US"/>
               <a:t>第三级</a:t>
             </a:r>
-            <a:endParaRPr lang="zh-CN" altLang="en-US" smtClean="0"/>
           </a:p>
           <a:p>
             <a:pPr lvl="3"/>
             <a:r>
-              <a:rPr lang="zh-CN" altLang="en-US" smtClean="0"/>
+              <a:rPr lang="zh-CN" altLang="en-US"/>
               <a:t>第四级</a:t>
             </a:r>
-            <a:endParaRPr lang="zh-CN" altLang="en-US" smtClean="0"/>
           </a:p>
           <a:p>
             <a:pPr lvl="4"/>
             <a:r>
-              <a:rPr lang="zh-CN" altLang="en-US" smtClean="0"/>
+              <a:rPr lang="zh-CN" altLang="en-US"/>
               <a:t>第五级</a:t>
             </a:r>
-            <a:endParaRPr lang="zh-CN" altLang="en-US"/>
           </a:p>
         </p:txBody>
       </p:sp>
@@ -1312,10 +1300,9 @@
           <a:p>
             <a:pPr lvl="0"/>
             <a:r>
-              <a:rPr lang="zh-CN" altLang="en-US" smtClean="0"/>
+              <a:rPr lang="zh-CN" altLang="en-US"/>
               <a:t>单击此处编辑母版文本样式</a:t>
             </a:r>
-            <a:endParaRPr lang="zh-CN" altLang="en-US" smtClean="0"/>
           </a:p>
         </p:txBody>
       </p:sp>
@@ -1341,42 +1328,37 @@
           <a:p>
             <a:pPr lvl="0"/>
             <a:r>
-              <a:rPr lang="zh-CN" altLang="en-US" smtClean="0"/>
+              <a:rPr lang="zh-CN" altLang="en-US"/>
               <a:t>单击此处编辑母版文本样式</a:t>
             </a:r>
-            <a:endParaRPr lang="zh-CN" altLang="en-US" smtClean="0"/>
           </a:p>
           <a:p>
             <a:pPr lvl="1"/>
             <a:r>
-              <a:rPr lang="zh-CN" altLang="en-US" smtClean="0"/>
+              <a:rPr lang="zh-CN" altLang="en-US"/>
               <a:t>第二级</a:t>
             </a:r>
-            <a:endParaRPr lang="zh-CN" altLang="en-US" smtClean="0"/>
           </a:p>
           <a:p>
             <a:pPr lvl="2"/>
             <a:r>
-              <a:rPr lang="zh-CN" altLang="en-US" smtClean="0"/>
+              <a:rPr lang="zh-CN" altLang="en-US"/>
               <a:t>第三级</a:t>
             </a:r>
-            <a:endParaRPr lang="zh-CN" altLang="en-US" smtClean="0"/>
           </a:p>
           <a:p>
             <a:pPr lvl="3"/>
             <a:r>
-              <a:rPr lang="zh-CN" altLang="en-US" smtClean="0"/>
+              <a:rPr lang="zh-CN" altLang="en-US"/>
               <a:t>第四级</a:t>
             </a:r>
-            <a:endParaRPr lang="zh-CN" altLang="en-US" smtClean="0"/>
           </a:p>
           <a:p>
             <a:pPr lvl="4"/>
             <a:r>
-              <a:rPr lang="zh-CN" altLang="en-US" smtClean="0"/>
+              <a:rPr lang="zh-CN" altLang="en-US"/>
               <a:t>第五级</a:t>
             </a:r>
-            <a:endParaRPr lang="zh-CN" altLang="en-US"/>
           </a:p>
         </p:txBody>
       </p:sp>
@@ -1397,6 +1379,7 @@
           <a:p>
             <a:fld id="{82F288E0-7875-42C4-84C8-98DBBD3BF4D2}" type="datetimeFigureOut">
               <a:rPr lang="zh-CN" altLang="en-US" smtClean="0"/>
+              <a:t>2019-8-11</a:t>
             </a:fld>
             <a:endParaRPr lang="zh-CN" altLang="en-US"/>
           </a:p>
@@ -1438,6 +1421,7 @@
           <a:p>
             <a:fld id="{7D9BB5D0-35E4-459D-AEF3-FE4D7C45CC19}" type="slidenum">
               <a:rPr lang="zh-CN" altLang="en-US" smtClean="0"/>
+              <a:t>‹#›</a:t>
             </a:fld>
             <a:endParaRPr lang="zh-CN" altLang="en-US"/>
           </a:p>
@@ -1484,10 +1468,9 @@
           <a:lstStyle/>
           <a:p>
             <a:r>
-              <a:rPr lang="zh-CN" altLang="en-US" smtClean="0"/>
+              <a:rPr lang="zh-CN" altLang="en-US"/>
               <a:t>单击此处编辑母版标题样式</a:t>
             </a:r>
-            <a:endParaRPr lang="zh-CN" altLang="en-US"/>
           </a:p>
         </p:txBody>
       </p:sp>
@@ -1508,6 +1491,7 @@
           <a:p>
             <a:fld id="{82F288E0-7875-42C4-84C8-98DBBD3BF4D2}" type="datetimeFigureOut">
               <a:rPr lang="zh-CN" altLang="en-US" smtClean="0"/>
+              <a:t>2019-8-11</a:t>
             </a:fld>
             <a:endParaRPr lang="zh-CN" altLang="en-US"/>
           </a:p>
@@ -1549,6 +1533,7 @@
           <a:p>
             <a:fld id="{7D9BB5D0-35E4-459D-AEF3-FE4D7C45CC19}" type="slidenum">
               <a:rPr lang="zh-CN" altLang="en-US" smtClean="0"/>
+              <a:t>‹#›</a:t>
             </a:fld>
             <a:endParaRPr lang="zh-CN" altLang="en-US"/>
           </a:p>
@@ -1596,6 +1581,7 @@
           <a:p>
             <a:fld id="{82F288E0-7875-42C4-84C8-98DBBD3BF4D2}" type="datetimeFigureOut">
               <a:rPr lang="zh-CN" altLang="en-US" smtClean="0"/>
+              <a:t>2019-8-11</a:t>
             </a:fld>
             <a:endParaRPr lang="zh-CN" altLang="en-US"/>
           </a:p>
@@ -1637,6 +1623,7 @@
           <a:p>
             <a:fld id="{7D9BB5D0-35E4-459D-AEF3-FE4D7C45CC19}" type="slidenum">
               <a:rPr lang="zh-CN" altLang="en-US" smtClean="0"/>
+              <a:t>‹#›</a:t>
             </a:fld>
             <a:endParaRPr lang="zh-CN" altLang="en-US"/>
           </a:p>
@@ -1692,10 +1679,9 @@
           </a:lstStyle>
           <a:p>
             <a:r>
-              <a:rPr lang="zh-CN" altLang="en-US" smtClean="0"/>
+              <a:rPr lang="zh-CN" altLang="en-US"/>
               <a:t>单击此处编辑母版标题样式</a:t>
             </a:r>
-            <a:endParaRPr lang="zh-CN" altLang="en-US"/>
           </a:p>
         </p:txBody>
       </p:sp>
@@ -1819,10 +1805,9 @@
           <a:p>
             <a:pPr lvl="0"/>
             <a:r>
-              <a:rPr lang="zh-CN" altLang="en-US" smtClean="0"/>
+              <a:rPr lang="zh-CN" altLang="en-US"/>
               <a:t>单击此处编辑母版文本样式</a:t>
             </a:r>
-            <a:endParaRPr lang="zh-CN" altLang="en-US" smtClean="0"/>
           </a:p>
         </p:txBody>
       </p:sp>
@@ -1843,6 +1828,7 @@
           <a:p>
             <a:fld id="{82F288E0-7875-42C4-84C8-98DBBD3BF4D2}" type="datetimeFigureOut">
               <a:rPr lang="zh-CN" altLang="en-US" smtClean="0"/>
+              <a:t>2019-8-11</a:t>
             </a:fld>
             <a:endParaRPr lang="zh-CN" altLang="en-US"/>
           </a:p>
@@ -1884,6 +1870,7 @@
           <a:p>
             <a:fld id="{7D9BB5D0-35E4-459D-AEF3-FE4D7C45CC19}" type="slidenum">
               <a:rPr lang="zh-CN" altLang="en-US" smtClean="0"/>
+              <a:t>‹#›</a:t>
             </a:fld>
             <a:endParaRPr lang="zh-CN" altLang="en-US"/>
           </a:p>
@@ -1935,10 +1922,9 @@
           <a:lstStyle/>
           <a:p>
             <a:r>
-              <a:rPr lang="zh-CN" altLang="en-US" smtClean="0"/>
+              <a:rPr lang="zh-CN" altLang="en-US"/>
               <a:t>单击此处编辑母版标题样式</a:t>
             </a:r>
-            <a:endParaRPr lang="zh-CN" altLang="en-US"/>
           </a:p>
         </p:txBody>
       </p:sp>
@@ -1964,42 +1950,37 @@
           <a:p>
             <a:pPr lvl="0"/>
             <a:r>
-              <a:rPr lang="zh-CN" altLang="en-US" smtClean="0"/>
+              <a:rPr lang="zh-CN" altLang="en-US"/>
               <a:t>单击此处编辑母版文本样式</a:t>
             </a:r>
-            <a:endParaRPr lang="zh-CN" altLang="en-US" smtClean="0"/>
           </a:p>
           <a:p>
             <a:pPr lvl="1"/>
             <a:r>
-              <a:rPr lang="zh-CN" altLang="en-US" smtClean="0"/>
+              <a:rPr lang="zh-CN" altLang="en-US"/>
               <a:t>第二级</a:t>
             </a:r>
-            <a:endParaRPr lang="zh-CN" altLang="en-US" smtClean="0"/>
           </a:p>
           <a:p>
             <a:pPr lvl="2"/>
             <a:r>
-              <a:rPr lang="zh-CN" altLang="en-US" smtClean="0"/>
+              <a:rPr lang="zh-CN" altLang="en-US"/>
               <a:t>第三级</a:t>
             </a:r>
-            <a:endParaRPr lang="zh-CN" altLang="en-US" smtClean="0"/>
           </a:p>
           <a:p>
             <a:pPr lvl="3"/>
             <a:r>
-              <a:rPr lang="zh-CN" altLang="en-US" smtClean="0"/>
+              <a:rPr lang="zh-CN" altLang="en-US"/>
               <a:t>第四级</a:t>
             </a:r>
-            <a:endParaRPr lang="zh-CN" altLang="en-US" smtClean="0"/>
           </a:p>
           <a:p>
             <a:pPr lvl="4"/>
             <a:r>
-              <a:rPr lang="zh-CN" altLang="en-US" smtClean="0"/>
+              <a:rPr lang="zh-CN" altLang="en-US"/>
               <a:t>第五级</a:t>
             </a:r>
-            <a:endParaRPr lang="zh-CN" altLang="en-US"/>
           </a:p>
         </p:txBody>
       </p:sp>
@@ -2020,6 +2001,7 @@
           <a:p>
             <a:fld id="{82F288E0-7875-42C4-84C8-98DBBD3BF4D2}" type="datetimeFigureOut">
               <a:rPr lang="zh-CN" altLang="en-US" smtClean="0"/>
+              <a:t>2019-8-11</a:t>
             </a:fld>
             <a:endParaRPr lang="zh-CN" altLang="en-US"/>
           </a:p>
@@ -2061,6 +2043,7 @@
           <a:p>
             <a:fld id="{7D9BB5D0-35E4-459D-AEF3-FE4D7C45CC19}" type="slidenum">
               <a:rPr lang="zh-CN" altLang="en-US" smtClean="0"/>
+              <a:t>‹#›</a:t>
             </a:fld>
             <a:endParaRPr lang="zh-CN" altLang="en-US"/>
           </a:p>
@@ -2122,10 +2105,9 @@
           <a:lstStyle/>
           <a:p>
             <a:r>
-              <a:rPr lang="zh-CN" altLang="en-US" smtClean="0"/>
+              <a:rPr lang="zh-CN" altLang="en-US"/>
               <a:t>单击此处编辑母版标题样式</a:t>
             </a:r>
-            <a:endParaRPr lang="zh-CN" altLang="en-US"/>
           </a:p>
         </p:txBody>
       </p:sp>
@@ -2156,42 +2138,37 @@
           <a:p>
             <a:pPr lvl="0"/>
             <a:r>
-              <a:rPr lang="zh-CN" altLang="en-US" smtClean="0"/>
+              <a:rPr lang="zh-CN" altLang="en-US"/>
               <a:t>单击此处编辑母版文本样式</a:t>
             </a:r>
-            <a:endParaRPr lang="zh-CN" altLang="en-US" smtClean="0"/>
           </a:p>
           <a:p>
             <a:pPr lvl="1"/>
             <a:r>
-              <a:rPr lang="zh-CN" altLang="en-US" smtClean="0"/>
+              <a:rPr lang="zh-CN" altLang="en-US"/>
               <a:t>第二级</a:t>
             </a:r>
-            <a:endParaRPr lang="zh-CN" altLang="en-US" smtClean="0"/>
           </a:p>
           <a:p>
             <a:pPr lvl="2"/>
             <a:r>
-              <a:rPr lang="zh-CN" altLang="en-US" smtClean="0"/>
+              <a:rPr lang="zh-CN" altLang="en-US"/>
               <a:t>第三级</a:t>
             </a:r>
-            <a:endParaRPr lang="zh-CN" altLang="en-US" smtClean="0"/>
           </a:p>
           <a:p>
             <a:pPr lvl="3"/>
             <a:r>
-              <a:rPr lang="zh-CN" altLang="en-US" smtClean="0"/>
+              <a:rPr lang="zh-CN" altLang="en-US"/>
               <a:t>第四级</a:t>
             </a:r>
-            <a:endParaRPr lang="zh-CN" altLang="en-US" smtClean="0"/>
           </a:p>
           <a:p>
             <a:pPr lvl="4"/>
             <a:r>
-              <a:rPr lang="zh-CN" altLang="en-US" smtClean="0"/>
+              <a:rPr lang="zh-CN" altLang="en-US"/>
               <a:t>第五级</a:t>
             </a:r>
-            <a:endParaRPr lang="zh-CN" altLang="en-US"/>
           </a:p>
         </p:txBody>
       </p:sp>
@@ -2230,6 +2207,7 @@
           <a:p>
             <a:fld id="{82F288E0-7875-42C4-84C8-98DBBD3BF4D2}" type="datetimeFigureOut">
               <a:rPr lang="zh-CN" altLang="en-US" smtClean="0"/>
+              <a:t>2019-8-11</a:t>
             </a:fld>
             <a:endParaRPr lang="zh-CN" altLang="en-US"/>
           </a:p>
@@ -2307,6 +2285,7 @@
           <a:p>
             <a:fld id="{7D9BB5D0-35E4-459D-AEF3-FE4D7C45CC19}" type="slidenum">
               <a:rPr lang="zh-CN" altLang="en-US" smtClean="0"/>
+              <a:t>‹#›</a:t>
             </a:fld>
             <a:endParaRPr lang="zh-CN" altLang="en-US"/>
           </a:p>
@@ -2619,7 +2598,14 @@
         <p:cNvGrpSpPr/>
         <p:nvPr/>
       </p:nvGrpSpPr>
-      <p:grpSpPr/>
+      <p:grpSpPr>
+        <a:xfrm>
+          <a:off x="0" y="0"/>
+          <a:ext cx="0" cy="0"/>
+          <a:chOff x="0" y="0"/>
+          <a:chExt cx="0" cy="0"/>
+        </a:xfrm>
+      </p:grpSpPr>
       <p:grpSp>
         <p:nvGrpSpPr>
           <p:cNvPr id="47" name="组合 46"/>
@@ -2681,6 +2667,7 @@
             </p:style>
             <p:txBody>
               <a:bodyPr rtlCol="0" anchor="ctr"/>
+              <a:lstStyle/>
               <a:p>
                 <a:pPr algn="ctr"/>
                 <a:endParaRPr lang="zh-CN" altLang="en-US"/>
@@ -2707,6 +2694,7 @@
               <a:bodyPr vert="eaVert" wrap="none" rtlCol="0">
                 <a:spAutoFit/>
               </a:bodyPr>
+              <a:lstStyle/>
               <a:p>
                 <a:r>
                   <a:rPr lang="zh-CN" altLang="en-US" sz="1600">
@@ -2718,13 +2706,6 @@
                   </a:rPr>
                   <a:t>感知层</a:t>
                 </a:r>
-                <a:endParaRPr lang="zh-CN" altLang="en-US" sz="1600">
-                  <a:solidFill>
-                    <a:schemeClr val="bg1"/>
-                  </a:solidFill>
-                  <a:latin typeface="YaHei Consolas Hybrid" panose="020B0509020204020204" charset="-122"/>
-                  <a:ea typeface="YaHei Consolas Hybrid" panose="020B0509020204020204" charset="-122"/>
-                </a:endParaRPr>
               </a:p>
             </p:txBody>
           </p:sp>
@@ -2735,7 +2716,7 @@
               <p:nvPr/>
             </p:nvGrpSpPr>
             <p:grpSpPr>
-              <a:xfrm rot="0">
+              <a:xfrm>
                 <a:off x="4538" y="9056"/>
                 <a:ext cx="10928" cy="1068"/>
                 <a:chOff x="4437" y="8103"/>
@@ -2775,6 +2756,7 @@
               </p:style>
               <p:txBody>
                 <a:bodyPr rtlCol="0" anchor="ctr"/>
+                <a:lstStyle/>
                 <a:p>
                   <a:pPr algn="ctr"/>
                   <a:r>
@@ -2787,13 +2769,6 @@
                     </a:rPr>
                     <a:t>传感器</a:t>
                   </a:r>
-                  <a:endParaRPr lang="zh-CN" altLang="en-US" sz="1600">
-                    <a:solidFill>
-                      <a:schemeClr val="bg1"/>
-                    </a:solidFill>
-                    <a:latin typeface="YaHei Consolas Hybrid" panose="020B0509020204020204" charset="-122"/>
-                    <a:ea typeface="YaHei Consolas Hybrid" panose="020B0509020204020204" charset="-122"/>
-                  </a:endParaRPr>
                 </a:p>
               </p:txBody>
             </p:sp>
@@ -2830,6 +2805,7 @@
               </p:style>
               <p:txBody>
                 <a:bodyPr rtlCol="0" anchor="ctr"/>
+                <a:lstStyle/>
                 <a:p>
                   <a:pPr algn="ctr"/>
                   <a:r>
@@ -2842,13 +2818,6 @@
                     </a:rPr>
                     <a:t>智能装备</a:t>
                   </a:r>
-                  <a:endParaRPr lang="zh-CN" altLang="en-US" sz="1600">
-                    <a:solidFill>
-                      <a:schemeClr val="bg1"/>
-                    </a:solidFill>
-                    <a:latin typeface="YaHei Consolas Hybrid" panose="020B0509020204020204" charset="-122"/>
-                    <a:ea typeface="YaHei Consolas Hybrid" panose="020B0509020204020204" charset="-122"/>
-                  </a:endParaRPr>
                 </a:p>
               </p:txBody>
             </p:sp>
@@ -2885,6 +2854,7 @@
               </p:style>
               <p:txBody>
                 <a:bodyPr rtlCol="0" anchor="ctr"/>
+                <a:lstStyle/>
                 <a:p>
                   <a:pPr algn="ctr"/>
                   <a:r>
@@ -2897,13 +2867,6 @@
                     </a:rPr>
                     <a:t>RFID</a:t>
                   </a:r>
-                  <a:endParaRPr lang="en-US" altLang="zh-CN" sz="1600">
-                    <a:solidFill>
-                      <a:schemeClr val="bg1"/>
-                    </a:solidFill>
-                    <a:latin typeface="YaHei Consolas Hybrid" panose="020B0509020204020204" charset="-122"/>
-                    <a:ea typeface="YaHei Consolas Hybrid" panose="020B0509020204020204" charset="-122"/>
-                  </a:endParaRPr>
                 </a:p>
               </p:txBody>
             </p:sp>
@@ -2940,6 +2903,7 @@
               </p:style>
               <p:txBody>
                 <a:bodyPr rtlCol="0" anchor="ctr"/>
+                <a:lstStyle/>
                 <a:p>
                   <a:pPr algn="ctr"/>
                   <a:r>
@@ -2952,13 +2916,6 @@
                     </a:rPr>
                     <a:t>......</a:t>
                   </a:r>
-                  <a:endParaRPr lang="en-US" altLang="zh-CN" sz="1600">
-                    <a:solidFill>
-                      <a:schemeClr val="bg1"/>
-                    </a:solidFill>
-                    <a:latin typeface="YaHei Consolas Hybrid" panose="020B0509020204020204" charset="-122"/>
-                    <a:ea typeface="YaHei Consolas Hybrid" panose="020B0509020204020204" charset="-122"/>
-                  </a:endParaRPr>
                 </a:p>
               </p:txBody>
             </p:sp>
@@ -3019,6 +2976,7 @@
               <a:bodyPr wrap="none" rtlCol="0">
                 <a:spAutoFit/>
               </a:bodyPr>
+              <a:lstStyle/>
               <a:p>
                 <a:r>
                   <a:rPr lang="zh-CN" altLang="en-US">
@@ -3030,13 +2988,6 @@
                   </a:rPr>
                   <a:t>通信模块</a:t>
                 </a:r>
-                <a:endParaRPr lang="zh-CN" altLang="en-US">
-                  <a:solidFill>
-                    <a:schemeClr val="bg1"/>
-                  </a:solidFill>
-                  <a:latin typeface="YaHei Consolas Hybrid" panose="020B0509020204020204" charset="-122"/>
-                  <a:ea typeface="YaHei Consolas Hybrid" panose="020B0509020204020204" charset="-122"/>
-                </a:endParaRPr>
               </a:p>
             </p:txBody>
           </p:sp>
@@ -3088,6 +3039,7 @@
             </p:style>
             <p:txBody>
               <a:bodyPr rtlCol="0" anchor="ctr"/>
+              <a:lstStyle/>
               <a:p>
                 <a:pPr algn="ctr"/>
                 <a:endParaRPr lang="zh-CN" altLang="en-US"/>
@@ -3114,9 +3066,10 @@
               <a:bodyPr vert="eaVert" wrap="none" rtlCol="0">
                 <a:spAutoFit/>
               </a:bodyPr>
+              <a:lstStyle/>
               <a:p>
                 <a:r>
-                  <a:rPr lang="zh-CN" altLang="en-US" sz="1600">
+                  <a:rPr lang="zh-CN" altLang="en-US" sz="1600" dirty="0">
                     <a:solidFill>
                       <a:schemeClr val="bg1"/>
                     </a:solidFill>
@@ -3125,13 +3078,6 @@
                   </a:rPr>
                   <a:t>网络层</a:t>
                 </a:r>
-                <a:endParaRPr lang="zh-CN" altLang="en-US" sz="1600">
-                  <a:solidFill>
-                    <a:schemeClr val="bg1"/>
-                  </a:solidFill>
-                  <a:latin typeface="YaHei Consolas Hybrid" panose="020B0509020204020204" charset="-122"/>
-                  <a:ea typeface="YaHei Consolas Hybrid" panose="020B0509020204020204" charset="-122"/>
-                </a:endParaRPr>
               </a:p>
             </p:txBody>
           </p:sp>
@@ -3168,6 +3114,7 @@
             </p:style>
             <p:txBody>
               <a:bodyPr rtlCol="0" anchor="ctr"/>
+              <a:lstStyle/>
               <a:p>
                 <a:pPr algn="ctr"/>
                 <a:r>
@@ -3180,13 +3127,6 @@
                   </a:rPr>
                   <a:t>互联网</a:t>
                 </a:r>
-                <a:endParaRPr lang="zh-CN" altLang="en-US" sz="1600">
-                  <a:solidFill>
-                    <a:schemeClr val="bg1"/>
-                  </a:solidFill>
-                  <a:latin typeface="YaHei Consolas Hybrid" panose="020B0509020204020204" charset="-122"/>
-                  <a:ea typeface="YaHei Consolas Hybrid" panose="020B0509020204020204" charset="-122"/>
-                </a:endParaRPr>
               </a:p>
             </p:txBody>
           </p:sp>
@@ -3223,6 +3163,7 @@
             </p:style>
             <p:txBody>
               <a:bodyPr rtlCol="0" anchor="ctr"/>
+              <a:lstStyle/>
               <a:p>
                 <a:pPr algn="ctr"/>
                 <a:r>
@@ -3235,13 +3176,6 @@
                   </a:rPr>
                   <a:t>城域网</a:t>
                 </a:r>
-                <a:endParaRPr lang="zh-CN" altLang="en-US" sz="1600">
-                  <a:solidFill>
-                    <a:schemeClr val="bg1"/>
-                  </a:solidFill>
-                  <a:latin typeface="YaHei Consolas Hybrid" panose="020B0509020204020204" charset="-122"/>
-                  <a:ea typeface="YaHei Consolas Hybrid" panose="020B0509020204020204" charset="-122"/>
-                </a:endParaRPr>
               </a:p>
             </p:txBody>
           </p:sp>
@@ -3278,10 +3212,11 @@
             </p:style>
             <p:txBody>
               <a:bodyPr rtlCol="0" anchor="ctr"/>
+              <a:lstStyle/>
               <a:p>
                 <a:pPr algn="ctr"/>
                 <a:r>
-                  <a:rPr lang="zh-CN" altLang="en-US" sz="1600">
+                  <a:rPr lang="zh-CN" altLang="en-US" sz="1600" dirty="0">
                     <a:solidFill>
                       <a:schemeClr val="bg1"/>
                     </a:solidFill>
@@ -3290,13 +3225,6 @@
                   </a:rPr>
                   <a:t>移动互联网</a:t>
                 </a:r>
-                <a:endParaRPr lang="zh-CN" altLang="en-US" sz="1600">
-                  <a:solidFill>
-                    <a:schemeClr val="bg1"/>
-                  </a:solidFill>
-                  <a:latin typeface="YaHei Consolas Hybrid" panose="020B0509020204020204" charset="-122"/>
-                  <a:ea typeface="YaHei Consolas Hybrid" panose="020B0509020204020204" charset="-122"/>
-                </a:endParaRPr>
               </a:p>
             </p:txBody>
           </p:sp>
@@ -3333,6 +3261,7 @@
             </p:style>
             <p:txBody>
               <a:bodyPr rtlCol="0" anchor="ctr"/>
+              <a:lstStyle/>
               <a:p>
                 <a:pPr algn="ctr"/>
                 <a:r>
@@ -3345,13 +3274,6 @@
                   </a:rPr>
                   <a:t>局域网</a:t>
                 </a:r>
-                <a:endParaRPr lang="zh-CN" altLang="en-US" sz="1600">
-                  <a:solidFill>
-                    <a:schemeClr val="bg1"/>
-                  </a:solidFill>
-                  <a:latin typeface="YaHei Consolas Hybrid" panose="020B0509020204020204" charset="-122"/>
-                  <a:ea typeface="YaHei Consolas Hybrid" panose="020B0509020204020204" charset="-122"/>
-                </a:endParaRPr>
               </a:p>
             </p:txBody>
           </p:sp>
@@ -3403,6 +3325,7 @@
             </p:style>
             <p:txBody>
               <a:bodyPr rtlCol="0" anchor="ctr"/>
+              <a:lstStyle/>
               <a:p>
                 <a:pPr algn="ctr"/>
                 <a:endParaRPr lang="zh-CN" altLang="en-US"/>
@@ -3429,6 +3352,7 @@
               <a:bodyPr vert="eaVert" wrap="none" rtlCol="0">
                 <a:spAutoFit/>
               </a:bodyPr>
+              <a:lstStyle/>
               <a:p>
                 <a:r>
                   <a:rPr lang="zh-CN" altLang="en-US" sz="1600">
@@ -3440,13 +3364,6 @@
                   </a:rPr>
                   <a:t>应用层</a:t>
                 </a:r>
-                <a:endParaRPr lang="zh-CN" altLang="en-US" sz="1600">
-                  <a:solidFill>
-                    <a:schemeClr val="bg1"/>
-                  </a:solidFill>
-                  <a:latin typeface="YaHei Consolas Hybrid" panose="020B0509020204020204" charset="-122"/>
-                  <a:ea typeface="YaHei Consolas Hybrid" panose="020B0509020204020204" charset="-122"/>
-                </a:endParaRPr>
               </a:p>
             </p:txBody>
           </p:sp>
@@ -3483,6 +3400,7 @@
             </p:style>
             <p:txBody>
               <a:bodyPr rtlCol="0" anchor="ctr"/>
+              <a:lstStyle/>
               <a:p>
                 <a:pPr algn="ctr"/>
                 <a:r>
@@ -3495,13 +3413,6 @@
                   </a:rPr>
                   <a:t>即时通信服务器</a:t>
                 </a:r>
-                <a:endParaRPr lang="zh-CN" altLang="en-US" sz="1600">
-                  <a:solidFill>
-                    <a:schemeClr val="bg1"/>
-                  </a:solidFill>
-                  <a:latin typeface="YaHei Consolas Hybrid" panose="020B0509020204020204" charset="-122"/>
-                  <a:ea typeface="YaHei Consolas Hybrid" panose="020B0509020204020204" charset="-122"/>
-                </a:endParaRPr>
               </a:p>
             </p:txBody>
           </p:sp>
@@ -3538,6 +3449,7 @@
             </p:style>
             <p:txBody>
               <a:bodyPr rtlCol="0" anchor="ctr"/>
+              <a:lstStyle/>
               <a:p>
                 <a:pPr algn="ctr"/>
                 <a:r>
@@ -3550,13 +3462,6 @@
                   </a:rPr>
                   <a:t>云计算</a:t>
                 </a:r>
-                <a:endParaRPr lang="zh-CN" altLang="en-US" sz="1600">
-                  <a:solidFill>
-                    <a:schemeClr val="bg1"/>
-                  </a:solidFill>
-                  <a:latin typeface="YaHei Consolas Hybrid" panose="020B0509020204020204" charset="-122"/>
-                  <a:ea typeface="YaHei Consolas Hybrid" panose="020B0509020204020204" charset="-122"/>
-                </a:endParaRPr>
               </a:p>
             </p:txBody>
           </p:sp>
@@ -3593,6 +3498,7 @@
             </p:style>
             <p:txBody>
               <a:bodyPr rtlCol="0" anchor="ctr"/>
+              <a:lstStyle/>
               <a:p>
                 <a:pPr algn="ctr"/>
                 <a:r>
@@ -3615,13 +3521,6 @@
                   </a:rPr>
                   <a:t>服务器</a:t>
                 </a:r>
-                <a:endParaRPr lang="zh-CN" altLang="en-US" sz="1600">
-                  <a:solidFill>
-                    <a:schemeClr val="bg1"/>
-                  </a:solidFill>
-                  <a:latin typeface="YaHei Consolas Hybrid" panose="020B0509020204020204" charset="-122"/>
-                  <a:ea typeface="YaHei Consolas Hybrid" panose="020B0509020204020204" charset="-122"/>
-                </a:endParaRPr>
               </a:p>
             </p:txBody>
           </p:sp>
@@ -3658,6 +3557,7 @@
             </p:style>
             <p:txBody>
               <a:bodyPr rtlCol="0" anchor="ctr"/>
+              <a:lstStyle/>
               <a:p>
                 <a:pPr algn="ctr"/>
                 <a:r>
@@ -3670,13 +3570,6 @@
                   </a:rPr>
                   <a:t>移动互联网</a:t>
                 </a:r>
-                <a:endParaRPr lang="zh-CN" altLang="en-US" sz="1600">
-                  <a:solidFill>
-                    <a:schemeClr val="bg1"/>
-                  </a:solidFill>
-                  <a:latin typeface="YaHei Consolas Hybrid" panose="020B0509020204020204" charset="-122"/>
-                  <a:ea typeface="YaHei Consolas Hybrid" panose="020B0509020204020204" charset="-122"/>
-                </a:endParaRPr>
               </a:p>
             </p:txBody>
           </p:sp>
@@ -3713,6 +3606,7 @@
             </p:style>
             <p:txBody>
               <a:bodyPr rtlCol="0" anchor="ctr"/>
+              <a:lstStyle/>
               <a:p>
                 <a:pPr algn="ctr"/>
                 <a:r>
@@ -3725,13 +3619,6 @@
                   </a:rPr>
                   <a:t>......</a:t>
                 </a:r>
-                <a:endParaRPr lang="en-US" altLang="zh-CN" sz="1600">
-                  <a:solidFill>
-                    <a:schemeClr val="bg1"/>
-                  </a:solidFill>
-                  <a:latin typeface="YaHei Consolas Hybrid" panose="020B0509020204020204" charset="-122"/>
-                  <a:ea typeface="YaHei Consolas Hybrid" panose="020B0509020204020204" charset="-122"/>
-                </a:endParaRPr>
               </a:p>
             </p:txBody>
           </p:sp>
@@ -3768,6 +3655,7 @@
             </p:style>
             <p:txBody>
               <a:bodyPr rtlCol="0" anchor="ctr"/>
+              <a:lstStyle/>
               <a:p>
                 <a:pPr algn="ctr"/>
                 <a:r>
@@ -3780,13 +3668,6 @@
                   </a:rPr>
                   <a:t>业务服务器</a:t>
                 </a:r>
-                <a:endParaRPr lang="zh-CN" sz="1600">
-                  <a:solidFill>
-                    <a:schemeClr val="bg1"/>
-                  </a:solidFill>
-                  <a:latin typeface="YaHei Consolas Hybrid" panose="020B0509020204020204" charset="-122"/>
-                  <a:ea typeface="YaHei Consolas Hybrid" panose="020B0509020204020204" charset="-122"/>
-                </a:endParaRPr>
               </a:p>
             </p:txBody>
           </p:sp>
@@ -3957,6 +3838,7 @@
             <a:bodyPr wrap="none" rtlCol="0">
               <a:spAutoFit/>
             </a:bodyPr>
+            <a:lstStyle/>
             <a:p>
               <a:r>
                 <a:rPr lang="zh-CN" altLang="en-US">
@@ -3968,13 +3850,6 @@
                 </a:rPr>
                 <a:t>双向的数据传递</a:t>
               </a:r>
-              <a:endParaRPr lang="zh-CN" altLang="en-US">
-                <a:solidFill>
-                  <a:schemeClr val="accent1"/>
-                </a:solidFill>
-                <a:latin typeface="YaHei Consolas Hybrid" panose="020B0509020204020204" charset="-122"/>
-                <a:ea typeface="YaHei Consolas Hybrid" panose="020B0509020204020204" charset="-122"/>
-              </a:endParaRPr>
             </a:p>
           </p:txBody>
         </p:sp>
@@ -3998,6 +3873,7 @@
             <a:bodyPr wrap="none" rtlCol="0">
               <a:spAutoFit/>
             </a:bodyPr>
+            <a:lstStyle/>
             <a:p>
               <a:r>
                 <a:rPr lang="zh-CN" altLang="en-US">
@@ -4009,18 +3885,5073 @@
                 </a:rPr>
                 <a:t>双向的数据传递</a:t>
               </a:r>
-              <a:endParaRPr lang="zh-CN" altLang="en-US">
-                <a:solidFill>
-                  <a:schemeClr val="accent1"/>
-                </a:solidFill>
-                <a:latin typeface="YaHei Consolas Hybrid" panose="020B0509020204020204" charset="-122"/>
-                <a:ea typeface="YaHei Consolas Hybrid" panose="020B0509020204020204" charset="-122"/>
-              </a:endParaRPr>
             </a:p>
           </p:txBody>
         </p:sp>
       </p:grpSp>
     </p:spTree>
+  </p:cSld>
+  <p:clrMapOvr>
+    <a:masterClrMapping/>
+  </p:clrMapOvr>
+</p:sld>
+</file>
+
+<file path=ppt/slides/slide2.xml><?xml version="1.0" encoding="utf-8"?>
+<p:sld xmlns:a="http://schemas.openxmlformats.org/drawingml/2006/main" xmlns:r="http://schemas.openxmlformats.org/officeDocument/2006/relationships" xmlns:p="http://schemas.openxmlformats.org/presentationml/2006/main">
+  <p:cSld>
+    <p:spTree>
+      <p:nvGrpSpPr>
+        <p:cNvPr id="1" name=""/>
+        <p:cNvGrpSpPr/>
+        <p:nvPr/>
+      </p:nvGrpSpPr>
+      <p:grpSpPr>
+        <a:xfrm>
+          <a:off x="0" y="0"/>
+          <a:ext cx="0" cy="0"/>
+          <a:chOff x="0" y="0"/>
+          <a:chExt cx="0" cy="0"/>
+        </a:xfrm>
+      </p:grpSpPr>
+      <p:sp>
+        <p:nvSpPr>
+          <p:cNvPr id="4" name="椭圆 3">
+            <a:extLst>
+              <a:ext uri="{FF2B5EF4-FFF2-40B4-BE49-F238E27FC236}">
+                <a16:creationId xmlns:a16="http://schemas.microsoft.com/office/drawing/2014/main" id="{0963F0E2-4354-4537-BBDD-3205A3E9BC77}"/>
+              </a:ext>
+            </a:extLst>
+          </p:cNvPr>
+          <p:cNvSpPr/>
+          <p:nvPr/>
+        </p:nvSpPr>
+        <p:spPr>
+          <a:xfrm>
+            <a:off x="1579805" y="2817299"/>
+            <a:ext cx="1738630" cy="822960"/>
+          </a:xfrm>
+          <a:prstGeom prst="ellipse">
+            <a:avLst/>
+          </a:prstGeom>
+        </p:spPr>
+        <p:style>
+          <a:lnRef idx="2">
+            <a:schemeClr val="accent2">
+              <a:shade val="50000"/>
+            </a:schemeClr>
+          </a:lnRef>
+          <a:fillRef idx="1">
+            <a:schemeClr val="accent2"/>
+          </a:fillRef>
+          <a:effectRef idx="0">
+            <a:schemeClr val="accent2"/>
+          </a:effectRef>
+          <a:fontRef idx="minor">
+            <a:schemeClr val="lt1"/>
+          </a:fontRef>
+        </p:style>
+        <p:txBody>
+          <a:bodyPr rtlCol="0" anchor="ctr"/>
+          <a:lstStyle/>
+          <a:p>
+            <a:pPr algn="ctr"/>
+            <a:r>
+              <a:rPr lang="zh-CN" altLang="en-US" sz="1600" dirty="0">
+                <a:solidFill>
+                  <a:schemeClr val="bg1"/>
+                </a:solidFill>
+                <a:latin typeface="YaHei Consolas Hybrid" panose="020B0509020204020204" charset="-122"/>
+                <a:ea typeface="YaHei Consolas Hybrid" panose="020B0509020204020204" charset="-122"/>
+              </a:rPr>
+              <a:t>浏览器</a:t>
+            </a:r>
+          </a:p>
+        </p:txBody>
+      </p:sp>
+      <p:sp>
+        <p:nvSpPr>
+          <p:cNvPr id="5" name="圆角矩形 18">
+            <a:extLst>
+              <a:ext uri="{FF2B5EF4-FFF2-40B4-BE49-F238E27FC236}">
+                <a16:creationId xmlns:a16="http://schemas.microsoft.com/office/drawing/2014/main" id="{4BC9F6E4-5010-4E9E-A70F-FC4AE3031380}"/>
+              </a:ext>
+            </a:extLst>
+          </p:cNvPr>
+          <p:cNvSpPr/>
+          <p:nvPr/>
+        </p:nvSpPr>
+        <p:spPr>
+          <a:xfrm>
+            <a:off x="4172990" y="1705581"/>
+            <a:ext cx="3916652" cy="2847758"/>
+          </a:xfrm>
+          <a:prstGeom prst="roundRect">
+            <a:avLst/>
+          </a:prstGeom>
+        </p:spPr>
+        <p:style>
+          <a:lnRef idx="2">
+            <a:schemeClr val="accent1">
+              <a:shade val="50000"/>
+            </a:schemeClr>
+          </a:lnRef>
+          <a:fillRef idx="1">
+            <a:schemeClr val="accent1"/>
+          </a:fillRef>
+          <a:effectRef idx="0">
+            <a:schemeClr val="accent1"/>
+          </a:effectRef>
+          <a:fontRef idx="minor">
+            <a:schemeClr val="lt1"/>
+          </a:fontRef>
+        </p:style>
+        <p:txBody>
+          <a:bodyPr rtlCol="0" anchor="ctr"/>
+          <a:lstStyle/>
+          <a:p>
+            <a:pPr algn="ctr"/>
+            <a:endParaRPr lang="zh-CN" altLang="en-US" dirty="0"/>
+          </a:p>
+        </p:txBody>
+      </p:sp>
+      <p:sp>
+        <p:nvSpPr>
+          <p:cNvPr id="7" name="文本框 6">
+            <a:extLst>
+              <a:ext uri="{FF2B5EF4-FFF2-40B4-BE49-F238E27FC236}">
+                <a16:creationId xmlns:a16="http://schemas.microsoft.com/office/drawing/2014/main" id="{BD0F9263-4985-4866-A81D-F5A324615439}"/>
+              </a:ext>
+            </a:extLst>
+          </p:cNvPr>
+          <p:cNvSpPr txBox="1"/>
+          <p:nvPr/>
+        </p:nvSpPr>
+        <p:spPr>
+          <a:xfrm>
+            <a:off x="5417112" y="1787411"/>
+            <a:ext cx="1357775" cy="369332"/>
+          </a:xfrm>
+          <a:prstGeom prst="rect">
+            <a:avLst/>
+          </a:prstGeom>
+          <a:noFill/>
+        </p:spPr>
+        <p:txBody>
+          <a:bodyPr wrap="square" rtlCol="0" anchor="ctr" anchorCtr="0">
+            <a:spAutoFit/>
+          </a:bodyPr>
+          <a:lstStyle/>
+          <a:p>
+            <a:pPr algn="ctr"/>
+            <a:r>
+              <a:rPr lang="zh-CN" altLang="en-US" dirty="0">
+                <a:solidFill>
+                  <a:schemeClr val="bg1"/>
+                </a:solidFill>
+                <a:latin typeface="YaHei Consolas Hybrid" panose="020B0509020204020204" pitchFamily="49" charset="-122"/>
+                <a:ea typeface="YaHei Consolas Hybrid" panose="020B0509020204020204" pitchFamily="49" charset="-122"/>
+              </a:rPr>
+              <a:t>服务器</a:t>
+            </a:r>
+          </a:p>
+        </p:txBody>
+      </p:sp>
+      <p:sp>
+        <p:nvSpPr>
+          <p:cNvPr id="9" name="矩形: 圆角 8">
+            <a:extLst>
+              <a:ext uri="{FF2B5EF4-FFF2-40B4-BE49-F238E27FC236}">
+                <a16:creationId xmlns:a16="http://schemas.microsoft.com/office/drawing/2014/main" id="{DA13DD91-34E1-4879-927D-70E6A32735D3}"/>
+              </a:ext>
+            </a:extLst>
+          </p:cNvPr>
+          <p:cNvSpPr/>
+          <p:nvPr/>
+        </p:nvSpPr>
+        <p:spPr>
+          <a:xfrm>
+            <a:off x="4388971" y="2202798"/>
+            <a:ext cx="1307517" cy="2051962"/>
+          </a:xfrm>
+          <a:prstGeom prst="roundRect">
+            <a:avLst/>
+          </a:prstGeom>
+        </p:spPr>
+        <p:style>
+          <a:lnRef idx="2">
+            <a:schemeClr val="accent6">
+              <a:shade val="50000"/>
+            </a:schemeClr>
+          </a:lnRef>
+          <a:fillRef idx="1">
+            <a:schemeClr val="accent6"/>
+          </a:fillRef>
+          <a:effectRef idx="0">
+            <a:schemeClr val="accent6"/>
+          </a:effectRef>
+          <a:fontRef idx="minor">
+            <a:schemeClr val="lt1"/>
+          </a:fontRef>
+        </p:style>
+        <p:txBody>
+          <a:bodyPr rtlCol="0" anchor="ctr"/>
+          <a:lstStyle/>
+          <a:p>
+            <a:pPr algn="ctr"/>
+            <a:r>
+              <a:rPr lang="zh-CN" altLang="en-US" sz="1600" dirty="0">
+                <a:solidFill>
+                  <a:schemeClr val="bg1"/>
+                </a:solidFill>
+                <a:latin typeface="YaHei Consolas Hybrid" panose="020B0509020204020204" charset="-122"/>
+                <a:ea typeface="YaHei Consolas Hybrid" panose="020B0509020204020204" charset="-122"/>
+              </a:rPr>
+              <a:t>展示层</a:t>
+            </a:r>
+          </a:p>
+        </p:txBody>
+      </p:sp>
+      <p:sp>
+        <p:nvSpPr>
+          <p:cNvPr id="10" name="矩形 9">
+            <a:extLst>
+              <a:ext uri="{FF2B5EF4-FFF2-40B4-BE49-F238E27FC236}">
+                <a16:creationId xmlns:a16="http://schemas.microsoft.com/office/drawing/2014/main" id="{2AA49C0D-CD85-4192-A116-49778A8A8B5D}"/>
+              </a:ext>
+            </a:extLst>
+          </p:cNvPr>
+          <p:cNvSpPr/>
+          <p:nvPr/>
+        </p:nvSpPr>
+        <p:spPr>
+          <a:xfrm>
+            <a:off x="6358710" y="2238572"/>
+            <a:ext cx="1529080" cy="678815"/>
+          </a:xfrm>
+          <a:prstGeom prst="rect">
+            <a:avLst/>
+          </a:prstGeom>
+        </p:spPr>
+        <p:style>
+          <a:lnRef idx="2">
+            <a:schemeClr val="accent4">
+              <a:shade val="50000"/>
+            </a:schemeClr>
+          </a:lnRef>
+          <a:fillRef idx="1">
+            <a:schemeClr val="accent4"/>
+          </a:fillRef>
+          <a:effectRef idx="0">
+            <a:schemeClr val="accent4"/>
+          </a:effectRef>
+          <a:fontRef idx="minor">
+            <a:schemeClr val="lt1"/>
+          </a:fontRef>
+        </p:style>
+        <p:txBody>
+          <a:bodyPr rtlCol="0" anchor="ctr"/>
+          <a:lstStyle/>
+          <a:p>
+            <a:pPr algn="ctr"/>
+            <a:r>
+              <a:rPr lang="zh-CN" altLang="en-US" sz="1600" dirty="0">
+                <a:solidFill>
+                  <a:schemeClr val="bg1"/>
+                </a:solidFill>
+                <a:latin typeface="YaHei Consolas Hybrid" panose="020B0509020204020204" charset="-122"/>
+                <a:ea typeface="YaHei Consolas Hybrid" panose="020B0509020204020204" charset="-122"/>
+              </a:rPr>
+              <a:t>业务逻辑层</a:t>
+            </a:r>
+            <a:endParaRPr lang="en-US" altLang="zh-CN" sz="1600" dirty="0">
+              <a:solidFill>
+                <a:schemeClr val="bg1"/>
+              </a:solidFill>
+              <a:latin typeface="YaHei Consolas Hybrid" panose="020B0509020204020204" charset="-122"/>
+              <a:ea typeface="YaHei Consolas Hybrid" panose="020B0509020204020204" charset="-122"/>
+            </a:endParaRPr>
+          </a:p>
+        </p:txBody>
+      </p:sp>
+      <p:sp>
+        <p:nvSpPr>
+          <p:cNvPr id="11" name="矩形 10">
+            <a:extLst>
+              <a:ext uri="{FF2B5EF4-FFF2-40B4-BE49-F238E27FC236}">
+                <a16:creationId xmlns:a16="http://schemas.microsoft.com/office/drawing/2014/main" id="{077DDA45-A1DD-453B-A878-0FB1003C60DA}"/>
+              </a:ext>
+            </a:extLst>
+          </p:cNvPr>
+          <p:cNvSpPr/>
+          <p:nvPr/>
+        </p:nvSpPr>
+        <p:spPr>
+          <a:xfrm>
+            <a:off x="6358710" y="3575945"/>
+            <a:ext cx="1529080" cy="678815"/>
+          </a:xfrm>
+          <a:prstGeom prst="rect">
+            <a:avLst/>
+          </a:prstGeom>
+          <a:ln>
+            <a:solidFill>
+              <a:srgbClr val="A5A5A5"/>
+            </a:solidFill>
+          </a:ln>
+        </p:spPr>
+        <p:style>
+          <a:lnRef idx="2">
+            <a:schemeClr val="accent3">
+              <a:shade val="50000"/>
+            </a:schemeClr>
+          </a:lnRef>
+          <a:fillRef idx="1">
+            <a:schemeClr val="accent3"/>
+          </a:fillRef>
+          <a:effectRef idx="0">
+            <a:schemeClr val="accent3"/>
+          </a:effectRef>
+          <a:fontRef idx="minor">
+            <a:schemeClr val="lt1"/>
+          </a:fontRef>
+        </p:style>
+        <p:txBody>
+          <a:bodyPr rtlCol="0" anchor="ctr"/>
+          <a:lstStyle/>
+          <a:p>
+            <a:pPr algn="ctr"/>
+            <a:r>
+              <a:rPr lang="zh-CN" altLang="en-US" sz="1600" dirty="0">
+                <a:solidFill>
+                  <a:schemeClr val="bg1"/>
+                </a:solidFill>
+                <a:latin typeface="YaHei Consolas Hybrid" panose="020B0509020204020204" charset="-122"/>
+                <a:ea typeface="YaHei Consolas Hybrid" panose="020B0509020204020204" charset="-122"/>
+              </a:rPr>
+              <a:t>数据访问层</a:t>
+            </a:r>
+            <a:endParaRPr lang="en-US" altLang="zh-CN" sz="1600" dirty="0">
+              <a:solidFill>
+                <a:schemeClr val="bg1"/>
+              </a:solidFill>
+              <a:latin typeface="YaHei Consolas Hybrid" panose="020B0509020204020204" charset="-122"/>
+              <a:ea typeface="YaHei Consolas Hybrid" panose="020B0509020204020204" charset="-122"/>
+            </a:endParaRPr>
+          </a:p>
+        </p:txBody>
+      </p:sp>
+      <p:cxnSp>
+        <p:nvCxnSpPr>
+          <p:cNvPr id="12" name="直接箭头连接符 11">
+            <a:extLst>
+              <a:ext uri="{FF2B5EF4-FFF2-40B4-BE49-F238E27FC236}">
+                <a16:creationId xmlns:a16="http://schemas.microsoft.com/office/drawing/2014/main" id="{39CC9B96-1718-408A-AAE1-C58B95C8F802}"/>
+              </a:ext>
+            </a:extLst>
+          </p:cNvPr>
+          <p:cNvCxnSpPr>
+            <a:cxnSpLocks/>
+            <a:endCxn id="10" idx="1"/>
+          </p:cNvCxnSpPr>
+          <p:nvPr/>
+        </p:nvCxnSpPr>
+        <p:spPr>
+          <a:xfrm flipV="1">
+            <a:off x="5719665" y="2577980"/>
+            <a:ext cx="639045" cy="678404"/>
+          </a:xfrm>
+          <a:prstGeom prst="straightConnector1">
+            <a:avLst/>
+          </a:prstGeom>
+          <a:ln w="25400">
+            <a:solidFill>
+              <a:schemeClr val="tx1"/>
+            </a:solidFill>
+            <a:tailEnd type="arrow"/>
+          </a:ln>
+        </p:spPr>
+        <p:style>
+          <a:lnRef idx="1">
+            <a:schemeClr val="accent1"/>
+          </a:lnRef>
+          <a:fillRef idx="0">
+            <a:schemeClr val="accent1"/>
+          </a:fillRef>
+          <a:effectRef idx="0">
+            <a:schemeClr val="accent1"/>
+          </a:effectRef>
+          <a:fontRef idx="minor">
+            <a:schemeClr val="tx1"/>
+          </a:fontRef>
+        </p:style>
+      </p:cxnSp>
+      <p:cxnSp>
+        <p:nvCxnSpPr>
+          <p:cNvPr id="16" name="直接箭头连接符 15">
+            <a:extLst>
+              <a:ext uri="{FF2B5EF4-FFF2-40B4-BE49-F238E27FC236}">
+                <a16:creationId xmlns:a16="http://schemas.microsoft.com/office/drawing/2014/main" id="{D865B7C1-5AA6-47C7-A90A-39A1C0E1C25B}"/>
+              </a:ext>
+            </a:extLst>
+          </p:cNvPr>
+          <p:cNvCxnSpPr>
+            <a:cxnSpLocks/>
+            <a:stCxn id="10" idx="2"/>
+            <a:endCxn id="11" idx="0"/>
+          </p:cNvCxnSpPr>
+          <p:nvPr/>
+        </p:nvCxnSpPr>
+        <p:spPr>
+          <a:xfrm>
+            <a:off x="7123250" y="2917387"/>
+            <a:ext cx="0" cy="658558"/>
+          </a:xfrm>
+          <a:prstGeom prst="straightConnector1">
+            <a:avLst/>
+          </a:prstGeom>
+          <a:ln w="25400">
+            <a:solidFill>
+              <a:schemeClr val="tx1"/>
+            </a:solidFill>
+            <a:headEnd type="arrow"/>
+            <a:tailEnd type="arrow"/>
+          </a:ln>
+        </p:spPr>
+        <p:style>
+          <a:lnRef idx="1">
+            <a:schemeClr val="accent1"/>
+          </a:lnRef>
+          <a:fillRef idx="0">
+            <a:schemeClr val="accent1"/>
+          </a:fillRef>
+          <a:effectRef idx="0">
+            <a:schemeClr val="accent1"/>
+          </a:effectRef>
+          <a:fontRef idx="minor">
+            <a:schemeClr val="tx1"/>
+          </a:fontRef>
+        </p:style>
+      </p:cxnSp>
+      <p:cxnSp>
+        <p:nvCxnSpPr>
+          <p:cNvPr id="22" name="直接箭头连接符 21">
+            <a:extLst>
+              <a:ext uri="{FF2B5EF4-FFF2-40B4-BE49-F238E27FC236}">
+                <a16:creationId xmlns:a16="http://schemas.microsoft.com/office/drawing/2014/main" id="{6E0EF5D4-27D8-4217-A6C4-BFC8A534F1F9}"/>
+              </a:ext>
+            </a:extLst>
+          </p:cNvPr>
+          <p:cNvCxnSpPr>
+            <a:cxnSpLocks/>
+            <a:stCxn id="9" idx="1"/>
+            <a:endCxn id="4" idx="6"/>
+          </p:cNvCxnSpPr>
+          <p:nvPr/>
+        </p:nvCxnSpPr>
+        <p:spPr>
+          <a:xfrm flipH="1">
+            <a:off x="3318435" y="3228779"/>
+            <a:ext cx="1070536" cy="0"/>
+          </a:xfrm>
+          <a:prstGeom prst="straightConnector1">
+            <a:avLst/>
+          </a:prstGeom>
+          <a:ln w="25400">
+            <a:solidFill>
+              <a:schemeClr val="tx1"/>
+            </a:solidFill>
+            <a:headEnd type="arrow"/>
+            <a:tailEnd type="arrow"/>
+          </a:ln>
+        </p:spPr>
+        <p:style>
+          <a:lnRef idx="1">
+            <a:schemeClr val="accent1"/>
+          </a:lnRef>
+          <a:fillRef idx="0">
+            <a:schemeClr val="accent1"/>
+          </a:fillRef>
+          <a:effectRef idx="0">
+            <a:schemeClr val="accent1"/>
+          </a:effectRef>
+          <a:fontRef idx="minor">
+            <a:schemeClr val="tx1"/>
+          </a:fontRef>
+        </p:style>
+      </p:cxnSp>
+      <p:sp>
+        <p:nvSpPr>
+          <p:cNvPr id="28" name="流程图: 磁盘 27">
+            <a:extLst>
+              <a:ext uri="{FF2B5EF4-FFF2-40B4-BE49-F238E27FC236}">
+                <a16:creationId xmlns:a16="http://schemas.microsoft.com/office/drawing/2014/main" id="{D2C75AEA-47BD-4FB8-87F6-F5D84B91C2FB}"/>
+              </a:ext>
+            </a:extLst>
+          </p:cNvPr>
+          <p:cNvSpPr/>
+          <p:nvPr/>
+        </p:nvSpPr>
+        <p:spPr>
+          <a:xfrm>
+            <a:off x="6339479" y="4892747"/>
+            <a:ext cx="1567543" cy="877077"/>
+          </a:xfrm>
+          <a:prstGeom prst="flowChartMagneticDisk">
+            <a:avLst/>
+          </a:prstGeom>
+        </p:spPr>
+        <p:style>
+          <a:lnRef idx="2">
+            <a:schemeClr val="accent1">
+              <a:shade val="50000"/>
+            </a:schemeClr>
+          </a:lnRef>
+          <a:fillRef idx="1">
+            <a:schemeClr val="accent1"/>
+          </a:fillRef>
+          <a:effectRef idx="0">
+            <a:schemeClr val="accent1"/>
+          </a:effectRef>
+          <a:fontRef idx="minor">
+            <a:schemeClr val="lt1"/>
+          </a:fontRef>
+        </p:style>
+        <p:txBody>
+          <a:bodyPr rtlCol="0" anchor="ctr"/>
+          <a:lstStyle/>
+          <a:p>
+            <a:pPr algn="ctr"/>
+            <a:r>
+              <a:rPr lang="zh-CN" altLang="en-US" sz="1600" dirty="0">
+                <a:latin typeface="YaHei Consolas Hybrid" panose="020B0509020204020204" pitchFamily="49" charset="-122"/>
+                <a:ea typeface="YaHei Consolas Hybrid" panose="020B0509020204020204" pitchFamily="49" charset="-122"/>
+              </a:rPr>
+              <a:t>数据库</a:t>
+            </a:r>
+          </a:p>
+        </p:txBody>
+      </p:sp>
+      <p:cxnSp>
+        <p:nvCxnSpPr>
+          <p:cNvPr id="29" name="直接箭头连接符 28">
+            <a:extLst>
+              <a:ext uri="{FF2B5EF4-FFF2-40B4-BE49-F238E27FC236}">
+                <a16:creationId xmlns:a16="http://schemas.microsoft.com/office/drawing/2014/main" id="{8B269F3E-8C83-4AA9-9A5B-5C53E31F395F}"/>
+              </a:ext>
+            </a:extLst>
+          </p:cNvPr>
+          <p:cNvCxnSpPr>
+            <a:cxnSpLocks/>
+            <a:stCxn id="28" idx="1"/>
+            <a:endCxn id="11" idx="2"/>
+          </p:cNvCxnSpPr>
+          <p:nvPr/>
+        </p:nvCxnSpPr>
+        <p:spPr>
+          <a:xfrm flipH="1" flipV="1">
+            <a:off x="7123250" y="4254760"/>
+            <a:ext cx="1" cy="637987"/>
+          </a:xfrm>
+          <a:prstGeom prst="straightConnector1">
+            <a:avLst/>
+          </a:prstGeom>
+          <a:ln w="25400">
+            <a:solidFill>
+              <a:schemeClr val="tx1"/>
+            </a:solidFill>
+            <a:headEnd type="arrow"/>
+            <a:tailEnd type="arrow"/>
+          </a:ln>
+        </p:spPr>
+        <p:style>
+          <a:lnRef idx="1">
+            <a:schemeClr val="accent1"/>
+          </a:lnRef>
+          <a:fillRef idx="0">
+            <a:schemeClr val="accent1"/>
+          </a:fillRef>
+          <a:effectRef idx="0">
+            <a:schemeClr val="accent1"/>
+          </a:effectRef>
+          <a:fontRef idx="minor">
+            <a:schemeClr val="tx1"/>
+          </a:fontRef>
+        </p:style>
+      </p:cxnSp>
+      <p:sp>
+        <p:nvSpPr>
+          <p:cNvPr id="34" name="文本框 33">
+            <a:extLst>
+              <a:ext uri="{FF2B5EF4-FFF2-40B4-BE49-F238E27FC236}">
+                <a16:creationId xmlns:a16="http://schemas.microsoft.com/office/drawing/2014/main" id="{5594FD0B-1AAA-4DEC-A0D0-F1FA6162ED5B}"/>
+              </a:ext>
+            </a:extLst>
+          </p:cNvPr>
+          <p:cNvSpPr txBox="1"/>
+          <p:nvPr/>
+        </p:nvSpPr>
+        <p:spPr>
+          <a:xfrm>
+            <a:off x="3513100" y="2851841"/>
+            <a:ext cx="636713" cy="338554"/>
+          </a:xfrm>
+          <a:prstGeom prst="rect">
+            <a:avLst/>
+          </a:prstGeom>
+          <a:noFill/>
+        </p:spPr>
+        <p:txBody>
+          <a:bodyPr wrap="none" rtlCol="0">
+            <a:spAutoFit/>
+          </a:bodyPr>
+          <a:lstStyle/>
+          <a:p>
+            <a:r>
+              <a:rPr lang="zh-CN" altLang="en-US" sz="1600" dirty="0">
+                <a:latin typeface="YaHei Consolas Hybrid" panose="020B0509020204020204" pitchFamily="49" charset="-122"/>
+                <a:ea typeface="YaHei Consolas Hybrid" panose="020B0509020204020204" pitchFamily="49" charset="-122"/>
+              </a:rPr>
+              <a:t>请求</a:t>
+            </a:r>
+          </a:p>
+        </p:txBody>
+      </p:sp>
+      <p:sp>
+        <p:nvSpPr>
+          <p:cNvPr id="35" name="文本框 34">
+            <a:extLst>
+              <a:ext uri="{FF2B5EF4-FFF2-40B4-BE49-F238E27FC236}">
+                <a16:creationId xmlns:a16="http://schemas.microsoft.com/office/drawing/2014/main" id="{B8437FA4-DA71-48A7-A661-078E147E32FF}"/>
+              </a:ext>
+            </a:extLst>
+          </p:cNvPr>
+          <p:cNvSpPr txBox="1"/>
+          <p:nvPr/>
+        </p:nvSpPr>
+        <p:spPr>
+          <a:xfrm>
+            <a:off x="3513100" y="3256384"/>
+            <a:ext cx="636713" cy="338554"/>
+          </a:xfrm>
+          <a:prstGeom prst="rect">
+            <a:avLst/>
+          </a:prstGeom>
+          <a:noFill/>
+        </p:spPr>
+        <p:txBody>
+          <a:bodyPr wrap="none" rtlCol="0">
+            <a:spAutoFit/>
+          </a:bodyPr>
+          <a:lstStyle/>
+          <a:p>
+            <a:r>
+              <a:rPr lang="zh-CN" altLang="en-US" sz="1600" dirty="0">
+                <a:latin typeface="YaHei Consolas Hybrid" panose="020B0509020204020204" pitchFamily="49" charset="-122"/>
+                <a:ea typeface="YaHei Consolas Hybrid" panose="020B0509020204020204" pitchFamily="49" charset="-122"/>
+              </a:rPr>
+              <a:t>响应</a:t>
+            </a:r>
+          </a:p>
+        </p:txBody>
+      </p:sp>
+    </p:spTree>
+    <p:extLst>
+      <p:ext uri="{BB962C8B-B14F-4D97-AF65-F5344CB8AC3E}">
+        <p14:creationId xmlns:p14="http://schemas.microsoft.com/office/powerpoint/2010/main" val="764471028"/>
+      </p:ext>
+    </p:extLst>
+  </p:cSld>
+  <p:clrMapOvr>
+    <a:masterClrMapping/>
+  </p:clrMapOvr>
+</p:sld>
+</file>
+
+<file path=ppt/slides/slide3.xml><?xml version="1.0" encoding="utf-8"?>
+<p:sld xmlns:a="http://schemas.openxmlformats.org/drawingml/2006/main" xmlns:r="http://schemas.openxmlformats.org/officeDocument/2006/relationships" xmlns:p="http://schemas.openxmlformats.org/presentationml/2006/main">
+  <p:cSld>
+    <p:spTree>
+      <p:nvGrpSpPr>
+        <p:cNvPr id="1" name=""/>
+        <p:cNvGrpSpPr/>
+        <p:nvPr/>
+      </p:nvGrpSpPr>
+      <p:grpSpPr>
+        <a:xfrm>
+          <a:off x="0" y="0"/>
+          <a:ext cx="0" cy="0"/>
+          <a:chOff x="0" y="0"/>
+          <a:chExt cx="0" cy="0"/>
+        </a:xfrm>
+      </p:grpSpPr>
+      <p:sp>
+        <p:nvSpPr>
+          <p:cNvPr id="5" name="椭圆 4">
+            <a:extLst>
+              <a:ext uri="{FF2B5EF4-FFF2-40B4-BE49-F238E27FC236}">
+                <a16:creationId xmlns:a16="http://schemas.microsoft.com/office/drawing/2014/main" id="{F9210628-76F5-4F8B-82BA-79B6290AB8FE}"/>
+              </a:ext>
+            </a:extLst>
+          </p:cNvPr>
+          <p:cNvSpPr/>
+          <p:nvPr/>
+        </p:nvSpPr>
+        <p:spPr>
+          <a:xfrm>
+            <a:off x="1637994" y="2615883"/>
+            <a:ext cx="1738630" cy="822960"/>
+          </a:xfrm>
+          <a:prstGeom prst="ellipse">
+            <a:avLst/>
+          </a:prstGeom>
+        </p:spPr>
+        <p:style>
+          <a:lnRef idx="2">
+            <a:schemeClr val="accent2">
+              <a:shade val="50000"/>
+            </a:schemeClr>
+          </a:lnRef>
+          <a:fillRef idx="1">
+            <a:schemeClr val="accent2"/>
+          </a:fillRef>
+          <a:effectRef idx="0">
+            <a:schemeClr val="accent2"/>
+          </a:effectRef>
+          <a:fontRef idx="minor">
+            <a:schemeClr val="lt1"/>
+          </a:fontRef>
+        </p:style>
+        <p:txBody>
+          <a:bodyPr rtlCol="0" anchor="ctr"/>
+          <a:lstStyle/>
+          <a:p>
+            <a:pPr algn="ctr"/>
+            <a:r>
+              <a:rPr lang="zh-CN" altLang="en-US" sz="1600" dirty="0">
+                <a:solidFill>
+                  <a:schemeClr val="bg1"/>
+                </a:solidFill>
+                <a:latin typeface="YaHei Consolas Hybrid" panose="020B0509020204020204" charset="-122"/>
+                <a:ea typeface="YaHei Consolas Hybrid" panose="020B0509020204020204" charset="-122"/>
+              </a:rPr>
+              <a:t>浏览器</a:t>
+            </a:r>
+          </a:p>
+        </p:txBody>
+      </p:sp>
+      <p:sp>
+        <p:nvSpPr>
+          <p:cNvPr id="6" name="矩形 5">
+            <a:extLst>
+              <a:ext uri="{FF2B5EF4-FFF2-40B4-BE49-F238E27FC236}">
+                <a16:creationId xmlns:a16="http://schemas.microsoft.com/office/drawing/2014/main" id="{4BAB5888-36F3-4D0A-B154-FD2EC1A4A761}"/>
+              </a:ext>
+            </a:extLst>
+          </p:cNvPr>
+          <p:cNvSpPr/>
+          <p:nvPr/>
+        </p:nvSpPr>
+        <p:spPr>
+          <a:xfrm>
+            <a:off x="4421844" y="2014128"/>
+            <a:ext cx="1738629" cy="678815"/>
+          </a:xfrm>
+          <a:prstGeom prst="rect">
+            <a:avLst/>
+          </a:prstGeom>
+        </p:spPr>
+        <p:style>
+          <a:lnRef idx="2">
+            <a:schemeClr val="accent4">
+              <a:shade val="50000"/>
+            </a:schemeClr>
+          </a:lnRef>
+          <a:fillRef idx="1">
+            <a:schemeClr val="accent4"/>
+          </a:fillRef>
+          <a:effectRef idx="0">
+            <a:schemeClr val="accent4"/>
+          </a:effectRef>
+          <a:fontRef idx="minor">
+            <a:schemeClr val="lt1"/>
+          </a:fontRef>
+        </p:style>
+        <p:txBody>
+          <a:bodyPr rtlCol="0" anchor="ctr"/>
+          <a:lstStyle/>
+          <a:p>
+            <a:pPr algn="ctr"/>
+            <a:r>
+              <a:rPr lang="zh-CN" altLang="en-US" sz="1600" dirty="0">
+                <a:solidFill>
+                  <a:schemeClr val="bg1"/>
+                </a:solidFill>
+                <a:latin typeface="YaHei Consolas Hybrid" panose="020B0509020204020204" charset="-122"/>
+                <a:ea typeface="YaHei Consolas Hybrid" panose="020B0509020204020204" charset="-122"/>
+              </a:rPr>
+              <a:t>控制器</a:t>
+            </a:r>
+            <a:endParaRPr lang="en-US" altLang="zh-CN" sz="1600" dirty="0">
+              <a:solidFill>
+                <a:schemeClr val="bg1"/>
+              </a:solidFill>
+              <a:latin typeface="YaHei Consolas Hybrid" panose="020B0509020204020204" charset="-122"/>
+              <a:ea typeface="YaHei Consolas Hybrid" panose="020B0509020204020204" charset="-122"/>
+            </a:endParaRPr>
+          </a:p>
+          <a:p>
+            <a:pPr algn="ctr"/>
+            <a:r>
+              <a:rPr lang="zh-CN" altLang="en-US" sz="1600" dirty="0">
+                <a:solidFill>
+                  <a:schemeClr val="bg1"/>
+                </a:solidFill>
+                <a:latin typeface="YaHei Consolas Hybrid" panose="020B0509020204020204" charset="-122"/>
+                <a:ea typeface="YaHei Consolas Hybrid" panose="020B0509020204020204" charset="-122"/>
+              </a:rPr>
+              <a:t>（</a:t>
+            </a:r>
+            <a:r>
+              <a:rPr lang="en-US" altLang="zh-CN" sz="1600" dirty="0">
+                <a:solidFill>
+                  <a:schemeClr val="bg1"/>
+                </a:solidFill>
+                <a:latin typeface="YaHei Consolas Hybrid" panose="020B0509020204020204" charset="-122"/>
+                <a:ea typeface="YaHei Consolas Hybrid" panose="020B0509020204020204" charset="-122"/>
+              </a:rPr>
+              <a:t>Controller</a:t>
+            </a:r>
+            <a:r>
+              <a:rPr lang="zh-CN" altLang="en-US" sz="1600" dirty="0">
+                <a:solidFill>
+                  <a:schemeClr val="bg1"/>
+                </a:solidFill>
+                <a:latin typeface="YaHei Consolas Hybrid" panose="020B0509020204020204" charset="-122"/>
+                <a:ea typeface="YaHei Consolas Hybrid" panose="020B0509020204020204" charset="-122"/>
+              </a:rPr>
+              <a:t>）</a:t>
+            </a:r>
+            <a:endParaRPr lang="en-US" altLang="zh-CN" sz="1600" dirty="0">
+              <a:solidFill>
+                <a:schemeClr val="bg1"/>
+              </a:solidFill>
+              <a:latin typeface="YaHei Consolas Hybrid" panose="020B0509020204020204" charset="-122"/>
+              <a:ea typeface="YaHei Consolas Hybrid" panose="020B0509020204020204" charset="-122"/>
+            </a:endParaRPr>
+          </a:p>
+        </p:txBody>
+      </p:sp>
+      <p:sp>
+        <p:nvSpPr>
+          <p:cNvPr id="8" name="矩形 7">
+            <a:extLst>
+              <a:ext uri="{FF2B5EF4-FFF2-40B4-BE49-F238E27FC236}">
+                <a16:creationId xmlns:a16="http://schemas.microsoft.com/office/drawing/2014/main" id="{3E8C935A-76C6-496D-9053-6003F0D2B28E}"/>
+              </a:ext>
+            </a:extLst>
+          </p:cNvPr>
+          <p:cNvSpPr/>
+          <p:nvPr/>
+        </p:nvSpPr>
+        <p:spPr>
+          <a:xfrm>
+            <a:off x="4421843" y="3361783"/>
+            <a:ext cx="1738629" cy="678815"/>
+          </a:xfrm>
+          <a:prstGeom prst="rect">
+            <a:avLst/>
+          </a:prstGeom>
+        </p:spPr>
+        <p:style>
+          <a:lnRef idx="2">
+            <a:schemeClr val="accent6">
+              <a:shade val="50000"/>
+            </a:schemeClr>
+          </a:lnRef>
+          <a:fillRef idx="1">
+            <a:schemeClr val="accent6"/>
+          </a:fillRef>
+          <a:effectRef idx="0">
+            <a:schemeClr val="accent6"/>
+          </a:effectRef>
+          <a:fontRef idx="minor">
+            <a:schemeClr val="lt1"/>
+          </a:fontRef>
+        </p:style>
+        <p:txBody>
+          <a:bodyPr rtlCol="0" anchor="ctr"/>
+          <a:lstStyle/>
+          <a:p>
+            <a:pPr algn="ctr"/>
+            <a:r>
+              <a:rPr lang="zh-CN" altLang="en-US" sz="1600" dirty="0">
+                <a:solidFill>
+                  <a:schemeClr val="bg1"/>
+                </a:solidFill>
+                <a:latin typeface="YaHei Consolas Hybrid" panose="020B0509020204020204" charset="-122"/>
+                <a:ea typeface="YaHei Consolas Hybrid" panose="020B0509020204020204" charset="-122"/>
+              </a:rPr>
+              <a:t>视图</a:t>
+            </a:r>
+            <a:endParaRPr lang="en-US" altLang="zh-CN" sz="1600" dirty="0">
+              <a:solidFill>
+                <a:schemeClr val="bg1"/>
+              </a:solidFill>
+              <a:latin typeface="YaHei Consolas Hybrid" panose="020B0509020204020204" charset="-122"/>
+              <a:ea typeface="YaHei Consolas Hybrid" panose="020B0509020204020204" charset="-122"/>
+            </a:endParaRPr>
+          </a:p>
+          <a:p>
+            <a:pPr algn="ctr"/>
+            <a:r>
+              <a:rPr lang="zh-CN" altLang="en-US" sz="1600" dirty="0">
+                <a:solidFill>
+                  <a:schemeClr val="bg1"/>
+                </a:solidFill>
+                <a:latin typeface="YaHei Consolas Hybrid" panose="020B0509020204020204" charset="-122"/>
+                <a:ea typeface="YaHei Consolas Hybrid" panose="020B0509020204020204" charset="-122"/>
+              </a:rPr>
+              <a:t>（</a:t>
+            </a:r>
+            <a:r>
+              <a:rPr lang="en-US" altLang="zh-CN" sz="1600" dirty="0">
+                <a:solidFill>
+                  <a:schemeClr val="bg1"/>
+                </a:solidFill>
+                <a:latin typeface="YaHei Consolas Hybrid" panose="020B0509020204020204" charset="-122"/>
+                <a:ea typeface="YaHei Consolas Hybrid" panose="020B0509020204020204" charset="-122"/>
+              </a:rPr>
+              <a:t>View</a:t>
+            </a:r>
+            <a:r>
+              <a:rPr lang="zh-CN" altLang="en-US" sz="1600" dirty="0">
+                <a:solidFill>
+                  <a:schemeClr val="bg1"/>
+                </a:solidFill>
+                <a:latin typeface="YaHei Consolas Hybrid" panose="020B0509020204020204" charset="-122"/>
+                <a:ea typeface="YaHei Consolas Hybrid" panose="020B0509020204020204" charset="-122"/>
+              </a:rPr>
+              <a:t>）</a:t>
+            </a:r>
+            <a:endParaRPr lang="en-US" altLang="zh-CN" sz="1600" dirty="0">
+              <a:solidFill>
+                <a:schemeClr val="bg1"/>
+              </a:solidFill>
+              <a:latin typeface="YaHei Consolas Hybrid" panose="020B0509020204020204" charset="-122"/>
+              <a:ea typeface="YaHei Consolas Hybrid" panose="020B0509020204020204" charset="-122"/>
+            </a:endParaRPr>
+          </a:p>
+        </p:txBody>
+      </p:sp>
+      <p:sp>
+        <p:nvSpPr>
+          <p:cNvPr id="9" name="矩形: 圆角 8">
+            <a:extLst>
+              <a:ext uri="{FF2B5EF4-FFF2-40B4-BE49-F238E27FC236}">
+                <a16:creationId xmlns:a16="http://schemas.microsoft.com/office/drawing/2014/main" id="{55677865-BF33-4AD8-968A-43172A83E1D6}"/>
+              </a:ext>
+            </a:extLst>
+          </p:cNvPr>
+          <p:cNvSpPr/>
+          <p:nvPr/>
+        </p:nvSpPr>
+        <p:spPr>
+          <a:xfrm>
+            <a:off x="6965915" y="2001382"/>
+            <a:ext cx="1307517" cy="2051962"/>
+          </a:xfrm>
+          <a:prstGeom prst="roundRect">
+            <a:avLst/>
+          </a:prstGeom>
+        </p:spPr>
+        <p:style>
+          <a:lnRef idx="2">
+            <a:schemeClr val="accent5">
+              <a:shade val="50000"/>
+            </a:schemeClr>
+          </a:lnRef>
+          <a:fillRef idx="1">
+            <a:schemeClr val="accent5"/>
+          </a:fillRef>
+          <a:effectRef idx="0">
+            <a:schemeClr val="accent5"/>
+          </a:effectRef>
+          <a:fontRef idx="minor">
+            <a:schemeClr val="lt1"/>
+          </a:fontRef>
+        </p:style>
+        <p:txBody>
+          <a:bodyPr rtlCol="0" anchor="ctr"/>
+          <a:lstStyle/>
+          <a:p>
+            <a:pPr algn="ctr"/>
+            <a:r>
+              <a:rPr lang="zh-CN" altLang="en-US" sz="1600" dirty="0">
+                <a:solidFill>
+                  <a:schemeClr val="bg1"/>
+                </a:solidFill>
+                <a:latin typeface="YaHei Consolas Hybrid" panose="020B0509020204020204" charset="-122"/>
+                <a:ea typeface="YaHei Consolas Hybrid" panose="020B0509020204020204" charset="-122"/>
+              </a:rPr>
+              <a:t>模型</a:t>
+            </a:r>
+            <a:endParaRPr lang="en-US" altLang="zh-CN" sz="1600" dirty="0">
+              <a:solidFill>
+                <a:schemeClr val="bg1"/>
+              </a:solidFill>
+              <a:latin typeface="YaHei Consolas Hybrid" panose="020B0509020204020204" charset="-122"/>
+              <a:ea typeface="YaHei Consolas Hybrid" panose="020B0509020204020204" charset="-122"/>
+            </a:endParaRPr>
+          </a:p>
+          <a:p>
+            <a:pPr algn="ctr"/>
+            <a:r>
+              <a:rPr lang="zh-CN" altLang="en-US" sz="1600" dirty="0">
+                <a:solidFill>
+                  <a:schemeClr val="bg1"/>
+                </a:solidFill>
+                <a:latin typeface="YaHei Consolas Hybrid" panose="020B0509020204020204" charset="-122"/>
+                <a:ea typeface="YaHei Consolas Hybrid" panose="020B0509020204020204" charset="-122"/>
+              </a:rPr>
+              <a:t>（</a:t>
+            </a:r>
+            <a:r>
+              <a:rPr lang="en-US" altLang="zh-CN" sz="1600" dirty="0">
+                <a:solidFill>
+                  <a:schemeClr val="bg1"/>
+                </a:solidFill>
+                <a:latin typeface="YaHei Consolas Hybrid" panose="020B0509020204020204" charset="-122"/>
+                <a:ea typeface="YaHei Consolas Hybrid" panose="020B0509020204020204" charset="-122"/>
+              </a:rPr>
+              <a:t>Model</a:t>
+            </a:r>
+            <a:r>
+              <a:rPr lang="zh-CN" altLang="en-US" sz="1600" dirty="0">
+                <a:solidFill>
+                  <a:schemeClr val="bg1"/>
+                </a:solidFill>
+                <a:latin typeface="YaHei Consolas Hybrid" panose="020B0509020204020204" charset="-122"/>
+                <a:ea typeface="YaHei Consolas Hybrid" panose="020B0509020204020204" charset="-122"/>
+              </a:rPr>
+              <a:t>）</a:t>
+            </a:r>
+          </a:p>
+        </p:txBody>
+      </p:sp>
+      <p:cxnSp>
+        <p:nvCxnSpPr>
+          <p:cNvPr id="10" name="直接箭头连接符 9">
+            <a:extLst>
+              <a:ext uri="{FF2B5EF4-FFF2-40B4-BE49-F238E27FC236}">
+                <a16:creationId xmlns:a16="http://schemas.microsoft.com/office/drawing/2014/main" id="{C330C8C8-C271-47C8-9DC5-7A5484B829D0}"/>
+              </a:ext>
+            </a:extLst>
+          </p:cNvPr>
+          <p:cNvCxnSpPr>
+            <a:cxnSpLocks/>
+            <a:stCxn id="6" idx="3"/>
+            <a:endCxn id="9" idx="1"/>
+          </p:cNvCxnSpPr>
+          <p:nvPr/>
+        </p:nvCxnSpPr>
+        <p:spPr>
+          <a:xfrm>
+            <a:off x="6160473" y="2353536"/>
+            <a:ext cx="805442" cy="673827"/>
+          </a:xfrm>
+          <a:prstGeom prst="straightConnector1">
+            <a:avLst/>
+          </a:prstGeom>
+          <a:ln w="25400">
+            <a:solidFill>
+              <a:schemeClr val="tx1"/>
+            </a:solidFill>
+            <a:headEnd type="arrow"/>
+            <a:tailEnd type="arrow"/>
+          </a:ln>
+        </p:spPr>
+        <p:style>
+          <a:lnRef idx="1">
+            <a:schemeClr val="accent1"/>
+          </a:lnRef>
+          <a:fillRef idx="0">
+            <a:schemeClr val="accent1"/>
+          </a:fillRef>
+          <a:effectRef idx="0">
+            <a:schemeClr val="accent1"/>
+          </a:effectRef>
+          <a:fontRef idx="minor">
+            <a:schemeClr val="tx1"/>
+          </a:fontRef>
+        </p:style>
+      </p:cxnSp>
+      <p:cxnSp>
+        <p:nvCxnSpPr>
+          <p:cNvPr id="13" name="直接箭头连接符 12">
+            <a:extLst>
+              <a:ext uri="{FF2B5EF4-FFF2-40B4-BE49-F238E27FC236}">
+                <a16:creationId xmlns:a16="http://schemas.microsoft.com/office/drawing/2014/main" id="{3096A820-1C24-486E-A122-B9850A277E1F}"/>
+              </a:ext>
+            </a:extLst>
+          </p:cNvPr>
+          <p:cNvCxnSpPr>
+            <a:cxnSpLocks/>
+            <a:stCxn id="9" idx="1"/>
+            <a:endCxn id="8" idx="3"/>
+          </p:cNvCxnSpPr>
+          <p:nvPr/>
+        </p:nvCxnSpPr>
+        <p:spPr>
+          <a:xfrm flipH="1">
+            <a:off x="6160472" y="3027363"/>
+            <a:ext cx="805443" cy="673828"/>
+          </a:xfrm>
+          <a:prstGeom prst="straightConnector1">
+            <a:avLst/>
+          </a:prstGeom>
+          <a:ln w="25400">
+            <a:solidFill>
+              <a:schemeClr val="tx1"/>
+            </a:solidFill>
+            <a:tailEnd type="arrow"/>
+          </a:ln>
+        </p:spPr>
+        <p:style>
+          <a:lnRef idx="1">
+            <a:schemeClr val="accent1"/>
+          </a:lnRef>
+          <a:fillRef idx="0">
+            <a:schemeClr val="accent1"/>
+          </a:fillRef>
+          <a:effectRef idx="0">
+            <a:schemeClr val="accent1"/>
+          </a:effectRef>
+          <a:fontRef idx="minor">
+            <a:schemeClr val="tx1"/>
+          </a:fontRef>
+        </p:style>
+      </p:cxnSp>
+      <p:cxnSp>
+        <p:nvCxnSpPr>
+          <p:cNvPr id="16" name="直接箭头连接符 15">
+            <a:extLst>
+              <a:ext uri="{FF2B5EF4-FFF2-40B4-BE49-F238E27FC236}">
+                <a16:creationId xmlns:a16="http://schemas.microsoft.com/office/drawing/2014/main" id="{231EF776-287A-4B98-8862-4BD52611086B}"/>
+              </a:ext>
+            </a:extLst>
+          </p:cNvPr>
+          <p:cNvCxnSpPr>
+            <a:cxnSpLocks/>
+            <a:stCxn id="6" idx="2"/>
+            <a:endCxn id="8" idx="0"/>
+          </p:cNvCxnSpPr>
+          <p:nvPr/>
+        </p:nvCxnSpPr>
+        <p:spPr>
+          <a:xfrm flipH="1">
+            <a:off x="5291158" y="2692943"/>
+            <a:ext cx="1" cy="668840"/>
+          </a:xfrm>
+          <a:prstGeom prst="straightConnector1">
+            <a:avLst/>
+          </a:prstGeom>
+          <a:ln w="25400">
+            <a:solidFill>
+              <a:schemeClr val="tx1"/>
+            </a:solidFill>
+            <a:headEnd type="none"/>
+            <a:tailEnd type="arrow"/>
+          </a:ln>
+        </p:spPr>
+        <p:style>
+          <a:lnRef idx="1">
+            <a:schemeClr val="accent1"/>
+          </a:lnRef>
+          <a:fillRef idx="0">
+            <a:schemeClr val="accent1"/>
+          </a:fillRef>
+          <a:effectRef idx="0">
+            <a:schemeClr val="accent1"/>
+          </a:effectRef>
+          <a:fontRef idx="minor">
+            <a:schemeClr val="tx1"/>
+          </a:fontRef>
+        </p:style>
+      </p:cxnSp>
+      <p:cxnSp>
+        <p:nvCxnSpPr>
+          <p:cNvPr id="19" name="直接箭头连接符 18">
+            <a:extLst>
+              <a:ext uri="{FF2B5EF4-FFF2-40B4-BE49-F238E27FC236}">
+                <a16:creationId xmlns:a16="http://schemas.microsoft.com/office/drawing/2014/main" id="{43325836-BC17-4776-B038-DB4071A0E950}"/>
+              </a:ext>
+            </a:extLst>
+          </p:cNvPr>
+          <p:cNvCxnSpPr>
+            <a:cxnSpLocks/>
+            <a:stCxn id="5" idx="6"/>
+            <a:endCxn id="6" idx="1"/>
+          </p:cNvCxnSpPr>
+          <p:nvPr/>
+        </p:nvCxnSpPr>
+        <p:spPr>
+          <a:xfrm flipV="1">
+            <a:off x="3376624" y="2353536"/>
+            <a:ext cx="1045220" cy="673827"/>
+          </a:xfrm>
+          <a:prstGeom prst="straightConnector1">
+            <a:avLst/>
+          </a:prstGeom>
+          <a:ln w="25400">
+            <a:solidFill>
+              <a:schemeClr val="tx1"/>
+            </a:solidFill>
+            <a:headEnd type="none" w="med" len="med"/>
+            <a:tailEnd type="arrow"/>
+          </a:ln>
+        </p:spPr>
+        <p:style>
+          <a:lnRef idx="1">
+            <a:schemeClr val="accent1"/>
+          </a:lnRef>
+          <a:fillRef idx="0">
+            <a:schemeClr val="accent1"/>
+          </a:fillRef>
+          <a:effectRef idx="0">
+            <a:schemeClr val="accent1"/>
+          </a:effectRef>
+          <a:fontRef idx="minor">
+            <a:schemeClr val="tx1"/>
+          </a:fontRef>
+        </p:style>
+      </p:cxnSp>
+      <p:cxnSp>
+        <p:nvCxnSpPr>
+          <p:cNvPr id="22" name="直接箭头连接符 21">
+            <a:extLst>
+              <a:ext uri="{FF2B5EF4-FFF2-40B4-BE49-F238E27FC236}">
+                <a16:creationId xmlns:a16="http://schemas.microsoft.com/office/drawing/2014/main" id="{D98E0DB0-0204-43FC-B05D-2AD1D200EFF2}"/>
+              </a:ext>
+            </a:extLst>
+          </p:cNvPr>
+          <p:cNvCxnSpPr>
+            <a:cxnSpLocks/>
+            <a:stCxn id="8" idx="1"/>
+            <a:endCxn id="5" idx="6"/>
+          </p:cNvCxnSpPr>
+          <p:nvPr/>
+        </p:nvCxnSpPr>
+        <p:spPr>
+          <a:xfrm flipH="1" flipV="1">
+            <a:off x="3376624" y="3027363"/>
+            <a:ext cx="1045219" cy="673828"/>
+          </a:xfrm>
+          <a:prstGeom prst="straightConnector1">
+            <a:avLst/>
+          </a:prstGeom>
+          <a:ln w="25400">
+            <a:solidFill>
+              <a:schemeClr val="tx1"/>
+            </a:solidFill>
+            <a:headEnd type="none" w="med" len="med"/>
+            <a:tailEnd type="arrow"/>
+          </a:ln>
+        </p:spPr>
+        <p:style>
+          <a:lnRef idx="1">
+            <a:schemeClr val="accent1"/>
+          </a:lnRef>
+          <a:fillRef idx="0">
+            <a:schemeClr val="accent1"/>
+          </a:fillRef>
+          <a:effectRef idx="0">
+            <a:schemeClr val="accent1"/>
+          </a:effectRef>
+          <a:fontRef idx="minor">
+            <a:schemeClr val="tx1"/>
+          </a:fontRef>
+        </p:style>
+      </p:cxnSp>
+      <p:sp>
+        <p:nvSpPr>
+          <p:cNvPr id="29" name="文本框 28">
+            <a:extLst>
+              <a:ext uri="{FF2B5EF4-FFF2-40B4-BE49-F238E27FC236}">
+                <a16:creationId xmlns:a16="http://schemas.microsoft.com/office/drawing/2014/main" id="{2FDB9078-F660-4F07-AE3F-B7DC1DFBB5A0}"/>
+              </a:ext>
+            </a:extLst>
+          </p:cNvPr>
+          <p:cNvSpPr txBox="1"/>
+          <p:nvPr/>
+        </p:nvSpPr>
+        <p:spPr>
+          <a:xfrm rot="19614826">
+            <a:off x="3521778" y="2327358"/>
+            <a:ext cx="579005" cy="307777"/>
+          </a:xfrm>
+          <a:prstGeom prst="rect">
+            <a:avLst/>
+          </a:prstGeom>
+          <a:noFill/>
+        </p:spPr>
+        <p:txBody>
+          <a:bodyPr wrap="none" rtlCol="0">
+            <a:spAutoFit/>
+          </a:bodyPr>
+          <a:lstStyle/>
+          <a:p>
+            <a:r>
+              <a:rPr lang="zh-CN" altLang="en-US" sz="1400" dirty="0">
+                <a:latin typeface="YaHei Consolas Hybrid" panose="020B0509020204020204" pitchFamily="49" charset="-122"/>
+                <a:ea typeface="YaHei Consolas Hybrid" panose="020B0509020204020204" pitchFamily="49" charset="-122"/>
+              </a:rPr>
+              <a:t>请求</a:t>
+            </a:r>
+          </a:p>
+        </p:txBody>
+      </p:sp>
+      <p:sp>
+        <p:nvSpPr>
+          <p:cNvPr id="30" name="文本框 29">
+            <a:extLst>
+              <a:ext uri="{FF2B5EF4-FFF2-40B4-BE49-F238E27FC236}">
+                <a16:creationId xmlns:a16="http://schemas.microsoft.com/office/drawing/2014/main" id="{7FE88699-6C5D-430C-9D1E-F6A0AFF2CAC0}"/>
+              </a:ext>
+            </a:extLst>
+          </p:cNvPr>
+          <p:cNvSpPr txBox="1"/>
+          <p:nvPr/>
+        </p:nvSpPr>
+        <p:spPr>
+          <a:xfrm rot="2024064">
+            <a:off x="3489843" y="3421365"/>
+            <a:ext cx="579005" cy="307777"/>
+          </a:xfrm>
+          <a:prstGeom prst="rect">
+            <a:avLst/>
+          </a:prstGeom>
+          <a:noFill/>
+        </p:spPr>
+        <p:txBody>
+          <a:bodyPr wrap="none" rtlCol="0">
+            <a:spAutoFit/>
+          </a:bodyPr>
+          <a:lstStyle/>
+          <a:p>
+            <a:r>
+              <a:rPr lang="zh-CN" altLang="en-US" sz="1400" dirty="0">
+                <a:latin typeface="YaHei Consolas Hybrid" panose="020B0509020204020204" pitchFamily="49" charset="-122"/>
+                <a:ea typeface="YaHei Consolas Hybrid" panose="020B0509020204020204" pitchFamily="49" charset="-122"/>
+              </a:rPr>
+              <a:t>响应</a:t>
+            </a:r>
+          </a:p>
+        </p:txBody>
+      </p:sp>
+    </p:spTree>
+    <p:extLst>
+      <p:ext uri="{BB962C8B-B14F-4D97-AF65-F5344CB8AC3E}">
+        <p14:creationId xmlns:p14="http://schemas.microsoft.com/office/powerpoint/2010/main" val="2329566936"/>
+      </p:ext>
+    </p:extLst>
+  </p:cSld>
+  <p:clrMapOvr>
+    <a:masterClrMapping/>
+  </p:clrMapOvr>
+</p:sld>
+</file>
+
+<file path=ppt/slides/slide4.xml><?xml version="1.0" encoding="utf-8"?>
+<p:sld xmlns:a="http://schemas.openxmlformats.org/drawingml/2006/main" xmlns:r="http://schemas.openxmlformats.org/officeDocument/2006/relationships" xmlns:p="http://schemas.openxmlformats.org/presentationml/2006/main">
+  <p:cSld>
+    <p:spTree>
+      <p:nvGrpSpPr>
+        <p:cNvPr id="1" name=""/>
+        <p:cNvGrpSpPr/>
+        <p:nvPr/>
+      </p:nvGrpSpPr>
+      <p:grpSpPr>
+        <a:xfrm>
+          <a:off x="0" y="0"/>
+          <a:ext cx="0" cy="0"/>
+          <a:chOff x="0" y="0"/>
+          <a:chExt cx="0" cy="0"/>
+        </a:xfrm>
+      </p:grpSpPr>
+      <p:sp>
+        <p:nvSpPr>
+          <p:cNvPr id="4" name="椭圆 3">
+            <a:extLst>
+              <a:ext uri="{FF2B5EF4-FFF2-40B4-BE49-F238E27FC236}">
+                <a16:creationId xmlns:a16="http://schemas.microsoft.com/office/drawing/2014/main" id="{D7D6A286-4943-462A-BADD-589094CB2174}"/>
+              </a:ext>
+            </a:extLst>
+          </p:cNvPr>
+          <p:cNvSpPr/>
+          <p:nvPr/>
+        </p:nvSpPr>
+        <p:spPr>
+          <a:xfrm>
+            <a:off x="1833938" y="2550569"/>
+            <a:ext cx="1738630" cy="822960"/>
+          </a:xfrm>
+          <a:prstGeom prst="ellipse">
+            <a:avLst/>
+          </a:prstGeom>
+        </p:spPr>
+        <p:style>
+          <a:lnRef idx="2">
+            <a:schemeClr val="accent2">
+              <a:shade val="50000"/>
+            </a:schemeClr>
+          </a:lnRef>
+          <a:fillRef idx="1">
+            <a:schemeClr val="accent2"/>
+          </a:fillRef>
+          <a:effectRef idx="0">
+            <a:schemeClr val="accent2"/>
+          </a:effectRef>
+          <a:fontRef idx="minor">
+            <a:schemeClr val="lt1"/>
+          </a:fontRef>
+        </p:style>
+        <p:txBody>
+          <a:bodyPr rtlCol="0" anchor="ctr"/>
+          <a:lstStyle/>
+          <a:p>
+            <a:pPr algn="ctr"/>
+            <a:r>
+              <a:rPr lang="zh-CN" altLang="en-US" sz="1600" dirty="0">
+                <a:solidFill>
+                  <a:schemeClr val="bg1"/>
+                </a:solidFill>
+                <a:latin typeface="YaHei Consolas Hybrid" panose="020B0509020204020204" charset="-122"/>
+                <a:ea typeface="YaHei Consolas Hybrid" panose="020B0509020204020204" charset="-122"/>
+              </a:rPr>
+              <a:t>浏览器</a:t>
+            </a:r>
+          </a:p>
+        </p:txBody>
+      </p:sp>
+      <p:sp>
+        <p:nvSpPr>
+          <p:cNvPr id="6" name="矩形 5">
+            <a:extLst>
+              <a:ext uri="{FF2B5EF4-FFF2-40B4-BE49-F238E27FC236}">
+                <a16:creationId xmlns:a16="http://schemas.microsoft.com/office/drawing/2014/main" id="{9B9AFCE4-90C2-4EB7-AC82-A1BDBA99AD10}"/>
+              </a:ext>
+            </a:extLst>
+          </p:cNvPr>
+          <p:cNvSpPr/>
+          <p:nvPr/>
+        </p:nvSpPr>
+        <p:spPr>
+          <a:xfrm>
+            <a:off x="4544009" y="2356349"/>
+            <a:ext cx="2431231" cy="1211399"/>
+          </a:xfrm>
+          <a:prstGeom prst="rect">
+            <a:avLst/>
+          </a:prstGeom>
+        </p:spPr>
+        <p:style>
+          <a:lnRef idx="2">
+            <a:schemeClr val="accent6">
+              <a:shade val="50000"/>
+            </a:schemeClr>
+          </a:lnRef>
+          <a:fillRef idx="1">
+            <a:schemeClr val="accent6"/>
+          </a:fillRef>
+          <a:effectRef idx="0">
+            <a:schemeClr val="accent6"/>
+          </a:effectRef>
+          <a:fontRef idx="minor">
+            <a:schemeClr val="lt1"/>
+          </a:fontRef>
+        </p:style>
+        <p:txBody>
+          <a:bodyPr rtlCol="0" anchor="ctr"/>
+          <a:lstStyle/>
+          <a:p>
+            <a:pPr algn="ctr"/>
+            <a:r>
+              <a:rPr lang="zh-CN" altLang="en-US" sz="1600" dirty="0">
+                <a:solidFill>
+                  <a:schemeClr val="bg1"/>
+                </a:solidFill>
+                <a:latin typeface="YaHei Consolas Hybrid" panose="020B0509020204020204" charset="-122"/>
+                <a:ea typeface="YaHei Consolas Hybrid" panose="020B0509020204020204" charset="-122"/>
+              </a:rPr>
+              <a:t>视图、控制器</a:t>
+            </a:r>
+            <a:endParaRPr lang="en-US" altLang="zh-CN" sz="1600" dirty="0">
+              <a:solidFill>
+                <a:schemeClr val="bg1"/>
+              </a:solidFill>
+              <a:latin typeface="YaHei Consolas Hybrid" panose="020B0509020204020204" charset="-122"/>
+              <a:ea typeface="YaHei Consolas Hybrid" panose="020B0509020204020204" charset="-122"/>
+            </a:endParaRPr>
+          </a:p>
+          <a:p>
+            <a:pPr algn="ctr"/>
+            <a:r>
+              <a:rPr lang="zh-CN" altLang="en-US" sz="1600" dirty="0">
+                <a:solidFill>
+                  <a:schemeClr val="bg1"/>
+                </a:solidFill>
+                <a:latin typeface="YaHei Consolas Hybrid" panose="020B0509020204020204" charset="-122"/>
+                <a:ea typeface="YaHei Consolas Hybrid" panose="020B0509020204020204" charset="-122"/>
+              </a:rPr>
+              <a:t>（</a:t>
+            </a:r>
+            <a:r>
+              <a:rPr lang="en-US" altLang="zh-CN" sz="1600" dirty="0">
+                <a:solidFill>
+                  <a:schemeClr val="bg1"/>
+                </a:solidFill>
+                <a:latin typeface="YaHei Consolas Hybrid" panose="020B0509020204020204" charset="-122"/>
+                <a:ea typeface="YaHei Consolas Hybrid" panose="020B0509020204020204" charset="-122"/>
+              </a:rPr>
+              <a:t>View</a:t>
+            </a:r>
+            <a:r>
+              <a:rPr lang="zh-CN" altLang="en-US" sz="1600" dirty="0">
+                <a:solidFill>
+                  <a:schemeClr val="bg1"/>
+                </a:solidFill>
+                <a:latin typeface="YaHei Consolas Hybrid" panose="020B0509020204020204" charset="-122"/>
+                <a:ea typeface="YaHei Consolas Hybrid" panose="020B0509020204020204" charset="-122"/>
+              </a:rPr>
+              <a:t>、</a:t>
+            </a:r>
+            <a:r>
+              <a:rPr lang="en-US" altLang="zh-CN" sz="1600" dirty="0">
+                <a:solidFill>
+                  <a:schemeClr val="bg1"/>
+                </a:solidFill>
+                <a:latin typeface="YaHei Consolas Hybrid" panose="020B0509020204020204" charset="-122"/>
+                <a:ea typeface="YaHei Consolas Hybrid" panose="020B0509020204020204" charset="-122"/>
+              </a:rPr>
+              <a:t>Controller</a:t>
+            </a:r>
+            <a:r>
+              <a:rPr lang="zh-CN" altLang="en-US" sz="1600" dirty="0">
+                <a:solidFill>
+                  <a:schemeClr val="bg1"/>
+                </a:solidFill>
+                <a:latin typeface="YaHei Consolas Hybrid" panose="020B0509020204020204" charset="-122"/>
+                <a:ea typeface="YaHei Consolas Hybrid" panose="020B0509020204020204" charset="-122"/>
+              </a:rPr>
+              <a:t>）</a:t>
+            </a:r>
+            <a:endParaRPr lang="en-US" altLang="zh-CN" sz="1600" dirty="0">
+              <a:solidFill>
+                <a:schemeClr val="bg1"/>
+              </a:solidFill>
+              <a:latin typeface="YaHei Consolas Hybrid" panose="020B0509020204020204" charset="-122"/>
+              <a:ea typeface="YaHei Consolas Hybrid" panose="020B0509020204020204" charset="-122"/>
+            </a:endParaRPr>
+          </a:p>
+          <a:p>
+            <a:pPr algn="ctr"/>
+            <a:r>
+              <a:rPr lang="en-US" altLang="zh-CN" sz="1600" dirty="0">
+                <a:solidFill>
+                  <a:schemeClr val="bg1"/>
+                </a:solidFill>
+                <a:latin typeface="YaHei Consolas Hybrid" panose="020B0509020204020204" charset="-122"/>
+                <a:ea typeface="YaHei Consolas Hybrid" panose="020B0509020204020204" charset="-122"/>
+              </a:rPr>
+              <a:t>HTML</a:t>
+            </a:r>
+            <a:r>
+              <a:rPr lang="zh-CN" altLang="en-US" sz="1600" dirty="0">
+                <a:solidFill>
+                  <a:schemeClr val="bg1"/>
+                </a:solidFill>
+                <a:latin typeface="YaHei Consolas Hybrid" panose="020B0509020204020204" charset="-122"/>
+                <a:ea typeface="YaHei Consolas Hybrid" panose="020B0509020204020204" charset="-122"/>
+              </a:rPr>
+              <a:t>、</a:t>
+            </a:r>
+            <a:r>
+              <a:rPr lang="en-US" altLang="zh-CN" sz="1600" dirty="0">
+                <a:solidFill>
+                  <a:schemeClr val="bg1"/>
+                </a:solidFill>
+                <a:latin typeface="YaHei Consolas Hybrid" panose="020B0509020204020204" charset="-122"/>
+                <a:ea typeface="YaHei Consolas Hybrid" panose="020B0509020204020204" charset="-122"/>
+              </a:rPr>
+              <a:t>CSS</a:t>
+            </a:r>
+            <a:r>
+              <a:rPr lang="zh-CN" altLang="en-US" sz="1600" dirty="0">
+                <a:solidFill>
+                  <a:schemeClr val="bg1"/>
+                </a:solidFill>
+                <a:latin typeface="YaHei Consolas Hybrid" panose="020B0509020204020204" charset="-122"/>
+                <a:ea typeface="YaHei Consolas Hybrid" panose="020B0509020204020204" charset="-122"/>
+              </a:rPr>
+              <a:t>、</a:t>
+            </a:r>
+            <a:r>
+              <a:rPr lang="en-US" altLang="zh-CN" sz="1600" dirty="0">
+                <a:solidFill>
+                  <a:schemeClr val="bg1"/>
+                </a:solidFill>
+                <a:latin typeface="YaHei Consolas Hybrid" panose="020B0509020204020204" charset="-122"/>
+                <a:ea typeface="YaHei Consolas Hybrid" panose="020B0509020204020204" charset="-122"/>
+              </a:rPr>
+              <a:t>JS</a:t>
+            </a:r>
+          </a:p>
+        </p:txBody>
+      </p:sp>
+      <p:sp>
+        <p:nvSpPr>
+          <p:cNvPr id="7" name="矩形: 圆角 6">
+            <a:extLst>
+              <a:ext uri="{FF2B5EF4-FFF2-40B4-BE49-F238E27FC236}">
+                <a16:creationId xmlns:a16="http://schemas.microsoft.com/office/drawing/2014/main" id="{595080AF-2E7F-4DDD-BBE7-0462C4B35804}"/>
+              </a:ext>
+            </a:extLst>
+          </p:cNvPr>
+          <p:cNvSpPr/>
+          <p:nvPr/>
+        </p:nvSpPr>
+        <p:spPr>
+          <a:xfrm>
+            <a:off x="8734537" y="1936068"/>
+            <a:ext cx="1307517" cy="2051962"/>
+          </a:xfrm>
+          <a:prstGeom prst="roundRect">
+            <a:avLst/>
+          </a:prstGeom>
+        </p:spPr>
+        <p:style>
+          <a:lnRef idx="2">
+            <a:schemeClr val="accent5">
+              <a:shade val="50000"/>
+            </a:schemeClr>
+          </a:lnRef>
+          <a:fillRef idx="1">
+            <a:schemeClr val="accent5"/>
+          </a:fillRef>
+          <a:effectRef idx="0">
+            <a:schemeClr val="accent5"/>
+          </a:effectRef>
+          <a:fontRef idx="minor">
+            <a:schemeClr val="lt1"/>
+          </a:fontRef>
+        </p:style>
+        <p:txBody>
+          <a:bodyPr rtlCol="0" anchor="ctr"/>
+          <a:lstStyle/>
+          <a:p>
+            <a:pPr algn="ctr"/>
+            <a:r>
+              <a:rPr lang="zh-CN" altLang="en-US" sz="1600" dirty="0">
+                <a:solidFill>
+                  <a:schemeClr val="bg1"/>
+                </a:solidFill>
+                <a:latin typeface="YaHei Consolas Hybrid" panose="020B0509020204020204" charset="-122"/>
+                <a:ea typeface="YaHei Consolas Hybrid" panose="020B0509020204020204" charset="-122"/>
+              </a:rPr>
+              <a:t>后台服务（</a:t>
+            </a:r>
+            <a:r>
+              <a:rPr lang="en-US" altLang="zh-CN" sz="1600" dirty="0">
+                <a:solidFill>
+                  <a:schemeClr val="bg1"/>
+                </a:solidFill>
+                <a:latin typeface="YaHei Consolas Hybrid" panose="020B0509020204020204" charset="-122"/>
+                <a:ea typeface="YaHei Consolas Hybrid" panose="020B0509020204020204" charset="-122"/>
+              </a:rPr>
+              <a:t>Server</a:t>
+            </a:r>
+            <a:r>
+              <a:rPr lang="zh-CN" altLang="en-US" sz="1600" dirty="0">
+                <a:solidFill>
+                  <a:schemeClr val="bg1"/>
+                </a:solidFill>
+                <a:latin typeface="YaHei Consolas Hybrid" panose="020B0509020204020204" charset="-122"/>
+                <a:ea typeface="YaHei Consolas Hybrid" panose="020B0509020204020204" charset="-122"/>
+              </a:rPr>
+              <a:t>）</a:t>
+            </a:r>
+          </a:p>
+        </p:txBody>
+      </p:sp>
+      <p:cxnSp>
+        <p:nvCxnSpPr>
+          <p:cNvPr id="9" name="直接箭头连接符 8">
+            <a:extLst>
+              <a:ext uri="{FF2B5EF4-FFF2-40B4-BE49-F238E27FC236}">
+                <a16:creationId xmlns:a16="http://schemas.microsoft.com/office/drawing/2014/main" id="{5BFBEF1C-8156-40C8-A4B8-36A6B2F7604D}"/>
+              </a:ext>
+            </a:extLst>
+          </p:cNvPr>
+          <p:cNvCxnSpPr>
+            <a:cxnSpLocks/>
+            <a:stCxn id="7" idx="1"/>
+            <a:endCxn id="6" idx="3"/>
+          </p:cNvCxnSpPr>
+          <p:nvPr/>
+        </p:nvCxnSpPr>
+        <p:spPr>
+          <a:xfrm flipH="1">
+            <a:off x="6975240" y="2962049"/>
+            <a:ext cx="1759297" cy="0"/>
+          </a:xfrm>
+          <a:prstGeom prst="straightConnector1">
+            <a:avLst/>
+          </a:prstGeom>
+          <a:ln w="25400">
+            <a:solidFill>
+              <a:schemeClr val="tx1"/>
+            </a:solidFill>
+            <a:headEnd type="arrow"/>
+            <a:tailEnd type="arrow"/>
+          </a:ln>
+        </p:spPr>
+        <p:style>
+          <a:lnRef idx="1">
+            <a:schemeClr val="accent1"/>
+          </a:lnRef>
+          <a:fillRef idx="0">
+            <a:schemeClr val="accent1"/>
+          </a:fillRef>
+          <a:effectRef idx="0">
+            <a:schemeClr val="accent1"/>
+          </a:effectRef>
+          <a:fontRef idx="minor">
+            <a:schemeClr val="tx1"/>
+          </a:fontRef>
+        </p:style>
+      </p:cxnSp>
+      <p:cxnSp>
+        <p:nvCxnSpPr>
+          <p:cNvPr id="12" name="直接箭头连接符 11">
+            <a:extLst>
+              <a:ext uri="{FF2B5EF4-FFF2-40B4-BE49-F238E27FC236}">
+                <a16:creationId xmlns:a16="http://schemas.microsoft.com/office/drawing/2014/main" id="{D824AA9B-7103-45F0-A629-D00A2065FE8C}"/>
+              </a:ext>
+            </a:extLst>
+          </p:cNvPr>
+          <p:cNvCxnSpPr>
+            <a:cxnSpLocks/>
+            <a:stCxn id="6" idx="1"/>
+            <a:endCxn id="4" idx="6"/>
+          </p:cNvCxnSpPr>
+          <p:nvPr/>
+        </p:nvCxnSpPr>
+        <p:spPr>
+          <a:xfrm flipH="1">
+            <a:off x="3572568" y="2962049"/>
+            <a:ext cx="971441" cy="0"/>
+          </a:xfrm>
+          <a:prstGeom prst="straightConnector1">
+            <a:avLst/>
+          </a:prstGeom>
+          <a:ln w="25400">
+            <a:solidFill>
+              <a:schemeClr val="tx1"/>
+            </a:solidFill>
+            <a:headEnd type="arrow" w="med" len="med"/>
+            <a:tailEnd type="arrow"/>
+          </a:ln>
+        </p:spPr>
+        <p:style>
+          <a:lnRef idx="1">
+            <a:schemeClr val="accent1"/>
+          </a:lnRef>
+          <a:fillRef idx="0">
+            <a:schemeClr val="accent1"/>
+          </a:fillRef>
+          <a:effectRef idx="0">
+            <a:schemeClr val="accent1"/>
+          </a:effectRef>
+          <a:fontRef idx="minor">
+            <a:schemeClr val="tx1"/>
+          </a:fontRef>
+        </p:style>
+      </p:cxnSp>
+      <p:sp>
+        <p:nvSpPr>
+          <p:cNvPr id="13" name="文本框 12">
+            <a:extLst>
+              <a:ext uri="{FF2B5EF4-FFF2-40B4-BE49-F238E27FC236}">
+                <a16:creationId xmlns:a16="http://schemas.microsoft.com/office/drawing/2014/main" id="{B287E514-F443-4E25-BDF0-8755ACC014A7}"/>
+              </a:ext>
+            </a:extLst>
+          </p:cNvPr>
+          <p:cNvSpPr txBox="1"/>
+          <p:nvPr/>
+        </p:nvSpPr>
+        <p:spPr>
+          <a:xfrm>
+            <a:off x="3722502" y="2627875"/>
+            <a:ext cx="579005" cy="307777"/>
+          </a:xfrm>
+          <a:prstGeom prst="rect">
+            <a:avLst/>
+          </a:prstGeom>
+          <a:noFill/>
+        </p:spPr>
+        <p:txBody>
+          <a:bodyPr wrap="none" rtlCol="0">
+            <a:spAutoFit/>
+          </a:bodyPr>
+          <a:lstStyle/>
+          <a:p>
+            <a:r>
+              <a:rPr lang="zh-CN" altLang="en-US" sz="1400" dirty="0">
+                <a:latin typeface="YaHei Consolas Hybrid" panose="020B0509020204020204" pitchFamily="49" charset="-122"/>
+                <a:ea typeface="YaHei Consolas Hybrid" panose="020B0509020204020204" pitchFamily="49" charset="-122"/>
+              </a:rPr>
+              <a:t>请求</a:t>
+            </a:r>
+          </a:p>
+        </p:txBody>
+      </p:sp>
+      <p:sp>
+        <p:nvSpPr>
+          <p:cNvPr id="14" name="文本框 13">
+            <a:extLst>
+              <a:ext uri="{FF2B5EF4-FFF2-40B4-BE49-F238E27FC236}">
+                <a16:creationId xmlns:a16="http://schemas.microsoft.com/office/drawing/2014/main" id="{50B1F866-441D-4338-867C-8F450A4D5FC6}"/>
+              </a:ext>
+            </a:extLst>
+          </p:cNvPr>
+          <p:cNvSpPr txBox="1"/>
+          <p:nvPr/>
+        </p:nvSpPr>
+        <p:spPr>
+          <a:xfrm>
+            <a:off x="3722502" y="2983351"/>
+            <a:ext cx="579005" cy="307777"/>
+          </a:xfrm>
+          <a:prstGeom prst="rect">
+            <a:avLst/>
+          </a:prstGeom>
+          <a:noFill/>
+        </p:spPr>
+        <p:txBody>
+          <a:bodyPr wrap="none" rtlCol="0">
+            <a:spAutoFit/>
+          </a:bodyPr>
+          <a:lstStyle/>
+          <a:p>
+            <a:r>
+              <a:rPr lang="zh-CN" altLang="en-US" sz="1400" dirty="0">
+                <a:latin typeface="YaHei Consolas Hybrid" panose="020B0509020204020204" pitchFamily="49" charset="-122"/>
+                <a:ea typeface="YaHei Consolas Hybrid" panose="020B0509020204020204" pitchFamily="49" charset="-122"/>
+              </a:rPr>
+              <a:t>响应</a:t>
+            </a:r>
+          </a:p>
+        </p:txBody>
+      </p:sp>
+      <p:sp>
+        <p:nvSpPr>
+          <p:cNvPr id="25" name="文本框 24">
+            <a:extLst>
+              <a:ext uri="{FF2B5EF4-FFF2-40B4-BE49-F238E27FC236}">
+                <a16:creationId xmlns:a16="http://schemas.microsoft.com/office/drawing/2014/main" id="{DDBA64E0-58C4-4E4B-8D02-5F55D61BC094}"/>
+              </a:ext>
+            </a:extLst>
+          </p:cNvPr>
+          <p:cNvSpPr txBox="1"/>
+          <p:nvPr/>
+        </p:nvSpPr>
+        <p:spPr>
+          <a:xfrm>
+            <a:off x="7114080" y="2627874"/>
+            <a:ext cx="1574918" cy="307777"/>
+          </a:xfrm>
+          <a:prstGeom prst="rect">
+            <a:avLst/>
+          </a:prstGeom>
+          <a:noFill/>
+        </p:spPr>
+        <p:txBody>
+          <a:bodyPr wrap="none" rtlCol="0">
+            <a:spAutoFit/>
+          </a:bodyPr>
+          <a:lstStyle/>
+          <a:p>
+            <a:r>
+              <a:rPr lang="en-US" altLang="zh-CN" sz="1400" dirty="0">
+                <a:latin typeface="YaHei Consolas Hybrid" panose="020B0509020204020204" pitchFamily="49" charset="-122"/>
+                <a:ea typeface="YaHei Consolas Hybrid" panose="020B0509020204020204" pitchFamily="49" charset="-122"/>
+              </a:rPr>
+              <a:t>Ajax</a:t>
+            </a:r>
+            <a:r>
+              <a:rPr lang="zh-CN" altLang="en-US" sz="1400" dirty="0">
+                <a:latin typeface="YaHei Consolas Hybrid" panose="020B0509020204020204" pitchFamily="49" charset="-122"/>
+                <a:ea typeface="YaHei Consolas Hybrid" panose="020B0509020204020204" pitchFamily="49" charset="-122"/>
+              </a:rPr>
+              <a:t>、</a:t>
+            </a:r>
+            <a:r>
+              <a:rPr lang="en-US" altLang="zh-CN" sz="1400" dirty="0">
+                <a:latin typeface="YaHei Consolas Hybrid" panose="020B0509020204020204" pitchFamily="49" charset="-122"/>
+                <a:ea typeface="YaHei Consolas Hybrid" panose="020B0509020204020204" pitchFamily="49" charset="-122"/>
+              </a:rPr>
+              <a:t>HTTP</a:t>
+            </a:r>
+            <a:r>
+              <a:rPr lang="zh-CN" altLang="en-US" sz="1400" dirty="0">
+                <a:latin typeface="YaHei Consolas Hybrid" panose="020B0509020204020204" pitchFamily="49" charset="-122"/>
+                <a:ea typeface="YaHei Consolas Hybrid" panose="020B0509020204020204" pitchFamily="49" charset="-122"/>
+              </a:rPr>
+              <a:t>请求</a:t>
+            </a:r>
+          </a:p>
+        </p:txBody>
+      </p:sp>
+      <p:sp>
+        <p:nvSpPr>
+          <p:cNvPr id="26" name="文本框 25">
+            <a:extLst>
+              <a:ext uri="{FF2B5EF4-FFF2-40B4-BE49-F238E27FC236}">
+                <a16:creationId xmlns:a16="http://schemas.microsoft.com/office/drawing/2014/main" id="{407FCB2E-BDE2-4C3C-BE7E-5FBC1EF9BD72}"/>
+              </a:ext>
+            </a:extLst>
+          </p:cNvPr>
+          <p:cNvSpPr txBox="1"/>
+          <p:nvPr/>
+        </p:nvSpPr>
+        <p:spPr>
+          <a:xfrm>
+            <a:off x="7216095" y="2978935"/>
+            <a:ext cx="1370888" cy="307777"/>
+          </a:xfrm>
+          <a:prstGeom prst="rect">
+            <a:avLst/>
+          </a:prstGeom>
+          <a:noFill/>
+        </p:spPr>
+        <p:txBody>
+          <a:bodyPr wrap="none" rtlCol="0">
+            <a:spAutoFit/>
+          </a:bodyPr>
+          <a:lstStyle/>
+          <a:p>
+            <a:r>
+              <a:rPr lang="en-US" altLang="zh-CN" sz="1400" dirty="0">
+                <a:latin typeface="YaHei Consolas Hybrid" panose="020B0509020204020204" pitchFamily="49" charset="-122"/>
+                <a:ea typeface="YaHei Consolas Hybrid" panose="020B0509020204020204" pitchFamily="49" charset="-122"/>
+              </a:rPr>
+              <a:t>JSON</a:t>
+            </a:r>
+            <a:r>
+              <a:rPr lang="zh-CN" altLang="en-US" sz="1400" dirty="0">
+                <a:latin typeface="YaHei Consolas Hybrid" panose="020B0509020204020204" pitchFamily="49" charset="-122"/>
+                <a:ea typeface="YaHei Consolas Hybrid" panose="020B0509020204020204" pitchFamily="49" charset="-122"/>
+              </a:rPr>
+              <a:t>数据返回</a:t>
+            </a:r>
+          </a:p>
+        </p:txBody>
+      </p:sp>
+    </p:spTree>
+    <p:extLst>
+      <p:ext uri="{BB962C8B-B14F-4D97-AF65-F5344CB8AC3E}">
+        <p14:creationId xmlns:p14="http://schemas.microsoft.com/office/powerpoint/2010/main" val="3511655886"/>
+      </p:ext>
+    </p:extLst>
+  </p:cSld>
+  <p:clrMapOvr>
+    <a:masterClrMapping/>
+  </p:clrMapOvr>
+</p:sld>
+</file>
+
+<file path=ppt/slides/slide5.xml><?xml version="1.0" encoding="utf-8"?>
+<p:sld xmlns:a="http://schemas.openxmlformats.org/drawingml/2006/main" xmlns:r="http://schemas.openxmlformats.org/officeDocument/2006/relationships" xmlns:p="http://schemas.openxmlformats.org/presentationml/2006/main">
+  <p:cSld>
+    <p:spTree>
+      <p:nvGrpSpPr>
+        <p:cNvPr id="1" name=""/>
+        <p:cNvGrpSpPr/>
+        <p:nvPr/>
+      </p:nvGrpSpPr>
+      <p:grpSpPr>
+        <a:xfrm>
+          <a:off x="0" y="0"/>
+          <a:ext cx="0" cy="0"/>
+          <a:chOff x="0" y="0"/>
+          <a:chExt cx="0" cy="0"/>
+        </a:xfrm>
+      </p:grpSpPr>
+      <p:grpSp>
+        <p:nvGrpSpPr>
+          <p:cNvPr id="40" name="组合 39">
+            <a:extLst>
+              <a:ext uri="{FF2B5EF4-FFF2-40B4-BE49-F238E27FC236}">
+                <a16:creationId xmlns:a16="http://schemas.microsoft.com/office/drawing/2014/main" id="{C818DB8B-4417-4202-9F1D-3E8F9B805A16}"/>
+              </a:ext>
+            </a:extLst>
+          </p:cNvPr>
+          <p:cNvGrpSpPr/>
+          <p:nvPr/>
+        </p:nvGrpSpPr>
+        <p:grpSpPr>
+          <a:xfrm>
+            <a:off x="331709" y="1746481"/>
+            <a:ext cx="5776823" cy="3365173"/>
+            <a:chOff x="331709" y="1746481"/>
+            <a:chExt cx="5776823" cy="3365173"/>
+          </a:xfrm>
+        </p:grpSpPr>
+        <p:sp>
+          <p:nvSpPr>
+            <p:cNvPr id="4" name="矩形: 圆角 3">
+              <a:extLst>
+                <a:ext uri="{FF2B5EF4-FFF2-40B4-BE49-F238E27FC236}">
+                  <a16:creationId xmlns:a16="http://schemas.microsoft.com/office/drawing/2014/main" id="{03BA0E6E-BAA1-40D1-819E-8A6A306B30F3}"/>
+                </a:ext>
+              </a:extLst>
+            </p:cNvPr>
+            <p:cNvSpPr/>
+            <p:nvPr/>
+          </p:nvSpPr>
+          <p:spPr>
+            <a:xfrm>
+              <a:off x="331709" y="1746481"/>
+              <a:ext cx="1738630" cy="3365039"/>
+            </a:xfrm>
+            <a:prstGeom prst="roundRect">
+              <a:avLst/>
+            </a:prstGeom>
+          </p:spPr>
+          <p:style>
+            <a:lnRef idx="2">
+              <a:schemeClr val="accent2">
+                <a:shade val="50000"/>
+              </a:schemeClr>
+            </a:lnRef>
+            <a:fillRef idx="1">
+              <a:schemeClr val="accent2"/>
+            </a:fillRef>
+            <a:effectRef idx="0">
+              <a:schemeClr val="accent2"/>
+            </a:effectRef>
+            <a:fontRef idx="minor">
+              <a:schemeClr val="lt1"/>
+            </a:fontRef>
+          </p:style>
+          <p:txBody>
+            <a:bodyPr rtlCol="0" anchor="ctr"/>
+            <a:lstStyle/>
+            <a:p>
+              <a:pPr algn="ctr"/>
+              <a:r>
+                <a:rPr lang="zh-CN" altLang="en-US" sz="1600" dirty="0">
+                  <a:solidFill>
+                    <a:schemeClr val="bg1"/>
+                  </a:solidFill>
+                  <a:latin typeface="YaHei Consolas Hybrid" panose="020B0509020204020204" charset="-122"/>
+                  <a:ea typeface="YaHei Consolas Hybrid" panose="020B0509020204020204" charset="-122"/>
+                </a:rPr>
+                <a:t>浏览器</a:t>
+              </a:r>
+            </a:p>
+          </p:txBody>
+        </p:sp>
+        <p:sp>
+          <p:nvSpPr>
+            <p:cNvPr id="5" name="矩形: 圆角 4">
+              <a:extLst>
+                <a:ext uri="{FF2B5EF4-FFF2-40B4-BE49-F238E27FC236}">
+                  <a16:creationId xmlns:a16="http://schemas.microsoft.com/office/drawing/2014/main" id="{B71CB25F-18E9-4821-896A-B465AF050B58}"/>
+                </a:ext>
+              </a:extLst>
+            </p:cNvPr>
+            <p:cNvSpPr/>
+            <p:nvPr/>
+          </p:nvSpPr>
+          <p:spPr>
+            <a:xfrm>
+              <a:off x="4369902" y="1746615"/>
+              <a:ext cx="1738630" cy="3365039"/>
+            </a:xfrm>
+            <a:prstGeom prst="roundRect">
+              <a:avLst/>
+            </a:prstGeom>
+          </p:spPr>
+          <p:style>
+            <a:lnRef idx="2">
+              <a:schemeClr val="accent6">
+                <a:shade val="50000"/>
+              </a:schemeClr>
+            </a:lnRef>
+            <a:fillRef idx="1">
+              <a:schemeClr val="accent6"/>
+            </a:fillRef>
+            <a:effectRef idx="0">
+              <a:schemeClr val="accent6"/>
+            </a:effectRef>
+            <a:fontRef idx="minor">
+              <a:schemeClr val="lt1"/>
+            </a:fontRef>
+          </p:style>
+          <p:txBody>
+            <a:bodyPr rtlCol="0" anchor="ctr"/>
+            <a:lstStyle/>
+            <a:p>
+              <a:pPr algn="ctr"/>
+              <a:r>
+                <a:rPr lang="zh-CN" altLang="en-US" sz="1600" dirty="0">
+                  <a:solidFill>
+                    <a:schemeClr val="bg1"/>
+                  </a:solidFill>
+                  <a:latin typeface="YaHei Consolas Hybrid" panose="020B0509020204020204" charset="-122"/>
+                  <a:ea typeface="YaHei Consolas Hybrid" panose="020B0509020204020204" charset="-122"/>
+                </a:rPr>
+                <a:t>服务器</a:t>
+              </a:r>
+            </a:p>
+          </p:txBody>
+        </p:sp>
+        <p:cxnSp>
+          <p:nvCxnSpPr>
+            <p:cNvPr id="7" name="直接箭头连接符 6">
+              <a:extLst>
+                <a:ext uri="{FF2B5EF4-FFF2-40B4-BE49-F238E27FC236}">
+                  <a16:creationId xmlns:a16="http://schemas.microsoft.com/office/drawing/2014/main" id="{CF31C6D1-EFAF-47FE-BA0E-8BF8C995E8B3}"/>
+                </a:ext>
+              </a:extLst>
+            </p:cNvPr>
+            <p:cNvCxnSpPr>
+              <a:cxnSpLocks/>
+            </p:cNvCxnSpPr>
+            <p:nvPr/>
+          </p:nvCxnSpPr>
+          <p:spPr>
+            <a:xfrm>
+              <a:off x="2079670" y="2135056"/>
+              <a:ext cx="2290232" cy="0"/>
+            </a:xfrm>
+            <a:prstGeom prst="straightConnector1">
+              <a:avLst/>
+            </a:prstGeom>
+            <a:ln w="25400">
+              <a:solidFill>
+                <a:schemeClr val="tx1"/>
+              </a:solidFill>
+              <a:tailEnd type="triangle" w="med" len="lg"/>
+            </a:ln>
+          </p:spPr>
+          <p:style>
+            <a:lnRef idx="1">
+              <a:schemeClr val="accent1"/>
+            </a:lnRef>
+            <a:fillRef idx="0">
+              <a:schemeClr val="accent1"/>
+            </a:fillRef>
+            <a:effectRef idx="0">
+              <a:schemeClr val="accent1"/>
+            </a:effectRef>
+            <a:fontRef idx="minor">
+              <a:schemeClr val="tx1"/>
+            </a:fontRef>
+          </p:style>
+        </p:cxnSp>
+        <p:sp>
+          <p:nvSpPr>
+            <p:cNvPr id="9" name="文本框 8">
+              <a:extLst>
+                <a:ext uri="{FF2B5EF4-FFF2-40B4-BE49-F238E27FC236}">
+                  <a16:creationId xmlns:a16="http://schemas.microsoft.com/office/drawing/2014/main" id="{610F4E45-0E43-4A0C-93BE-F1C111B0CE4D}"/>
+                </a:ext>
+              </a:extLst>
+            </p:cNvPr>
+            <p:cNvSpPr txBox="1"/>
+            <p:nvPr/>
+          </p:nvSpPr>
+          <p:spPr>
+            <a:xfrm>
+              <a:off x="2209885" y="1828934"/>
+              <a:ext cx="579005" cy="307777"/>
+            </a:xfrm>
+            <a:prstGeom prst="rect">
+              <a:avLst/>
+            </a:prstGeom>
+            <a:noFill/>
+          </p:spPr>
+          <p:txBody>
+            <a:bodyPr wrap="none" rtlCol="0">
+              <a:spAutoFit/>
+            </a:bodyPr>
+            <a:lstStyle/>
+            <a:p>
+              <a:r>
+                <a:rPr lang="zh-CN" altLang="en-US" sz="1400" dirty="0">
+                  <a:latin typeface="YaHei Consolas Hybrid" panose="020B0509020204020204" pitchFamily="49" charset="-122"/>
+                  <a:ea typeface="YaHei Consolas Hybrid" panose="020B0509020204020204" pitchFamily="49" charset="-122"/>
+                </a:rPr>
+                <a:t>请求</a:t>
+              </a:r>
+            </a:p>
+          </p:txBody>
+        </p:sp>
+        <p:sp>
+          <p:nvSpPr>
+            <p:cNvPr id="10" name="矩形: 折角 9">
+              <a:extLst>
+                <a:ext uri="{FF2B5EF4-FFF2-40B4-BE49-F238E27FC236}">
+                  <a16:creationId xmlns:a16="http://schemas.microsoft.com/office/drawing/2014/main" id="{BC9655DF-2E45-49CB-8ABB-479A3A8A5BFA}"/>
+                </a:ext>
+              </a:extLst>
+            </p:cNvPr>
+            <p:cNvSpPr/>
+            <p:nvPr/>
+          </p:nvSpPr>
+          <p:spPr>
+            <a:xfrm>
+              <a:off x="2642188" y="2410478"/>
+              <a:ext cx="370049" cy="581507"/>
+            </a:xfrm>
+            <a:prstGeom prst="foldedCorner">
+              <a:avLst/>
+            </a:prstGeom>
+          </p:spPr>
+          <p:style>
+            <a:lnRef idx="2">
+              <a:schemeClr val="accent1">
+                <a:shade val="50000"/>
+              </a:schemeClr>
+            </a:lnRef>
+            <a:fillRef idx="1">
+              <a:schemeClr val="accent1"/>
+            </a:fillRef>
+            <a:effectRef idx="0">
+              <a:schemeClr val="accent1"/>
+            </a:effectRef>
+            <a:fontRef idx="minor">
+              <a:schemeClr val="lt1"/>
+            </a:fontRef>
+          </p:style>
+          <p:txBody>
+            <a:bodyPr rtlCol="0" anchor="ctr"/>
+            <a:lstStyle/>
+            <a:p>
+              <a:pPr algn="ctr"/>
+              <a:endParaRPr lang="zh-CN" altLang="en-US"/>
+            </a:p>
+          </p:txBody>
+        </p:sp>
+        <p:cxnSp>
+          <p:nvCxnSpPr>
+            <p:cNvPr id="11" name="直接箭头连接符 10">
+              <a:extLst>
+                <a:ext uri="{FF2B5EF4-FFF2-40B4-BE49-F238E27FC236}">
+                  <a16:creationId xmlns:a16="http://schemas.microsoft.com/office/drawing/2014/main" id="{3D9DD2EE-7B7E-4FA3-AE02-F58AE89E2BA0}"/>
+                </a:ext>
+              </a:extLst>
+            </p:cNvPr>
+            <p:cNvCxnSpPr>
+              <a:cxnSpLocks/>
+              <a:endCxn id="10" idx="3"/>
+            </p:cNvCxnSpPr>
+            <p:nvPr/>
+          </p:nvCxnSpPr>
+          <p:spPr>
+            <a:xfrm flipH="1">
+              <a:off x="3012237" y="2701232"/>
+              <a:ext cx="1357665" cy="0"/>
+            </a:xfrm>
+            <a:prstGeom prst="straightConnector1">
+              <a:avLst/>
+            </a:prstGeom>
+            <a:ln w="25400">
+              <a:solidFill>
+                <a:schemeClr val="tx1"/>
+              </a:solidFill>
+              <a:tailEnd type="triangle" w="med" len="lg"/>
+            </a:ln>
+          </p:spPr>
+          <p:style>
+            <a:lnRef idx="1">
+              <a:schemeClr val="accent1"/>
+            </a:lnRef>
+            <a:fillRef idx="0">
+              <a:schemeClr val="accent1"/>
+            </a:fillRef>
+            <a:effectRef idx="0">
+              <a:schemeClr val="accent1"/>
+            </a:effectRef>
+            <a:fontRef idx="minor">
+              <a:schemeClr val="tx1"/>
+            </a:fontRef>
+          </p:style>
+        </p:cxnSp>
+        <p:sp>
+          <p:nvSpPr>
+            <p:cNvPr id="15" name="文本框 14">
+              <a:extLst>
+                <a:ext uri="{FF2B5EF4-FFF2-40B4-BE49-F238E27FC236}">
+                  <a16:creationId xmlns:a16="http://schemas.microsoft.com/office/drawing/2014/main" id="{7D23E8BE-CBD4-42E0-BF82-552AF7E527DF}"/>
+                </a:ext>
+              </a:extLst>
+            </p:cNvPr>
+            <p:cNvSpPr txBox="1"/>
+            <p:nvPr/>
+          </p:nvSpPr>
+          <p:spPr>
+            <a:xfrm>
+              <a:off x="3102967" y="2384944"/>
+              <a:ext cx="976549" cy="307777"/>
+            </a:xfrm>
+            <a:prstGeom prst="rect">
+              <a:avLst/>
+            </a:prstGeom>
+            <a:noFill/>
+          </p:spPr>
+          <p:txBody>
+            <a:bodyPr wrap="none" rtlCol="0">
+              <a:spAutoFit/>
+            </a:bodyPr>
+            <a:lstStyle/>
+            <a:p>
+              <a:r>
+                <a:rPr lang="zh-CN" altLang="en-US" sz="1400" dirty="0">
+                  <a:latin typeface="YaHei Consolas Hybrid" panose="020B0509020204020204" pitchFamily="49" charset="-122"/>
+                  <a:ea typeface="YaHei Consolas Hybrid" panose="020B0509020204020204" pitchFamily="49" charset="-122"/>
+                </a:rPr>
+                <a:t>返回</a:t>
+              </a:r>
+              <a:r>
+                <a:rPr lang="en-US" altLang="zh-CN" sz="1400" dirty="0">
+                  <a:latin typeface="YaHei Consolas Hybrid" panose="020B0509020204020204" pitchFamily="49" charset="-122"/>
+                  <a:ea typeface="YaHei Consolas Hybrid" panose="020B0509020204020204" pitchFamily="49" charset="-122"/>
+                </a:rPr>
+                <a:t>HTML</a:t>
+              </a:r>
+              <a:endParaRPr lang="zh-CN" altLang="en-US" sz="1400" dirty="0">
+                <a:latin typeface="YaHei Consolas Hybrid" panose="020B0509020204020204" pitchFamily="49" charset="-122"/>
+                <a:ea typeface="YaHei Consolas Hybrid" panose="020B0509020204020204" pitchFamily="49" charset="-122"/>
+              </a:endParaRPr>
+            </a:p>
+          </p:txBody>
+        </p:sp>
+        <p:cxnSp>
+          <p:nvCxnSpPr>
+            <p:cNvPr id="16" name="直接箭头连接符 15">
+              <a:extLst>
+                <a:ext uri="{FF2B5EF4-FFF2-40B4-BE49-F238E27FC236}">
+                  <a16:creationId xmlns:a16="http://schemas.microsoft.com/office/drawing/2014/main" id="{030AEAF0-CD7C-4D77-94D3-FFCE0EAC6EF2}"/>
+                </a:ext>
+              </a:extLst>
+            </p:cNvPr>
+            <p:cNvCxnSpPr>
+              <a:cxnSpLocks/>
+              <a:stCxn id="10" idx="1"/>
+            </p:cNvCxnSpPr>
+            <p:nvPr/>
+          </p:nvCxnSpPr>
+          <p:spPr>
+            <a:xfrm flipH="1">
+              <a:off x="2065240" y="2701232"/>
+              <a:ext cx="576948" cy="0"/>
+            </a:xfrm>
+            <a:prstGeom prst="straightConnector1">
+              <a:avLst/>
+            </a:prstGeom>
+            <a:ln w="25400">
+              <a:solidFill>
+                <a:schemeClr val="tx1"/>
+              </a:solidFill>
+              <a:tailEnd type="triangle" w="med" len="lg"/>
+            </a:ln>
+          </p:spPr>
+          <p:style>
+            <a:lnRef idx="1">
+              <a:schemeClr val="accent1"/>
+            </a:lnRef>
+            <a:fillRef idx="0">
+              <a:schemeClr val="accent1"/>
+            </a:fillRef>
+            <a:effectRef idx="0">
+              <a:schemeClr val="accent1"/>
+            </a:effectRef>
+            <a:fontRef idx="minor">
+              <a:schemeClr val="tx1"/>
+            </a:fontRef>
+          </p:style>
+        </p:cxnSp>
+        <p:cxnSp>
+          <p:nvCxnSpPr>
+            <p:cNvPr id="21" name="直接箭头连接符 20">
+              <a:extLst>
+                <a:ext uri="{FF2B5EF4-FFF2-40B4-BE49-F238E27FC236}">
+                  <a16:creationId xmlns:a16="http://schemas.microsoft.com/office/drawing/2014/main" id="{38878DE7-68DB-402C-BE23-EFCA56C6106C}"/>
+                </a:ext>
+              </a:extLst>
+            </p:cNvPr>
+            <p:cNvCxnSpPr>
+              <a:cxnSpLocks/>
+            </p:cNvCxnSpPr>
+            <p:nvPr/>
+          </p:nvCxnSpPr>
+          <p:spPr>
+            <a:xfrm>
+              <a:off x="2079670" y="3705709"/>
+              <a:ext cx="2290232" cy="0"/>
+            </a:xfrm>
+            <a:prstGeom prst="straightConnector1">
+              <a:avLst/>
+            </a:prstGeom>
+            <a:ln w="25400">
+              <a:solidFill>
+                <a:schemeClr val="tx1"/>
+              </a:solidFill>
+              <a:tailEnd type="triangle" w="med" len="lg"/>
+            </a:ln>
+          </p:spPr>
+          <p:style>
+            <a:lnRef idx="1">
+              <a:schemeClr val="accent1"/>
+            </a:lnRef>
+            <a:fillRef idx="0">
+              <a:schemeClr val="accent1"/>
+            </a:fillRef>
+            <a:effectRef idx="0">
+              <a:schemeClr val="accent1"/>
+            </a:effectRef>
+            <a:fontRef idx="minor">
+              <a:schemeClr val="tx1"/>
+            </a:fontRef>
+          </p:style>
+        </p:cxnSp>
+        <p:sp>
+          <p:nvSpPr>
+            <p:cNvPr id="22" name="文本框 21">
+              <a:extLst>
+                <a:ext uri="{FF2B5EF4-FFF2-40B4-BE49-F238E27FC236}">
+                  <a16:creationId xmlns:a16="http://schemas.microsoft.com/office/drawing/2014/main" id="{69135ECD-AB87-417C-AD8D-8C0A302DD35C}"/>
+                </a:ext>
+              </a:extLst>
+            </p:cNvPr>
+            <p:cNvSpPr txBox="1"/>
+            <p:nvPr/>
+          </p:nvSpPr>
+          <p:spPr>
+            <a:xfrm>
+              <a:off x="2209885" y="3388632"/>
+              <a:ext cx="1568058" cy="307777"/>
+            </a:xfrm>
+            <a:prstGeom prst="rect">
+              <a:avLst/>
+            </a:prstGeom>
+            <a:noFill/>
+          </p:spPr>
+          <p:txBody>
+            <a:bodyPr wrap="none" rtlCol="0">
+              <a:spAutoFit/>
+            </a:bodyPr>
+            <a:lstStyle/>
+            <a:p>
+              <a:r>
+                <a:rPr lang="zh-CN" altLang="en-US" sz="1400" dirty="0">
+                  <a:latin typeface="YaHei Consolas Hybrid" panose="020B0509020204020204" pitchFamily="49" charset="-122"/>
+                  <a:ea typeface="YaHei Consolas Hybrid" panose="020B0509020204020204" pitchFamily="49" charset="-122"/>
+                </a:rPr>
+                <a:t>表单的</a:t>
+              </a:r>
+              <a:r>
+                <a:rPr lang="en-US" altLang="zh-CN" sz="1400" dirty="0">
+                  <a:latin typeface="YaHei Consolas Hybrid" panose="020B0509020204020204" pitchFamily="49" charset="-122"/>
+                  <a:ea typeface="YaHei Consolas Hybrid" panose="020B0509020204020204" pitchFamily="49" charset="-122"/>
+                </a:rPr>
+                <a:t>POST</a:t>
+              </a:r>
+              <a:r>
+                <a:rPr lang="zh-CN" altLang="en-US" sz="1400" dirty="0">
+                  <a:latin typeface="YaHei Consolas Hybrid" panose="020B0509020204020204" pitchFamily="49" charset="-122"/>
+                  <a:ea typeface="YaHei Consolas Hybrid" panose="020B0509020204020204" pitchFamily="49" charset="-122"/>
+                </a:rPr>
+                <a:t>提交</a:t>
+              </a:r>
+            </a:p>
+          </p:txBody>
+        </p:sp>
+        <p:sp>
+          <p:nvSpPr>
+            <p:cNvPr id="23" name="矩形: 折角 22">
+              <a:extLst>
+                <a:ext uri="{FF2B5EF4-FFF2-40B4-BE49-F238E27FC236}">
+                  <a16:creationId xmlns:a16="http://schemas.microsoft.com/office/drawing/2014/main" id="{57C551C9-EBB0-418C-982A-3D4A0D508EB6}"/>
+                </a:ext>
+              </a:extLst>
+            </p:cNvPr>
+            <p:cNvSpPr/>
+            <p:nvPr/>
+          </p:nvSpPr>
+          <p:spPr>
+            <a:xfrm>
+              <a:off x="2695812" y="4089018"/>
+              <a:ext cx="370049" cy="581507"/>
+            </a:xfrm>
+            <a:prstGeom prst="foldedCorner">
+              <a:avLst/>
+            </a:prstGeom>
+          </p:spPr>
+          <p:style>
+            <a:lnRef idx="2">
+              <a:schemeClr val="accent1">
+                <a:shade val="50000"/>
+              </a:schemeClr>
+            </a:lnRef>
+            <a:fillRef idx="1">
+              <a:schemeClr val="accent1"/>
+            </a:fillRef>
+            <a:effectRef idx="0">
+              <a:schemeClr val="accent1"/>
+            </a:effectRef>
+            <a:fontRef idx="minor">
+              <a:schemeClr val="lt1"/>
+            </a:fontRef>
+          </p:style>
+          <p:txBody>
+            <a:bodyPr rtlCol="0" anchor="ctr"/>
+            <a:lstStyle/>
+            <a:p>
+              <a:pPr algn="ctr"/>
+              <a:endParaRPr lang="zh-CN" altLang="en-US"/>
+            </a:p>
+          </p:txBody>
+        </p:sp>
+        <p:cxnSp>
+          <p:nvCxnSpPr>
+            <p:cNvPr id="24" name="直接箭头连接符 23">
+              <a:extLst>
+                <a:ext uri="{FF2B5EF4-FFF2-40B4-BE49-F238E27FC236}">
+                  <a16:creationId xmlns:a16="http://schemas.microsoft.com/office/drawing/2014/main" id="{7F69DFF0-E8EA-4ECB-80B8-657A51E464E3}"/>
+                </a:ext>
+              </a:extLst>
+            </p:cNvPr>
+            <p:cNvCxnSpPr>
+              <a:cxnSpLocks/>
+              <a:endCxn id="23" idx="3"/>
+            </p:cNvCxnSpPr>
+            <p:nvPr/>
+          </p:nvCxnSpPr>
+          <p:spPr>
+            <a:xfrm flipH="1">
+              <a:off x="3065861" y="4379772"/>
+              <a:ext cx="1304041" cy="0"/>
+            </a:xfrm>
+            <a:prstGeom prst="straightConnector1">
+              <a:avLst/>
+            </a:prstGeom>
+            <a:ln w="25400">
+              <a:solidFill>
+                <a:schemeClr val="tx1"/>
+              </a:solidFill>
+              <a:tailEnd type="triangle" w="med" len="lg"/>
+            </a:ln>
+          </p:spPr>
+          <p:style>
+            <a:lnRef idx="1">
+              <a:schemeClr val="accent1"/>
+            </a:lnRef>
+            <a:fillRef idx="0">
+              <a:schemeClr val="accent1"/>
+            </a:fillRef>
+            <a:effectRef idx="0">
+              <a:schemeClr val="accent1"/>
+            </a:effectRef>
+            <a:fontRef idx="minor">
+              <a:schemeClr val="tx1"/>
+            </a:fontRef>
+          </p:style>
+        </p:cxnSp>
+        <p:sp>
+          <p:nvSpPr>
+            <p:cNvPr id="25" name="文本框 24">
+              <a:extLst>
+                <a:ext uri="{FF2B5EF4-FFF2-40B4-BE49-F238E27FC236}">
+                  <a16:creationId xmlns:a16="http://schemas.microsoft.com/office/drawing/2014/main" id="{C83AD540-AB51-4545-9B7A-32556AAF677D}"/>
+                </a:ext>
+              </a:extLst>
+            </p:cNvPr>
+            <p:cNvSpPr txBox="1"/>
+            <p:nvPr/>
+          </p:nvSpPr>
+          <p:spPr>
+            <a:xfrm>
+              <a:off x="3156591" y="4063484"/>
+              <a:ext cx="976549" cy="307777"/>
+            </a:xfrm>
+            <a:prstGeom prst="rect">
+              <a:avLst/>
+            </a:prstGeom>
+            <a:noFill/>
+          </p:spPr>
+          <p:txBody>
+            <a:bodyPr wrap="none" rtlCol="0">
+              <a:spAutoFit/>
+            </a:bodyPr>
+            <a:lstStyle/>
+            <a:p>
+              <a:r>
+                <a:rPr lang="zh-CN" altLang="en-US" sz="1400" dirty="0">
+                  <a:latin typeface="YaHei Consolas Hybrid" panose="020B0509020204020204" pitchFamily="49" charset="-122"/>
+                  <a:ea typeface="YaHei Consolas Hybrid" panose="020B0509020204020204" pitchFamily="49" charset="-122"/>
+                </a:rPr>
+                <a:t>返回</a:t>
+              </a:r>
+              <a:r>
+                <a:rPr lang="en-US" altLang="zh-CN" sz="1400" dirty="0">
+                  <a:latin typeface="YaHei Consolas Hybrid" panose="020B0509020204020204" pitchFamily="49" charset="-122"/>
+                  <a:ea typeface="YaHei Consolas Hybrid" panose="020B0509020204020204" pitchFamily="49" charset="-122"/>
+                </a:rPr>
+                <a:t>HTML</a:t>
+              </a:r>
+              <a:endParaRPr lang="zh-CN" altLang="en-US" sz="1400" dirty="0">
+                <a:latin typeface="YaHei Consolas Hybrid" panose="020B0509020204020204" pitchFamily="49" charset="-122"/>
+                <a:ea typeface="YaHei Consolas Hybrid" panose="020B0509020204020204" pitchFamily="49" charset="-122"/>
+              </a:endParaRPr>
+            </a:p>
+          </p:txBody>
+        </p:sp>
+        <p:cxnSp>
+          <p:nvCxnSpPr>
+            <p:cNvPr id="26" name="直接箭头连接符 25">
+              <a:extLst>
+                <a:ext uri="{FF2B5EF4-FFF2-40B4-BE49-F238E27FC236}">
+                  <a16:creationId xmlns:a16="http://schemas.microsoft.com/office/drawing/2014/main" id="{A9BE4597-4050-4593-B57A-B92E8C1FCAB4}"/>
+                </a:ext>
+              </a:extLst>
+            </p:cNvPr>
+            <p:cNvCxnSpPr>
+              <a:cxnSpLocks/>
+              <a:stCxn id="23" idx="1"/>
+            </p:cNvCxnSpPr>
+            <p:nvPr/>
+          </p:nvCxnSpPr>
+          <p:spPr>
+            <a:xfrm flipH="1">
+              <a:off x="2053551" y="4379772"/>
+              <a:ext cx="642261" cy="0"/>
+            </a:xfrm>
+            <a:prstGeom prst="straightConnector1">
+              <a:avLst/>
+            </a:prstGeom>
+            <a:ln w="25400">
+              <a:solidFill>
+                <a:schemeClr val="tx1"/>
+              </a:solidFill>
+              <a:tailEnd type="triangle" w="med" len="lg"/>
+            </a:ln>
+          </p:spPr>
+          <p:style>
+            <a:lnRef idx="1">
+              <a:schemeClr val="accent1"/>
+            </a:lnRef>
+            <a:fillRef idx="0">
+              <a:schemeClr val="accent1"/>
+            </a:fillRef>
+            <a:effectRef idx="0">
+              <a:schemeClr val="accent1"/>
+            </a:effectRef>
+            <a:fontRef idx="minor">
+              <a:schemeClr val="tx1"/>
+            </a:fontRef>
+          </p:style>
+        </p:cxnSp>
+        <p:sp>
+          <p:nvSpPr>
+            <p:cNvPr id="27" name="文本框 26">
+              <a:extLst>
+                <a:ext uri="{FF2B5EF4-FFF2-40B4-BE49-F238E27FC236}">
+                  <a16:creationId xmlns:a16="http://schemas.microsoft.com/office/drawing/2014/main" id="{C5489672-D2AD-4BDC-BC4A-9E218D1DDAC0}"/>
+                </a:ext>
+              </a:extLst>
+            </p:cNvPr>
+            <p:cNvSpPr txBox="1"/>
+            <p:nvPr/>
+          </p:nvSpPr>
+          <p:spPr>
+            <a:xfrm>
+              <a:off x="897940" y="4245030"/>
+              <a:ext cx="1170513" cy="307777"/>
+            </a:xfrm>
+            <a:prstGeom prst="rect">
+              <a:avLst/>
+            </a:prstGeom>
+            <a:noFill/>
+          </p:spPr>
+          <p:txBody>
+            <a:bodyPr wrap="none" rtlCol="0">
+              <a:spAutoFit/>
+            </a:bodyPr>
+            <a:lstStyle/>
+            <a:p>
+              <a:r>
+                <a:rPr lang="zh-CN" altLang="en-US" sz="1400" dirty="0">
+                  <a:solidFill>
+                    <a:schemeClr val="bg1"/>
+                  </a:solidFill>
+                  <a:latin typeface="YaHei Consolas Hybrid" panose="020B0509020204020204" pitchFamily="49" charset="-122"/>
+                  <a:ea typeface="YaHei Consolas Hybrid" panose="020B0509020204020204" pitchFamily="49" charset="-122"/>
+                </a:rPr>
+                <a:t>载入新页面</a:t>
+              </a:r>
+            </a:p>
+          </p:txBody>
+        </p:sp>
+      </p:grpSp>
+      <p:sp>
+        <p:nvSpPr>
+          <p:cNvPr id="32" name="文本框 31">
+            <a:extLst>
+              <a:ext uri="{FF2B5EF4-FFF2-40B4-BE49-F238E27FC236}">
+                <a16:creationId xmlns:a16="http://schemas.microsoft.com/office/drawing/2014/main" id="{2F311091-A518-403C-A4A5-096ED9222438}"/>
+              </a:ext>
+            </a:extLst>
+          </p:cNvPr>
+          <p:cNvSpPr txBox="1"/>
+          <p:nvPr/>
+        </p:nvSpPr>
+        <p:spPr>
+          <a:xfrm>
+            <a:off x="2061021" y="933769"/>
+            <a:ext cx="2318199" cy="369332"/>
+          </a:xfrm>
+          <a:prstGeom prst="rect">
+            <a:avLst/>
+          </a:prstGeom>
+          <a:noFill/>
+        </p:spPr>
+        <p:txBody>
+          <a:bodyPr wrap="none" rtlCol="0">
+            <a:spAutoFit/>
+          </a:bodyPr>
+          <a:lstStyle/>
+          <a:p>
+            <a:r>
+              <a:rPr lang="zh-CN" altLang="en-US" dirty="0">
+                <a:latin typeface="YaHei Consolas Hybrid" panose="020B0509020204020204" pitchFamily="49" charset="-122"/>
+                <a:ea typeface="YaHei Consolas Hybrid" panose="020B0509020204020204" pitchFamily="49" charset="-122"/>
+              </a:rPr>
+              <a:t>多页面应用（</a:t>
+            </a:r>
+            <a:r>
+              <a:rPr lang="en-US" altLang="zh-CN" dirty="0">
+                <a:latin typeface="YaHei Consolas Hybrid" panose="020B0509020204020204" pitchFamily="49" charset="-122"/>
+                <a:ea typeface="YaHei Consolas Hybrid" panose="020B0509020204020204" pitchFamily="49" charset="-122"/>
+              </a:rPr>
+              <a:t>MPA</a:t>
+            </a:r>
+            <a:r>
+              <a:rPr lang="zh-CN" altLang="en-US" dirty="0">
+                <a:latin typeface="YaHei Consolas Hybrid" panose="020B0509020204020204" pitchFamily="49" charset="-122"/>
+                <a:ea typeface="YaHei Consolas Hybrid" panose="020B0509020204020204" pitchFamily="49" charset="-122"/>
+              </a:rPr>
+              <a:t>）</a:t>
+            </a:r>
+          </a:p>
+        </p:txBody>
+      </p:sp>
+      <p:sp>
+        <p:nvSpPr>
+          <p:cNvPr id="42" name="矩形: 圆角 41">
+            <a:extLst>
+              <a:ext uri="{FF2B5EF4-FFF2-40B4-BE49-F238E27FC236}">
+                <a16:creationId xmlns:a16="http://schemas.microsoft.com/office/drawing/2014/main" id="{5D8E15E3-9F5D-477F-A7D1-02EF6FD6CEB3}"/>
+              </a:ext>
+            </a:extLst>
+          </p:cNvPr>
+          <p:cNvSpPr/>
+          <p:nvPr/>
+        </p:nvSpPr>
+        <p:spPr>
+          <a:xfrm>
+            <a:off x="6265978" y="1746413"/>
+            <a:ext cx="1738630" cy="3365039"/>
+          </a:xfrm>
+          <a:prstGeom prst="roundRect">
+            <a:avLst/>
+          </a:prstGeom>
+        </p:spPr>
+        <p:style>
+          <a:lnRef idx="2">
+            <a:schemeClr val="accent2">
+              <a:shade val="50000"/>
+            </a:schemeClr>
+          </a:lnRef>
+          <a:fillRef idx="1">
+            <a:schemeClr val="accent2"/>
+          </a:fillRef>
+          <a:effectRef idx="0">
+            <a:schemeClr val="accent2"/>
+          </a:effectRef>
+          <a:fontRef idx="minor">
+            <a:schemeClr val="lt1"/>
+          </a:fontRef>
+        </p:style>
+        <p:txBody>
+          <a:bodyPr rtlCol="0" anchor="ctr"/>
+          <a:lstStyle/>
+          <a:p>
+            <a:pPr algn="ctr"/>
+            <a:r>
+              <a:rPr lang="zh-CN" altLang="en-US" sz="1600" dirty="0">
+                <a:solidFill>
+                  <a:schemeClr val="bg1"/>
+                </a:solidFill>
+                <a:latin typeface="YaHei Consolas Hybrid" panose="020B0509020204020204" charset="-122"/>
+                <a:ea typeface="YaHei Consolas Hybrid" panose="020B0509020204020204" charset="-122"/>
+              </a:rPr>
+              <a:t>浏览器</a:t>
+            </a:r>
+          </a:p>
+        </p:txBody>
+      </p:sp>
+      <p:sp>
+        <p:nvSpPr>
+          <p:cNvPr id="43" name="矩形: 圆角 42">
+            <a:extLst>
+              <a:ext uri="{FF2B5EF4-FFF2-40B4-BE49-F238E27FC236}">
+                <a16:creationId xmlns:a16="http://schemas.microsoft.com/office/drawing/2014/main" id="{407DA1A4-0211-4FB4-A18E-F924700C075E}"/>
+              </a:ext>
+            </a:extLst>
+          </p:cNvPr>
+          <p:cNvSpPr/>
+          <p:nvPr/>
+        </p:nvSpPr>
+        <p:spPr>
+          <a:xfrm>
+            <a:off x="10304171" y="1746547"/>
+            <a:ext cx="1738630" cy="3365039"/>
+          </a:xfrm>
+          <a:prstGeom prst="roundRect">
+            <a:avLst/>
+          </a:prstGeom>
+        </p:spPr>
+        <p:style>
+          <a:lnRef idx="2">
+            <a:schemeClr val="accent6">
+              <a:shade val="50000"/>
+            </a:schemeClr>
+          </a:lnRef>
+          <a:fillRef idx="1">
+            <a:schemeClr val="accent6"/>
+          </a:fillRef>
+          <a:effectRef idx="0">
+            <a:schemeClr val="accent6"/>
+          </a:effectRef>
+          <a:fontRef idx="minor">
+            <a:schemeClr val="lt1"/>
+          </a:fontRef>
+        </p:style>
+        <p:txBody>
+          <a:bodyPr rtlCol="0" anchor="ctr"/>
+          <a:lstStyle/>
+          <a:p>
+            <a:pPr algn="ctr"/>
+            <a:r>
+              <a:rPr lang="zh-CN" altLang="en-US" sz="1600" dirty="0">
+                <a:solidFill>
+                  <a:schemeClr val="bg1"/>
+                </a:solidFill>
+                <a:latin typeface="YaHei Consolas Hybrid" panose="020B0509020204020204" charset="-122"/>
+                <a:ea typeface="YaHei Consolas Hybrid" panose="020B0509020204020204" charset="-122"/>
+              </a:rPr>
+              <a:t>服务器</a:t>
+            </a:r>
+          </a:p>
+        </p:txBody>
+      </p:sp>
+      <p:cxnSp>
+        <p:nvCxnSpPr>
+          <p:cNvPr id="44" name="直接箭头连接符 43">
+            <a:extLst>
+              <a:ext uri="{FF2B5EF4-FFF2-40B4-BE49-F238E27FC236}">
+                <a16:creationId xmlns:a16="http://schemas.microsoft.com/office/drawing/2014/main" id="{1BFED012-7778-4B73-A497-E03B428B69A8}"/>
+              </a:ext>
+            </a:extLst>
+          </p:cNvPr>
+          <p:cNvCxnSpPr>
+            <a:cxnSpLocks/>
+          </p:cNvCxnSpPr>
+          <p:nvPr/>
+        </p:nvCxnSpPr>
+        <p:spPr>
+          <a:xfrm>
+            <a:off x="8013939" y="2134988"/>
+            <a:ext cx="2290232" cy="0"/>
+          </a:xfrm>
+          <a:prstGeom prst="straightConnector1">
+            <a:avLst/>
+          </a:prstGeom>
+          <a:ln w="25400">
+            <a:solidFill>
+              <a:schemeClr val="tx1"/>
+            </a:solidFill>
+            <a:tailEnd type="triangle" w="med" len="lg"/>
+          </a:ln>
+        </p:spPr>
+        <p:style>
+          <a:lnRef idx="1">
+            <a:schemeClr val="accent1"/>
+          </a:lnRef>
+          <a:fillRef idx="0">
+            <a:schemeClr val="accent1"/>
+          </a:fillRef>
+          <a:effectRef idx="0">
+            <a:schemeClr val="accent1"/>
+          </a:effectRef>
+          <a:fontRef idx="minor">
+            <a:schemeClr val="tx1"/>
+          </a:fontRef>
+        </p:style>
+      </p:cxnSp>
+      <p:sp>
+        <p:nvSpPr>
+          <p:cNvPr id="45" name="文本框 44">
+            <a:extLst>
+              <a:ext uri="{FF2B5EF4-FFF2-40B4-BE49-F238E27FC236}">
+                <a16:creationId xmlns:a16="http://schemas.microsoft.com/office/drawing/2014/main" id="{5CF9FB97-0979-4508-A218-21B72C0CF24D}"/>
+              </a:ext>
+            </a:extLst>
+          </p:cNvPr>
+          <p:cNvSpPr txBox="1"/>
+          <p:nvPr/>
+        </p:nvSpPr>
+        <p:spPr>
+          <a:xfrm>
+            <a:off x="8144154" y="1828866"/>
+            <a:ext cx="579005" cy="307777"/>
+          </a:xfrm>
+          <a:prstGeom prst="rect">
+            <a:avLst/>
+          </a:prstGeom>
+          <a:noFill/>
+        </p:spPr>
+        <p:txBody>
+          <a:bodyPr wrap="none" rtlCol="0">
+            <a:spAutoFit/>
+          </a:bodyPr>
+          <a:lstStyle/>
+          <a:p>
+            <a:r>
+              <a:rPr lang="zh-CN" altLang="en-US" sz="1400" dirty="0">
+                <a:latin typeface="YaHei Consolas Hybrid" panose="020B0509020204020204" pitchFamily="49" charset="-122"/>
+                <a:ea typeface="YaHei Consolas Hybrid" panose="020B0509020204020204" pitchFamily="49" charset="-122"/>
+              </a:rPr>
+              <a:t>请求</a:t>
+            </a:r>
+          </a:p>
+        </p:txBody>
+      </p:sp>
+      <p:sp>
+        <p:nvSpPr>
+          <p:cNvPr id="46" name="矩形: 折角 45">
+            <a:extLst>
+              <a:ext uri="{FF2B5EF4-FFF2-40B4-BE49-F238E27FC236}">
+                <a16:creationId xmlns:a16="http://schemas.microsoft.com/office/drawing/2014/main" id="{87388393-61B3-4534-A61C-491DFE957730}"/>
+              </a:ext>
+            </a:extLst>
+          </p:cNvPr>
+          <p:cNvSpPr/>
+          <p:nvPr/>
+        </p:nvSpPr>
+        <p:spPr>
+          <a:xfrm>
+            <a:off x="8576457" y="2410410"/>
+            <a:ext cx="370049" cy="581507"/>
+          </a:xfrm>
+          <a:prstGeom prst="foldedCorner">
+            <a:avLst/>
+          </a:prstGeom>
+        </p:spPr>
+        <p:style>
+          <a:lnRef idx="2">
+            <a:schemeClr val="accent1">
+              <a:shade val="50000"/>
+            </a:schemeClr>
+          </a:lnRef>
+          <a:fillRef idx="1">
+            <a:schemeClr val="accent1"/>
+          </a:fillRef>
+          <a:effectRef idx="0">
+            <a:schemeClr val="accent1"/>
+          </a:effectRef>
+          <a:fontRef idx="minor">
+            <a:schemeClr val="lt1"/>
+          </a:fontRef>
+        </p:style>
+        <p:txBody>
+          <a:bodyPr rtlCol="0" anchor="ctr"/>
+          <a:lstStyle/>
+          <a:p>
+            <a:pPr algn="ctr"/>
+            <a:endParaRPr lang="zh-CN" altLang="en-US"/>
+          </a:p>
+        </p:txBody>
+      </p:sp>
+      <p:cxnSp>
+        <p:nvCxnSpPr>
+          <p:cNvPr id="47" name="直接箭头连接符 46">
+            <a:extLst>
+              <a:ext uri="{FF2B5EF4-FFF2-40B4-BE49-F238E27FC236}">
+                <a16:creationId xmlns:a16="http://schemas.microsoft.com/office/drawing/2014/main" id="{CFEE267D-2F0C-47FB-9AEF-083F0DF00F82}"/>
+              </a:ext>
+            </a:extLst>
+          </p:cNvPr>
+          <p:cNvCxnSpPr>
+            <a:cxnSpLocks/>
+            <a:endCxn id="46" idx="3"/>
+          </p:cNvCxnSpPr>
+          <p:nvPr/>
+        </p:nvCxnSpPr>
+        <p:spPr>
+          <a:xfrm flipH="1">
+            <a:off x="8946506" y="2701164"/>
+            <a:ext cx="1357665" cy="0"/>
+          </a:xfrm>
+          <a:prstGeom prst="straightConnector1">
+            <a:avLst/>
+          </a:prstGeom>
+          <a:ln w="25400">
+            <a:solidFill>
+              <a:schemeClr val="tx1"/>
+            </a:solidFill>
+            <a:tailEnd type="triangle" w="med" len="lg"/>
+          </a:ln>
+        </p:spPr>
+        <p:style>
+          <a:lnRef idx="1">
+            <a:schemeClr val="accent1"/>
+          </a:lnRef>
+          <a:fillRef idx="0">
+            <a:schemeClr val="accent1"/>
+          </a:fillRef>
+          <a:effectRef idx="0">
+            <a:schemeClr val="accent1"/>
+          </a:effectRef>
+          <a:fontRef idx="minor">
+            <a:schemeClr val="tx1"/>
+          </a:fontRef>
+        </p:style>
+      </p:cxnSp>
+      <p:sp>
+        <p:nvSpPr>
+          <p:cNvPr id="48" name="文本框 47">
+            <a:extLst>
+              <a:ext uri="{FF2B5EF4-FFF2-40B4-BE49-F238E27FC236}">
+                <a16:creationId xmlns:a16="http://schemas.microsoft.com/office/drawing/2014/main" id="{11AEE91E-D3BC-49D5-BC1D-334945B3E3A5}"/>
+              </a:ext>
+            </a:extLst>
+          </p:cNvPr>
+          <p:cNvSpPr txBox="1"/>
+          <p:nvPr/>
+        </p:nvSpPr>
+        <p:spPr>
+          <a:xfrm>
+            <a:off x="9037236" y="2384876"/>
+            <a:ext cx="976549" cy="307777"/>
+          </a:xfrm>
+          <a:prstGeom prst="rect">
+            <a:avLst/>
+          </a:prstGeom>
+          <a:noFill/>
+        </p:spPr>
+        <p:txBody>
+          <a:bodyPr wrap="none" rtlCol="0">
+            <a:spAutoFit/>
+          </a:bodyPr>
+          <a:lstStyle/>
+          <a:p>
+            <a:r>
+              <a:rPr lang="zh-CN" altLang="en-US" sz="1400" dirty="0">
+                <a:latin typeface="YaHei Consolas Hybrid" panose="020B0509020204020204" pitchFamily="49" charset="-122"/>
+                <a:ea typeface="YaHei Consolas Hybrid" panose="020B0509020204020204" pitchFamily="49" charset="-122"/>
+              </a:rPr>
+              <a:t>返回</a:t>
+            </a:r>
+            <a:r>
+              <a:rPr lang="en-US" altLang="zh-CN" sz="1400" dirty="0">
+                <a:latin typeface="YaHei Consolas Hybrid" panose="020B0509020204020204" pitchFamily="49" charset="-122"/>
+                <a:ea typeface="YaHei Consolas Hybrid" panose="020B0509020204020204" pitchFamily="49" charset="-122"/>
+              </a:rPr>
+              <a:t>HTML</a:t>
+            </a:r>
+            <a:endParaRPr lang="zh-CN" altLang="en-US" sz="1400" dirty="0">
+              <a:latin typeface="YaHei Consolas Hybrid" panose="020B0509020204020204" pitchFamily="49" charset="-122"/>
+              <a:ea typeface="YaHei Consolas Hybrid" panose="020B0509020204020204" pitchFamily="49" charset="-122"/>
+            </a:endParaRPr>
+          </a:p>
+        </p:txBody>
+      </p:sp>
+      <p:cxnSp>
+        <p:nvCxnSpPr>
+          <p:cNvPr id="49" name="直接箭头连接符 48">
+            <a:extLst>
+              <a:ext uri="{FF2B5EF4-FFF2-40B4-BE49-F238E27FC236}">
+                <a16:creationId xmlns:a16="http://schemas.microsoft.com/office/drawing/2014/main" id="{A47EE314-C3D5-43FD-ACC3-8FF421484433}"/>
+              </a:ext>
+            </a:extLst>
+          </p:cNvPr>
+          <p:cNvCxnSpPr>
+            <a:cxnSpLocks/>
+            <a:stCxn id="46" idx="1"/>
+          </p:cNvCxnSpPr>
+          <p:nvPr/>
+        </p:nvCxnSpPr>
+        <p:spPr>
+          <a:xfrm flipH="1">
+            <a:off x="7999509" y="2701164"/>
+            <a:ext cx="576948" cy="0"/>
+          </a:xfrm>
+          <a:prstGeom prst="straightConnector1">
+            <a:avLst/>
+          </a:prstGeom>
+          <a:ln w="25400">
+            <a:solidFill>
+              <a:schemeClr val="tx1"/>
+            </a:solidFill>
+            <a:tailEnd type="triangle" w="med" len="lg"/>
+          </a:ln>
+        </p:spPr>
+        <p:style>
+          <a:lnRef idx="1">
+            <a:schemeClr val="accent1"/>
+          </a:lnRef>
+          <a:fillRef idx="0">
+            <a:schemeClr val="accent1"/>
+          </a:fillRef>
+          <a:effectRef idx="0">
+            <a:schemeClr val="accent1"/>
+          </a:effectRef>
+          <a:fontRef idx="minor">
+            <a:schemeClr val="tx1"/>
+          </a:fontRef>
+        </p:style>
+      </p:cxnSp>
+      <p:cxnSp>
+        <p:nvCxnSpPr>
+          <p:cNvPr id="50" name="直接箭头连接符 49">
+            <a:extLst>
+              <a:ext uri="{FF2B5EF4-FFF2-40B4-BE49-F238E27FC236}">
+                <a16:creationId xmlns:a16="http://schemas.microsoft.com/office/drawing/2014/main" id="{B106213B-CCDE-421F-8008-EAB3806085B1}"/>
+              </a:ext>
+            </a:extLst>
+          </p:cNvPr>
+          <p:cNvCxnSpPr>
+            <a:cxnSpLocks/>
+          </p:cNvCxnSpPr>
+          <p:nvPr/>
+        </p:nvCxnSpPr>
+        <p:spPr>
+          <a:xfrm>
+            <a:off x="8013939" y="3705641"/>
+            <a:ext cx="2290232" cy="0"/>
+          </a:xfrm>
+          <a:prstGeom prst="straightConnector1">
+            <a:avLst/>
+          </a:prstGeom>
+          <a:ln w="25400">
+            <a:solidFill>
+              <a:schemeClr val="tx1"/>
+            </a:solidFill>
+            <a:tailEnd type="triangle" w="med" len="lg"/>
+          </a:ln>
+        </p:spPr>
+        <p:style>
+          <a:lnRef idx="1">
+            <a:schemeClr val="accent1"/>
+          </a:lnRef>
+          <a:fillRef idx="0">
+            <a:schemeClr val="accent1"/>
+          </a:fillRef>
+          <a:effectRef idx="0">
+            <a:schemeClr val="accent1"/>
+          </a:effectRef>
+          <a:fontRef idx="minor">
+            <a:schemeClr val="tx1"/>
+          </a:fontRef>
+        </p:style>
+      </p:cxnSp>
+      <p:sp>
+        <p:nvSpPr>
+          <p:cNvPr id="51" name="文本框 50">
+            <a:extLst>
+              <a:ext uri="{FF2B5EF4-FFF2-40B4-BE49-F238E27FC236}">
+                <a16:creationId xmlns:a16="http://schemas.microsoft.com/office/drawing/2014/main" id="{9A18C889-98A2-4106-9761-6443015E2EB0}"/>
+              </a:ext>
+            </a:extLst>
+          </p:cNvPr>
+          <p:cNvSpPr txBox="1"/>
+          <p:nvPr/>
+        </p:nvSpPr>
+        <p:spPr>
+          <a:xfrm>
+            <a:off x="8144154" y="3388564"/>
+            <a:ext cx="582211" cy="307777"/>
+          </a:xfrm>
+          <a:prstGeom prst="rect">
+            <a:avLst/>
+          </a:prstGeom>
+          <a:noFill/>
+        </p:spPr>
+        <p:txBody>
+          <a:bodyPr wrap="none" rtlCol="0">
+            <a:spAutoFit/>
+          </a:bodyPr>
+          <a:lstStyle/>
+          <a:p>
+            <a:r>
+              <a:rPr lang="en-US" altLang="zh-CN" sz="1400" dirty="0">
+                <a:latin typeface="YaHei Consolas Hybrid" panose="020B0509020204020204" pitchFamily="49" charset="-122"/>
+                <a:ea typeface="YaHei Consolas Hybrid" panose="020B0509020204020204" pitchFamily="49" charset="-122"/>
+              </a:rPr>
+              <a:t>Ajax</a:t>
+            </a:r>
+            <a:endParaRPr lang="zh-CN" altLang="en-US" sz="1400" dirty="0">
+              <a:latin typeface="YaHei Consolas Hybrid" panose="020B0509020204020204" pitchFamily="49" charset="-122"/>
+              <a:ea typeface="YaHei Consolas Hybrid" panose="020B0509020204020204" pitchFamily="49" charset="-122"/>
+            </a:endParaRPr>
+          </a:p>
+        </p:txBody>
+      </p:sp>
+      <p:cxnSp>
+        <p:nvCxnSpPr>
+          <p:cNvPr id="53" name="直接箭头连接符 52">
+            <a:extLst>
+              <a:ext uri="{FF2B5EF4-FFF2-40B4-BE49-F238E27FC236}">
+                <a16:creationId xmlns:a16="http://schemas.microsoft.com/office/drawing/2014/main" id="{2621F0DE-0021-486E-96CD-964517D82853}"/>
+              </a:ext>
+            </a:extLst>
+          </p:cNvPr>
+          <p:cNvCxnSpPr>
+            <a:cxnSpLocks/>
+            <a:endCxn id="58" idx="3"/>
+          </p:cNvCxnSpPr>
+          <p:nvPr/>
+        </p:nvCxnSpPr>
+        <p:spPr>
+          <a:xfrm flipH="1">
+            <a:off x="9014264" y="4379704"/>
+            <a:ext cx="1289908" cy="3781"/>
+          </a:xfrm>
+          <a:prstGeom prst="straightConnector1">
+            <a:avLst/>
+          </a:prstGeom>
+          <a:ln w="25400">
+            <a:solidFill>
+              <a:schemeClr val="tx1"/>
+            </a:solidFill>
+            <a:tailEnd type="triangle" w="med" len="lg"/>
+          </a:ln>
+        </p:spPr>
+        <p:style>
+          <a:lnRef idx="1">
+            <a:schemeClr val="accent1"/>
+          </a:lnRef>
+          <a:fillRef idx="0">
+            <a:schemeClr val="accent1"/>
+          </a:fillRef>
+          <a:effectRef idx="0">
+            <a:schemeClr val="accent1"/>
+          </a:effectRef>
+          <a:fontRef idx="minor">
+            <a:schemeClr val="tx1"/>
+          </a:fontRef>
+        </p:style>
+      </p:cxnSp>
+      <p:sp>
+        <p:nvSpPr>
+          <p:cNvPr id="54" name="文本框 53">
+            <a:extLst>
+              <a:ext uri="{FF2B5EF4-FFF2-40B4-BE49-F238E27FC236}">
+                <a16:creationId xmlns:a16="http://schemas.microsoft.com/office/drawing/2014/main" id="{1716A34E-34FB-417F-BE33-ADC23616FA1A}"/>
+              </a:ext>
+            </a:extLst>
+          </p:cNvPr>
+          <p:cNvSpPr txBox="1"/>
+          <p:nvPr/>
+        </p:nvSpPr>
+        <p:spPr>
+          <a:xfrm>
+            <a:off x="9090860" y="4063416"/>
+            <a:ext cx="976549" cy="307777"/>
+          </a:xfrm>
+          <a:prstGeom prst="rect">
+            <a:avLst/>
+          </a:prstGeom>
+          <a:noFill/>
+        </p:spPr>
+        <p:txBody>
+          <a:bodyPr wrap="none" rtlCol="0">
+            <a:spAutoFit/>
+          </a:bodyPr>
+          <a:lstStyle/>
+          <a:p>
+            <a:r>
+              <a:rPr lang="zh-CN" altLang="en-US" sz="1400" dirty="0">
+                <a:latin typeface="YaHei Consolas Hybrid" panose="020B0509020204020204" pitchFamily="49" charset="-122"/>
+                <a:ea typeface="YaHei Consolas Hybrid" panose="020B0509020204020204" pitchFamily="49" charset="-122"/>
+              </a:rPr>
+              <a:t>返回</a:t>
+            </a:r>
+            <a:r>
+              <a:rPr lang="en-US" altLang="zh-CN" sz="1400" dirty="0">
+                <a:latin typeface="YaHei Consolas Hybrid" panose="020B0509020204020204" pitchFamily="49" charset="-122"/>
+                <a:ea typeface="YaHei Consolas Hybrid" panose="020B0509020204020204" pitchFamily="49" charset="-122"/>
+              </a:rPr>
+              <a:t>JSON</a:t>
+            </a:r>
+            <a:endParaRPr lang="zh-CN" altLang="en-US" sz="1400" dirty="0">
+              <a:latin typeface="YaHei Consolas Hybrid" panose="020B0509020204020204" pitchFamily="49" charset="-122"/>
+              <a:ea typeface="YaHei Consolas Hybrid" panose="020B0509020204020204" pitchFamily="49" charset="-122"/>
+            </a:endParaRPr>
+          </a:p>
+        </p:txBody>
+      </p:sp>
+      <p:cxnSp>
+        <p:nvCxnSpPr>
+          <p:cNvPr id="55" name="直接箭头连接符 54">
+            <a:extLst>
+              <a:ext uri="{FF2B5EF4-FFF2-40B4-BE49-F238E27FC236}">
+                <a16:creationId xmlns:a16="http://schemas.microsoft.com/office/drawing/2014/main" id="{531EFDB7-A7BE-4BD6-8E5A-985AD72E627D}"/>
+              </a:ext>
+            </a:extLst>
+          </p:cNvPr>
+          <p:cNvCxnSpPr>
+            <a:cxnSpLocks/>
+            <a:stCxn id="58" idx="1"/>
+          </p:cNvCxnSpPr>
+          <p:nvPr/>
+        </p:nvCxnSpPr>
+        <p:spPr>
+          <a:xfrm flipH="1" flipV="1">
+            <a:off x="7987822" y="4379705"/>
+            <a:ext cx="445834" cy="3780"/>
+          </a:xfrm>
+          <a:prstGeom prst="straightConnector1">
+            <a:avLst/>
+          </a:prstGeom>
+          <a:ln w="25400">
+            <a:solidFill>
+              <a:schemeClr val="tx1"/>
+            </a:solidFill>
+            <a:tailEnd type="triangle" w="med" len="lg"/>
+          </a:ln>
+        </p:spPr>
+        <p:style>
+          <a:lnRef idx="1">
+            <a:schemeClr val="accent1"/>
+          </a:lnRef>
+          <a:fillRef idx="0">
+            <a:schemeClr val="accent1"/>
+          </a:fillRef>
+          <a:effectRef idx="0">
+            <a:schemeClr val="accent1"/>
+          </a:effectRef>
+          <a:fontRef idx="minor">
+            <a:schemeClr val="tx1"/>
+          </a:fontRef>
+        </p:style>
+      </p:cxnSp>
+      <p:sp>
+        <p:nvSpPr>
+          <p:cNvPr id="57" name="文本框 56">
+            <a:extLst>
+              <a:ext uri="{FF2B5EF4-FFF2-40B4-BE49-F238E27FC236}">
+                <a16:creationId xmlns:a16="http://schemas.microsoft.com/office/drawing/2014/main" id="{621EF489-6873-44F8-98E4-B892FD5CE0E3}"/>
+              </a:ext>
+            </a:extLst>
+          </p:cNvPr>
+          <p:cNvSpPr txBox="1"/>
+          <p:nvPr/>
+        </p:nvSpPr>
+        <p:spPr>
+          <a:xfrm>
+            <a:off x="7995290" y="970336"/>
+            <a:ext cx="2318199" cy="369332"/>
+          </a:xfrm>
+          <a:prstGeom prst="rect">
+            <a:avLst/>
+          </a:prstGeom>
+          <a:noFill/>
+        </p:spPr>
+        <p:txBody>
+          <a:bodyPr wrap="none" rtlCol="0">
+            <a:spAutoFit/>
+          </a:bodyPr>
+          <a:lstStyle/>
+          <a:p>
+            <a:r>
+              <a:rPr lang="zh-CN" altLang="en-US" dirty="0">
+                <a:latin typeface="YaHei Consolas Hybrid" panose="020B0509020204020204" pitchFamily="49" charset="-122"/>
+                <a:ea typeface="YaHei Consolas Hybrid" panose="020B0509020204020204" pitchFamily="49" charset="-122"/>
+              </a:rPr>
+              <a:t>单页面应用（</a:t>
+            </a:r>
+            <a:r>
+              <a:rPr lang="en-US" altLang="zh-CN" dirty="0">
+                <a:latin typeface="YaHei Consolas Hybrid" panose="020B0509020204020204" pitchFamily="49" charset="-122"/>
+                <a:ea typeface="YaHei Consolas Hybrid" panose="020B0509020204020204" pitchFamily="49" charset="-122"/>
+              </a:rPr>
+              <a:t>SPA</a:t>
+            </a:r>
+            <a:r>
+              <a:rPr lang="zh-CN" altLang="en-US" dirty="0">
+                <a:latin typeface="YaHei Consolas Hybrid" panose="020B0509020204020204" pitchFamily="49" charset="-122"/>
+                <a:ea typeface="YaHei Consolas Hybrid" panose="020B0509020204020204" pitchFamily="49" charset="-122"/>
+              </a:rPr>
+              <a:t>）</a:t>
+            </a:r>
+          </a:p>
+        </p:txBody>
+      </p:sp>
+      <p:sp>
+        <p:nvSpPr>
+          <p:cNvPr id="58" name="文本框 57">
+            <a:extLst>
+              <a:ext uri="{FF2B5EF4-FFF2-40B4-BE49-F238E27FC236}">
+                <a16:creationId xmlns:a16="http://schemas.microsoft.com/office/drawing/2014/main" id="{F8878A62-7181-4867-BCD8-B06E0E0F5CD0}"/>
+              </a:ext>
+            </a:extLst>
+          </p:cNvPr>
+          <p:cNvSpPr txBox="1"/>
+          <p:nvPr/>
+        </p:nvSpPr>
+        <p:spPr>
+          <a:xfrm>
+            <a:off x="8433656" y="4229596"/>
+            <a:ext cx="580608" cy="307777"/>
+          </a:xfrm>
+          <a:prstGeom prst="rect">
+            <a:avLst/>
+          </a:prstGeom>
+          <a:noFill/>
+          <a:ln w="12700">
+            <a:solidFill>
+              <a:schemeClr val="tx1"/>
+            </a:solidFill>
+          </a:ln>
+        </p:spPr>
+        <p:txBody>
+          <a:bodyPr wrap="none" rtlCol="0">
+            <a:spAutoFit/>
+          </a:bodyPr>
+          <a:lstStyle/>
+          <a:p>
+            <a:pPr algn="ctr"/>
+            <a:r>
+              <a:rPr lang="en-US" altLang="zh-CN" sz="1400" dirty="0">
+                <a:latin typeface="YaHei Consolas Hybrid" panose="020B0509020204020204" pitchFamily="49" charset="-122"/>
+                <a:ea typeface="YaHei Consolas Hybrid" panose="020B0509020204020204" pitchFamily="49" charset="-122"/>
+              </a:rPr>
+              <a:t>{…}</a:t>
+            </a:r>
+            <a:endParaRPr lang="zh-CN" altLang="en-US" sz="1400" dirty="0">
+              <a:latin typeface="YaHei Consolas Hybrid" panose="020B0509020204020204" pitchFamily="49" charset="-122"/>
+              <a:ea typeface="YaHei Consolas Hybrid" panose="020B0509020204020204" pitchFamily="49" charset="-122"/>
+            </a:endParaRPr>
+          </a:p>
+        </p:txBody>
+      </p:sp>
+    </p:spTree>
+    <p:extLst>
+      <p:ext uri="{BB962C8B-B14F-4D97-AF65-F5344CB8AC3E}">
+        <p14:creationId xmlns:p14="http://schemas.microsoft.com/office/powerpoint/2010/main" val="572724082"/>
+      </p:ext>
+    </p:extLst>
+  </p:cSld>
+  <p:clrMapOvr>
+    <a:masterClrMapping/>
+  </p:clrMapOvr>
+</p:sld>
+</file>
+
+<file path=ppt/slides/slide6.xml><?xml version="1.0" encoding="utf-8"?>
+<p:sld xmlns:a="http://schemas.openxmlformats.org/drawingml/2006/main" xmlns:r="http://schemas.openxmlformats.org/officeDocument/2006/relationships" xmlns:p="http://schemas.openxmlformats.org/presentationml/2006/main">
+  <p:cSld>
+    <p:spTree>
+      <p:nvGrpSpPr>
+        <p:cNvPr id="1" name=""/>
+        <p:cNvGrpSpPr/>
+        <p:nvPr/>
+      </p:nvGrpSpPr>
+      <p:grpSpPr>
+        <a:xfrm>
+          <a:off x="0" y="0"/>
+          <a:ext cx="0" cy="0"/>
+          <a:chOff x="0" y="0"/>
+          <a:chExt cx="0" cy="0"/>
+        </a:xfrm>
+      </p:grpSpPr>
+      <p:sp>
+        <p:nvSpPr>
+          <p:cNvPr id="4" name="矩形: 圆角 3">
+            <a:extLst>
+              <a:ext uri="{FF2B5EF4-FFF2-40B4-BE49-F238E27FC236}">
+                <a16:creationId xmlns:a16="http://schemas.microsoft.com/office/drawing/2014/main" id="{CA53AD4C-ABE3-4223-A415-02056B2CCEA2}"/>
+              </a:ext>
+            </a:extLst>
+          </p:cNvPr>
+          <p:cNvSpPr/>
+          <p:nvPr/>
+        </p:nvSpPr>
+        <p:spPr>
+          <a:xfrm>
+            <a:off x="1677033" y="2403017"/>
+            <a:ext cx="1182546" cy="2393425"/>
+          </a:xfrm>
+          <a:prstGeom prst="roundRect">
+            <a:avLst/>
+          </a:prstGeom>
+        </p:spPr>
+        <p:style>
+          <a:lnRef idx="2">
+            <a:schemeClr val="accent2">
+              <a:shade val="50000"/>
+            </a:schemeClr>
+          </a:lnRef>
+          <a:fillRef idx="1">
+            <a:schemeClr val="accent2"/>
+          </a:fillRef>
+          <a:effectRef idx="0">
+            <a:schemeClr val="accent2"/>
+          </a:effectRef>
+          <a:fontRef idx="minor">
+            <a:schemeClr val="lt1"/>
+          </a:fontRef>
+        </p:style>
+        <p:txBody>
+          <a:bodyPr rtlCol="0" anchor="ctr"/>
+          <a:lstStyle/>
+          <a:p>
+            <a:pPr algn="ctr"/>
+            <a:r>
+              <a:rPr lang="zh-CN" altLang="en-US" sz="1600" dirty="0">
+                <a:solidFill>
+                  <a:schemeClr val="bg1"/>
+                </a:solidFill>
+                <a:latin typeface="YaHei Consolas Hybrid" panose="020B0509020204020204" charset="-122"/>
+                <a:ea typeface="YaHei Consolas Hybrid" panose="020B0509020204020204" charset="-122"/>
+              </a:rPr>
+              <a:t>浏览器</a:t>
+            </a:r>
+          </a:p>
+        </p:txBody>
+      </p:sp>
+      <p:sp>
+        <p:nvSpPr>
+          <p:cNvPr id="5" name="矩形: 圆角 4">
+            <a:extLst>
+              <a:ext uri="{FF2B5EF4-FFF2-40B4-BE49-F238E27FC236}">
+                <a16:creationId xmlns:a16="http://schemas.microsoft.com/office/drawing/2014/main" id="{1201CAED-B045-4A92-BE6A-377E3A4AD188}"/>
+              </a:ext>
+            </a:extLst>
+          </p:cNvPr>
+          <p:cNvSpPr/>
+          <p:nvPr/>
+        </p:nvSpPr>
+        <p:spPr>
+          <a:xfrm>
+            <a:off x="3924241" y="2403017"/>
+            <a:ext cx="1182546" cy="2393425"/>
+          </a:xfrm>
+          <a:prstGeom prst="roundRect">
+            <a:avLst/>
+          </a:prstGeom>
+        </p:spPr>
+        <p:style>
+          <a:lnRef idx="2">
+            <a:schemeClr val="accent5">
+              <a:shade val="50000"/>
+            </a:schemeClr>
+          </a:lnRef>
+          <a:fillRef idx="1">
+            <a:schemeClr val="accent5"/>
+          </a:fillRef>
+          <a:effectRef idx="0">
+            <a:schemeClr val="accent5"/>
+          </a:effectRef>
+          <a:fontRef idx="minor">
+            <a:schemeClr val="lt1"/>
+          </a:fontRef>
+        </p:style>
+        <p:txBody>
+          <a:bodyPr rtlCol="0" anchor="ctr"/>
+          <a:lstStyle/>
+          <a:p>
+            <a:pPr algn="ctr"/>
+            <a:r>
+              <a:rPr lang="en-US" altLang="zh-CN" sz="1600" dirty="0">
+                <a:solidFill>
+                  <a:schemeClr val="bg1"/>
+                </a:solidFill>
+                <a:latin typeface="YaHei Consolas Hybrid" panose="020B0509020204020204" charset="-122"/>
+                <a:ea typeface="YaHei Consolas Hybrid" panose="020B0509020204020204" charset="-122"/>
+              </a:rPr>
+              <a:t>Web</a:t>
+            </a:r>
+            <a:r>
+              <a:rPr lang="zh-CN" altLang="en-US" sz="1600" dirty="0">
+                <a:solidFill>
+                  <a:schemeClr val="bg1"/>
+                </a:solidFill>
+                <a:latin typeface="YaHei Consolas Hybrid" panose="020B0509020204020204" charset="-122"/>
+                <a:ea typeface="YaHei Consolas Hybrid" panose="020B0509020204020204" charset="-122"/>
+              </a:rPr>
+              <a:t>服务器</a:t>
+            </a:r>
+          </a:p>
+        </p:txBody>
+      </p:sp>
+      <p:sp>
+        <p:nvSpPr>
+          <p:cNvPr id="6" name="矩形: 圆角 5">
+            <a:extLst>
+              <a:ext uri="{FF2B5EF4-FFF2-40B4-BE49-F238E27FC236}">
+                <a16:creationId xmlns:a16="http://schemas.microsoft.com/office/drawing/2014/main" id="{A0662BD5-B0E3-45E4-A414-A546FBC5656C}"/>
+              </a:ext>
+            </a:extLst>
+          </p:cNvPr>
+          <p:cNvSpPr/>
+          <p:nvPr/>
+        </p:nvSpPr>
+        <p:spPr>
+          <a:xfrm>
+            <a:off x="5939421" y="2403017"/>
+            <a:ext cx="679309" cy="2393425"/>
+          </a:xfrm>
+          <a:prstGeom prst="roundRect">
+            <a:avLst/>
+          </a:prstGeom>
+        </p:spPr>
+        <p:style>
+          <a:lnRef idx="2">
+            <a:schemeClr val="accent4">
+              <a:shade val="50000"/>
+            </a:schemeClr>
+          </a:lnRef>
+          <a:fillRef idx="1">
+            <a:schemeClr val="accent4"/>
+          </a:fillRef>
+          <a:effectRef idx="0">
+            <a:schemeClr val="accent4"/>
+          </a:effectRef>
+          <a:fontRef idx="minor">
+            <a:schemeClr val="lt1"/>
+          </a:fontRef>
+        </p:style>
+        <p:txBody>
+          <a:bodyPr rtlCol="0" anchor="ctr"/>
+          <a:lstStyle/>
+          <a:p>
+            <a:pPr algn="ctr"/>
+            <a:r>
+              <a:rPr lang="en-US" altLang="zh-CN" sz="1600" dirty="0">
+                <a:solidFill>
+                  <a:schemeClr val="bg1"/>
+                </a:solidFill>
+                <a:latin typeface="YaHei Consolas Hybrid" panose="020B0509020204020204" charset="-122"/>
+                <a:ea typeface="YaHei Consolas Hybrid" panose="020B0509020204020204" charset="-122"/>
+              </a:rPr>
+              <a:t>CGI</a:t>
+            </a:r>
+            <a:endParaRPr lang="zh-CN" altLang="en-US" sz="1600" dirty="0">
+              <a:solidFill>
+                <a:schemeClr val="bg1"/>
+              </a:solidFill>
+              <a:latin typeface="YaHei Consolas Hybrid" panose="020B0509020204020204" charset="-122"/>
+              <a:ea typeface="YaHei Consolas Hybrid" panose="020B0509020204020204" charset="-122"/>
+            </a:endParaRPr>
+          </a:p>
+        </p:txBody>
+      </p:sp>
+      <p:sp>
+        <p:nvSpPr>
+          <p:cNvPr id="7" name="矩形: 圆角 6">
+            <a:extLst>
+              <a:ext uri="{FF2B5EF4-FFF2-40B4-BE49-F238E27FC236}">
+                <a16:creationId xmlns:a16="http://schemas.microsoft.com/office/drawing/2014/main" id="{33CD5459-4E59-4704-8472-E34BAA6454AF}"/>
+              </a:ext>
+            </a:extLst>
+          </p:cNvPr>
+          <p:cNvSpPr/>
+          <p:nvPr/>
+        </p:nvSpPr>
+        <p:spPr>
+          <a:xfrm>
+            <a:off x="7311993" y="2403017"/>
+            <a:ext cx="909294" cy="2393425"/>
+          </a:xfrm>
+          <a:prstGeom prst="roundRect">
+            <a:avLst/>
+          </a:prstGeom>
+        </p:spPr>
+        <p:style>
+          <a:lnRef idx="2">
+            <a:schemeClr val="accent1">
+              <a:shade val="50000"/>
+            </a:schemeClr>
+          </a:lnRef>
+          <a:fillRef idx="1">
+            <a:schemeClr val="accent1"/>
+          </a:fillRef>
+          <a:effectRef idx="0">
+            <a:schemeClr val="accent1"/>
+          </a:effectRef>
+          <a:fontRef idx="minor">
+            <a:schemeClr val="lt1"/>
+          </a:fontRef>
+        </p:style>
+        <p:txBody>
+          <a:bodyPr rtlCol="0" anchor="ctr"/>
+          <a:lstStyle/>
+          <a:p>
+            <a:pPr algn="ctr"/>
+            <a:r>
+              <a:rPr lang="zh-CN" altLang="en-US" sz="1600" dirty="0">
+                <a:solidFill>
+                  <a:schemeClr val="bg1"/>
+                </a:solidFill>
+                <a:latin typeface="YaHei Consolas Hybrid" panose="020B0509020204020204" charset="-122"/>
+                <a:ea typeface="YaHei Consolas Hybrid" panose="020B0509020204020204" charset="-122"/>
+              </a:rPr>
+              <a:t>外部程序</a:t>
+            </a:r>
+          </a:p>
+        </p:txBody>
+      </p:sp>
+      <p:cxnSp>
+        <p:nvCxnSpPr>
+          <p:cNvPr id="8" name="直接箭头连接符 7">
+            <a:extLst>
+              <a:ext uri="{FF2B5EF4-FFF2-40B4-BE49-F238E27FC236}">
+                <a16:creationId xmlns:a16="http://schemas.microsoft.com/office/drawing/2014/main" id="{7ACA5D90-51F3-4D55-9537-C748DD86B97B}"/>
+              </a:ext>
+            </a:extLst>
+          </p:cNvPr>
+          <p:cNvCxnSpPr>
+            <a:cxnSpLocks/>
+          </p:cNvCxnSpPr>
+          <p:nvPr/>
+        </p:nvCxnSpPr>
+        <p:spPr>
+          <a:xfrm flipV="1">
+            <a:off x="2859579" y="2944236"/>
+            <a:ext cx="1064662" cy="1"/>
+          </a:xfrm>
+          <a:prstGeom prst="straightConnector1">
+            <a:avLst/>
+          </a:prstGeom>
+          <a:ln w="25400">
+            <a:solidFill>
+              <a:schemeClr val="tx1"/>
+            </a:solidFill>
+            <a:headEnd type="none" w="med" len="med"/>
+            <a:tailEnd type="arrow"/>
+          </a:ln>
+        </p:spPr>
+        <p:style>
+          <a:lnRef idx="1">
+            <a:schemeClr val="accent1"/>
+          </a:lnRef>
+          <a:fillRef idx="0">
+            <a:schemeClr val="accent1"/>
+          </a:fillRef>
+          <a:effectRef idx="0">
+            <a:schemeClr val="accent1"/>
+          </a:effectRef>
+          <a:fontRef idx="minor">
+            <a:schemeClr val="tx1"/>
+          </a:fontRef>
+        </p:style>
+      </p:cxnSp>
+      <p:cxnSp>
+        <p:nvCxnSpPr>
+          <p:cNvPr id="11" name="直接箭头连接符 10">
+            <a:extLst>
+              <a:ext uri="{FF2B5EF4-FFF2-40B4-BE49-F238E27FC236}">
+                <a16:creationId xmlns:a16="http://schemas.microsoft.com/office/drawing/2014/main" id="{FB5FA582-A6D9-47E9-88BF-F5DE81E41675}"/>
+              </a:ext>
+            </a:extLst>
+          </p:cNvPr>
+          <p:cNvCxnSpPr>
+            <a:cxnSpLocks/>
+          </p:cNvCxnSpPr>
+          <p:nvPr/>
+        </p:nvCxnSpPr>
+        <p:spPr>
+          <a:xfrm rot="10800000" flipV="1">
+            <a:off x="2859579" y="4218854"/>
+            <a:ext cx="1064662" cy="1"/>
+          </a:xfrm>
+          <a:prstGeom prst="straightConnector1">
+            <a:avLst/>
+          </a:prstGeom>
+          <a:ln w="25400">
+            <a:solidFill>
+              <a:schemeClr val="tx1"/>
+            </a:solidFill>
+            <a:headEnd type="none" w="med" len="med"/>
+            <a:tailEnd type="arrow"/>
+          </a:ln>
+        </p:spPr>
+        <p:style>
+          <a:lnRef idx="1">
+            <a:schemeClr val="accent1"/>
+          </a:lnRef>
+          <a:fillRef idx="0">
+            <a:schemeClr val="accent1"/>
+          </a:fillRef>
+          <a:effectRef idx="0">
+            <a:schemeClr val="accent1"/>
+          </a:effectRef>
+          <a:fontRef idx="minor">
+            <a:schemeClr val="tx1"/>
+          </a:fontRef>
+        </p:style>
+      </p:cxnSp>
+      <p:cxnSp>
+        <p:nvCxnSpPr>
+          <p:cNvPr id="12" name="直接箭头连接符 11">
+            <a:extLst>
+              <a:ext uri="{FF2B5EF4-FFF2-40B4-BE49-F238E27FC236}">
+                <a16:creationId xmlns:a16="http://schemas.microsoft.com/office/drawing/2014/main" id="{0431B21A-A9B4-4989-8ED3-55040EB6A6AF}"/>
+              </a:ext>
+            </a:extLst>
+          </p:cNvPr>
+          <p:cNvCxnSpPr>
+            <a:cxnSpLocks/>
+          </p:cNvCxnSpPr>
+          <p:nvPr/>
+        </p:nvCxnSpPr>
+        <p:spPr>
+          <a:xfrm flipV="1">
+            <a:off x="5106787" y="2944236"/>
+            <a:ext cx="832634" cy="1"/>
+          </a:xfrm>
+          <a:prstGeom prst="straightConnector1">
+            <a:avLst/>
+          </a:prstGeom>
+          <a:ln w="25400">
+            <a:solidFill>
+              <a:schemeClr val="tx1"/>
+            </a:solidFill>
+            <a:headEnd type="none" w="med" len="med"/>
+            <a:tailEnd type="arrow"/>
+          </a:ln>
+        </p:spPr>
+        <p:style>
+          <a:lnRef idx="1">
+            <a:schemeClr val="accent1"/>
+          </a:lnRef>
+          <a:fillRef idx="0">
+            <a:schemeClr val="accent1"/>
+          </a:fillRef>
+          <a:effectRef idx="0">
+            <a:schemeClr val="accent1"/>
+          </a:effectRef>
+          <a:fontRef idx="minor">
+            <a:schemeClr val="tx1"/>
+          </a:fontRef>
+        </p:style>
+      </p:cxnSp>
+      <p:cxnSp>
+        <p:nvCxnSpPr>
+          <p:cNvPr id="14" name="直接箭头连接符 13">
+            <a:extLst>
+              <a:ext uri="{FF2B5EF4-FFF2-40B4-BE49-F238E27FC236}">
+                <a16:creationId xmlns:a16="http://schemas.microsoft.com/office/drawing/2014/main" id="{CD47F01B-B6CC-4268-9472-2412E085A3E0}"/>
+              </a:ext>
+            </a:extLst>
+          </p:cNvPr>
+          <p:cNvCxnSpPr>
+            <a:cxnSpLocks/>
+          </p:cNvCxnSpPr>
+          <p:nvPr/>
+        </p:nvCxnSpPr>
+        <p:spPr>
+          <a:xfrm rot="10800000" flipV="1">
+            <a:off x="5106787" y="4218854"/>
+            <a:ext cx="832634" cy="1"/>
+          </a:xfrm>
+          <a:prstGeom prst="straightConnector1">
+            <a:avLst/>
+          </a:prstGeom>
+          <a:ln w="25400">
+            <a:solidFill>
+              <a:schemeClr val="tx1"/>
+            </a:solidFill>
+            <a:headEnd type="none" w="med" len="med"/>
+            <a:tailEnd type="arrow"/>
+          </a:ln>
+        </p:spPr>
+        <p:style>
+          <a:lnRef idx="1">
+            <a:schemeClr val="accent1"/>
+          </a:lnRef>
+          <a:fillRef idx="0">
+            <a:schemeClr val="accent1"/>
+          </a:fillRef>
+          <a:effectRef idx="0">
+            <a:schemeClr val="accent1"/>
+          </a:effectRef>
+          <a:fontRef idx="minor">
+            <a:schemeClr val="tx1"/>
+          </a:fontRef>
+        </p:style>
+      </p:cxnSp>
+      <p:cxnSp>
+        <p:nvCxnSpPr>
+          <p:cNvPr id="15" name="直接箭头连接符 14">
+            <a:extLst>
+              <a:ext uri="{FF2B5EF4-FFF2-40B4-BE49-F238E27FC236}">
+                <a16:creationId xmlns:a16="http://schemas.microsoft.com/office/drawing/2014/main" id="{937A677A-12CF-40BA-8547-71FAEC329A12}"/>
+              </a:ext>
+            </a:extLst>
+          </p:cNvPr>
+          <p:cNvCxnSpPr>
+            <a:cxnSpLocks/>
+          </p:cNvCxnSpPr>
+          <p:nvPr/>
+        </p:nvCxnSpPr>
+        <p:spPr>
+          <a:xfrm>
+            <a:off x="6632684" y="2944238"/>
+            <a:ext cx="679309" cy="0"/>
+          </a:xfrm>
+          <a:prstGeom prst="straightConnector1">
+            <a:avLst/>
+          </a:prstGeom>
+          <a:ln w="25400">
+            <a:solidFill>
+              <a:schemeClr val="tx1"/>
+            </a:solidFill>
+            <a:headEnd type="none" w="med" len="med"/>
+            <a:tailEnd type="arrow"/>
+          </a:ln>
+        </p:spPr>
+        <p:style>
+          <a:lnRef idx="1">
+            <a:schemeClr val="accent1"/>
+          </a:lnRef>
+          <a:fillRef idx="0">
+            <a:schemeClr val="accent1"/>
+          </a:fillRef>
+          <a:effectRef idx="0">
+            <a:schemeClr val="accent1"/>
+          </a:effectRef>
+          <a:fontRef idx="minor">
+            <a:schemeClr val="tx1"/>
+          </a:fontRef>
+        </p:style>
+      </p:cxnSp>
+      <p:cxnSp>
+        <p:nvCxnSpPr>
+          <p:cNvPr id="16" name="直接箭头连接符 15">
+            <a:extLst>
+              <a:ext uri="{FF2B5EF4-FFF2-40B4-BE49-F238E27FC236}">
+                <a16:creationId xmlns:a16="http://schemas.microsoft.com/office/drawing/2014/main" id="{9D197266-BF7D-4194-A102-D4537FE77568}"/>
+              </a:ext>
+            </a:extLst>
+          </p:cNvPr>
+          <p:cNvCxnSpPr>
+            <a:cxnSpLocks/>
+          </p:cNvCxnSpPr>
+          <p:nvPr/>
+        </p:nvCxnSpPr>
+        <p:spPr>
+          <a:xfrm flipH="1">
+            <a:off x="6632684" y="4218855"/>
+            <a:ext cx="679309" cy="0"/>
+          </a:xfrm>
+          <a:prstGeom prst="straightConnector1">
+            <a:avLst/>
+          </a:prstGeom>
+          <a:ln w="25400">
+            <a:solidFill>
+              <a:schemeClr val="tx1"/>
+            </a:solidFill>
+            <a:headEnd type="none" w="med" len="med"/>
+            <a:tailEnd type="arrow"/>
+          </a:ln>
+        </p:spPr>
+        <p:style>
+          <a:lnRef idx="1">
+            <a:schemeClr val="accent1"/>
+          </a:lnRef>
+          <a:fillRef idx="0">
+            <a:schemeClr val="accent1"/>
+          </a:fillRef>
+          <a:effectRef idx="0">
+            <a:schemeClr val="accent1"/>
+          </a:effectRef>
+          <a:fontRef idx="minor">
+            <a:schemeClr val="tx1"/>
+          </a:fontRef>
+        </p:style>
+      </p:cxnSp>
+      <p:sp>
+        <p:nvSpPr>
+          <p:cNvPr id="21" name="文本框 20">
+            <a:extLst>
+              <a:ext uri="{FF2B5EF4-FFF2-40B4-BE49-F238E27FC236}">
+                <a16:creationId xmlns:a16="http://schemas.microsoft.com/office/drawing/2014/main" id="{63C778D7-CDD4-4DE2-AFBE-261C77F9D02C}"/>
+              </a:ext>
+            </a:extLst>
+          </p:cNvPr>
+          <p:cNvSpPr txBox="1"/>
+          <p:nvPr/>
+        </p:nvSpPr>
+        <p:spPr>
+          <a:xfrm>
+            <a:off x="2903169" y="2636459"/>
+            <a:ext cx="980205" cy="307777"/>
+          </a:xfrm>
+          <a:prstGeom prst="rect">
+            <a:avLst/>
+          </a:prstGeom>
+          <a:noFill/>
+        </p:spPr>
+        <p:txBody>
+          <a:bodyPr wrap="none" rtlCol="0">
+            <a:spAutoFit/>
+          </a:bodyPr>
+          <a:lstStyle/>
+          <a:p>
+            <a:r>
+              <a:rPr lang="en-US" altLang="zh-CN" sz="1400" dirty="0">
+                <a:latin typeface="YaHei Consolas Hybrid" panose="020B0509020204020204" pitchFamily="49" charset="-122"/>
+                <a:ea typeface="YaHei Consolas Hybrid" panose="020B0509020204020204" pitchFamily="49" charset="-122"/>
+              </a:rPr>
+              <a:t>HTTP</a:t>
+            </a:r>
+            <a:r>
+              <a:rPr lang="zh-CN" altLang="en-US" sz="1400" dirty="0">
+                <a:latin typeface="YaHei Consolas Hybrid" panose="020B0509020204020204" pitchFamily="49" charset="-122"/>
+                <a:ea typeface="YaHei Consolas Hybrid" panose="020B0509020204020204" pitchFamily="49" charset="-122"/>
+              </a:rPr>
+              <a:t>请求</a:t>
+            </a:r>
+          </a:p>
+        </p:txBody>
+      </p:sp>
+      <p:sp>
+        <p:nvSpPr>
+          <p:cNvPr id="22" name="文本框 21">
+            <a:extLst>
+              <a:ext uri="{FF2B5EF4-FFF2-40B4-BE49-F238E27FC236}">
+                <a16:creationId xmlns:a16="http://schemas.microsoft.com/office/drawing/2014/main" id="{6AF16053-0995-49EF-97E8-4EFD78DE01D3}"/>
+              </a:ext>
+            </a:extLst>
+          </p:cNvPr>
+          <p:cNvSpPr txBox="1"/>
+          <p:nvPr/>
+        </p:nvSpPr>
+        <p:spPr>
+          <a:xfrm>
+            <a:off x="2896551" y="3911076"/>
+            <a:ext cx="980205" cy="307777"/>
+          </a:xfrm>
+          <a:prstGeom prst="rect">
+            <a:avLst/>
+          </a:prstGeom>
+          <a:noFill/>
+        </p:spPr>
+        <p:txBody>
+          <a:bodyPr wrap="none" rtlCol="0">
+            <a:spAutoFit/>
+          </a:bodyPr>
+          <a:lstStyle/>
+          <a:p>
+            <a:r>
+              <a:rPr lang="en-US" altLang="zh-CN" sz="1400" dirty="0">
+                <a:latin typeface="YaHei Consolas Hybrid" panose="020B0509020204020204" pitchFamily="49" charset="-122"/>
+                <a:ea typeface="YaHei Consolas Hybrid" panose="020B0509020204020204" pitchFamily="49" charset="-122"/>
+              </a:rPr>
+              <a:t>HTTP</a:t>
+            </a:r>
+            <a:r>
+              <a:rPr lang="zh-CN" altLang="en-US" sz="1400" dirty="0">
+                <a:latin typeface="YaHei Consolas Hybrid" panose="020B0509020204020204" pitchFamily="49" charset="-122"/>
+                <a:ea typeface="YaHei Consolas Hybrid" panose="020B0509020204020204" pitchFamily="49" charset="-122"/>
+              </a:rPr>
+              <a:t>返回</a:t>
+            </a:r>
+          </a:p>
+        </p:txBody>
+      </p:sp>
+      <p:sp>
+        <p:nvSpPr>
+          <p:cNvPr id="23" name="文本框 22">
+            <a:extLst>
+              <a:ext uri="{FF2B5EF4-FFF2-40B4-BE49-F238E27FC236}">
+                <a16:creationId xmlns:a16="http://schemas.microsoft.com/office/drawing/2014/main" id="{68EA9108-280B-4125-8235-AA589F96A201}"/>
+              </a:ext>
+            </a:extLst>
+          </p:cNvPr>
+          <p:cNvSpPr txBox="1"/>
+          <p:nvPr/>
+        </p:nvSpPr>
+        <p:spPr>
+          <a:xfrm>
+            <a:off x="5207091" y="2636458"/>
+            <a:ext cx="579005" cy="307777"/>
+          </a:xfrm>
+          <a:prstGeom prst="rect">
+            <a:avLst/>
+          </a:prstGeom>
+          <a:noFill/>
+        </p:spPr>
+        <p:txBody>
+          <a:bodyPr wrap="none" rtlCol="0">
+            <a:spAutoFit/>
+          </a:bodyPr>
+          <a:lstStyle/>
+          <a:p>
+            <a:r>
+              <a:rPr lang="zh-CN" altLang="en-US" sz="1400" dirty="0">
+                <a:latin typeface="YaHei Consolas Hybrid" panose="020B0509020204020204" pitchFamily="49" charset="-122"/>
+                <a:ea typeface="YaHei Consolas Hybrid" panose="020B0509020204020204" pitchFamily="49" charset="-122"/>
+              </a:rPr>
+              <a:t>参数</a:t>
+            </a:r>
+          </a:p>
+        </p:txBody>
+      </p:sp>
+      <p:sp>
+        <p:nvSpPr>
+          <p:cNvPr id="24" name="文本框 23">
+            <a:extLst>
+              <a:ext uri="{FF2B5EF4-FFF2-40B4-BE49-F238E27FC236}">
+                <a16:creationId xmlns:a16="http://schemas.microsoft.com/office/drawing/2014/main" id="{1DD691A6-7F41-4660-8088-ADA0C2CE3BF7}"/>
+              </a:ext>
+            </a:extLst>
+          </p:cNvPr>
+          <p:cNvSpPr txBox="1"/>
+          <p:nvPr/>
+        </p:nvSpPr>
+        <p:spPr>
+          <a:xfrm>
+            <a:off x="5230629" y="3904087"/>
+            <a:ext cx="579005" cy="307777"/>
+          </a:xfrm>
+          <a:prstGeom prst="rect">
+            <a:avLst/>
+          </a:prstGeom>
+          <a:noFill/>
+        </p:spPr>
+        <p:txBody>
+          <a:bodyPr wrap="none" rtlCol="0">
+            <a:spAutoFit/>
+          </a:bodyPr>
+          <a:lstStyle/>
+          <a:p>
+            <a:r>
+              <a:rPr lang="zh-CN" altLang="en-US" sz="1400" dirty="0">
+                <a:latin typeface="YaHei Consolas Hybrid" panose="020B0509020204020204" pitchFamily="49" charset="-122"/>
+                <a:ea typeface="YaHei Consolas Hybrid" panose="020B0509020204020204" pitchFamily="49" charset="-122"/>
+              </a:rPr>
+              <a:t>返回</a:t>
+            </a:r>
+          </a:p>
+        </p:txBody>
+      </p:sp>
+      <p:sp>
+        <p:nvSpPr>
+          <p:cNvPr id="25" name="文本框 24">
+            <a:extLst>
+              <a:ext uri="{FF2B5EF4-FFF2-40B4-BE49-F238E27FC236}">
+                <a16:creationId xmlns:a16="http://schemas.microsoft.com/office/drawing/2014/main" id="{4C639127-5AB6-467A-97A5-FB60B84AAF83}"/>
+              </a:ext>
+            </a:extLst>
+          </p:cNvPr>
+          <p:cNvSpPr txBox="1"/>
+          <p:nvPr/>
+        </p:nvSpPr>
+        <p:spPr>
+          <a:xfrm>
+            <a:off x="6675859" y="2636458"/>
+            <a:ext cx="579005" cy="307777"/>
+          </a:xfrm>
+          <a:prstGeom prst="rect">
+            <a:avLst/>
+          </a:prstGeom>
+          <a:noFill/>
+        </p:spPr>
+        <p:txBody>
+          <a:bodyPr wrap="none" rtlCol="0">
+            <a:spAutoFit/>
+          </a:bodyPr>
+          <a:lstStyle/>
+          <a:p>
+            <a:r>
+              <a:rPr lang="zh-CN" altLang="en-US" sz="1400" dirty="0">
+                <a:latin typeface="YaHei Consolas Hybrid" panose="020B0509020204020204" pitchFamily="49" charset="-122"/>
+                <a:ea typeface="YaHei Consolas Hybrid" panose="020B0509020204020204" pitchFamily="49" charset="-122"/>
+              </a:rPr>
+              <a:t>执行</a:t>
+            </a:r>
+          </a:p>
+        </p:txBody>
+      </p:sp>
+      <p:sp>
+        <p:nvSpPr>
+          <p:cNvPr id="26" name="文本框 25">
+            <a:extLst>
+              <a:ext uri="{FF2B5EF4-FFF2-40B4-BE49-F238E27FC236}">
+                <a16:creationId xmlns:a16="http://schemas.microsoft.com/office/drawing/2014/main" id="{612520E9-3E07-4F7C-9879-3BB69565C574}"/>
+              </a:ext>
+            </a:extLst>
+          </p:cNvPr>
+          <p:cNvSpPr txBox="1"/>
+          <p:nvPr/>
+        </p:nvSpPr>
+        <p:spPr>
+          <a:xfrm>
+            <a:off x="6682836" y="3880469"/>
+            <a:ext cx="579005" cy="307777"/>
+          </a:xfrm>
+          <a:prstGeom prst="rect">
+            <a:avLst/>
+          </a:prstGeom>
+          <a:noFill/>
+        </p:spPr>
+        <p:txBody>
+          <a:bodyPr wrap="none" rtlCol="0">
+            <a:spAutoFit/>
+          </a:bodyPr>
+          <a:lstStyle/>
+          <a:p>
+            <a:r>
+              <a:rPr lang="zh-CN" altLang="en-US" sz="1400" dirty="0">
+                <a:latin typeface="YaHei Consolas Hybrid" panose="020B0509020204020204" pitchFamily="49" charset="-122"/>
+                <a:ea typeface="YaHei Consolas Hybrid" panose="020B0509020204020204" pitchFamily="49" charset="-122"/>
+              </a:rPr>
+              <a:t>返回</a:t>
+            </a:r>
+          </a:p>
+        </p:txBody>
+      </p:sp>
+    </p:spTree>
+    <p:extLst>
+      <p:ext uri="{BB962C8B-B14F-4D97-AF65-F5344CB8AC3E}">
+        <p14:creationId xmlns:p14="http://schemas.microsoft.com/office/powerpoint/2010/main" val="1361135643"/>
+      </p:ext>
+    </p:extLst>
+  </p:cSld>
+  <p:clrMapOvr>
+    <a:masterClrMapping/>
+  </p:clrMapOvr>
+</p:sld>
+</file>
+
+<file path=ppt/slides/slide7.xml><?xml version="1.0" encoding="utf-8"?>
+<p:sld xmlns:a="http://schemas.openxmlformats.org/drawingml/2006/main" xmlns:r="http://schemas.openxmlformats.org/officeDocument/2006/relationships" xmlns:p="http://schemas.openxmlformats.org/presentationml/2006/main">
+  <p:cSld>
+    <p:spTree>
+      <p:nvGrpSpPr>
+        <p:cNvPr id="1" name=""/>
+        <p:cNvGrpSpPr/>
+        <p:nvPr/>
+      </p:nvGrpSpPr>
+      <p:grpSpPr>
+        <a:xfrm>
+          <a:off x="0" y="0"/>
+          <a:ext cx="0" cy="0"/>
+          <a:chOff x="0" y="0"/>
+          <a:chExt cx="0" cy="0"/>
+        </a:xfrm>
+      </p:grpSpPr>
+      <p:sp>
+        <p:nvSpPr>
+          <p:cNvPr id="4" name="矩形: 圆角 3">
+            <a:extLst>
+              <a:ext uri="{FF2B5EF4-FFF2-40B4-BE49-F238E27FC236}">
+                <a16:creationId xmlns:a16="http://schemas.microsoft.com/office/drawing/2014/main" id="{CA53AD4C-ABE3-4223-A415-02056B2CCEA2}"/>
+              </a:ext>
+            </a:extLst>
+          </p:cNvPr>
+          <p:cNvSpPr/>
+          <p:nvPr/>
+        </p:nvSpPr>
+        <p:spPr>
+          <a:xfrm>
+            <a:off x="1677033" y="2403017"/>
+            <a:ext cx="1182546" cy="2393425"/>
+          </a:xfrm>
+          <a:prstGeom prst="roundRect">
+            <a:avLst/>
+          </a:prstGeom>
+        </p:spPr>
+        <p:style>
+          <a:lnRef idx="2">
+            <a:schemeClr val="accent2">
+              <a:shade val="50000"/>
+            </a:schemeClr>
+          </a:lnRef>
+          <a:fillRef idx="1">
+            <a:schemeClr val="accent2"/>
+          </a:fillRef>
+          <a:effectRef idx="0">
+            <a:schemeClr val="accent2"/>
+          </a:effectRef>
+          <a:fontRef idx="minor">
+            <a:schemeClr val="lt1"/>
+          </a:fontRef>
+        </p:style>
+        <p:txBody>
+          <a:bodyPr rtlCol="0" anchor="ctr"/>
+          <a:lstStyle/>
+          <a:p>
+            <a:pPr algn="ctr"/>
+            <a:r>
+              <a:rPr lang="zh-CN" altLang="en-US" sz="1600" dirty="0">
+                <a:solidFill>
+                  <a:schemeClr val="bg1"/>
+                </a:solidFill>
+                <a:latin typeface="YaHei Consolas Hybrid" panose="020B0509020204020204" charset="-122"/>
+                <a:ea typeface="YaHei Consolas Hybrid" panose="020B0509020204020204" charset="-122"/>
+              </a:rPr>
+              <a:t>浏览器</a:t>
+            </a:r>
+          </a:p>
+        </p:txBody>
+      </p:sp>
+      <p:sp>
+        <p:nvSpPr>
+          <p:cNvPr id="5" name="矩形: 圆角 4">
+            <a:extLst>
+              <a:ext uri="{FF2B5EF4-FFF2-40B4-BE49-F238E27FC236}">
+                <a16:creationId xmlns:a16="http://schemas.microsoft.com/office/drawing/2014/main" id="{1201CAED-B045-4A92-BE6A-377E3A4AD188}"/>
+              </a:ext>
+            </a:extLst>
+          </p:cNvPr>
+          <p:cNvSpPr/>
+          <p:nvPr/>
+        </p:nvSpPr>
+        <p:spPr>
+          <a:xfrm>
+            <a:off x="3924241" y="2403017"/>
+            <a:ext cx="1182546" cy="2393425"/>
+          </a:xfrm>
+          <a:prstGeom prst="roundRect">
+            <a:avLst/>
+          </a:prstGeom>
+        </p:spPr>
+        <p:style>
+          <a:lnRef idx="2">
+            <a:schemeClr val="accent5">
+              <a:shade val="50000"/>
+            </a:schemeClr>
+          </a:lnRef>
+          <a:fillRef idx="1">
+            <a:schemeClr val="accent5"/>
+          </a:fillRef>
+          <a:effectRef idx="0">
+            <a:schemeClr val="accent5"/>
+          </a:effectRef>
+          <a:fontRef idx="minor">
+            <a:schemeClr val="lt1"/>
+          </a:fontRef>
+        </p:style>
+        <p:txBody>
+          <a:bodyPr rtlCol="0" anchor="ctr"/>
+          <a:lstStyle/>
+          <a:p>
+            <a:pPr algn="ctr"/>
+            <a:r>
+              <a:rPr lang="en-US" altLang="zh-CN" sz="1600" dirty="0">
+                <a:solidFill>
+                  <a:schemeClr val="bg1"/>
+                </a:solidFill>
+                <a:latin typeface="YaHei Consolas Hybrid" panose="020B0509020204020204" charset="-122"/>
+                <a:ea typeface="YaHei Consolas Hybrid" panose="020B0509020204020204" charset="-122"/>
+              </a:rPr>
+              <a:t>Web</a:t>
+            </a:r>
+            <a:r>
+              <a:rPr lang="zh-CN" altLang="en-US" sz="1600" dirty="0">
+                <a:solidFill>
+                  <a:schemeClr val="bg1"/>
+                </a:solidFill>
+                <a:latin typeface="YaHei Consolas Hybrid" panose="020B0509020204020204" charset="-122"/>
+                <a:ea typeface="YaHei Consolas Hybrid" panose="020B0509020204020204" charset="-122"/>
+              </a:rPr>
+              <a:t>服务器</a:t>
+            </a:r>
+          </a:p>
+        </p:txBody>
+      </p:sp>
+      <p:sp>
+        <p:nvSpPr>
+          <p:cNvPr id="6" name="矩形: 圆角 5">
+            <a:extLst>
+              <a:ext uri="{FF2B5EF4-FFF2-40B4-BE49-F238E27FC236}">
+                <a16:creationId xmlns:a16="http://schemas.microsoft.com/office/drawing/2014/main" id="{A0662BD5-B0E3-45E4-A414-A546FBC5656C}"/>
+              </a:ext>
+            </a:extLst>
+          </p:cNvPr>
+          <p:cNvSpPr/>
+          <p:nvPr/>
+        </p:nvSpPr>
+        <p:spPr>
+          <a:xfrm>
+            <a:off x="5939421" y="2403017"/>
+            <a:ext cx="679309" cy="2393425"/>
+          </a:xfrm>
+          <a:prstGeom prst="roundRect">
+            <a:avLst/>
+          </a:prstGeom>
+        </p:spPr>
+        <p:style>
+          <a:lnRef idx="2">
+            <a:schemeClr val="accent4">
+              <a:shade val="50000"/>
+            </a:schemeClr>
+          </a:lnRef>
+          <a:fillRef idx="1">
+            <a:schemeClr val="accent4"/>
+          </a:fillRef>
+          <a:effectRef idx="0">
+            <a:schemeClr val="accent4"/>
+          </a:effectRef>
+          <a:fontRef idx="minor">
+            <a:schemeClr val="lt1"/>
+          </a:fontRef>
+        </p:style>
+        <p:txBody>
+          <a:bodyPr rtlCol="0" anchor="ctr"/>
+          <a:lstStyle/>
+          <a:p>
+            <a:pPr algn="ctr"/>
+            <a:r>
+              <a:rPr lang="en-US" altLang="zh-CN" sz="1600" dirty="0">
+                <a:solidFill>
+                  <a:schemeClr val="bg1"/>
+                </a:solidFill>
+                <a:latin typeface="YaHei Consolas Hybrid" panose="020B0509020204020204" charset="-122"/>
+                <a:ea typeface="YaHei Consolas Hybrid" panose="020B0509020204020204" charset="-122"/>
+              </a:rPr>
+              <a:t>PHP</a:t>
+            </a:r>
+          </a:p>
+          <a:p>
+            <a:pPr algn="ctr"/>
+            <a:r>
+              <a:rPr lang="en-US" altLang="zh-CN" sz="1600" dirty="0">
+                <a:solidFill>
+                  <a:schemeClr val="bg1"/>
+                </a:solidFill>
+                <a:latin typeface="YaHei Consolas Hybrid" panose="020B0509020204020204" charset="-122"/>
+                <a:ea typeface="YaHei Consolas Hybrid" panose="020B0509020204020204" charset="-122"/>
+              </a:rPr>
+              <a:t>ASP</a:t>
+            </a:r>
+          </a:p>
+          <a:p>
+            <a:pPr algn="ctr"/>
+            <a:r>
+              <a:rPr lang="en-US" altLang="zh-CN" sz="1600" dirty="0">
+                <a:solidFill>
+                  <a:schemeClr val="bg1"/>
+                </a:solidFill>
+                <a:latin typeface="YaHei Consolas Hybrid" panose="020B0509020204020204" charset="-122"/>
+                <a:ea typeface="YaHei Consolas Hybrid" panose="020B0509020204020204" charset="-122"/>
+              </a:rPr>
+              <a:t>JSP</a:t>
+            </a:r>
+            <a:endParaRPr lang="zh-CN" altLang="en-US" sz="1600" dirty="0">
+              <a:solidFill>
+                <a:schemeClr val="bg1"/>
+              </a:solidFill>
+              <a:latin typeface="YaHei Consolas Hybrid" panose="020B0509020204020204" charset="-122"/>
+              <a:ea typeface="YaHei Consolas Hybrid" panose="020B0509020204020204" charset="-122"/>
+            </a:endParaRPr>
+          </a:p>
+        </p:txBody>
+      </p:sp>
+      <p:sp>
+        <p:nvSpPr>
+          <p:cNvPr id="7" name="矩形: 圆角 6">
+            <a:extLst>
+              <a:ext uri="{FF2B5EF4-FFF2-40B4-BE49-F238E27FC236}">
+                <a16:creationId xmlns:a16="http://schemas.microsoft.com/office/drawing/2014/main" id="{33CD5459-4E59-4704-8472-E34BAA6454AF}"/>
+              </a:ext>
+            </a:extLst>
+          </p:cNvPr>
+          <p:cNvSpPr/>
+          <p:nvPr/>
+        </p:nvSpPr>
+        <p:spPr>
+          <a:xfrm>
+            <a:off x="7311993" y="2403017"/>
+            <a:ext cx="909294" cy="2393425"/>
+          </a:xfrm>
+          <a:prstGeom prst="roundRect">
+            <a:avLst/>
+          </a:prstGeom>
+        </p:spPr>
+        <p:style>
+          <a:lnRef idx="2">
+            <a:schemeClr val="accent1">
+              <a:shade val="50000"/>
+            </a:schemeClr>
+          </a:lnRef>
+          <a:fillRef idx="1">
+            <a:schemeClr val="accent1"/>
+          </a:fillRef>
+          <a:effectRef idx="0">
+            <a:schemeClr val="accent1"/>
+          </a:effectRef>
+          <a:fontRef idx="minor">
+            <a:schemeClr val="lt1"/>
+          </a:fontRef>
+        </p:style>
+        <p:txBody>
+          <a:bodyPr rtlCol="0" anchor="ctr"/>
+          <a:lstStyle/>
+          <a:p>
+            <a:pPr algn="ctr"/>
+            <a:r>
+              <a:rPr lang="zh-CN" altLang="en-US" sz="1600" dirty="0">
+                <a:solidFill>
+                  <a:schemeClr val="bg1"/>
+                </a:solidFill>
+                <a:latin typeface="YaHei Consolas Hybrid" panose="020B0509020204020204" charset="-122"/>
+                <a:ea typeface="YaHei Consolas Hybrid" panose="020B0509020204020204" charset="-122"/>
+              </a:rPr>
+              <a:t>数据库</a:t>
+            </a:r>
+          </a:p>
+        </p:txBody>
+      </p:sp>
+      <p:cxnSp>
+        <p:nvCxnSpPr>
+          <p:cNvPr id="8" name="直接箭头连接符 7">
+            <a:extLst>
+              <a:ext uri="{FF2B5EF4-FFF2-40B4-BE49-F238E27FC236}">
+                <a16:creationId xmlns:a16="http://schemas.microsoft.com/office/drawing/2014/main" id="{7ACA5D90-51F3-4D55-9537-C748DD86B97B}"/>
+              </a:ext>
+            </a:extLst>
+          </p:cNvPr>
+          <p:cNvCxnSpPr>
+            <a:cxnSpLocks/>
+          </p:cNvCxnSpPr>
+          <p:nvPr/>
+        </p:nvCxnSpPr>
+        <p:spPr>
+          <a:xfrm flipV="1">
+            <a:off x="2859579" y="2944236"/>
+            <a:ext cx="1064662" cy="1"/>
+          </a:xfrm>
+          <a:prstGeom prst="straightConnector1">
+            <a:avLst/>
+          </a:prstGeom>
+          <a:ln w="25400">
+            <a:solidFill>
+              <a:schemeClr val="tx1"/>
+            </a:solidFill>
+            <a:headEnd type="none" w="med" len="med"/>
+            <a:tailEnd type="arrow"/>
+          </a:ln>
+        </p:spPr>
+        <p:style>
+          <a:lnRef idx="1">
+            <a:schemeClr val="accent1"/>
+          </a:lnRef>
+          <a:fillRef idx="0">
+            <a:schemeClr val="accent1"/>
+          </a:fillRef>
+          <a:effectRef idx="0">
+            <a:schemeClr val="accent1"/>
+          </a:effectRef>
+          <a:fontRef idx="minor">
+            <a:schemeClr val="tx1"/>
+          </a:fontRef>
+        </p:style>
+      </p:cxnSp>
+      <p:cxnSp>
+        <p:nvCxnSpPr>
+          <p:cNvPr id="11" name="直接箭头连接符 10">
+            <a:extLst>
+              <a:ext uri="{FF2B5EF4-FFF2-40B4-BE49-F238E27FC236}">
+                <a16:creationId xmlns:a16="http://schemas.microsoft.com/office/drawing/2014/main" id="{FB5FA582-A6D9-47E9-88BF-F5DE81E41675}"/>
+              </a:ext>
+            </a:extLst>
+          </p:cNvPr>
+          <p:cNvCxnSpPr>
+            <a:cxnSpLocks/>
+          </p:cNvCxnSpPr>
+          <p:nvPr/>
+        </p:nvCxnSpPr>
+        <p:spPr>
+          <a:xfrm rot="10800000" flipV="1">
+            <a:off x="2859579" y="4218854"/>
+            <a:ext cx="1064662" cy="1"/>
+          </a:xfrm>
+          <a:prstGeom prst="straightConnector1">
+            <a:avLst/>
+          </a:prstGeom>
+          <a:ln w="25400">
+            <a:solidFill>
+              <a:schemeClr val="tx1"/>
+            </a:solidFill>
+            <a:headEnd type="none" w="med" len="med"/>
+            <a:tailEnd type="arrow"/>
+          </a:ln>
+        </p:spPr>
+        <p:style>
+          <a:lnRef idx="1">
+            <a:schemeClr val="accent1"/>
+          </a:lnRef>
+          <a:fillRef idx="0">
+            <a:schemeClr val="accent1"/>
+          </a:fillRef>
+          <a:effectRef idx="0">
+            <a:schemeClr val="accent1"/>
+          </a:effectRef>
+          <a:fontRef idx="minor">
+            <a:schemeClr val="tx1"/>
+          </a:fontRef>
+        </p:style>
+      </p:cxnSp>
+      <p:cxnSp>
+        <p:nvCxnSpPr>
+          <p:cNvPr id="12" name="直接箭头连接符 11">
+            <a:extLst>
+              <a:ext uri="{FF2B5EF4-FFF2-40B4-BE49-F238E27FC236}">
+                <a16:creationId xmlns:a16="http://schemas.microsoft.com/office/drawing/2014/main" id="{0431B21A-A9B4-4989-8ED3-55040EB6A6AF}"/>
+              </a:ext>
+            </a:extLst>
+          </p:cNvPr>
+          <p:cNvCxnSpPr>
+            <a:cxnSpLocks/>
+          </p:cNvCxnSpPr>
+          <p:nvPr/>
+        </p:nvCxnSpPr>
+        <p:spPr>
+          <a:xfrm flipV="1">
+            <a:off x="5106787" y="2944236"/>
+            <a:ext cx="832634" cy="1"/>
+          </a:xfrm>
+          <a:prstGeom prst="straightConnector1">
+            <a:avLst/>
+          </a:prstGeom>
+          <a:ln w="25400">
+            <a:solidFill>
+              <a:schemeClr val="tx1"/>
+            </a:solidFill>
+            <a:headEnd type="none" w="med" len="med"/>
+            <a:tailEnd type="arrow"/>
+          </a:ln>
+        </p:spPr>
+        <p:style>
+          <a:lnRef idx="1">
+            <a:schemeClr val="accent1"/>
+          </a:lnRef>
+          <a:fillRef idx="0">
+            <a:schemeClr val="accent1"/>
+          </a:fillRef>
+          <a:effectRef idx="0">
+            <a:schemeClr val="accent1"/>
+          </a:effectRef>
+          <a:fontRef idx="minor">
+            <a:schemeClr val="tx1"/>
+          </a:fontRef>
+        </p:style>
+      </p:cxnSp>
+      <p:cxnSp>
+        <p:nvCxnSpPr>
+          <p:cNvPr id="14" name="直接箭头连接符 13">
+            <a:extLst>
+              <a:ext uri="{FF2B5EF4-FFF2-40B4-BE49-F238E27FC236}">
+                <a16:creationId xmlns:a16="http://schemas.microsoft.com/office/drawing/2014/main" id="{CD47F01B-B6CC-4268-9472-2412E085A3E0}"/>
+              </a:ext>
+            </a:extLst>
+          </p:cNvPr>
+          <p:cNvCxnSpPr>
+            <a:cxnSpLocks/>
+          </p:cNvCxnSpPr>
+          <p:nvPr/>
+        </p:nvCxnSpPr>
+        <p:spPr>
+          <a:xfrm rot="10800000" flipV="1">
+            <a:off x="5106787" y="4218854"/>
+            <a:ext cx="832634" cy="1"/>
+          </a:xfrm>
+          <a:prstGeom prst="straightConnector1">
+            <a:avLst/>
+          </a:prstGeom>
+          <a:ln w="25400">
+            <a:solidFill>
+              <a:schemeClr val="tx1"/>
+            </a:solidFill>
+            <a:headEnd type="none" w="med" len="med"/>
+            <a:tailEnd type="arrow"/>
+          </a:ln>
+        </p:spPr>
+        <p:style>
+          <a:lnRef idx="1">
+            <a:schemeClr val="accent1"/>
+          </a:lnRef>
+          <a:fillRef idx="0">
+            <a:schemeClr val="accent1"/>
+          </a:fillRef>
+          <a:effectRef idx="0">
+            <a:schemeClr val="accent1"/>
+          </a:effectRef>
+          <a:fontRef idx="minor">
+            <a:schemeClr val="tx1"/>
+          </a:fontRef>
+        </p:style>
+      </p:cxnSp>
+      <p:cxnSp>
+        <p:nvCxnSpPr>
+          <p:cNvPr id="15" name="直接箭头连接符 14">
+            <a:extLst>
+              <a:ext uri="{FF2B5EF4-FFF2-40B4-BE49-F238E27FC236}">
+                <a16:creationId xmlns:a16="http://schemas.microsoft.com/office/drawing/2014/main" id="{937A677A-12CF-40BA-8547-71FAEC329A12}"/>
+              </a:ext>
+            </a:extLst>
+          </p:cNvPr>
+          <p:cNvCxnSpPr>
+            <a:cxnSpLocks/>
+          </p:cNvCxnSpPr>
+          <p:nvPr/>
+        </p:nvCxnSpPr>
+        <p:spPr>
+          <a:xfrm>
+            <a:off x="6632684" y="2944238"/>
+            <a:ext cx="679309" cy="0"/>
+          </a:xfrm>
+          <a:prstGeom prst="straightConnector1">
+            <a:avLst/>
+          </a:prstGeom>
+          <a:ln w="25400">
+            <a:solidFill>
+              <a:schemeClr val="tx1"/>
+            </a:solidFill>
+            <a:headEnd type="none" w="med" len="med"/>
+            <a:tailEnd type="arrow"/>
+          </a:ln>
+        </p:spPr>
+        <p:style>
+          <a:lnRef idx="1">
+            <a:schemeClr val="accent1"/>
+          </a:lnRef>
+          <a:fillRef idx="0">
+            <a:schemeClr val="accent1"/>
+          </a:fillRef>
+          <a:effectRef idx="0">
+            <a:schemeClr val="accent1"/>
+          </a:effectRef>
+          <a:fontRef idx="minor">
+            <a:schemeClr val="tx1"/>
+          </a:fontRef>
+        </p:style>
+      </p:cxnSp>
+      <p:cxnSp>
+        <p:nvCxnSpPr>
+          <p:cNvPr id="16" name="直接箭头连接符 15">
+            <a:extLst>
+              <a:ext uri="{FF2B5EF4-FFF2-40B4-BE49-F238E27FC236}">
+                <a16:creationId xmlns:a16="http://schemas.microsoft.com/office/drawing/2014/main" id="{9D197266-BF7D-4194-A102-D4537FE77568}"/>
+              </a:ext>
+            </a:extLst>
+          </p:cNvPr>
+          <p:cNvCxnSpPr>
+            <a:cxnSpLocks/>
+          </p:cNvCxnSpPr>
+          <p:nvPr/>
+        </p:nvCxnSpPr>
+        <p:spPr>
+          <a:xfrm flipH="1">
+            <a:off x="6632684" y="4218855"/>
+            <a:ext cx="679309" cy="0"/>
+          </a:xfrm>
+          <a:prstGeom prst="straightConnector1">
+            <a:avLst/>
+          </a:prstGeom>
+          <a:ln w="25400">
+            <a:solidFill>
+              <a:schemeClr val="tx1"/>
+            </a:solidFill>
+            <a:headEnd type="none" w="med" len="med"/>
+            <a:tailEnd type="arrow"/>
+          </a:ln>
+        </p:spPr>
+        <p:style>
+          <a:lnRef idx="1">
+            <a:schemeClr val="accent1"/>
+          </a:lnRef>
+          <a:fillRef idx="0">
+            <a:schemeClr val="accent1"/>
+          </a:fillRef>
+          <a:effectRef idx="0">
+            <a:schemeClr val="accent1"/>
+          </a:effectRef>
+          <a:fontRef idx="minor">
+            <a:schemeClr val="tx1"/>
+          </a:fontRef>
+        </p:style>
+      </p:cxnSp>
+      <p:sp>
+        <p:nvSpPr>
+          <p:cNvPr id="21" name="文本框 20">
+            <a:extLst>
+              <a:ext uri="{FF2B5EF4-FFF2-40B4-BE49-F238E27FC236}">
+                <a16:creationId xmlns:a16="http://schemas.microsoft.com/office/drawing/2014/main" id="{63C778D7-CDD4-4DE2-AFBE-261C77F9D02C}"/>
+              </a:ext>
+            </a:extLst>
+          </p:cNvPr>
+          <p:cNvSpPr txBox="1"/>
+          <p:nvPr/>
+        </p:nvSpPr>
+        <p:spPr>
+          <a:xfrm>
+            <a:off x="2903169" y="2636459"/>
+            <a:ext cx="980205" cy="307777"/>
+          </a:xfrm>
+          <a:prstGeom prst="rect">
+            <a:avLst/>
+          </a:prstGeom>
+          <a:noFill/>
+        </p:spPr>
+        <p:txBody>
+          <a:bodyPr wrap="none" rtlCol="0">
+            <a:spAutoFit/>
+          </a:bodyPr>
+          <a:lstStyle/>
+          <a:p>
+            <a:r>
+              <a:rPr lang="en-US" altLang="zh-CN" sz="1400" dirty="0">
+                <a:latin typeface="YaHei Consolas Hybrid" panose="020B0509020204020204" pitchFamily="49" charset="-122"/>
+                <a:ea typeface="YaHei Consolas Hybrid" panose="020B0509020204020204" pitchFamily="49" charset="-122"/>
+              </a:rPr>
+              <a:t>HTTP</a:t>
+            </a:r>
+            <a:r>
+              <a:rPr lang="zh-CN" altLang="en-US" sz="1400" dirty="0">
+                <a:latin typeface="YaHei Consolas Hybrid" panose="020B0509020204020204" pitchFamily="49" charset="-122"/>
+                <a:ea typeface="YaHei Consolas Hybrid" panose="020B0509020204020204" pitchFamily="49" charset="-122"/>
+              </a:rPr>
+              <a:t>请求</a:t>
+            </a:r>
+          </a:p>
+        </p:txBody>
+      </p:sp>
+      <p:sp>
+        <p:nvSpPr>
+          <p:cNvPr id="22" name="文本框 21">
+            <a:extLst>
+              <a:ext uri="{FF2B5EF4-FFF2-40B4-BE49-F238E27FC236}">
+                <a16:creationId xmlns:a16="http://schemas.microsoft.com/office/drawing/2014/main" id="{6AF16053-0995-49EF-97E8-4EFD78DE01D3}"/>
+              </a:ext>
+            </a:extLst>
+          </p:cNvPr>
+          <p:cNvSpPr txBox="1"/>
+          <p:nvPr/>
+        </p:nvSpPr>
+        <p:spPr>
+          <a:xfrm>
+            <a:off x="2896551" y="3911076"/>
+            <a:ext cx="980205" cy="307777"/>
+          </a:xfrm>
+          <a:prstGeom prst="rect">
+            <a:avLst/>
+          </a:prstGeom>
+          <a:noFill/>
+        </p:spPr>
+        <p:txBody>
+          <a:bodyPr wrap="none" rtlCol="0">
+            <a:spAutoFit/>
+          </a:bodyPr>
+          <a:lstStyle/>
+          <a:p>
+            <a:r>
+              <a:rPr lang="en-US" altLang="zh-CN" sz="1400" dirty="0">
+                <a:latin typeface="YaHei Consolas Hybrid" panose="020B0509020204020204" pitchFamily="49" charset="-122"/>
+                <a:ea typeface="YaHei Consolas Hybrid" panose="020B0509020204020204" pitchFamily="49" charset="-122"/>
+              </a:rPr>
+              <a:t>HTTP</a:t>
+            </a:r>
+            <a:r>
+              <a:rPr lang="zh-CN" altLang="en-US" sz="1400" dirty="0">
+                <a:latin typeface="YaHei Consolas Hybrid" panose="020B0509020204020204" pitchFamily="49" charset="-122"/>
+                <a:ea typeface="YaHei Consolas Hybrid" panose="020B0509020204020204" pitchFamily="49" charset="-122"/>
+              </a:rPr>
+              <a:t>返回</a:t>
+            </a:r>
+          </a:p>
+        </p:txBody>
+      </p:sp>
+      <p:sp>
+        <p:nvSpPr>
+          <p:cNvPr id="23" name="文本框 22">
+            <a:extLst>
+              <a:ext uri="{FF2B5EF4-FFF2-40B4-BE49-F238E27FC236}">
+                <a16:creationId xmlns:a16="http://schemas.microsoft.com/office/drawing/2014/main" id="{68EA9108-280B-4125-8235-AA589F96A201}"/>
+              </a:ext>
+            </a:extLst>
+          </p:cNvPr>
+          <p:cNvSpPr txBox="1"/>
+          <p:nvPr/>
+        </p:nvSpPr>
+        <p:spPr>
+          <a:xfrm>
+            <a:off x="5207091" y="2636458"/>
+            <a:ext cx="579005" cy="307777"/>
+          </a:xfrm>
+          <a:prstGeom prst="rect">
+            <a:avLst/>
+          </a:prstGeom>
+          <a:noFill/>
+        </p:spPr>
+        <p:txBody>
+          <a:bodyPr wrap="none" rtlCol="0">
+            <a:spAutoFit/>
+          </a:bodyPr>
+          <a:lstStyle/>
+          <a:p>
+            <a:r>
+              <a:rPr lang="zh-CN" altLang="en-US" sz="1400" dirty="0">
+                <a:latin typeface="YaHei Consolas Hybrid" panose="020B0509020204020204" pitchFamily="49" charset="-122"/>
+                <a:ea typeface="YaHei Consolas Hybrid" panose="020B0509020204020204" pitchFamily="49" charset="-122"/>
+              </a:rPr>
+              <a:t>参数</a:t>
+            </a:r>
+          </a:p>
+        </p:txBody>
+      </p:sp>
+      <p:sp>
+        <p:nvSpPr>
+          <p:cNvPr id="24" name="文本框 23">
+            <a:extLst>
+              <a:ext uri="{FF2B5EF4-FFF2-40B4-BE49-F238E27FC236}">
+                <a16:creationId xmlns:a16="http://schemas.microsoft.com/office/drawing/2014/main" id="{1DD691A6-7F41-4660-8088-ADA0C2CE3BF7}"/>
+              </a:ext>
+            </a:extLst>
+          </p:cNvPr>
+          <p:cNvSpPr txBox="1"/>
+          <p:nvPr/>
+        </p:nvSpPr>
+        <p:spPr>
+          <a:xfrm>
+            <a:off x="5230629" y="3904087"/>
+            <a:ext cx="579005" cy="307777"/>
+          </a:xfrm>
+          <a:prstGeom prst="rect">
+            <a:avLst/>
+          </a:prstGeom>
+          <a:noFill/>
+        </p:spPr>
+        <p:txBody>
+          <a:bodyPr wrap="none" rtlCol="0">
+            <a:spAutoFit/>
+          </a:bodyPr>
+          <a:lstStyle/>
+          <a:p>
+            <a:r>
+              <a:rPr lang="zh-CN" altLang="en-US" sz="1400" dirty="0">
+                <a:latin typeface="YaHei Consolas Hybrid" panose="020B0509020204020204" pitchFamily="49" charset="-122"/>
+                <a:ea typeface="YaHei Consolas Hybrid" panose="020B0509020204020204" pitchFamily="49" charset="-122"/>
+              </a:rPr>
+              <a:t>返回</a:t>
+            </a:r>
+          </a:p>
+        </p:txBody>
+      </p:sp>
+      <p:sp>
+        <p:nvSpPr>
+          <p:cNvPr id="25" name="文本框 24">
+            <a:extLst>
+              <a:ext uri="{FF2B5EF4-FFF2-40B4-BE49-F238E27FC236}">
+                <a16:creationId xmlns:a16="http://schemas.microsoft.com/office/drawing/2014/main" id="{4C639127-5AB6-467A-97A5-FB60B84AAF83}"/>
+              </a:ext>
+            </a:extLst>
+          </p:cNvPr>
+          <p:cNvSpPr txBox="1"/>
+          <p:nvPr/>
+        </p:nvSpPr>
+        <p:spPr>
+          <a:xfrm>
+            <a:off x="6675859" y="2636458"/>
+            <a:ext cx="579005" cy="307777"/>
+          </a:xfrm>
+          <a:prstGeom prst="rect">
+            <a:avLst/>
+          </a:prstGeom>
+          <a:noFill/>
+        </p:spPr>
+        <p:txBody>
+          <a:bodyPr wrap="none" rtlCol="0">
+            <a:spAutoFit/>
+          </a:bodyPr>
+          <a:lstStyle/>
+          <a:p>
+            <a:r>
+              <a:rPr lang="zh-CN" altLang="en-US" sz="1400" dirty="0">
+                <a:latin typeface="YaHei Consolas Hybrid" panose="020B0509020204020204" pitchFamily="49" charset="-122"/>
+                <a:ea typeface="YaHei Consolas Hybrid" panose="020B0509020204020204" pitchFamily="49" charset="-122"/>
+              </a:rPr>
+              <a:t>执行</a:t>
+            </a:r>
+          </a:p>
+        </p:txBody>
+      </p:sp>
+      <p:sp>
+        <p:nvSpPr>
+          <p:cNvPr id="26" name="文本框 25">
+            <a:extLst>
+              <a:ext uri="{FF2B5EF4-FFF2-40B4-BE49-F238E27FC236}">
+                <a16:creationId xmlns:a16="http://schemas.microsoft.com/office/drawing/2014/main" id="{612520E9-3E07-4F7C-9879-3BB69565C574}"/>
+              </a:ext>
+            </a:extLst>
+          </p:cNvPr>
+          <p:cNvSpPr txBox="1"/>
+          <p:nvPr/>
+        </p:nvSpPr>
+        <p:spPr>
+          <a:xfrm>
+            <a:off x="6682836" y="3880469"/>
+            <a:ext cx="579005" cy="307777"/>
+          </a:xfrm>
+          <a:prstGeom prst="rect">
+            <a:avLst/>
+          </a:prstGeom>
+          <a:noFill/>
+        </p:spPr>
+        <p:txBody>
+          <a:bodyPr wrap="none" rtlCol="0">
+            <a:spAutoFit/>
+          </a:bodyPr>
+          <a:lstStyle/>
+          <a:p>
+            <a:r>
+              <a:rPr lang="zh-CN" altLang="en-US" sz="1400" dirty="0">
+                <a:latin typeface="YaHei Consolas Hybrid" panose="020B0509020204020204" pitchFamily="49" charset="-122"/>
+                <a:ea typeface="YaHei Consolas Hybrid" panose="020B0509020204020204" pitchFamily="49" charset="-122"/>
+              </a:rPr>
+              <a:t>返回</a:t>
+            </a:r>
+          </a:p>
+        </p:txBody>
+      </p:sp>
+    </p:spTree>
+    <p:extLst>
+      <p:ext uri="{BB962C8B-B14F-4D97-AF65-F5344CB8AC3E}">
+        <p14:creationId xmlns:p14="http://schemas.microsoft.com/office/powerpoint/2010/main" val="2368608102"/>
+      </p:ext>
+    </p:extLst>
   </p:cSld>
   <p:clrMapOvr>
     <a:masterClrMapping/>
@@ -4279,6 +9210,8 @@
       </a:bgFillStyleLst>
     </a:fmtScheme>
   </a:themeElements>
+  <a:objectDefaults/>
+  <a:extraClrSchemeLst/>
   <a:extLst>
     <a:ext uri="{05A4C25C-085E-4340-85A3-A5531E510DB2}">
       <thm15:themeFamily xmlns:thm15="http://schemas.microsoft.com/office/thememl/2012/main" name="Office Theme" id="{62F939B6-93AF-4DB8-9C6B-D6C7DFDC589F}" vid="{4A3C46E8-61CC-4603-A589-7422A47A8E4A}"/>

--- a/Chapter1/Screenshot/original/iot.pptx
+++ b/Chapter1/Screenshot/original/iot.pptx
@@ -12,6 +12,9 @@
     <p:sldId id="260" r:id="rId6"/>
     <p:sldId id="261" r:id="rId7"/>
     <p:sldId id="262" r:id="rId8"/>
+    <p:sldId id="263" r:id="rId9"/>
+    <p:sldId id="264" r:id="rId10"/>
+    <p:sldId id="265" r:id="rId11"/>
   </p:sldIdLst>
   <p:sldSz cx="12192000" cy="6858000"/>
   <p:notesSz cx="7104063" cy="10234613"/>
@@ -247,7 +250,7 @@
           <a:p>
             <a:fld id="{82F288E0-7875-42C4-84C8-98DBBD3BF4D2}" type="datetimeFigureOut">
               <a:rPr lang="zh-CN" altLang="en-US" smtClean="0"/>
-              <a:t>2019-8-11</a:t>
+              <a:t>2019-8-13</a:t>
             </a:fld>
             <a:endParaRPr lang="zh-CN" altLang="en-US"/>
           </a:p>
@@ -393,7 +396,7 @@
           <a:p>
             <a:fld id="{82F288E0-7875-42C4-84C8-98DBBD3BF4D2}" type="datetimeFigureOut">
               <a:rPr lang="zh-CN" altLang="en-US" smtClean="0"/>
-              <a:t>2019-8-11</a:t>
+              <a:t>2019-8-13</a:t>
             </a:fld>
             <a:endParaRPr lang="zh-CN" altLang="en-US"/>
           </a:p>
@@ -556,7 +559,7 @@
           <a:p>
             <a:fld id="{82F288E0-7875-42C4-84C8-98DBBD3BF4D2}" type="datetimeFigureOut">
               <a:rPr lang="zh-CN" altLang="en-US" smtClean="0"/>
-              <a:t>2019-8-11</a:t>
+              <a:t>2019-8-13</a:t>
             </a:fld>
             <a:endParaRPr lang="zh-CN" altLang="en-US"/>
           </a:p>
@@ -796,7 +799,7 @@
           <a:p>
             <a:fld id="{82F288E0-7875-42C4-84C8-98DBBD3BF4D2}" type="datetimeFigureOut">
               <a:rPr lang="zh-CN" altLang="en-US" smtClean="0"/>
-              <a:t>2019-8-11</a:t>
+              <a:t>2019-8-13</a:t>
             </a:fld>
             <a:endParaRPr lang="zh-CN" altLang="en-US"/>
           </a:p>
@@ -1020,7 +1023,7 @@
           <a:p>
             <a:fld id="{82F288E0-7875-42C4-84C8-98DBBD3BF4D2}" type="datetimeFigureOut">
               <a:rPr lang="zh-CN" altLang="en-US" smtClean="0"/>
-              <a:t>2019-8-11</a:t>
+              <a:t>2019-8-13</a:t>
             </a:fld>
             <a:endParaRPr lang="zh-CN" altLang="en-US"/>
           </a:p>
@@ -1379,7 +1382,7 @@
           <a:p>
             <a:fld id="{82F288E0-7875-42C4-84C8-98DBBD3BF4D2}" type="datetimeFigureOut">
               <a:rPr lang="zh-CN" altLang="en-US" smtClean="0"/>
-              <a:t>2019-8-11</a:t>
+              <a:t>2019-8-13</a:t>
             </a:fld>
             <a:endParaRPr lang="zh-CN" altLang="en-US"/>
           </a:p>
@@ -1491,7 +1494,7 @@
           <a:p>
             <a:fld id="{82F288E0-7875-42C4-84C8-98DBBD3BF4D2}" type="datetimeFigureOut">
               <a:rPr lang="zh-CN" altLang="en-US" smtClean="0"/>
-              <a:t>2019-8-11</a:t>
+              <a:t>2019-8-13</a:t>
             </a:fld>
             <a:endParaRPr lang="zh-CN" altLang="en-US"/>
           </a:p>
@@ -1581,7 +1584,7 @@
           <a:p>
             <a:fld id="{82F288E0-7875-42C4-84C8-98DBBD3BF4D2}" type="datetimeFigureOut">
               <a:rPr lang="zh-CN" altLang="en-US" smtClean="0"/>
-              <a:t>2019-8-11</a:t>
+              <a:t>2019-8-13</a:t>
             </a:fld>
             <a:endParaRPr lang="zh-CN" altLang="en-US"/>
           </a:p>
@@ -1828,7 +1831,7 @@
           <a:p>
             <a:fld id="{82F288E0-7875-42C4-84C8-98DBBD3BF4D2}" type="datetimeFigureOut">
               <a:rPr lang="zh-CN" altLang="en-US" smtClean="0"/>
-              <a:t>2019-8-11</a:t>
+              <a:t>2019-8-13</a:t>
             </a:fld>
             <a:endParaRPr lang="zh-CN" altLang="en-US"/>
           </a:p>
@@ -2001,7 +2004,7 @@
           <a:p>
             <a:fld id="{82F288E0-7875-42C4-84C8-98DBBD3BF4D2}" type="datetimeFigureOut">
               <a:rPr lang="zh-CN" altLang="en-US" smtClean="0"/>
-              <a:t>2019-8-11</a:t>
+              <a:t>2019-8-13</a:t>
             </a:fld>
             <a:endParaRPr lang="zh-CN" altLang="en-US"/>
           </a:p>
@@ -2207,7 +2210,7 @@
           <a:p>
             <a:fld id="{82F288E0-7875-42C4-84C8-98DBBD3BF4D2}" type="datetimeFigureOut">
               <a:rPr lang="zh-CN" altLang="en-US" smtClean="0"/>
-              <a:t>2019-8-11</a:t>
+              <a:t>2019-8-13</a:t>
             </a:fld>
             <a:endParaRPr lang="zh-CN" altLang="en-US"/>
           </a:p>
@@ -2858,7 +2861,7 @@
                 <a:p>
                   <a:pPr algn="ctr"/>
                   <a:r>
-                    <a:rPr lang="en-US" altLang="zh-CN" sz="1600">
+                    <a:rPr lang="en-US" altLang="zh-CN" sz="1600" dirty="0">
                       <a:solidFill>
                         <a:schemeClr val="bg1"/>
                       </a:solidFill>
@@ -2907,7 +2910,7 @@
                 <a:p>
                   <a:pPr algn="ctr"/>
                   <a:r>
-                    <a:rPr lang="en-US" altLang="zh-CN" sz="1600">
+                    <a:rPr lang="en-US" altLang="zh-CN" sz="1600" dirty="0">
                       <a:solidFill>
                         <a:schemeClr val="bg1"/>
                       </a:solidFill>
@@ -3502,7 +3505,7 @@
               <a:p>
                 <a:pPr algn="ctr"/>
                 <a:r>
-                  <a:rPr lang="en-US" altLang="zh-CN" sz="1600">
+                  <a:rPr lang="en-US" altLang="zh-CN" sz="1600" dirty="0">
                     <a:solidFill>
                       <a:schemeClr val="bg1"/>
                     </a:solidFill>
@@ -3610,7 +3613,7 @@
               <a:p>
                 <a:pPr algn="ctr"/>
                 <a:r>
-                  <a:rPr lang="en-US" altLang="zh-CN" sz="1600">
+                  <a:rPr lang="en-US" altLang="zh-CN" sz="1600" dirty="0">
                     <a:solidFill>
                       <a:schemeClr val="bg1"/>
                     </a:solidFill>
@@ -3890,6 +3893,1537 @@
         </p:sp>
       </p:grpSp>
     </p:spTree>
+  </p:cSld>
+  <p:clrMapOvr>
+    <a:masterClrMapping/>
+  </p:clrMapOvr>
+</p:sld>
+</file>
+
+<file path=ppt/slides/slide10.xml><?xml version="1.0" encoding="utf-8"?>
+<p:sld xmlns:a="http://schemas.openxmlformats.org/drawingml/2006/main" xmlns:r="http://schemas.openxmlformats.org/officeDocument/2006/relationships" xmlns:p="http://schemas.openxmlformats.org/presentationml/2006/main">
+  <p:cSld>
+    <p:spTree>
+      <p:nvGrpSpPr>
+        <p:cNvPr id="1" name=""/>
+        <p:cNvGrpSpPr/>
+        <p:nvPr/>
+      </p:nvGrpSpPr>
+      <p:grpSpPr>
+        <a:xfrm>
+          <a:off x="0" y="0"/>
+          <a:ext cx="0" cy="0"/>
+          <a:chOff x="0" y="0"/>
+          <a:chExt cx="0" cy="0"/>
+        </a:xfrm>
+      </p:grpSpPr>
+      <p:sp>
+        <p:nvSpPr>
+          <p:cNvPr id="8" name="矩形: 圆角 7">
+            <a:extLst>
+              <a:ext uri="{FF2B5EF4-FFF2-40B4-BE49-F238E27FC236}">
+                <a16:creationId xmlns:a16="http://schemas.microsoft.com/office/drawing/2014/main" id="{6C767551-08AA-4BB7-9FE1-59FA9E4513E8}"/>
+              </a:ext>
+            </a:extLst>
+          </p:cNvPr>
+          <p:cNvSpPr/>
+          <p:nvPr/>
+        </p:nvSpPr>
+        <p:spPr>
+          <a:xfrm>
+            <a:off x="156143" y="1200021"/>
+            <a:ext cx="1182546" cy="4837772"/>
+          </a:xfrm>
+          <a:prstGeom prst="roundRect">
+            <a:avLst/>
+          </a:prstGeom>
+        </p:spPr>
+        <p:style>
+          <a:lnRef idx="2">
+            <a:schemeClr val="accent2">
+              <a:shade val="50000"/>
+            </a:schemeClr>
+          </a:lnRef>
+          <a:fillRef idx="1">
+            <a:schemeClr val="accent2"/>
+          </a:fillRef>
+          <a:effectRef idx="0">
+            <a:schemeClr val="accent2"/>
+          </a:effectRef>
+          <a:fontRef idx="minor">
+            <a:schemeClr val="lt1"/>
+          </a:fontRef>
+        </p:style>
+        <p:txBody>
+          <a:bodyPr rtlCol="0" anchor="ctr"/>
+          <a:lstStyle/>
+          <a:p>
+            <a:pPr algn="ctr"/>
+            <a:r>
+              <a:rPr lang="zh-CN" altLang="en-US" sz="1600" dirty="0">
+                <a:solidFill>
+                  <a:schemeClr val="bg1"/>
+                </a:solidFill>
+                <a:latin typeface="YaHei Consolas Hybrid" panose="020B0509020204020204" charset="-122"/>
+                <a:ea typeface="YaHei Consolas Hybrid" panose="020B0509020204020204" charset="-122"/>
+              </a:rPr>
+              <a:t>浏览器</a:t>
+            </a:r>
+          </a:p>
+        </p:txBody>
+      </p:sp>
+      <p:sp>
+        <p:nvSpPr>
+          <p:cNvPr id="9" name="矩形: 圆角 8">
+            <a:extLst>
+              <a:ext uri="{FF2B5EF4-FFF2-40B4-BE49-F238E27FC236}">
+                <a16:creationId xmlns:a16="http://schemas.microsoft.com/office/drawing/2014/main" id="{5BEDBA7D-07B3-4EA1-BBBE-C6795816FE38}"/>
+              </a:ext>
+            </a:extLst>
+          </p:cNvPr>
+          <p:cNvSpPr/>
+          <p:nvPr/>
+        </p:nvSpPr>
+        <p:spPr>
+          <a:xfrm>
+            <a:off x="2403351" y="1200021"/>
+            <a:ext cx="1029220" cy="4837772"/>
+          </a:xfrm>
+          <a:prstGeom prst="roundRect">
+            <a:avLst/>
+          </a:prstGeom>
+        </p:spPr>
+        <p:style>
+          <a:lnRef idx="2">
+            <a:schemeClr val="accent5">
+              <a:shade val="50000"/>
+            </a:schemeClr>
+          </a:lnRef>
+          <a:fillRef idx="1">
+            <a:schemeClr val="accent5"/>
+          </a:fillRef>
+          <a:effectRef idx="0">
+            <a:schemeClr val="accent5"/>
+          </a:effectRef>
+          <a:fontRef idx="minor">
+            <a:schemeClr val="lt1"/>
+          </a:fontRef>
+        </p:style>
+        <p:txBody>
+          <a:bodyPr rtlCol="0" anchor="ctr"/>
+          <a:lstStyle/>
+          <a:p>
+            <a:pPr algn="ctr"/>
+            <a:r>
+              <a:rPr lang="en-US" altLang="zh-CN" sz="1600" dirty="0">
+                <a:solidFill>
+                  <a:schemeClr val="bg1"/>
+                </a:solidFill>
+                <a:latin typeface="YaHei Consolas Hybrid" panose="020B0509020204020204" charset="-122"/>
+                <a:ea typeface="YaHei Consolas Hybrid" panose="020B0509020204020204" charset="-122"/>
+              </a:rPr>
+              <a:t>Web</a:t>
+            </a:r>
+            <a:r>
+              <a:rPr lang="zh-CN" altLang="en-US" sz="1600" dirty="0">
+                <a:solidFill>
+                  <a:schemeClr val="bg1"/>
+                </a:solidFill>
+                <a:latin typeface="YaHei Consolas Hybrid" panose="020B0509020204020204" charset="-122"/>
+                <a:ea typeface="YaHei Consolas Hybrid" panose="020B0509020204020204" charset="-122"/>
+              </a:rPr>
+              <a:t>服务器</a:t>
+            </a:r>
+          </a:p>
+        </p:txBody>
+      </p:sp>
+      <p:sp>
+        <p:nvSpPr>
+          <p:cNvPr id="10" name="矩形: 圆角 9">
+            <a:extLst>
+              <a:ext uri="{FF2B5EF4-FFF2-40B4-BE49-F238E27FC236}">
+                <a16:creationId xmlns:a16="http://schemas.microsoft.com/office/drawing/2014/main" id="{EE1C915E-8F52-4F6A-9DEE-E5B839CCADE5}"/>
+              </a:ext>
+            </a:extLst>
+          </p:cNvPr>
+          <p:cNvSpPr/>
+          <p:nvPr/>
+        </p:nvSpPr>
+        <p:spPr>
+          <a:xfrm>
+            <a:off x="4292006" y="1200021"/>
+            <a:ext cx="972091" cy="4837772"/>
+          </a:xfrm>
+          <a:prstGeom prst="roundRect">
+            <a:avLst/>
+          </a:prstGeom>
+        </p:spPr>
+        <p:style>
+          <a:lnRef idx="2">
+            <a:schemeClr val="accent4">
+              <a:shade val="50000"/>
+            </a:schemeClr>
+          </a:lnRef>
+          <a:fillRef idx="1">
+            <a:schemeClr val="accent4"/>
+          </a:fillRef>
+          <a:effectRef idx="0">
+            <a:schemeClr val="accent4"/>
+          </a:effectRef>
+          <a:fontRef idx="minor">
+            <a:schemeClr val="lt1"/>
+          </a:fontRef>
+        </p:style>
+        <p:txBody>
+          <a:bodyPr rtlCol="0" anchor="ctr"/>
+          <a:lstStyle/>
+          <a:p>
+            <a:pPr algn="ctr"/>
+            <a:r>
+              <a:rPr lang="zh-CN" altLang="en-US" sz="1600" dirty="0">
+                <a:solidFill>
+                  <a:schemeClr val="bg1"/>
+                </a:solidFill>
+                <a:latin typeface="YaHei Consolas Hybrid" panose="020B0509020204020204" charset="-122"/>
+                <a:ea typeface="YaHei Consolas Hybrid" panose="020B0509020204020204" charset="-122"/>
+              </a:rPr>
+              <a:t>数据库访问层</a:t>
+            </a:r>
+          </a:p>
+        </p:txBody>
+      </p:sp>
+      <p:sp>
+        <p:nvSpPr>
+          <p:cNvPr id="11" name="矩形: 圆角 10">
+            <a:extLst>
+              <a:ext uri="{FF2B5EF4-FFF2-40B4-BE49-F238E27FC236}">
+                <a16:creationId xmlns:a16="http://schemas.microsoft.com/office/drawing/2014/main" id="{7CC2E5C0-422C-4EB6-A218-DC77A20149B8}"/>
+              </a:ext>
+            </a:extLst>
+          </p:cNvPr>
+          <p:cNvSpPr/>
+          <p:nvPr/>
+        </p:nvSpPr>
+        <p:spPr>
+          <a:xfrm>
+            <a:off x="10060885" y="1228359"/>
+            <a:ext cx="909294" cy="1064023"/>
+          </a:xfrm>
+          <a:prstGeom prst="roundRect">
+            <a:avLst/>
+          </a:prstGeom>
+        </p:spPr>
+        <p:style>
+          <a:lnRef idx="2">
+            <a:schemeClr val="accent1">
+              <a:shade val="50000"/>
+            </a:schemeClr>
+          </a:lnRef>
+          <a:fillRef idx="1">
+            <a:schemeClr val="accent1"/>
+          </a:fillRef>
+          <a:effectRef idx="0">
+            <a:schemeClr val="accent1"/>
+          </a:effectRef>
+          <a:fontRef idx="minor">
+            <a:schemeClr val="lt1"/>
+          </a:fontRef>
+        </p:style>
+        <p:txBody>
+          <a:bodyPr rtlCol="0" anchor="ctr"/>
+          <a:lstStyle/>
+          <a:p>
+            <a:pPr algn="ctr"/>
+            <a:r>
+              <a:rPr lang="zh-CN" altLang="en-US" sz="1600" dirty="0">
+                <a:solidFill>
+                  <a:schemeClr val="bg1"/>
+                </a:solidFill>
+                <a:latin typeface="YaHei Consolas Hybrid" panose="020B0509020204020204" charset="-122"/>
+                <a:ea typeface="YaHei Consolas Hybrid" panose="020B0509020204020204" charset="-122"/>
+              </a:rPr>
+              <a:t>数据库</a:t>
+            </a:r>
+          </a:p>
+        </p:txBody>
+      </p:sp>
+      <p:cxnSp>
+        <p:nvCxnSpPr>
+          <p:cNvPr id="12" name="直接箭头连接符 11">
+            <a:extLst>
+              <a:ext uri="{FF2B5EF4-FFF2-40B4-BE49-F238E27FC236}">
+                <a16:creationId xmlns:a16="http://schemas.microsoft.com/office/drawing/2014/main" id="{555824AB-9D5E-4D24-B068-55FBE8584967}"/>
+              </a:ext>
+            </a:extLst>
+          </p:cNvPr>
+          <p:cNvCxnSpPr>
+            <a:cxnSpLocks/>
+          </p:cNvCxnSpPr>
+          <p:nvPr/>
+        </p:nvCxnSpPr>
+        <p:spPr>
+          <a:xfrm flipV="1">
+            <a:off x="1338689" y="2944236"/>
+            <a:ext cx="1064662" cy="1"/>
+          </a:xfrm>
+          <a:prstGeom prst="straightConnector1">
+            <a:avLst/>
+          </a:prstGeom>
+          <a:ln w="25400">
+            <a:solidFill>
+              <a:schemeClr val="tx1"/>
+            </a:solidFill>
+            <a:headEnd type="none" w="med" len="med"/>
+            <a:tailEnd type="arrow"/>
+          </a:ln>
+        </p:spPr>
+        <p:style>
+          <a:lnRef idx="1">
+            <a:schemeClr val="accent1"/>
+          </a:lnRef>
+          <a:fillRef idx="0">
+            <a:schemeClr val="accent1"/>
+          </a:fillRef>
+          <a:effectRef idx="0">
+            <a:schemeClr val="accent1"/>
+          </a:effectRef>
+          <a:fontRef idx="minor">
+            <a:schemeClr val="tx1"/>
+          </a:fontRef>
+        </p:style>
+      </p:cxnSp>
+      <p:cxnSp>
+        <p:nvCxnSpPr>
+          <p:cNvPr id="13" name="直接箭头连接符 12">
+            <a:extLst>
+              <a:ext uri="{FF2B5EF4-FFF2-40B4-BE49-F238E27FC236}">
+                <a16:creationId xmlns:a16="http://schemas.microsoft.com/office/drawing/2014/main" id="{8CDF1B7C-29E9-49B8-B60A-10D1F734A638}"/>
+              </a:ext>
+            </a:extLst>
+          </p:cNvPr>
+          <p:cNvCxnSpPr>
+            <a:cxnSpLocks/>
+          </p:cNvCxnSpPr>
+          <p:nvPr/>
+        </p:nvCxnSpPr>
+        <p:spPr>
+          <a:xfrm rot="10800000" flipV="1">
+            <a:off x="1338689" y="4218854"/>
+            <a:ext cx="1064662" cy="1"/>
+          </a:xfrm>
+          <a:prstGeom prst="straightConnector1">
+            <a:avLst/>
+          </a:prstGeom>
+          <a:ln w="25400">
+            <a:solidFill>
+              <a:schemeClr val="tx1"/>
+            </a:solidFill>
+            <a:headEnd type="none" w="med" len="med"/>
+            <a:tailEnd type="arrow"/>
+          </a:ln>
+        </p:spPr>
+        <p:style>
+          <a:lnRef idx="1">
+            <a:schemeClr val="accent1"/>
+          </a:lnRef>
+          <a:fillRef idx="0">
+            <a:schemeClr val="accent1"/>
+          </a:fillRef>
+          <a:effectRef idx="0">
+            <a:schemeClr val="accent1"/>
+          </a:effectRef>
+          <a:fontRef idx="minor">
+            <a:schemeClr val="tx1"/>
+          </a:fontRef>
+        </p:style>
+      </p:cxnSp>
+      <p:cxnSp>
+        <p:nvCxnSpPr>
+          <p:cNvPr id="14" name="直接箭头连接符 13">
+            <a:extLst>
+              <a:ext uri="{FF2B5EF4-FFF2-40B4-BE49-F238E27FC236}">
+                <a16:creationId xmlns:a16="http://schemas.microsoft.com/office/drawing/2014/main" id="{F4018517-865F-4F11-A97C-20858454A7E5}"/>
+              </a:ext>
+            </a:extLst>
+          </p:cNvPr>
+          <p:cNvCxnSpPr>
+            <a:cxnSpLocks/>
+          </p:cNvCxnSpPr>
+          <p:nvPr/>
+        </p:nvCxnSpPr>
+        <p:spPr>
+          <a:xfrm flipV="1">
+            <a:off x="3452894" y="2944236"/>
+            <a:ext cx="832634" cy="1"/>
+          </a:xfrm>
+          <a:prstGeom prst="straightConnector1">
+            <a:avLst/>
+          </a:prstGeom>
+          <a:ln w="25400">
+            <a:solidFill>
+              <a:schemeClr val="tx1"/>
+            </a:solidFill>
+            <a:headEnd type="none" w="med" len="med"/>
+            <a:tailEnd type="arrow"/>
+          </a:ln>
+        </p:spPr>
+        <p:style>
+          <a:lnRef idx="1">
+            <a:schemeClr val="accent1"/>
+          </a:lnRef>
+          <a:fillRef idx="0">
+            <a:schemeClr val="accent1"/>
+          </a:fillRef>
+          <a:effectRef idx="0">
+            <a:schemeClr val="accent1"/>
+          </a:effectRef>
+          <a:fontRef idx="minor">
+            <a:schemeClr val="tx1"/>
+          </a:fontRef>
+        </p:style>
+      </p:cxnSp>
+      <p:cxnSp>
+        <p:nvCxnSpPr>
+          <p:cNvPr id="15" name="直接箭头连接符 14">
+            <a:extLst>
+              <a:ext uri="{FF2B5EF4-FFF2-40B4-BE49-F238E27FC236}">
+                <a16:creationId xmlns:a16="http://schemas.microsoft.com/office/drawing/2014/main" id="{40069D86-BB07-4393-89F5-31E69C4A19ED}"/>
+              </a:ext>
+            </a:extLst>
+          </p:cNvPr>
+          <p:cNvCxnSpPr>
+            <a:cxnSpLocks/>
+          </p:cNvCxnSpPr>
+          <p:nvPr/>
+        </p:nvCxnSpPr>
+        <p:spPr>
+          <a:xfrm rot="10800000" flipV="1">
+            <a:off x="3452894" y="4218854"/>
+            <a:ext cx="832634" cy="1"/>
+          </a:xfrm>
+          <a:prstGeom prst="straightConnector1">
+            <a:avLst/>
+          </a:prstGeom>
+          <a:ln w="25400">
+            <a:solidFill>
+              <a:schemeClr val="tx1"/>
+            </a:solidFill>
+            <a:headEnd type="none" w="med" len="med"/>
+            <a:tailEnd type="arrow"/>
+          </a:ln>
+        </p:spPr>
+        <p:style>
+          <a:lnRef idx="1">
+            <a:schemeClr val="accent1"/>
+          </a:lnRef>
+          <a:fillRef idx="0">
+            <a:schemeClr val="accent1"/>
+          </a:fillRef>
+          <a:effectRef idx="0">
+            <a:schemeClr val="accent1"/>
+          </a:effectRef>
+          <a:fontRef idx="minor">
+            <a:schemeClr val="tx1"/>
+          </a:fontRef>
+        </p:style>
+      </p:cxnSp>
+      <p:cxnSp>
+        <p:nvCxnSpPr>
+          <p:cNvPr id="16" name="直接箭头连接符 15">
+            <a:extLst>
+              <a:ext uri="{FF2B5EF4-FFF2-40B4-BE49-F238E27FC236}">
+                <a16:creationId xmlns:a16="http://schemas.microsoft.com/office/drawing/2014/main" id="{DE28D1E3-2E94-4994-99CF-95915F488EB8}"/>
+              </a:ext>
+            </a:extLst>
+          </p:cNvPr>
+          <p:cNvCxnSpPr>
+            <a:cxnSpLocks/>
+          </p:cNvCxnSpPr>
+          <p:nvPr/>
+        </p:nvCxnSpPr>
+        <p:spPr>
+          <a:xfrm>
+            <a:off x="5278051" y="2944238"/>
+            <a:ext cx="679309" cy="0"/>
+          </a:xfrm>
+          <a:prstGeom prst="straightConnector1">
+            <a:avLst/>
+          </a:prstGeom>
+          <a:ln w="25400">
+            <a:solidFill>
+              <a:schemeClr val="tx1"/>
+            </a:solidFill>
+            <a:headEnd type="none" w="med" len="med"/>
+            <a:tailEnd type="arrow"/>
+          </a:ln>
+        </p:spPr>
+        <p:style>
+          <a:lnRef idx="1">
+            <a:schemeClr val="accent1"/>
+          </a:lnRef>
+          <a:fillRef idx="0">
+            <a:schemeClr val="accent1"/>
+          </a:fillRef>
+          <a:effectRef idx="0">
+            <a:schemeClr val="accent1"/>
+          </a:effectRef>
+          <a:fontRef idx="minor">
+            <a:schemeClr val="tx1"/>
+          </a:fontRef>
+        </p:style>
+      </p:cxnSp>
+      <p:cxnSp>
+        <p:nvCxnSpPr>
+          <p:cNvPr id="17" name="直接箭头连接符 16">
+            <a:extLst>
+              <a:ext uri="{FF2B5EF4-FFF2-40B4-BE49-F238E27FC236}">
+                <a16:creationId xmlns:a16="http://schemas.microsoft.com/office/drawing/2014/main" id="{85CC6270-4174-4120-B0E5-19FAC90EA5DA}"/>
+              </a:ext>
+            </a:extLst>
+          </p:cNvPr>
+          <p:cNvCxnSpPr>
+            <a:cxnSpLocks/>
+          </p:cNvCxnSpPr>
+          <p:nvPr/>
+        </p:nvCxnSpPr>
+        <p:spPr>
+          <a:xfrm flipH="1">
+            <a:off x="5278051" y="4218855"/>
+            <a:ext cx="679309" cy="0"/>
+          </a:xfrm>
+          <a:prstGeom prst="straightConnector1">
+            <a:avLst/>
+          </a:prstGeom>
+          <a:ln w="25400">
+            <a:solidFill>
+              <a:schemeClr val="tx1"/>
+            </a:solidFill>
+            <a:headEnd type="none" w="med" len="med"/>
+            <a:tailEnd type="arrow"/>
+          </a:ln>
+        </p:spPr>
+        <p:style>
+          <a:lnRef idx="1">
+            <a:schemeClr val="accent1"/>
+          </a:lnRef>
+          <a:fillRef idx="0">
+            <a:schemeClr val="accent1"/>
+          </a:fillRef>
+          <a:effectRef idx="0">
+            <a:schemeClr val="accent1"/>
+          </a:effectRef>
+          <a:fontRef idx="minor">
+            <a:schemeClr val="tx1"/>
+          </a:fontRef>
+        </p:style>
+      </p:cxnSp>
+      <p:sp>
+        <p:nvSpPr>
+          <p:cNvPr id="18" name="文本框 17">
+            <a:extLst>
+              <a:ext uri="{FF2B5EF4-FFF2-40B4-BE49-F238E27FC236}">
+                <a16:creationId xmlns:a16="http://schemas.microsoft.com/office/drawing/2014/main" id="{3EE33CC0-5675-46D2-B03F-401209B53405}"/>
+              </a:ext>
+            </a:extLst>
+          </p:cNvPr>
+          <p:cNvSpPr txBox="1"/>
+          <p:nvPr/>
+        </p:nvSpPr>
+        <p:spPr>
+          <a:xfrm>
+            <a:off x="1382279" y="2636459"/>
+            <a:ext cx="980205" cy="307777"/>
+          </a:xfrm>
+          <a:prstGeom prst="rect">
+            <a:avLst/>
+          </a:prstGeom>
+          <a:noFill/>
+        </p:spPr>
+        <p:txBody>
+          <a:bodyPr wrap="none" rtlCol="0">
+            <a:spAutoFit/>
+          </a:bodyPr>
+          <a:lstStyle/>
+          <a:p>
+            <a:r>
+              <a:rPr lang="en-US" altLang="zh-CN" sz="1400" dirty="0">
+                <a:latin typeface="YaHei Consolas Hybrid" panose="020B0509020204020204" pitchFamily="49" charset="-122"/>
+                <a:ea typeface="YaHei Consolas Hybrid" panose="020B0509020204020204" pitchFamily="49" charset="-122"/>
+              </a:rPr>
+              <a:t>HTTP</a:t>
+            </a:r>
+            <a:r>
+              <a:rPr lang="zh-CN" altLang="en-US" sz="1400" dirty="0">
+                <a:latin typeface="YaHei Consolas Hybrid" panose="020B0509020204020204" pitchFamily="49" charset="-122"/>
+                <a:ea typeface="YaHei Consolas Hybrid" panose="020B0509020204020204" pitchFamily="49" charset="-122"/>
+              </a:rPr>
+              <a:t>请求</a:t>
+            </a:r>
+          </a:p>
+        </p:txBody>
+      </p:sp>
+      <p:sp>
+        <p:nvSpPr>
+          <p:cNvPr id="19" name="文本框 18">
+            <a:extLst>
+              <a:ext uri="{FF2B5EF4-FFF2-40B4-BE49-F238E27FC236}">
+                <a16:creationId xmlns:a16="http://schemas.microsoft.com/office/drawing/2014/main" id="{209F4F72-52E9-43AF-BE85-848CE2D1E126}"/>
+              </a:ext>
+            </a:extLst>
+          </p:cNvPr>
+          <p:cNvSpPr txBox="1"/>
+          <p:nvPr/>
+        </p:nvSpPr>
+        <p:spPr>
+          <a:xfrm>
+            <a:off x="1375661" y="3911076"/>
+            <a:ext cx="980205" cy="307777"/>
+          </a:xfrm>
+          <a:prstGeom prst="rect">
+            <a:avLst/>
+          </a:prstGeom>
+          <a:noFill/>
+        </p:spPr>
+        <p:txBody>
+          <a:bodyPr wrap="none" rtlCol="0">
+            <a:spAutoFit/>
+          </a:bodyPr>
+          <a:lstStyle/>
+          <a:p>
+            <a:r>
+              <a:rPr lang="en-US" altLang="zh-CN" sz="1400" dirty="0">
+                <a:latin typeface="YaHei Consolas Hybrid" panose="020B0509020204020204" pitchFamily="49" charset="-122"/>
+                <a:ea typeface="YaHei Consolas Hybrid" panose="020B0509020204020204" pitchFamily="49" charset="-122"/>
+              </a:rPr>
+              <a:t>HTTP</a:t>
+            </a:r>
+            <a:r>
+              <a:rPr lang="zh-CN" altLang="en-US" sz="1400" dirty="0">
+                <a:latin typeface="YaHei Consolas Hybrid" panose="020B0509020204020204" pitchFamily="49" charset="-122"/>
+                <a:ea typeface="YaHei Consolas Hybrid" panose="020B0509020204020204" pitchFamily="49" charset="-122"/>
+              </a:rPr>
+              <a:t>返回</a:t>
+            </a:r>
+          </a:p>
+        </p:txBody>
+      </p:sp>
+      <p:sp>
+        <p:nvSpPr>
+          <p:cNvPr id="20" name="文本框 19">
+            <a:extLst>
+              <a:ext uri="{FF2B5EF4-FFF2-40B4-BE49-F238E27FC236}">
+                <a16:creationId xmlns:a16="http://schemas.microsoft.com/office/drawing/2014/main" id="{6B38E889-5828-462A-9D5D-F4CE3686B818}"/>
+              </a:ext>
+            </a:extLst>
+          </p:cNvPr>
+          <p:cNvSpPr txBox="1"/>
+          <p:nvPr/>
+        </p:nvSpPr>
+        <p:spPr>
+          <a:xfrm>
+            <a:off x="3553198" y="2636458"/>
+            <a:ext cx="579005" cy="307777"/>
+          </a:xfrm>
+          <a:prstGeom prst="rect">
+            <a:avLst/>
+          </a:prstGeom>
+          <a:noFill/>
+        </p:spPr>
+        <p:txBody>
+          <a:bodyPr wrap="none" rtlCol="0">
+            <a:spAutoFit/>
+          </a:bodyPr>
+          <a:lstStyle/>
+          <a:p>
+            <a:r>
+              <a:rPr lang="zh-CN" altLang="en-US" sz="1400" dirty="0">
+                <a:latin typeface="YaHei Consolas Hybrid" panose="020B0509020204020204" pitchFamily="49" charset="-122"/>
+                <a:ea typeface="YaHei Consolas Hybrid" panose="020B0509020204020204" pitchFamily="49" charset="-122"/>
+              </a:rPr>
+              <a:t>参数</a:t>
+            </a:r>
+          </a:p>
+        </p:txBody>
+      </p:sp>
+      <p:sp>
+        <p:nvSpPr>
+          <p:cNvPr id="21" name="文本框 20">
+            <a:extLst>
+              <a:ext uri="{FF2B5EF4-FFF2-40B4-BE49-F238E27FC236}">
+                <a16:creationId xmlns:a16="http://schemas.microsoft.com/office/drawing/2014/main" id="{5652D560-18AE-45AB-B259-581EA2425D7E}"/>
+              </a:ext>
+            </a:extLst>
+          </p:cNvPr>
+          <p:cNvSpPr txBox="1"/>
+          <p:nvPr/>
+        </p:nvSpPr>
+        <p:spPr>
+          <a:xfrm>
+            <a:off x="3576736" y="3904087"/>
+            <a:ext cx="579005" cy="307777"/>
+          </a:xfrm>
+          <a:prstGeom prst="rect">
+            <a:avLst/>
+          </a:prstGeom>
+          <a:noFill/>
+        </p:spPr>
+        <p:txBody>
+          <a:bodyPr wrap="none" rtlCol="0">
+            <a:spAutoFit/>
+          </a:bodyPr>
+          <a:lstStyle/>
+          <a:p>
+            <a:r>
+              <a:rPr lang="zh-CN" altLang="en-US" sz="1400" dirty="0">
+                <a:latin typeface="YaHei Consolas Hybrid" panose="020B0509020204020204" pitchFamily="49" charset="-122"/>
+                <a:ea typeface="YaHei Consolas Hybrid" panose="020B0509020204020204" pitchFamily="49" charset="-122"/>
+              </a:rPr>
+              <a:t>返回</a:t>
+            </a:r>
+          </a:p>
+        </p:txBody>
+      </p:sp>
+      <p:sp>
+        <p:nvSpPr>
+          <p:cNvPr id="22" name="文本框 21">
+            <a:extLst>
+              <a:ext uri="{FF2B5EF4-FFF2-40B4-BE49-F238E27FC236}">
+                <a16:creationId xmlns:a16="http://schemas.microsoft.com/office/drawing/2014/main" id="{36219BA6-8B88-4EF0-A1ED-DFE0CB13ECFA}"/>
+              </a:ext>
+            </a:extLst>
+          </p:cNvPr>
+          <p:cNvSpPr txBox="1"/>
+          <p:nvPr/>
+        </p:nvSpPr>
+        <p:spPr>
+          <a:xfrm>
+            <a:off x="5321226" y="2636458"/>
+            <a:ext cx="579005" cy="307777"/>
+          </a:xfrm>
+          <a:prstGeom prst="rect">
+            <a:avLst/>
+          </a:prstGeom>
+          <a:noFill/>
+        </p:spPr>
+        <p:txBody>
+          <a:bodyPr wrap="none" rtlCol="0">
+            <a:spAutoFit/>
+          </a:bodyPr>
+          <a:lstStyle/>
+          <a:p>
+            <a:r>
+              <a:rPr lang="zh-CN" altLang="en-US" sz="1400" dirty="0">
+                <a:latin typeface="YaHei Consolas Hybrid" panose="020B0509020204020204" pitchFamily="49" charset="-122"/>
+                <a:ea typeface="YaHei Consolas Hybrid" panose="020B0509020204020204" pitchFamily="49" charset="-122"/>
+              </a:rPr>
+              <a:t>执行</a:t>
+            </a:r>
+          </a:p>
+        </p:txBody>
+      </p:sp>
+      <p:sp>
+        <p:nvSpPr>
+          <p:cNvPr id="23" name="文本框 22">
+            <a:extLst>
+              <a:ext uri="{FF2B5EF4-FFF2-40B4-BE49-F238E27FC236}">
+                <a16:creationId xmlns:a16="http://schemas.microsoft.com/office/drawing/2014/main" id="{E3852449-73F6-464F-B286-D11FBB2D458C}"/>
+              </a:ext>
+            </a:extLst>
+          </p:cNvPr>
+          <p:cNvSpPr txBox="1"/>
+          <p:nvPr/>
+        </p:nvSpPr>
+        <p:spPr>
+          <a:xfrm>
+            <a:off x="5328203" y="3880469"/>
+            <a:ext cx="579005" cy="307777"/>
+          </a:xfrm>
+          <a:prstGeom prst="rect">
+            <a:avLst/>
+          </a:prstGeom>
+          <a:noFill/>
+        </p:spPr>
+        <p:txBody>
+          <a:bodyPr wrap="none" rtlCol="0">
+            <a:spAutoFit/>
+          </a:bodyPr>
+          <a:lstStyle/>
+          <a:p>
+            <a:r>
+              <a:rPr lang="zh-CN" altLang="en-US" sz="1400" dirty="0">
+                <a:latin typeface="YaHei Consolas Hybrid" panose="020B0509020204020204" pitchFamily="49" charset="-122"/>
+                <a:ea typeface="YaHei Consolas Hybrid" panose="020B0509020204020204" pitchFamily="49" charset="-122"/>
+              </a:rPr>
+              <a:t>返回</a:t>
+            </a:r>
+          </a:p>
+        </p:txBody>
+      </p:sp>
+      <p:sp>
+        <p:nvSpPr>
+          <p:cNvPr id="24" name="矩形: 圆角 23">
+            <a:extLst>
+              <a:ext uri="{FF2B5EF4-FFF2-40B4-BE49-F238E27FC236}">
+                <a16:creationId xmlns:a16="http://schemas.microsoft.com/office/drawing/2014/main" id="{AD822F2B-BACC-4218-91F7-348FCEF8DC00}"/>
+              </a:ext>
+            </a:extLst>
+          </p:cNvPr>
+          <p:cNvSpPr/>
+          <p:nvPr/>
+        </p:nvSpPr>
+        <p:spPr>
+          <a:xfrm>
+            <a:off x="10071970" y="5002122"/>
+            <a:ext cx="909294" cy="1064023"/>
+          </a:xfrm>
+          <a:prstGeom prst="roundRect">
+            <a:avLst/>
+          </a:prstGeom>
+        </p:spPr>
+        <p:style>
+          <a:lnRef idx="2">
+            <a:schemeClr val="accent1">
+              <a:shade val="50000"/>
+            </a:schemeClr>
+          </a:lnRef>
+          <a:fillRef idx="1">
+            <a:schemeClr val="accent1"/>
+          </a:fillRef>
+          <a:effectRef idx="0">
+            <a:schemeClr val="accent1"/>
+          </a:effectRef>
+          <a:fontRef idx="minor">
+            <a:schemeClr val="lt1"/>
+          </a:fontRef>
+        </p:style>
+        <p:txBody>
+          <a:bodyPr rtlCol="0" anchor="ctr"/>
+          <a:lstStyle/>
+          <a:p>
+            <a:pPr algn="ctr"/>
+            <a:r>
+              <a:rPr lang="zh-CN" altLang="en-US" sz="1600" dirty="0">
+                <a:solidFill>
+                  <a:schemeClr val="bg1"/>
+                </a:solidFill>
+                <a:latin typeface="YaHei Consolas Hybrid" panose="020B0509020204020204" charset="-122"/>
+                <a:ea typeface="YaHei Consolas Hybrid" panose="020B0509020204020204" charset="-122"/>
+              </a:rPr>
+              <a:t>数据库</a:t>
+            </a:r>
+          </a:p>
+        </p:txBody>
+      </p:sp>
+      <p:sp>
+        <p:nvSpPr>
+          <p:cNvPr id="25" name="矩形: 圆角 24">
+            <a:extLst>
+              <a:ext uri="{FF2B5EF4-FFF2-40B4-BE49-F238E27FC236}">
+                <a16:creationId xmlns:a16="http://schemas.microsoft.com/office/drawing/2014/main" id="{26FFB401-D74C-4081-8D84-FDD9BFB7FB21}"/>
+              </a:ext>
+            </a:extLst>
+          </p:cNvPr>
+          <p:cNvSpPr/>
+          <p:nvPr/>
+        </p:nvSpPr>
+        <p:spPr>
+          <a:xfrm>
+            <a:off x="10060885" y="3744201"/>
+            <a:ext cx="909294" cy="1064023"/>
+          </a:xfrm>
+          <a:prstGeom prst="roundRect">
+            <a:avLst/>
+          </a:prstGeom>
+        </p:spPr>
+        <p:style>
+          <a:lnRef idx="2">
+            <a:schemeClr val="accent1">
+              <a:shade val="50000"/>
+            </a:schemeClr>
+          </a:lnRef>
+          <a:fillRef idx="1">
+            <a:schemeClr val="accent1"/>
+          </a:fillRef>
+          <a:effectRef idx="0">
+            <a:schemeClr val="accent1"/>
+          </a:effectRef>
+          <a:fontRef idx="minor">
+            <a:schemeClr val="lt1"/>
+          </a:fontRef>
+        </p:style>
+        <p:txBody>
+          <a:bodyPr rtlCol="0" anchor="ctr"/>
+          <a:lstStyle/>
+          <a:p>
+            <a:pPr algn="ctr"/>
+            <a:r>
+              <a:rPr lang="en-US" altLang="zh-CN" sz="1600" dirty="0">
+                <a:solidFill>
+                  <a:schemeClr val="bg1"/>
+                </a:solidFill>
+                <a:latin typeface="YaHei Consolas Hybrid" panose="020B0509020204020204" charset="-122"/>
+                <a:ea typeface="YaHei Consolas Hybrid" panose="020B0509020204020204" charset="-122"/>
+              </a:rPr>
+              <a:t>...</a:t>
+            </a:r>
+            <a:endParaRPr lang="zh-CN" altLang="en-US" sz="1600" dirty="0">
+              <a:solidFill>
+                <a:schemeClr val="bg1"/>
+              </a:solidFill>
+              <a:latin typeface="YaHei Consolas Hybrid" panose="020B0509020204020204" charset="-122"/>
+              <a:ea typeface="YaHei Consolas Hybrid" panose="020B0509020204020204" charset="-122"/>
+            </a:endParaRPr>
+          </a:p>
+        </p:txBody>
+      </p:sp>
+      <p:sp>
+        <p:nvSpPr>
+          <p:cNvPr id="26" name="矩形: 圆角 25">
+            <a:extLst>
+              <a:ext uri="{FF2B5EF4-FFF2-40B4-BE49-F238E27FC236}">
+                <a16:creationId xmlns:a16="http://schemas.microsoft.com/office/drawing/2014/main" id="{A417A659-D651-4707-B6D9-49DE0B43315C}"/>
+              </a:ext>
+            </a:extLst>
+          </p:cNvPr>
+          <p:cNvSpPr/>
+          <p:nvPr/>
+        </p:nvSpPr>
+        <p:spPr>
+          <a:xfrm>
+            <a:off x="10060885" y="2486280"/>
+            <a:ext cx="909294" cy="1064023"/>
+          </a:xfrm>
+          <a:prstGeom prst="roundRect">
+            <a:avLst/>
+          </a:prstGeom>
+        </p:spPr>
+        <p:style>
+          <a:lnRef idx="2">
+            <a:schemeClr val="accent1">
+              <a:shade val="50000"/>
+            </a:schemeClr>
+          </a:lnRef>
+          <a:fillRef idx="1">
+            <a:schemeClr val="accent1"/>
+          </a:fillRef>
+          <a:effectRef idx="0">
+            <a:schemeClr val="accent1"/>
+          </a:effectRef>
+          <a:fontRef idx="minor">
+            <a:schemeClr val="lt1"/>
+          </a:fontRef>
+        </p:style>
+        <p:txBody>
+          <a:bodyPr rtlCol="0" anchor="ctr"/>
+          <a:lstStyle/>
+          <a:p>
+            <a:pPr algn="ctr"/>
+            <a:r>
+              <a:rPr lang="zh-CN" altLang="en-US" sz="1600" dirty="0">
+                <a:solidFill>
+                  <a:schemeClr val="bg1"/>
+                </a:solidFill>
+                <a:latin typeface="YaHei Consolas Hybrid" panose="020B0509020204020204" charset="-122"/>
+                <a:ea typeface="YaHei Consolas Hybrid" panose="020B0509020204020204" charset="-122"/>
+              </a:rPr>
+              <a:t>数据库</a:t>
+            </a:r>
+          </a:p>
+        </p:txBody>
+      </p:sp>
+      <p:sp>
+        <p:nvSpPr>
+          <p:cNvPr id="27" name="矩形: 圆角 26">
+            <a:extLst>
+              <a:ext uri="{FF2B5EF4-FFF2-40B4-BE49-F238E27FC236}">
+                <a16:creationId xmlns:a16="http://schemas.microsoft.com/office/drawing/2014/main" id="{0EC6863F-94C9-4F6C-87F8-39D4AC0E28F0}"/>
+              </a:ext>
+            </a:extLst>
+          </p:cNvPr>
+          <p:cNvSpPr/>
+          <p:nvPr/>
+        </p:nvSpPr>
+        <p:spPr>
+          <a:xfrm>
+            <a:off x="5947013" y="1209698"/>
+            <a:ext cx="972091" cy="4837772"/>
+          </a:xfrm>
+          <a:prstGeom prst="roundRect">
+            <a:avLst/>
+          </a:prstGeom>
+        </p:spPr>
+        <p:style>
+          <a:lnRef idx="2">
+            <a:schemeClr val="accent6">
+              <a:shade val="50000"/>
+            </a:schemeClr>
+          </a:lnRef>
+          <a:fillRef idx="1">
+            <a:schemeClr val="accent6"/>
+          </a:fillRef>
+          <a:effectRef idx="0">
+            <a:schemeClr val="accent6"/>
+          </a:effectRef>
+          <a:fontRef idx="minor">
+            <a:schemeClr val="lt1"/>
+          </a:fontRef>
+        </p:style>
+        <p:txBody>
+          <a:bodyPr rtlCol="0" anchor="ctr"/>
+          <a:lstStyle/>
+          <a:p>
+            <a:pPr algn="ctr"/>
+            <a:r>
+              <a:rPr lang="zh-CN" altLang="en-US" sz="1600" dirty="0">
+                <a:solidFill>
+                  <a:schemeClr val="bg1"/>
+                </a:solidFill>
+                <a:latin typeface="YaHei Consolas Hybrid" panose="020B0509020204020204" charset="-122"/>
+                <a:ea typeface="YaHei Consolas Hybrid" panose="020B0509020204020204" charset="-122"/>
+              </a:rPr>
+              <a:t>缓存空间</a:t>
+            </a:r>
+          </a:p>
+        </p:txBody>
+      </p:sp>
+      <p:sp>
+        <p:nvSpPr>
+          <p:cNvPr id="32" name="矩形: 圆角 31">
+            <a:extLst>
+              <a:ext uri="{FF2B5EF4-FFF2-40B4-BE49-F238E27FC236}">
+                <a16:creationId xmlns:a16="http://schemas.microsoft.com/office/drawing/2014/main" id="{CCBF3936-7E81-4102-B3CD-D6471446A9CE}"/>
+              </a:ext>
+            </a:extLst>
+          </p:cNvPr>
+          <p:cNvSpPr/>
+          <p:nvPr/>
+        </p:nvSpPr>
+        <p:spPr>
+          <a:xfrm>
+            <a:off x="7854771" y="3096056"/>
+            <a:ext cx="909294" cy="1064023"/>
+          </a:xfrm>
+          <a:prstGeom prst="roundRect">
+            <a:avLst/>
+          </a:prstGeom>
+        </p:spPr>
+        <p:style>
+          <a:lnRef idx="2">
+            <a:schemeClr val="accent1">
+              <a:shade val="50000"/>
+            </a:schemeClr>
+          </a:lnRef>
+          <a:fillRef idx="1">
+            <a:schemeClr val="accent1"/>
+          </a:fillRef>
+          <a:effectRef idx="0">
+            <a:schemeClr val="accent1"/>
+          </a:effectRef>
+          <a:fontRef idx="minor">
+            <a:schemeClr val="lt1"/>
+          </a:fontRef>
+        </p:style>
+        <p:txBody>
+          <a:bodyPr rtlCol="0" anchor="ctr"/>
+          <a:lstStyle/>
+          <a:p>
+            <a:pPr algn="ctr"/>
+            <a:r>
+              <a:rPr lang="zh-CN" altLang="en-US" sz="1600" dirty="0">
+                <a:solidFill>
+                  <a:schemeClr val="bg1"/>
+                </a:solidFill>
+                <a:latin typeface="YaHei Consolas Hybrid" panose="020B0509020204020204" charset="-122"/>
+                <a:ea typeface="YaHei Consolas Hybrid" panose="020B0509020204020204" charset="-122"/>
+              </a:rPr>
+              <a:t>主数据库</a:t>
+            </a:r>
+          </a:p>
+        </p:txBody>
+      </p:sp>
+      <p:cxnSp>
+        <p:nvCxnSpPr>
+          <p:cNvPr id="33" name="直接箭头连接符 32">
+            <a:extLst>
+              <a:ext uri="{FF2B5EF4-FFF2-40B4-BE49-F238E27FC236}">
+                <a16:creationId xmlns:a16="http://schemas.microsoft.com/office/drawing/2014/main" id="{3B479493-1356-4EC0-82BF-3ECA58F23CC8}"/>
+              </a:ext>
+            </a:extLst>
+          </p:cNvPr>
+          <p:cNvCxnSpPr>
+            <a:cxnSpLocks/>
+            <a:stCxn id="27" idx="3"/>
+            <a:endCxn id="32" idx="1"/>
+          </p:cNvCxnSpPr>
+          <p:nvPr/>
+        </p:nvCxnSpPr>
+        <p:spPr>
+          <a:xfrm flipV="1">
+            <a:off x="6919104" y="3628068"/>
+            <a:ext cx="935667" cy="516"/>
+          </a:xfrm>
+          <a:prstGeom prst="straightConnector1">
+            <a:avLst/>
+          </a:prstGeom>
+          <a:ln w="25400">
+            <a:solidFill>
+              <a:schemeClr val="tx1"/>
+            </a:solidFill>
+            <a:headEnd type="none" w="med" len="med"/>
+            <a:tailEnd type="arrow"/>
+          </a:ln>
+        </p:spPr>
+        <p:style>
+          <a:lnRef idx="1">
+            <a:schemeClr val="accent1"/>
+          </a:lnRef>
+          <a:fillRef idx="0">
+            <a:schemeClr val="accent1"/>
+          </a:fillRef>
+          <a:effectRef idx="0">
+            <a:schemeClr val="accent1"/>
+          </a:effectRef>
+          <a:fontRef idx="minor">
+            <a:schemeClr val="tx1"/>
+          </a:fontRef>
+        </p:style>
+      </p:cxnSp>
+      <p:sp>
+        <p:nvSpPr>
+          <p:cNvPr id="34" name="文本框 33">
+            <a:extLst>
+              <a:ext uri="{FF2B5EF4-FFF2-40B4-BE49-F238E27FC236}">
+                <a16:creationId xmlns:a16="http://schemas.microsoft.com/office/drawing/2014/main" id="{F8DDB0B1-7E63-4874-B952-A0D3588BA2E5}"/>
+              </a:ext>
+            </a:extLst>
+          </p:cNvPr>
+          <p:cNvSpPr txBox="1"/>
+          <p:nvPr/>
+        </p:nvSpPr>
+        <p:spPr>
+          <a:xfrm>
+            <a:off x="7002364" y="3291952"/>
+            <a:ext cx="776175" cy="307777"/>
+          </a:xfrm>
+          <a:prstGeom prst="rect">
+            <a:avLst/>
+          </a:prstGeom>
+          <a:noFill/>
+        </p:spPr>
+        <p:txBody>
+          <a:bodyPr wrap="none" rtlCol="0">
+            <a:spAutoFit/>
+          </a:bodyPr>
+          <a:lstStyle/>
+          <a:p>
+            <a:r>
+              <a:rPr lang="zh-CN" altLang="en-US" sz="1400" dirty="0">
+                <a:latin typeface="YaHei Consolas Hybrid" panose="020B0509020204020204" pitchFamily="49" charset="-122"/>
+                <a:ea typeface="YaHei Consolas Hybrid" panose="020B0509020204020204" pitchFamily="49" charset="-122"/>
+              </a:rPr>
+              <a:t>写操作</a:t>
+            </a:r>
+          </a:p>
+        </p:txBody>
+      </p:sp>
+      <p:cxnSp>
+        <p:nvCxnSpPr>
+          <p:cNvPr id="35" name="直接箭头连接符 34">
+            <a:extLst>
+              <a:ext uri="{FF2B5EF4-FFF2-40B4-BE49-F238E27FC236}">
+                <a16:creationId xmlns:a16="http://schemas.microsoft.com/office/drawing/2014/main" id="{C80A3D53-0413-45C5-955D-389886A16D62}"/>
+              </a:ext>
+            </a:extLst>
+          </p:cNvPr>
+          <p:cNvCxnSpPr>
+            <a:cxnSpLocks/>
+            <a:stCxn id="32" idx="3"/>
+            <a:endCxn id="11" idx="1"/>
+          </p:cNvCxnSpPr>
+          <p:nvPr/>
+        </p:nvCxnSpPr>
+        <p:spPr>
+          <a:xfrm flipV="1">
+            <a:off x="8764065" y="1760371"/>
+            <a:ext cx="1296820" cy="1867697"/>
+          </a:xfrm>
+          <a:prstGeom prst="straightConnector1">
+            <a:avLst/>
+          </a:prstGeom>
+          <a:ln w="25400">
+            <a:solidFill>
+              <a:schemeClr val="tx1"/>
+            </a:solidFill>
+            <a:headEnd type="none" w="med" len="med"/>
+            <a:tailEnd type="arrow"/>
+          </a:ln>
+        </p:spPr>
+        <p:style>
+          <a:lnRef idx="1">
+            <a:schemeClr val="accent1"/>
+          </a:lnRef>
+          <a:fillRef idx="0">
+            <a:schemeClr val="accent1"/>
+          </a:fillRef>
+          <a:effectRef idx="0">
+            <a:schemeClr val="accent1"/>
+          </a:effectRef>
+          <a:fontRef idx="minor">
+            <a:schemeClr val="tx1"/>
+          </a:fontRef>
+        </p:style>
+      </p:cxnSp>
+      <p:cxnSp>
+        <p:nvCxnSpPr>
+          <p:cNvPr id="36" name="直接箭头连接符 35">
+            <a:extLst>
+              <a:ext uri="{FF2B5EF4-FFF2-40B4-BE49-F238E27FC236}">
+                <a16:creationId xmlns:a16="http://schemas.microsoft.com/office/drawing/2014/main" id="{69A43DD1-8C7A-43D3-BFC9-C8A161BDA0C0}"/>
+              </a:ext>
+            </a:extLst>
+          </p:cNvPr>
+          <p:cNvCxnSpPr>
+            <a:cxnSpLocks/>
+            <a:stCxn id="32" idx="3"/>
+            <a:endCxn id="26" idx="1"/>
+          </p:cNvCxnSpPr>
+          <p:nvPr/>
+        </p:nvCxnSpPr>
+        <p:spPr>
+          <a:xfrm flipV="1">
+            <a:off x="8764065" y="3018292"/>
+            <a:ext cx="1296820" cy="609776"/>
+          </a:xfrm>
+          <a:prstGeom prst="straightConnector1">
+            <a:avLst/>
+          </a:prstGeom>
+          <a:ln w="25400">
+            <a:solidFill>
+              <a:schemeClr val="tx1"/>
+            </a:solidFill>
+            <a:headEnd type="none" w="med" len="med"/>
+            <a:tailEnd type="arrow"/>
+          </a:ln>
+        </p:spPr>
+        <p:style>
+          <a:lnRef idx="1">
+            <a:schemeClr val="accent1"/>
+          </a:lnRef>
+          <a:fillRef idx="0">
+            <a:schemeClr val="accent1"/>
+          </a:fillRef>
+          <a:effectRef idx="0">
+            <a:schemeClr val="accent1"/>
+          </a:effectRef>
+          <a:fontRef idx="minor">
+            <a:schemeClr val="tx1"/>
+          </a:fontRef>
+        </p:style>
+      </p:cxnSp>
+      <p:cxnSp>
+        <p:nvCxnSpPr>
+          <p:cNvPr id="37" name="直接箭头连接符 36">
+            <a:extLst>
+              <a:ext uri="{FF2B5EF4-FFF2-40B4-BE49-F238E27FC236}">
+                <a16:creationId xmlns:a16="http://schemas.microsoft.com/office/drawing/2014/main" id="{E0BB118A-E86F-4AC2-81F7-789D3F59E64C}"/>
+              </a:ext>
+            </a:extLst>
+          </p:cNvPr>
+          <p:cNvCxnSpPr>
+            <a:cxnSpLocks/>
+            <a:stCxn id="32" idx="3"/>
+            <a:endCxn id="25" idx="1"/>
+          </p:cNvCxnSpPr>
+          <p:nvPr/>
+        </p:nvCxnSpPr>
+        <p:spPr>
+          <a:xfrm>
+            <a:off x="8764065" y="3628068"/>
+            <a:ext cx="1296820" cy="648145"/>
+          </a:xfrm>
+          <a:prstGeom prst="straightConnector1">
+            <a:avLst/>
+          </a:prstGeom>
+          <a:ln w="25400">
+            <a:solidFill>
+              <a:schemeClr val="tx1"/>
+            </a:solidFill>
+            <a:headEnd type="none" w="med" len="med"/>
+            <a:tailEnd type="arrow"/>
+          </a:ln>
+        </p:spPr>
+        <p:style>
+          <a:lnRef idx="1">
+            <a:schemeClr val="accent1"/>
+          </a:lnRef>
+          <a:fillRef idx="0">
+            <a:schemeClr val="accent1"/>
+          </a:fillRef>
+          <a:effectRef idx="0">
+            <a:schemeClr val="accent1"/>
+          </a:effectRef>
+          <a:fontRef idx="minor">
+            <a:schemeClr val="tx1"/>
+          </a:fontRef>
+        </p:style>
+      </p:cxnSp>
+      <p:cxnSp>
+        <p:nvCxnSpPr>
+          <p:cNvPr id="40" name="直接箭头连接符 39">
+            <a:extLst>
+              <a:ext uri="{FF2B5EF4-FFF2-40B4-BE49-F238E27FC236}">
+                <a16:creationId xmlns:a16="http://schemas.microsoft.com/office/drawing/2014/main" id="{6522D280-8642-4673-9CBE-DBC2CBA24AA5}"/>
+              </a:ext>
+            </a:extLst>
+          </p:cNvPr>
+          <p:cNvCxnSpPr>
+            <a:cxnSpLocks/>
+            <a:stCxn id="32" idx="3"/>
+            <a:endCxn id="24" idx="1"/>
+          </p:cNvCxnSpPr>
+          <p:nvPr/>
+        </p:nvCxnSpPr>
+        <p:spPr>
+          <a:xfrm>
+            <a:off x="8764065" y="3628068"/>
+            <a:ext cx="1307905" cy="1906066"/>
+          </a:xfrm>
+          <a:prstGeom prst="straightConnector1">
+            <a:avLst/>
+          </a:prstGeom>
+          <a:ln w="25400">
+            <a:solidFill>
+              <a:schemeClr val="tx1"/>
+            </a:solidFill>
+            <a:headEnd type="none" w="med" len="med"/>
+            <a:tailEnd type="arrow"/>
+          </a:ln>
+        </p:spPr>
+        <p:style>
+          <a:lnRef idx="1">
+            <a:schemeClr val="accent1"/>
+          </a:lnRef>
+          <a:fillRef idx="0">
+            <a:schemeClr val="accent1"/>
+          </a:fillRef>
+          <a:effectRef idx="0">
+            <a:schemeClr val="accent1"/>
+          </a:effectRef>
+          <a:fontRef idx="minor">
+            <a:schemeClr val="tx1"/>
+          </a:fontRef>
+        </p:style>
+      </p:cxnSp>
+      <p:sp>
+        <p:nvSpPr>
+          <p:cNvPr id="47" name="文本框 46">
+            <a:extLst>
+              <a:ext uri="{FF2B5EF4-FFF2-40B4-BE49-F238E27FC236}">
+                <a16:creationId xmlns:a16="http://schemas.microsoft.com/office/drawing/2014/main" id="{6000468B-811E-46DF-A849-D56FE4273646}"/>
+              </a:ext>
+            </a:extLst>
+          </p:cNvPr>
+          <p:cNvSpPr txBox="1"/>
+          <p:nvPr/>
+        </p:nvSpPr>
+        <p:spPr>
+          <a:xfrm>
+            <a:off x="9049975" y="3493319"/>
+            <a:ext cx="973343" cy="307777"/>
+          </a:xfrm>
+          <a:prstGeom prst="rect">
+            <a:avLst/>
+          </a:prstGeom>
+          <a:noFill/>
+        </p:spPr>
+        <p:txBody>
+          <a:bodyPr wrap="none" rtlCol="0">
+            <a:spAutoFit/>
+          </a:bodyPr>
+          <a:lstStyle/>
+          <a:p>
+            <a:r>
+              <a:rPr lang="zh-CN" altLang="en-US" sz="1400" dirty="0">
+                <a:latin typeface="YaHei Consolas Hybrid" panose="020B0509020204020204" pitchFamily="49" charset="-122"/>
+                <a:ea typeface="YaHei Consolas Hybrid" panose="020B0509020204020204" pitchFamily="49" charset="-122"/>
+              </a:rPr>
+              <a:t>实时备份</a:t>
+            </a:r>
+          </a:p>
+        </p:txBody>
+      </p:sp>
+      <p:cxnSp>
+        <p:nvCxnSpPr>
+          <p:cNvPr id="50" name="直接箭头连接符 49">
+            <a:extLst>
+              <a:ext uri="{FF2B5EF4-FFF2-40B4-BE49-F238E27FC236}">
+                <a16:creationId xmlns:a16="http://schemas.microsoft.com/office/drawing/2014/main" id="{DBD1597E-9E72-453C-9C92-85CD9C14255D}"/>
+              </a:ext>
+            </a:extLst>
+          </p:cNvPr>
+          <p:cNvCxnSpPr>
+            <a:cxnSpLocks/>
+          </p:cNvCxnSpPr>
+          <p:nvPr/>
+        </p:nvCxnSpPr>
+        <p:spPr>
+          <a:xfrm>
+            <a:off x="6919104" y="1536429"/>
+            <a:ext cx="3141781" cy="0"/>
+          </a:xfrm>
+          <a:prstGeom prst="straightConnector1">
+            <a:avLst/>
+          </a:prstGeom>
+          <a:ln w="25400">
+            <a:solidFill>
+              <a:schemeClr val="tx1"/>
+            </a:solidFill>
+            <a:headEnd type="arrow" w="med" len="med"/>
+            <a:tailEnd type="none"/>
+          </a:ln>
+        </p:spPr>
+        <p:style>
+          <a:lnRef idx="1">
+            <a:schemeClr val="accent1"/>
+          </a:lnRef>
+          <a:fillRef idx="0">
+            <a:schemeClr val="accent1"/>
+          </a:fillRef>
+          <a:effectRef idx="0">
+            <a:schemeClr val="accent1"/>
+          </a:effectRef>
+          <a:fontRef idx="minor">
+            <a:schemeClr val="tx1"/>
+          </a:fontRef>
+        </p:style>
+      </p:cxnSp>
+      <p:cxnSp>
+        <p:nvCxnSpPr>
+          <p:cNvPr id="53" name="直接箭头连接符 52">
+            <a:extLst>
+              <a:ext uri="{FF2B5EF4-FFF2-40B4-BE49-F238E27FC236}">
+                <a16:creationId xmlns:a16="http://schemas.microsoft.com/office/drawing/2014/main" id="{027F7DC7-668F-4743-9457-C94CA6FFAB18}"/>
+              </a:ext>
+            </a:extLst>
+          </p:cNvPr>
+          <p:cNvCxnSpPr>
+            <a:cxnSpLocks/>
+          </p:cNvCxnSpPr>
+          <p:nvPr/>
+        </p:nvCxnSpPr>
+        <p:spPr>
+          <a:xfrm>
+            <a:off x="6919104" y="5831623"/>
+            <a:ext cx="3141781" cy="0"/>
+          </a:xfrm>
+          <a:prstGeom prst="straightConnector1">
+            <a:avLst/>
+          </a:prstGeom>
+          <a:ln w="25400">
+            <a:solidFill>
+              <a:schemeClr val="tx1"/>
+            </a:solidFill>
+            <a:headEnd type="arrow" w="med" len="med"/>
+            <a:tailEnd type="none"/>
+          </a:ln>
+        </p:spPr>
+        <p:style>
+          <a:lnRef idx="1">
+            <a:schemeClr val="accent1"/>
+          </a:lnRef>
+          <a:fillRef idx="0">
+            <a:schemeClr val="accent1"/>
+          </a:fillRef>
+          <a:effectRef idx="0">
+            <a:schemeClr val="accent1"/>
+          </a:effectRef>
+          <a:fontRef idx="minor">
+            <a:schemeClr val="tx1"/>
+          </a:fontRef>
+        </p:style>
+      </p:cxnSp>
+      <p:sp>
+        <p:nvSpPr>
+          <p:cNvPr id="56" name="文本框 55">
+            <a:extLst>
+              <a:ext uri="{FF2B5EF4-FFF2-40B4-BE49-F238E27FC236}">
+                <a16:creationId xmlns:a16="http://schemas.microsoft.com/office/drawing/2014/main" id="{BA74C165-7C0C-4C59-800F-857E66C535CF}"/>
+              </a:ext>
+            </a:extLst>
+          </p:cNvPr>
+          <p:cNvSpPr txBox="1"/>
+          <p:nvPr/>
+        </p:nvSpPr>
+        <p:spPr>
+          <a:xfrm>
+            <a:off x="8101906" y="1258176"/>
+            <a:ext cx="777777" cy="307777"/>
+          </a:xfrm>
+          <a:prstGeom prst="rect">
+            <a:avLst/>
+          </a:prstGeom>
+          <a:noFill/>
+        </p:spPr>
+        <p:txBody>
+          <a:bodyPr wrap="none" rtlCol="0">
+            <a:spAutoFit/>
+          </a:bodyPr>
+          <a:lstStyle/>
+          <a:p>
+            <a:r>
+              <a:rPr lang="zh-CN" altLang="en-US" sz="1400" dirty="0">
+                <a:latin typeface="YaHei Consolas Hybrid" panose="020B0509020204020204" pitchFamily="49" charset="-122"/>
+                <a:ea typeface="YaHei Consolas Hybrid" panose="020B0509020204020204" pitchFamily="49" charset="-122"/>
+              </a:rPr>
+              <a:t>读操作</a:t>
+            </a:r>
+          </a:p>
+        </p:txBody>
+      </p:sp>
+      <p:sp>
+        <p:nvSpPr>
+          <p:cNvPr id="57" name="文本框 56">
+            <a:extLst>
+              <a:ext uri="{FF2B5EF4-FFF2-40B4-BE49-F238E27FC236}">
+                <a16:creationId xmlns:a16="http://schemas.microsoft.com/office/drawing/2014/main" id="{389230A0-8456-46FC-B8CE-CE945092F724}"/>
+              </a:ext>
+            </a:extLst>
+          </p:cNvPr>
+          <p:cNvSpPr txBox="1"/>
+          <p:nvPr/>
+        </p:nvSpPr>
+        <p:spPr>
+          <a:xfrm>
+            <a:off x="8101906" y="5536293"/>
+            <a:ext cx="777777" cy="307777"/>
+          </a:xfrm>
+          <a:prstGeom prst="rect">
+            <a:avLst/>
+          </a:prstGeom>
+          <a:noFill/>
+        </p:spPr>
+        <p:txBody>
+          <a:bodyPr wrap="none" rtlCol="0">
+            <a:spAutoFit/>
+          </a:bodyPr>
+          <a:lstStyle/>
+          <a:p>
+            <a:r>
+              <a:rPr lang="zh-CN" altLang="en-US" sz="1400" dirty="0">
+                <a:latin typeface="YaHei Consolas Hybrid" panose="020B0509020204020204" pitchFamily="49" charset="-122"/>
+                <a:ea typeface="YaHei Consolas Hybrid" panose="020B0509020204020204" pitchFamily="49" charset="-122"/>
+              </a:rPr>
+              <a:t>读操作</a:t>
+            </a:r>
+          </a:p>
+        </p:txBody>
+      </p:sp>
+    </p:spTree>
+    <p:extLst>
+      <p:ext uri="{BB962C8B-B14F-4D97-AF65-F5344CB8AC3E}">
+        <p14:creationId xmlns:p14="http://schemas.microsoft.com/office/powerpoint/2010/main" val="1883870999"/>
+      </p:ext>
+    </p:extLst>
   </p:cSld>
   <p:clrMapOvr>
     <a:masterClrMapping/>
@@ -8959,6 +10493,1965 @@
 </p:sld>
 </file>
 
+<file path=ppt/slides/slide8.xml><?xml version="1.0" encoding="utf-8"?>
+<p:sld xmlns:a="http://schemas.openxmlformats.org/drawingml/2006/main" xmlns:r="http://schemas.openxmlformats.org/officeDocument/2006/relationships" xmlns:p="http://schemas.openxmlformats.org/presentationml/2006/main">
+  <p:cSld>
+    <p:spTree>
+      <p:nvGrpSpPr>
+        <p:cNvPr id="1" name=""/>
+        <p:cNvGrpSpPr/>
+        <p:nvPr/>
+      </p:nvGrpSpPr>
+      <p:grpSpPr>
+        <a:xfrm>
+          <a:off x="0" y="0"/>
+          <a:ext cx="0" cy="0"/>
+          <a:chOff x="0" y="0"/>
+          <a:chExt cx="0" cy="0"/>
+        </a:xfrm>
+      </p:grpSpPr>
+      <p:sp>
+        <p:nvSpPr>
+          <p:cNvPr id="8" name="矩形: 圆角 7">
+            <a:extLst>
+              <a:ext uri="{FF2B5EF4-FFF2-40B4-BE49-F238E27FC236}">
+                <a16:creationId xmlns:a16="http://schemas.microsoft.com/office/drawing/2014/main" id="{6C767551-08AA-4BB7-9FE1-59FA9E4513E8}"/>
+              </a:ext>
+            </a:extLst>
+          </p:cNvPr>
+          <p:cNvSpPr/>
+          <p:nvPr/>
+        </p:nvSpPr>
+        <p:spPr>
+          <a:xfrm>
+            <a:off x="1677033" y="2403017"/>
+            <a:ext cx="1182546" cy="2393425"/>
+          </a:xfrm>
+          <a:prstGeom prst="roundRect">
+            <a:avLst/>
+          </a:prstGeom>
+        </p:spPr>
+        <p:style>
+          <a:lnRef idx="2">
+            <a:schemeClr val="accent2">
+              <a:shade val="50000"/>
+            </a:schemeClr>
+          </a:lnRef>
+          <a:fillRef idx="1">
+            <a:schemeClr val="accent2"/>
+          </a:fillRef>
+          <a:effectRef idx="0">
+            <a:schemeClr val="accent2"/>
+          </a:effectRef>
+          <a:fontRef idx="minor">
+            <a:schemeClr val="lt1"/>
+          </a:fontRef>
+        </p:style>
+        <p:txBody>
+          <a:bodyPr rtlCol="0" anchor="ctr"/>
+          <a:lstStyle/>
+          <a:p>
+            <a:pPr algn="ctr"/>
+            <a:r>
+              <a:rPr lang="zh-CN" altLang="en-US" sz="1600" dirty="0">
+                <a:solidFill>
+                  <a:schemeClr val="bg1"/>
+                </a:solidFill>
+                <a:latin typeface="YaHei Consolas Hybrid" panose="020B0509020204020204" charset="-122"/>
+                <a:ea typeface="YaHei Consolas Hybrid" panose="020B0509020204020204" charset="-122"/>
+              </a:rPr>
+              <a:t>浏览器</a:t>
+            </a:r>
+          </a:p>
+        </p:txBody>
+      </p:sp>
+      <p:sp>
+        <p:nvSpPr>
+          <p:cNvPr id="9" name="矩形: 圆角 8">
+            <a:extLst>
+              <a:ext uri="{FF2B5EF4-FFF2-40B4-BE49-F238E27FC236}">
+                <a16:creationId xmlns:a16="http://schemas.microsoft.com/office/drawing/2014/main" id="{5BEDBA7D-07B3-4EA1-BBBE-C6795816FE38}"/>
+              </a:ext>
+            </a:extLst>
+          </p:cNvPr>
+          <p:cNvSpPr/>
+          <p:nvPr/>
+        </p:nvSpPr>
+        <p:spPr>
+          <a:xfrm>
+            <a:off x="3924241" y="2403017"/>
+            <a:ext cx="1029220" cy="2393425"/>
+          </a:xfrm>
+          <a:prstGeom prst="roundRect">
+            <a:avLst/>
+          </a:prstGeom>
+        </p:spPr>
+        <p:style>
+          <a:lnRef idx="2">
+            <a:schemeClr val="accent5">
+              <a:shade val="50000"/>
+            </a:schemeClr>
+          </a:lnRef>
+          <a:fillRef idx="1">
+            <a:schemeClr val="accent5"/>
+          </a:fillRef>
+          <a:effectRef idx="0">
+            <a:schemeClr val="accent5"/>
+          </a:effectRef>
+          <a:fontRef idx="minor">
+            <a:schemeClr val="lt1"/>
+          </a:fontRef>
+        </p:style>
+        <p:txBody>
+          <a:bodyPr rtlCol="0" anchor="ctr"/>
+          <a:lstStyle/>
+          <a:p>
+            <a:pPr algn="ctr"/>
+            <a:r>
+              <a:rPr lang="en-US" altLang="zh-CN" sz="1600" dirty="0">
+                <a:solidFill>
+                  <a:schemeClr val="bg1"/>
+                </a:solidFill>
+                <a:latin typeface="YaHei Consolas Hybrid" panose="020B0509020204020204" charset="-122"/>
+                <a:ea typeface="YaHei Consolas Hybrid" panose="020B0509020204020204" charset="-122"/>
+              </a:rPr>
+              <a:t>Web</a:t>
+            </a:r>
+            <a:r>
+              <a:rPr lang="zh-CN" altLang="en-US" sz="1600" dirty="0">
+                <a:solidFill>
+                  <a:schemeClr val="bg1"/>
+                </a:solidFill>
+                <a:latin typeface="YaHei Consolas Hybrid" panose="020B0509020204020204" charset="-122"/>
+                <a:ea typeface="YaHei Consolas Hybrid" panose="020B0509020204020204" charset="-122"/>
+              </a:rPr>
+              <a:t>服务器</a:t>
+            </a:r>
+          </a:p>
+        </p:txBody>
+      </p:sp>
+      <p:sp>
+        <p:nvSpPr>
+          <p:cNvPr id="10" name="矩形: 圆角 9">
+            <a:extLst>
+              <a:ext uri="{FF2B5EF4-FFF2-40B4-BE49-F238E27FC236}">
+                <a16:creationId xmlns:a16="http://schemas.microsoft.com/office/drawing/2014/main" id="{EE1C915E-8F52-4F6A-9DEE-E5B839CCADE5}"/>
+              </a:ext>
+            </a:extLst>
+          </p:cNvPr>
+          <p:cNvSpPr/>
+          <p:nvPr/>
+        </p:nvSpPr>
+        <p:spPr>
+          <a:xfrm>
+            <a:off x="5812896" y="2403017"/>
+            <a:ext cx="972091" cy="2393425"/>
+          </a:xfrm>
+          <a:prstGeom prst="roundRect">
+            <a:avLst/>
+          </a:prstGeom>
+        </p:spPr>
+        <p:style>
+          <a:lnRef idx="2">
+            <a:schemeClr val="accent4">
+              <a:shade val="50000"/>
+            </a:schemeClr>
+          </a:lnRef>
+          <a:fillRef idx="1">
+            <a:schemeClr val="accent4"/>
+          </a:fillRef>
+          <a:effectRef idx="0">
+            <a:schemeClr val="accent4"/>
+          </a:effectRef>
+          <a:fontRef idx="minor">
+            <a:schemeClr val="lt1"/>
+          </a:fontRef>
+        </p:style>
+        <p:txBody>
+          <a:bodyPr rtlCol="0" anchor="ctr"/>
+          <a:lstStyle/>
+          <a:p>
+            <a:pPr algn="ctr"/>
+            <a:r>
+              <a:rPr lang="zh-CN" altLang="en-US" sz="1600" dirty="0">
+                <a:solidFill>
+                  <a:schemeClr val="bg1"/>
+                </a:solidFill>
+                <a:latin typeface="YaHei Consolas Hybrid" panose="020B0509020204020204" charset="-122"/>
+                <a:ea typeface="YaHei Consolas Hybrid" panose="020B0509020204020204" charset="-122"/>
+              </a:rPr>
+              <a:t>数据库访问层</a:t>
+            </a:r>
+          </a:p>
+        </p:txBody>
+      </p:sp>
+      <p:sp>
+        <p:nvSpPr>
+          <p:cNvPr id="11" name="矩形: 圆角 10">
+            <a:extLst>
+              <a:ext uri="{FF2B5EF4-FFF2-40B4-BE49-F238E27FC236}">
+                <a16:creationId xmlns:a16="http://schemas.microsoft.com/office/drawing/2014/main" id="{7CC2E5C0-422C-4EB6-A218-DC77A20149B8}"/>
+              </a:ext>
+            </a:extLst>
+          </p:cNvPr>
+          <p:cNvSpPr/>
+          <p:nvPr/>
+        </p:nvSpPr>
+        <p:spPr>
+          <a:xfrm>
+            <a:off x="7478250" y="2403017"/>
+            <a:ext cx="909294" cy="2393425"/>
+          </a:xfrm>
+          <a:prstGeom prst="roundRect">
+            <a:avLst/>
+          </a:prstGeom>
+        </p:spPr>
+        <p:style>
+          <a:lnRef idx="2">
+            <a:schemeClr val="accent1">
+              <a:shade val="50000"/>
+            </a:schemeClr>
+          </a:lnRef>
+          <a:fillRef idx="1">
+            <a:schemeClr val="accent1"/>
+          </a:fillRef>
+          <a:effectRef idx="0">
+            <a:schemeClr val="accent1"/>
+          </a:effectRef>
+          <a:fontRef idx="minor">
+            <a:schemeClr val="lt1"/>
+          </a:fontRef>
+        </p:style>
+        <p:txBody>
+          <a:bodyPr rtlCol="0" anchor="ctr"/>
+          <a:lstStyle/>
+          <a:p>
+            <a:pPr algn="ctr"/>
+            <a:r>
+              <a:rPr lang="zh-CN" altLang="en-US" sz="1600" dirty="0">
+                <a:solidFill>
+                  <a:schemeClr val="bg1"/>
+                </a:solidFill>
+                <a:latin typeface="YaHei Consolas Hybrid" panose="020B0509020204020204" charset="-122"/>
+                <a:ea typeface="YaHei Consolas Hybrid" panose="020B0509020204020204" charset="-122"/>
+              </a:rPr>
+              <a:t>数据库</a:t>
+            </a:r>
+          </a:p>
+        </p:txBody>
+      </p:sp>
+      <p:cxnSp>
+        <p:nvCxnSpPr>
+          <p:cNvPr id="12" name="直接箭头连接符 11">
+            <a:extLst>
+              <a:ext uri="{FF2B5EF4-FFF2-40B4-BE49-F238E27FC236}">
+                <a16:creationId xmlns:a16="http://schemas.microsoft.com/office/drawing/2014/main" id="{555824AB-9D5E-4D24-B068-55FBE8584967}"/>
+              </a:ext>
+            </a:extLst>
+          </p:cNvPr>
+          <p:cNvCxnSpPr>
+            <a:cxnSpLocks/>
+          </p:cNvCxnSpPr>
+          <p:nvPr/>
+        </p:nvCxnSpPr>
+        <p:spPr>
+          <a:xfrm flipV="1">
+            <a:off x="2859579" y="2944236"/>
+            <a:ext cx="1064662" cy="1"/>
+          </a:xfrm>
+          <a:prstGeom prst="straightConnector1">
+            <a:avLst/>
+          </a:prstGeom>
+          <a:ln w="25400">
+            <a:solidFill>
+              <a:schemeClr val="tx1"/>
+            </a:solidFill>
+            <a:headEnd type="none" w="med" len="med"/>
+            <a:tailEnd type="arrow"/>
+          </a:ln>
+        </p:spPr>
+        <p:style>
+          <a:lnRef idx="1">
+            <a:schemeClr val="accent1"/>
+          </a:lnRef>
+          <a:fillRef idx="0">
+            <a:schemeClr val="accent1"/>
+          </a:fillRef>
+          <a:effectRef idx="0">
+            <a:schemeClr val="accent1"/>
+          </a:effectRef>
+          <a:fontRef idx="minor">
+            <a:schemeClr val="tx1"/>
+          </a:fontRef>
+        </p:style>
+      </p:cxnSp>
+      <p:cxnSp>
+        <p:nvCxnSpPr>
+          <p:cNvPr id="13" name="直接箭头连接符 12">
+            <a:extLst>
+              <a:ext uri="{FF2B5EF4-FFF2-40B4-BE49-F238E27FC236}">
+                <a16:creationId xmlns:a16="http://schemas.microsoft.com/office/drawing/2014/main" id="{8CDF1B7C-29E9-49B8-B60A-10D1F734A638}"/>
+              </a:ext>
+            </a:extLst>
+          </p:cNvPr>
+          <p:cNvCxnSpPr>
+            <a:cxnSpLocks/>
+          </p:cNvCxnSpPr>
+          <p:nvPr/>
+        </p:nvCxnSpPr>
+        <p:spPr>
+          <a:xfrm rot="10800000" flipV="1">
+            <a:off x="2859579" y="4218854"/>
+            <a:ext cx="1064662" cy="1"/>
+          </a:xfrm>
+          <a:prstGeom prst="straightConnector1">
+            <a:avLst/>
+          </a:prstGeom>
+          <a:ln w="25400">
+            <a:solidFill>
+              <a:schemeClr val="tx1"/>
+            </a:solidFill>
+            <a:headEnd type="none" w="med" len="med"/>
+            <a:tailEnd type="arrow"/>
+          </a:ln>
+        </p:spPr>
+        <p:style>
+          <a:lnRef idx="1">
+            <a:schemeClr val="accent1"/>
+          </a:lnRef>
+          <a:fillRef idx="0">
+            <a:schemeClr val="accent1"/>
+          </a:fillRef>
+          <a:effectRef idx="0">
+            <a:schemeClr val="accent1"/>
+          </a:effectRef>
+          <a:fontRef idx="minor">
+            <a:schemeClr val="tx1"/>
+          </a:fontRef>
+        </p:style>
+      </p:cxnSp>
+      <p:cxnSp>
+        <p:nvCxnSpPr>
+          <p:cNvPr id="14" name="直接箭头连接符 13">
+            <a:extLst>
+              <a:ext uri="{FF2B5EF4-FFF2-40B4-BE49-F238E27FC236}">
+                <a16:creationId xmlns:a16="http://schemas.microsoft.com/office/drawing/2014/main" id="{F4018517-865F-4F11-A97C-20858454A7E5}"/>
+              </a:ext>
+            </a:extLst>
+          </p:cNvPr>
+          <p:cNvCxnSpPr>
+            <a:cxnSpLocks/>
+          </p:cNvCxnSpPr>
+          <p:nvPr/>
+        </p:nvCxnSpPr>
+        <p:spPr>
+          <a:xfrm flipV="1">
+            <a:off x="4973784" y="2944236"/>
+            <a:ext cx="832634" cy="1"/>
+          </a:xfrm>
+          <a:prstGeom prst="straightConnector1">
+            <a:avLst/>
+          </a:prstGeom>
+          <a:ln w="25400">
+            <a:solidFill>
+              <a:schemeClr val="tx1"/>
+            </a:solidFill>
+            <a:headEnd type="none" w="med" len="med"/>
+            <a:tailEnd type="arrow"/>
+          </a:ln>
+        </p:spPr>
+        <p:style>
+          <a:lnRef idx="1">
+            <a:schemeClr val="accent1"/>
+          </a:lnRef>
+          <a:fillRef idx="0">
+            <a:schemeClr val="accent1"/>
+          </a:fillRef>
+          <a:effectRef idx="0">
+            <a:schemeClr val="accent1"/>
+          </a:effectRef>
+          <a:fontRef idx="minor">
+            <a:schemeClr val="tx1"/>
+          </a:fontRef>
+        </p:style>
+      </p:cxnSp>
+      <p:cxnSp>
+        <p:nvCxnSpPr>
+          <p:cNvPr id="15" name="直接箭头连接符 14">
+            <a:extLst>
+              <a:ext uri="{FF2B5EF4-FFF2-40B4-BE49-F238E27FC236}">
+                <a16:creationId xmlns:a16="http://schemas.microsoft.com/office/drawing/2014/main" id="{40069D86-BB07-4393-89F5-31E69C4A19ED}"/>
+              </a:ext>
+            </a:extLst>
+          </p:cNvPr>
+          <p:cNvCxnSpPr>
+            <a:cxnSpLocks/>
+          </p:cNvCxnSpPr>
+          <p:nvPr/>
+        </p:nvCxnSpPr>
+        <p:spPr>
+          <a:xfrm rot="10800000" flipV="1">
+            <a:off x="4973784" y="4218854"/>
+            <a:ext cx="832634" cy="1"/>
+          </a:xfrm>
+          <a:prstGeom prst="straightConnector1">
+            <a:avLst/>
+          </a:prstGeom>
+          <a:ln w="25400">
+            <a:solidFill>
+              <a:schemeClr val="tx1"/>
+            </a:solidFill>
+            <a:headEnd type="none" w="med" len="med"/>
+            <a:tailEnd type="arrow"/>
+          </a:ln>
+        </p:spPr>
+        <p:style>
+          <a:lnRef idx="1">
+            <a:schemeClr val="accent1"/>
+          </a:lnRef>
+          <a:fillRef idx="0">
+            <a:schemeClr val="accent1"/>
+          </a:fillRef>
+          <a:effectRef idx="0">
+            <a:schemeClr val="accent1"/>
+          </a:effectRef>
+          <a:fontRef idx="minor">
+            <a:schemeClr val="tx1"/>
+          </a:fontRef>
+        </p:style>
+      </p:cxnSp>
+      <p:cxnSp>
+        <p:nvCxnSpPr>
+          <p:cNvPr id="16" name="直接箭头连接符 15">
+            <a:extLst>
+              <a:ext uri="{FF2B5EF4-FFF2-40B4-BE49-F238E27FC236}">
+                <a16:creationId xmlns:a16="http://schemas.microsoft.com/office/drawing/2014/main" id="{DE28D1E3-2E94-4994-99CF-95915F488EB8}"/>
+              </a:ext>
+            </a:extLst>
+          </p:cNvPr>
+          <p:cNvCxnSpPr>
+            <a:cxnSpLocks/>
+          </p:cNvCxnSpPr>
+          <p:nvPr/>
+        </p:nvCxnSpPr>
+        <p:spPr>
+          <a:xfrm>
+            <a:off x="6798941" y="2944238"/>
+            <a:ext cx="679309" cy="0"/>
+          </a:xfrm>
+          <a:prstGeom prst="straightConnector1">
+            <a:avLst/>
+          </a:prstGeom>
+          <a:ln w="25400">
+            <a:solidFill>
+              <a:schemeClr val="tx1"/>
+            </a:solidFill>
+            <a:headEnd type="none" w="med" len="med"/>
+            <a:tailEnd type="arrow"/>
+          </a:ln>
+        </p:spPr>
+        <p:style>
+          <a:lnRef idx="1">
+            <a:schemeClr val="accent1"/>
+          </a:lnRef>
+          <a:fillRef idx="0">
+            <a:schemeClr val="accent1"/>
+          </a:fillRef>
+          <a:effectRef idx="0">
+            <a:schemeClr val="accent1"/>
+          </a:effectRef>
+          <a:fontRef idx="minor">
+            <a:schemeClr val="tx1"/>
+          </a:fontRef>
+        </p:style>
+      </p:cxnSp>
+      <p:cxnSp>
+        <p:nvCxnSpPr>
+          <p:cNvPr id="17" name="直接箭头连接符 16">
+            <a:extLst>
+              <a:ext uri="{FF2B5EF4-FFF2-40B4-BE49-F238E27FC236}">
+                <a16:creationId xmlns:a16="http://schemas.microsoft.com/office/drawing/2014/main" id="{85CC6270-4174-4120-B0E5-19FAC90EA5DA}"/>
+              </a:ext>
+            </a:extLst>
+          </p:cNvPr>
+          <p:cNvCxnSpPr>
+            <a:cxnSpLocks/>
+          </p:cNvCxnSpPr>
+          <p:nvPr/>
+        </p:nvCxnSpPr>
+        <p:spPr>
+          <a:xfrm flipH="1">
+            <a:off x="6798941" y="4218855"/>
+            <a:ext cx="679309" cy="0"/>
+          </a:xfrm>
+          <a:prstGeom prst="straightConnector1">
+            <a:avLst/>
+          </a:prstGeom>
+          <a:ln w="25400">
+            <a:solidFill>
+              <a:schemeClr val="tx1"/>
+            </a:solidFill>
+            <a:headEnd type="none" w="med" len="med"/>
+            <a:tailEnd type="arrow"/>
+          </a:ln>
+        </p:spPr>
+        <p:style>
+          <a:lnRef idx="1">
+            <a:schemeClr val="accent1"/>
+          </a:lnRef>
+          <a:fillRef idx="0">
+            <a:schemeClr val="accent1"/>
+          </a:fillRef>
+          <a:effectRef idx="0">
+            <a:schemeClr val="accent1"/>
+          </a:effectRef>
+          <a:fontRef idx="minor">
+            <a:schemeClr val="tx1"/>
+          </a:fontRef>
+        </p:style>
+      </p:cxnSp>
+      <p:sp>
+        <p:nvSpPr>
+          <p:cNvPr id="18" name="文本框 17">
+            <a:extLst>
+              <a:ext uri="{FF2B5EF4-FFF2-40B4-BE49-F238E27FC236}">
+                <a16:creationId xmlns:a16="http://schemas.microsoft.com/office/drawing/2014/main" id="{3EE33CC0-5675-46D2-B03F-401209B53405}"/>
+              </a:ext>
+            </a:extLst>
+          </p:cNvPr>
+          <p:cNvSpPr txBox="1"/>
+          <p:nvPr/>
+        </p:nvSpPr>
+        <p:spPr>
+          <a:xfrm>
+            <a:off x="2903169" y="2636459"/>
+            <a:ext cx="980205" cy="307777"/>
+          </a:xfrm>
+          <a:prstGeom prst="rect">
+            <a:avLst/>
+          </a:prstGeom>
+          <a:noFill/>
+        </p:spPr>
+        <p:txBody>
+          <a:bodyPr wrap="none" rtlCol="0">
+            <a:spAutoFit/>
+          </a:bodyPr>
+          <a:lstStyle/>
+          <a:p>
+            <a:r>
+              <a:rPr lang="en-US" altLang="zh-CN" sz="1400" dirty="0">
+                <a:latin typeface="YaHei Consolas Hybrid" panose="020B0509020204020204" pitchFamily="49" charset="-122"/>
+                <a:ea typeface="YaHei Consolas Hybrid" panose="020B0509020204020204" pitchFamily="49" charset="-122"/>
+              </a:rPr>
+              <a:t>HTTP</a:t>
+            </a:r>
+            <a:r>
+              <a:rPr lang="zh-CN" altLang="en-US" sz="1400" dirty="0">
+                <a:latin typeface="YaHei Consolas Hybrid" panose="020B0509020204020204" pitchFamily="49" charset="-122"/>
+                <a:ea typeface="YaHei Consolas Hybrid" panose="020B0509020204020204" pitchFamily="49" charset="-122"/>
+              </a:rPr>
+              <a:t>请求</a:t>
+            </a:r>
+          </a:p>
+        </p:txBody>
+      </p:sp>
+      <p:sp>
+        <p:nvSpPr>
+          <p:cNvPr id="19" name="文本框 18">
+            <a:extLst>
+              <a:ext uri="{FF2B5EF4-FFF2-40B4-BE49-F238E27FC236}">
+                <a16:creationId xmlns:a16="http://schemas.microsoft.com/office/drawing/2014/main" id="{209F4F72-52E9-43AF-BE85-848CE2D1E126}"/>
+              </a:ext>
+            </a:extLst>
+          </p:cNvPr>
+          <p:cNvSpPr txBox="1"/>
+          <p:nvPr/>
+        </p:nvSpPr>
+        <p:spPr>
+          <a:xfrm>
+            <a:off x="2896551" y="3911076"/>
+            <a:ext cx="980205" cy="307777"/>
+          </a:xfrm>
+          <a:prstGeom prst="rect">
+            <a:avLst/>
+          </a:prstGeom>
+          <a:noFill/>
+        </p:spPr>
+        <p:txBody>
+          <a:bodyPr wrap="none" rtlCol="0">
+            <a:spAutoFit/>
+          </a:bodyPr>
+          <a:lstStyle/>
+          <a:p>
+            <a:r>
+              <a:rPr lang="en-US" altLang="zh-CN" sz="1400" dirty="0">
+                <a:latin typeface="YaHei Consolas Hybrid" panose="020B0509020204020204" pitchFamily="49" charset="-122"/>
+                <a:ea typeface="YaHei Consolas Hybrid" panose="020B0509020204020204" pitchFamily="49" charset="-122"/>
+              </a:rPr>
+              <a:t>HTTP</a:t>
+            </a:r>
+            <a:r>
+              <a:rPr lang="zh-CN" altLang="en-US" sz="1400" dirty="0">
+                <a:latin typeface="YaHei Consolas Hybrid" panose="020B0509020204020204" pitchFamily="49" charset="-122"/>
+                <a:ea typeface="YaHei Consolas Hybrid" panose="020B0509020204020204" pitchFamily="49" charset="-122"/>
+              </a:rPr>
+              <a:t>返回</a:t>
+            </a:r>
+          </a:p>
+        </p:txBody>
+      </p:sp>
+      <p:sp>
+        <p:nvSpPr>
+          <p:cNvPr id="20" name="文本框 19">
+            <a:extLst>
+              <a:ext uri="{FF2B5EF4-FFF2-40B4-BE49-F238E27FC236}">
+                <a16:creationId xmlns:a16="http://schemas.microsoft.com/office/drawing/2014/main" id="{6B38E889-5828-462A-9D5D-F4CE3686B818}"/>
+              </a:ext>
+            </a:extLst>
+          </p:cNvPr>
+          <p:cNvSpPr txBox="1"/>
+          <p:nvPr/>
+        </p:nvSpPr>
+        <p:spPr>
+          <a:xfrm>
+            <a:off x="5074088" y="2636458"/>
+            <a:ext cx="579005" cy="307777"/>
+          </a:xfrm>
+          <a:prstGeom prst="rect">
+            <a:avLst/>
+          </a:prstGeom>
+          <a:noFill/>
+        </p:spPr>
+        <p:txBody>
+          <a:bodyPr wrap="none" rtlCol="0">
+            <a:spAutoFit/>
+          </a:bodyPr>
+          <a:lstStyle/>
+          <a:p>
+            <a:r>
+              <a:rPr lang="zh-CN" altLang="en-US" sz="1400" dirty="0">
+                <a:latin typeface="YaHei Consolas Hybrid" panose="020B0509020204020204" pitchFamily="49" charset="-122"/>
+                <a:ea typeface="YaHei Consolas Hybrid" panose="020B0509020204020204" pitchFamily="49" charset="-122"/>
+              </a:rPr>
+              <a:t>参数</a:t>
+            </a:r>
+          </a:p>
+        </p:txBody>
+      </p:sp>
+      <p:sp>
+        <p:nvSpPr>
+          <p:cNvPr id="21" name="文本框 20">
+            <a:extLst>
+              <a:ext uri="{FF2B5EF4-FFF2-40B4-BE49-F238E27FC236}">
+                <a16:creationId xmlns:a16="http://schemas.microsoft.com/office/drawing/2014/main" id="{5652D560-18AE-45AB-B259-581EA2425D7E}"/>
+              </a:ext>
+            </a:extLst>
+          </p:cNvPr>
+          <p:cNvSpPr txBox="1"/>
+          <p:nvPr/>
+        </p:nvSpPr>
+        <p:spPr>
+          <a:xfrm>
+            <a:off x="5097626" y="3904087"/>
+            <a:ext cx="579005" cy="307777"/>
+          </a:xfrm>
+          <a:prstGeom prst="rect">
+            <a:avLst/>
+          </a:prstGeom>
+          <a:noFill/>
+        </p:spPr>
+        <p:txBody>
+          <a:bodyPr wrap="none" rtlCol="0">
+            <a:spAutoFit/>
+          </a:bodyPr>
+          <a:lstStyle/>
+          <a:p>
+            <a:r>
+              <a:rPr lang="zh-CN" altLang="en-US" sz="1400" dirty="0">
+                <a:latin typeface="YaHei Consolas Hybrid" panose="020B0509020204020204" pitchFamily="49" charset="-122"/>
+                <a:ea typeface="YaHei Consolas Hybrid" panose="020B0509020204020204" pitchFamily="49" charset="-122"/>
+              </a:rPr>
+              <a:t>返回</a:t>
+            </a:r>
+          </a:p>
+        </p:txBody>
+      </p:sp>
+      <p:sp>
+        <p:nvSpPr>
+          <p:cNvPr id="22" name="文本框 21">
+            <a:extLst>
+              <a:ext uri="{FF2B5EF4-FFF2-40B4-BE49-F238E27FC236}">
+                <a16:creationId xmlns:a16="http://schemas.microsoft.com/office/drawing/2014/main" id="{36219BA6-8B88-4EF0-A1ED-DFE0CB13ECFA}"/>
+              </a:ext>
+            </a:extLst>
+          </p:cNvPr>
+          <p:cNvSpPr txBox="1"/>
+          <p:nvPr/>
+        </p:nvSpPr>
+        <p:spPr>
+          <a:xfrm>
+            <a:off x="6842116" y="2636458"/>
+            <a:ext cx="579005" cy="307777"/>
+          </a:xfrm>
+          <a:prstGeom prst="rect">
+            <a:avLst/>
+          </a:prstGeom>
+          <a:noFill/>
+        </p:spPr>
+        <p:txBody>
+          <a:bodyPr wrap="none" rtlCol="0">
+            <a:spAutoFit/>
+          </a:bodyPr>
+          <a:lstStyle/>
+          <a:p>
+            <a:r>
+              <a:rPr lang="zh-CN" altLang="en-US" sz="1400" dirty="0">
+                <a:latin typeface="YaHei Consolas Hybrid" panose="020B0509020204020204" pitchFamily="49" charset="-122"/>
+                <a:ea typeface="YaHei Consolas Hybrid" panose="020B0509020204020204" pitchFamily="49" charset="-122"/>
+              </a:rPr>
+              <a:t>执行</a:t>
+            </a:r>
+          </a:p>
+        </p:txBody>
+      </p:sp>
+      <p:sp>
+        <p:nvSpPr>
+          <p:cNvPr id="23" name="文本框 22">
+            <a:extLst>
+              <a:ext uri="{FF2B5EF4-FFF2-40B4-BE49-F238E27FC236}">
+                <a16:creationId xmlns:a16="http://schemas.microsoft.com/office/drawing/2014/main" id="{E3852449-73F6-464F-B286-D11FBB2D458C}"/>
+              </a:ext>
+            </a:extLst>
+          </p:cNvPr>
+          <p:cNvSpPr txBox="1"/>
+          <p:nvPr/>
+        </p:nvSpPr>
+        <p:spPr>
+          <a:xfrm>
+            <a:off x="6849093" y="3880469"/>
+            <a:ext cx="579005" cy="307777"/>
+          </a:xfrm>
+          <a:prstGeom prst="rect">
+            <a:avLst/>
+          </a:prstGeom>
+          <a:noFill/>
+        </p:spPr>
+        <p:txBody>
+          <a:bodyPr wrap="none" rtlCol="0">
+            <a:spAutoFit/>
+          </a:bodyPr>
+          <a:lstStyle/>
+          <a:p>
+            <a:r>
+              <a:rPr lang="zh-CN" altLang="en-US" sz="1400" dirty="0">
+                <a:latin typeface="YaHei Consolas Hybrid" panose="020B0509020204020204" pitchFamily="49" charset="-122"/>
+                <a:ea typeface="YaHei Consolas Hybrid" panose="020B0509020204020204" pitchFamily="49" charset="-122"/>
+              </a:rPr>
+              <a:t>返回</a:t>
+            </a:r>
+          </a:p>
+        </p:txBody>
+      </p:sp>
+    </p:spTree>
+    <p:extLst>
+      <p:ext uri="{BB962C8B-B14F-4D97-AF65-F5344CB8AC3E}">
+        <p14:creationId xmlns:p14="http://schemas.microsoft.com/office/powerpoint/2010/main" val="1196142052"/>
+      </p:ext>
+    </p:extLst>
+  </p:cSld>
+  <p:clrMapOvr>
+    <a:masterClrMapping/>
+  </p:clrMapOvr>
+</p:sld>
+</file>
+
+<file path=ppt/slides/slide9.xml><?xml version="1.0" encoding="utf-8"?>
+<p:sld xmlns:a="http://schemas.openxmlformats.org/drawingml/2006/main" xmlns:r="http://schemas.openxmlformats.org/officeDocument/2006/relationships" xmlns:p="http://schemas.openxmlformats.org/presentationml/2006/main">
+  <p:cSld>
+    <p:spTree>
+      <p:nvGrpSpPr>
+        <p:cNvPr id="1" name=""/>
+        <p:cNvGrpSpPr/>
+        <p:nvPr/>
+      </p:nvGrpSpPr>
+      <p:grpSpPr>
+        <a:xfrm>
+          <a:off x="0" y="0"/>
+          <a:ext cx="0" cy="0"/>
+          <a:chOff x="0" y="0"/>
+          <a:chExt cx="0" cy="0"/>
+        </a:xfrm>
+      </p:grpSpPr>
+      <p:sp>
+        <p:nvSpPr>
+          <p:cNvPr id="8" name="矩形: 圆角 7">
+            <a:extLst>
+              <a:ext uri="{FF2B5EF4-FFF2-40B4-BE49-F238E27FC236}">
+                <a16:creationId xmlns:a16="http://schemas.microsoft.com/office/drawing/2014/main" id="{6C767551-08AA-4BB7-9FE1-59FA9E4513E8}"/>
+              </a:ext>
+            </a:extLst>
+          </p:cNvPr>
+          <p:cNvSpPr/>
+          <p:nvPr/>
+        </p:nvSpPr>
+        <p:spPr>
+          <a:xfrm>
+            <a:off x="1677033" y="2403017"/>
+            <a:ext cx="1182546" cy="2393425"/>
+          </a:xfrm>
+          <a:prstGeom prst="roundRect">
+            <a:avLst/>
+          </a:prstGeom>
+        </p:spPr>
+        <p:style>
+          <a:lnRef idx="2">
+            <a:schemeClr val="accent2">
+              <a:shade val="50000"/>
+            </a:schemeClr>
+          </a:lnRef>
+          <a:fillRef idx="1">
+            <a:schemeClr val="accent2"/>
+          </a:fillRef>
+          <a:effectRef idx="0">
+            <a:schemeClr val="accent2"/>
+          </a:effectRef>
+          <a:fontRef idx="minor">
+            <a:schemeClr val="lt1"/>
+          </a:fontRef>
+        </p:style>
+        <p:txBody>
+          <a:bodyPr rtlCol="0" anchor="ctr"/>
+          <a:lstStyle/>
+          <a:p>
+            <a:pPr algn="ctr"/>
+            <a:r>
+              <a:rPr lang="zh-CN" altLang="en-US" sz="1600" dirty="0">
+                <a:solidFill>
+                  <a:schemeClr val="bg1"/>
+                </a:solidFill>
+                <a:latin typeface="YaHei Consolas Hybrid" panose="020B0509020204020204" charset="-122"/>
+                <a:ea typeface="YaHei Consolas Hybrid" panose="020B0509020204020204" charset="-122"/>
+              </a:rPr>
+              <a:t>浏览器</a:t>
+            </a:r>
+          </a:p>
+        </p:txBody>
+      </p:sp>
+      <p:sp>
+        <p:nvSpPr>
+          <p:cNvPr id="9" name="矩形: 圆角 8">
+            <a:extLst>
+              <a:ext uri="{FF2B5EF4-FFF2-40B4-BE49-F238E27FC236}">
+                <a16:creationId xmlns:a16="http://schemas.microsoft.com/office/drawing/2014/main" id="{5BEDBA7D-07B3-4EA1-BBBE-C6795816FE38}"/>
+              </a:ext>
+            </a:extLst>
+          </p:cNvPr>
+          <p:cNvSpPr/>
+          <p:nvPr/>
+        </p:nvSpPr>
+        <p:spPr>
+          <a:xfrm>
+            <a:off x="3924241" y="2403017"/>
+            <a:ext cx="1029220" cy="2393425"/>
+          </a:xfrm>
+          <a:prstGeom prst="roundRect">
+            <a:avLst/>
+          </a:prstGeom>
+        </p:spPr>
+        <p:style>
+          <a:lnRef idx="2">
+            <a:schemeClr val="accent5">
+              <a:shade val="50000"/>
+            </a:schemeClr>
+          </a:lnRef>
+          <a:fillRef idx="1">
+            <a:schemeClr val="accent5"/>
+          </a:fillRef>
+          <a:effectRef idx="0">
+            <a:schemeClr val="accent5"/>
+          </a:effectRef>
+          <a:fontRef idx="minor">
+            <a:schemeClr val="lt1"/>
+          </a:fontRef>
+        </p:style>
+        <p:txBody>
+          <a:bodyPr rtlCol="0" anchor="ctr"/>
+          <a:lstStyle/>
+          <a:p>
+            <a:pPr algn="ctr"/>
+            <a:r>
+              <a:rPr lang="en-US" altLang="zh-CN" sz="1600" dirty="0">
+                <a:solidFill>
+                  <a:schemeClr val="bg1"/>
+                </a:solidFill>
+                <a:latin typeface="YaHei Consolas Hybrid" panose="020B0509020204020204" charset="-122"/>
+                <a:ea typeface="YaHei Consolas Hybrid" panose="020B0509020204020204" charset="-122"/>
+              </a:rPr>
+              <a:t>Web</a:t>
+            </a:r>
+            <a:r>
+              <a:rPr lang="zh-CN" altLang="en-US" sz="1600" dirty="0">
+                <a:solidFill>
+                  <a:schemeClr val="bg1"/>
+                </a:solidFill>
+                <a:latin typeface="YaHei Consolas Hybrid" panose="020B0509020204020204" charset="-122"/>
+                <a:ea typeface="YaHei Consolas Hybrid" panose="020B0509020204020204" charset="-122"/>
+              </a:rPr>
+              <a:t>服务器</a:t>
+            </a:r>
+          </a:p>
+        </p:txBody>
+      </p:sp>
+      <p:sp>
+        <p:nvSpPr>
+          <p:cNvPr id="10" name="矩形: 圆角 9">
+            <a:extLst>
+              <a:ext uri="{FF2B5EF4-FFF2-40B4-BE49-F238E27FC236}">
+                <a16:creationId xmlns:a16="http://schemas.microsoft.com/office/drawing/2014/main" id="{EE1C915E-8F52-4F6A-9DEE-E5B839CCADE5}"/>
+              </a:ext>
+            </a:extLst>
+          </p:cNvPr>
+          <p:cNvSpPr/>
+          <p:nvPr/>
+        </p:nvSpPr>
+        <p:spPr>
+          <a:xfrm>
+            <a:off x="5812896" y="2403017"/>
+            <a:ext cx="972091" cy="2393425"/>
+          </a:xfrm>
+          <a:prstGeom prst="roundRect">
+            <a:avLst/>
+          </a:prstGeom>
+        </p:spPr>
+        <p:style>
+          <a:lnRef idx="2">
+            <a:schemeClr val="accent4">
+              <a:shade val="50000"/>
+            </a:schemeClr>
+          </a:lnRef>
+          <a:fillRef idx="1">
+            <a:schemeClr val="accent4"/>
+          </a:fillRef>
+          <a:effectRef idx="0">
+            <a:schemeClr val="accent4"/>
+          </a:effectRef>
+          <a:fontRef idx="minor">
+            <a:schemeClr val="lt1"/>
+          </a:fontRef>
+        </p:style>
+        <p:txBody>
+          <a:bodyPr rtlCol="0" anchor="ctr"/>
+          <a:lstStyle/>
+          <a:p>
+            <a:pPr algn="ctr"/>
+            <a:r>
+              <a:rPr lang="zh-CN" altLang="en-US" sz="1600" dirty="0">
+                <a:solidFill>
+                  <a:schemeClr val="bg1"/>
+                </a:solidFill>
+                <a:latin typeface="YaHei Consolas Hybrid" panose="020B0509020204020204" charset="-122"/>
+                <a:ea typeface="YaHei Consolas Hybrid" panose="020B0509020204020204" charset="-122"/>
+              </a:rPr>
+              <a:t>数据库访问层</a:t>
+            </a:r>
+          </a:p>
+        </p:txBody>
+      </p:sp>
+      <p:sp>
+        <p:nvSpPr>
+          <p:cNvPr id="11" name="矩形: 圆角 10">
+            <a:extLst>
+              <a:ext uri="{FF2B5EF4-FFF2-40B4-BE49-F238E27FC236}">
+                <a16:creationId xmlns:a16="http://schemas.microsoft.com/office/drawing/2014/main" id="{7CC2E5C0-422C-4EB6-A218-DC77A20149B8}"/>
+              </a:ext>
+            </a:extLst>
+          </p:cNvPr>
+          <p:cNvSpPr/>
+          <p:nvPr/>
+        </p:nvSpPr>
+        <p:spPr>
+          <a:xfrm>
+            <a:off x="9375661" y="1209697"/>
+            <a:ext cx="909294" cy="1064023"/>
+          </a:xfrm>
+          <a:prstGeom prst="roundRect">
+            <a:avLst/>
+          </a:prstGeom>
+        </p:spPr>
+        <p:style>
+          <a:lnRef idx="2">
+            <a:schemeClr val="accent1">
+              <a:shade val="50000"/>
+            </a:schemeClr>
+          </a:lnRef>
+          <a:fillRef idx="1">
+            <a:schemeClr val="accent1"/>
+          </a:fillRef>
+          <a:effectRef idx="0">
+            <a:schemeClr val="accent1"/>
+          </a:effectRef>
+          <a:fontRef idx="minor">
+            <a:schemeClr val="lt1"/>
+          </a:fontRef>
+        </p:style>
+        <p:txBody>
+          <a:bodyPr rtlCol="0" anchor="ctr"/>
+          <a:lstStyle/>
+          <a:p>
+            <a:pPr algn="ctr"/>
+            <a:r>
+              <a:rPr lang="zh-CN" altLang="en-US" sz="1600" dirty="0">
+                <a:solidFill>
+                  <a:schemeClr val="bg1"/>
+                </a:solidFill>
+                <a:latin typeface="YaHei Consolas Hybrid" panose="020B0509020204020204" charset="-122"/>
+                <a:ea typeface="YaHei Consolas Hybrid" panose="020B0509020204020204" charset="-122"/>
+              </a:rPr>
+              <a:t>数据库</a:t>
+            </a:r>
+          </a:p>
+        </p:txBody>
+      </p:sp>
+      <p:cxnSp>
+        <p:nvCxnSpPr>
+          <p:cNvPr id="12" name="直接箭头连接符 11">
+            <a:extLst>
+              <a:ext uri="{FF2B5EF4-FFF2-40B4-BE49-F238E27FC236}">
+                <a16:creationId xmlns:a16="http://schemas.microsoft.com/office/drawing/2014/main" id="{555824AB-9D5E-4D24-B068-55FBE8584967}"/>
+              </a:ext>
+            </a:extLst>
+          </p:cNvPr>
+          <p:cNvCxnSpPr>
+            <a:cxnSpLocks/>
+          </p:cNvCxnSpPr>
+          <p:nvPr/>
+        </p:nvCxnSpPr>
+        <p:spPr>
+          <a:xfrm flipV="1">
+            <a:off x="2859579" y="2944236"/>
+            <a:ext cx="1064662" cy="1"/>
+          </a:xfrm>
+          <a:prstGeom prst="straightConnector1">
+            <a:avLst/>
+          </a:prstGeom>
+          <a:ln w="25400">
+            <a:solidFill>
+              <a:schemeClr val="tx1"/>
+            </a:solidFill>
+            <a:headEnd type="none" w="med" len="med"/>
+            <a:tailEnd type="arrow"/>
+          </a:ln>
+        </p:spPr>
+        <p:style>
+          <a:lnRef idx="1">
+            <a:schemeClr val="accent1"/>
+          </a:lnRef>
+          <a:fillRef idx="0">
+            <a:schemeClr val="accent1"/>
+          </a:fillRef>
+          <a:effectRef idx="0">
+            <a:schemeClr val="accent1"/>
+          </a:effectRef>
+          <a:fontRef idx="minor">
+            <a:schemeClr val="tx1"/>
+          </a:fontRef>
+        </p:style>
+      </p:cxnSp>
+      <p:cxnSp>
+        <p:nvCxnSpPr>
+          <p:cNvPr id="13" name="直接箭头连接符 12">
+            <a:extLst>
+              <a:ext uri="{FF2B5EF4-FFF2-40B4-BE49-F238E27FC236}">
+                <a16:creationId xmlns:a16="http://schemas.microsoft.com/office/drawing/2014/main" id="{8CDF1B7C-29E9-49B8-B60A-10D1F734A638}"/>
+              </a:ext>
+            </a:extLst>
+          </p:cNvPr>
+          <p:cNvCxnSpPr>
+            <a:cxnSpLocks/>
+          </p:cNvCxnSpPr>
+          <p:nvPr/>
+        </p:nvCxnSpPr>
+        <p:spPr>
+          <a:xfrm rot="10800000" flipV="1">
+            <a:off x="2859579" y="4218854"/>
+            <a:ext cx="1064662" cy="1"/>
+          </a:xfrm>
+          <a:prstGeom prst="straightConnector1">
+            <a:avLst/>
+          </a:prstGeom>
+          <a:ln w="25400">
+            <a:solidFill>
+              <a:schemeClr val="tx1"/>
+            </a:solidFill>
+            <a:headEnd type="none" w="med" len="med"/>
+            <a:tailEnd type="arrow"/>
+          </a:ln>
+        </p:spPr>
+        <p:style>
+          <a:lnRef idx="1">
+            <a:schemeClr val="accent1"/>
+          </a:lnRef>
+          <a:fillRef idx="0">
+            <a:schemeClr val="accent1"/>
+          </a:fillRef>
+          <a:effectRef idx="0">
+            <a:schemeClr val="accent1"/>
+          </a:effectRef>
+          <a:fontRef idx="minor">
+            <a:schemeClr val="tx1"/>
+          </a:fontRef>
+        </p:style>
+      </p:cxnSp>
+      <p:cxnSp>
+        <p:nvCxnSpPr>
+          <p:cNvPr id="14" name="直接箭头连接符 13">
+            <a:extLst>
+              <a:ext uri="{FF2B5EF4-FFF2-40B4-BE49-F238E27FC236}">
+                <a16:creationId xmlns:a16="http://schemas.microsoft.com/office/drawing/2014/main" id="{F4018517-865F-4F11-A97C-20858454A7E5}"/>
+              </a:ext>
+            </a:extLst>
+          </p:cNvPr>
+          <p:cNvCxnSpPr>
+            <a:cxnSpLocks/>
+          </p:cNvCxnSpPr>
+          <p:nvPr/>
+        </p:nvCxnSpPr>
+        <p:spPr>
+          <a:xfrm flipV="1">
+            <a:off x="4973784" y="2944236"/>
+            <a:ext cx="832634" cy="1"/>
+          </a:xfrm>
+          <a:prstGeom prst="straightConnector1">
+            <a:avLst/>
+          </a:prstGeom>
+          <a:ln w="25400">
+            <a:solidFill>
+              <a:schemeClr val="tx1"/>
+            </a:solidFill>
+            <a:headEnd type="none" w="med" len="med"/>
+            <a:tailEnd type="arrow"/>
+          </a:ln>
+        </p:spPr>
+        <p:style>
+          <a:lnRef idx="1">
+            <a:schemeClr val="accent1"/>
+          </a:lnRef>
+          <a:fillRef idx="0">
+            <a:schemeClr val="accent1"/>
+          </a:fillRef>
+          <a:effectRef idx="0">
+            <a:schemeClr val="accent1"/>
+          </a:effectRef>
+          <a:fontRef idx="minor">
+            <a:schemeClr val="tx1"/>
+          </a:fontRef>
+        </p:style>
+      </p:cxnSp>
+      <p:cxnSp>
+        <p:nvCxnSpPr>
+          <p:cNvPr id="15" name="直接箭头连接符 14">
+            <a:extLst>
+              <a:ext uri="{FF2B5EF4-FFF2-40B4-BE49-F238E27FC236}">
+                <a16:creationId xmlns:a16="http://schemas.microsoft.com/office/drawing/2014/main" id="{40069D86-BB07-4393-89F5-31E69C4A19ED}"/>
+              </a:ext>
+            </a:extLst>
+          </p:cNvPr>
+          <p:cNvCxnSpPr>
+            <a:cxnSpLocks/>
+          </p:cNvCxnSpPr>
+          <p:nvPr/>
+        </p:nvCxnSpPr>
+        <p:spPr>
+          <a:xfrm rot="10800000" flipV="1">
+            <a:off x="4973784" y="4218854"/>
+            <a:ext cx="832634" cy="1"/>
+          </a:xfrm>
+          <a:prstGeom prst="straightConnector1">
+            <a:avLst/>
+          </a:prstGeom>
+          <a:ln w="25400">
+            <a:solidFill>
+              <a:schemeClr val="tx1"/>
+            </a:solidFill>
+            <a:headEnd type="none" w="med" len="med"/>
+            <a:tailEnd type="arrow"/>
+          </a:ln>
+        </p:spPr>
+        <p:style>
+          <a:lnRef idx="1">
+            <a:schemeClr val="accent1"/>
+          </a:lnRef>
+          <a:fillRef idx="0">
+            <a:schemeClr val="accent1"/>
+          </a:fillRef>
+          <a:effectRef idx="0">
+            <a:schemeClr val="accent1"/>
+          </a:effectRef>
+          <a:fontRef idx="minor">
+            <a:schemeClr val="tx1"/>
+          </a:fontRef>
+        </p:style>
+      </p:cxnSp>
+      <p:cxnSp>
+        <p:nvCxnSpPr>
+          <p:cNvPr id="16" name="直接箭头连接符 15">
+            <a:extLst>
+              <a:ext uri="{FF2B5EF4-FFF2-40B4-BE49-F238E27FC236}">
+                <a16:creationId xmlns:a16="http://schemas.microsoft.com/office/drawing/2014/main" id="{DE28D1E3-2E94-4994-99CF-95915F488EB8}"/>
+              </a:ext>
+            </a:extLst>
+          </p:cNvPr>
+          <p:cNvCxnSpPr>
+            <a:cxnSpLocks/>
+          </p:cNvCxnSpPr>
+          <p:nvPr/>
+        </p:nvCxnSpPr>
+        <p:spPr>
+          <a:xfrm>
+            <a:off x="6798941" y="2944238"/>
+            <a:ext cx="679309" cy="0"/>
+          </a:xfrm>
+          <a:prstGeom prst="straightConnector1">
+            <a:avLst/>
+          </a:prstGeom>
+          <a:ln w="25400">
+            <a:solidFill>
+              <a:schemeClr val="tx1"/>
+            </a:solidFill>
+            <a:headEnd type="none" w="med" len="med"/>
+            <a:tailEnd type="arrow"/>
+          </a:ln>
+        </p:spPr>
+        <p:style>
+          <a:lnRef idx="1">
+            <a:schemeClr val="accent1"/>
+          </a:lnRef>
+          <a:fillRef idx="0">
+            <a:schemeClr val="accent1"/>
+          </a:fillRef>
+          <a:effectRef idx="0">
+            <a:schemeClr val="accent1"/>
+          </a:effectRef>
+          <a:fontRef idx="minor">
+            <a:schemeClr val="tx1"/>
+          </a:fontRef>
+        </p:style>
+      </p:cxnSp>
+      <p:cxnSp>
+        <p:nvCxnSpPr>
+          <p:cNvPr id="17" name="直接箭头连接符 16">
+            <a:extLst>
+              <a:ext uri="{FF2B5EF4-FFF2-40B4-BE49-F238E27FC236}">
+                <a16:creationId xmlns:a16="http://schemas.microsoft.com/office/drawing/2014/main" id="{85CC6270-4174-4120-B0E5-19FAC90EA5DA}"/>
+              </a:ext>
+            </a:extLst>
+          </p:cNvPr>
+          <p:cNvCxnSpPr>
+            <a:cxnSpLocks/>
+          </p:cNvCxnSpPr>
+          <p:nvPr/>
+        </p:nvCxnSpPr>
+        <p:spPr>
+          <a:xfrm flipH="1">
+            <a:off x="6798941" y="4218855"/>
+            <a:ext cx="679309" cy="0"/>
+          </a:xfrm>
+          <a:prstGeom prst="straightConnector1">
+            <a:avLst/>
+          </a:prstGeom>
+          <a:ln w="25400">
+            <a:solidFill>
+              <a:schemeClr val="tx1"/>
+            </a:solidFill>
+            <a:headEnd type="none" w="med" len="med"/>
+            <a:tailEnd type="arrow"/>
+          </a:ln>
+        </p:spPr>
+        <p:style>
+          <a:lnRef idx="1">
+            <a:schemeClr val="accent1"/>
+          </a:lnRef>
+          <a:fillRef idx="0">
+            <a:schemeClr val="accent1"/>
+          </a:fillRef>
+          <a:effectRef idx="0">
+            <a:schemeClr val="accent1"/>
+          </a:effectRef>
+          <a:fontRef idx="minor">
+            <a:schemeClr val="tx1"/>
+          </a:fontRef>
+        </p:style>
+      </p:cxnSp>
+      <p:sp>
+        <p:nvSpPr>
+          <p:cNvPr id="18" name="文本框 17">
+            <a:extLst>
+              <a:ext uri="{FF2B5EF4-FFF2-40B4-BE49-F238E27FC236}">
+                <a16:creationId xmlns:a16="http://schemas.microsoft.com/office/drawing/2014/main" id="{3EE33CC0-5675-46D2-B03F-401209B53405}"/>
+              </a:ext>
+            </a:extLst>
+          </p:cNvPr>
+          <p:cNvSpPr txBox="1"/>
+          <p:nvPr/>
+        </p:nvSpPr>
+        <p:spPr>
+          <a:xfrm>
+            <a:off x="2903169" y="2636459"/>
+            <a:ext cx="980205" cy="307777"/>
+          </a:xfrm>
+          <a:prstGeom prst="rect">
+            <a:avLst/>
+          </a:prstGeom>
+          <a:noFill/>
+        </p:spPr>
+        <p:txBody>
+          <a:bodyPr wrap="none" rtlCol="0">
+            <a:spAutoFit/>
+          </a:bodyPr>
+          <a:lstStyle/>
+          <a:p>
+            <a:r>
+              <a:rPr lang="en-US" altLang="zh-CN" sz="1400" dirty="0">
+                <a:latin typeface="YaHei Consolas Hybrid" panose="020B0509020204020204" pitchFamily="49" charset="-122"/>
+                <a:ea typeface="YaHei Consolas Hybrid" panose="020B0509020204020204" pitchFamily="49" charset="-122"/>
+              </a:rPr>
+              <a:t>HTTP</a:t>
+            </a:r>
+            <a:r>
+              <a:rPr lang="zh-CN" altLang="en-US" sz="1400" dirty="0">
+                <a:latin typeface="YaHei Consolas Hybrid" panose="020B0509020204020204" pitchFamily="49" charset="-122"/>
+                <a:ea typeface="YaHei Consolas Hybrid" panose="020B0509020204020204" pitchFamily="49" charset="-122"/>
+              </a:rPr>
+              <a:t>请求</a:t>
+            </a:r>
+          </a:p>
+        </p:txBody>
+      </p:sp>
+      <p:sp>
+        <p:nvSpPr>
+          <p:cNvPr id="19" name="文本框 18">
+            <a:extLst>
+              <a:ext uri="{FF2B5EF4-FFF2-40B4-BE49-F238E27FC236}">
+                <a16:creationId xmlns:a16="http://schemas.microsoft.com/office/drawing/2014/main" id="{209F4F72-52E9-43AF-BE85-848CE2D1E126}"/>
+              </a:ext>
+            </a:extLst>
+          </p:cNvPr>
+          <p:cNvSpPr txBox="1"/>
+          <p:nvPr/>
+        </p:nvSpPr>
+        <p:spPr>
+          <a:xfrm>
+            <a:off x="2896551" y="3911076"/>
+            <a:ext cx="980205" cy="307777"/>
+          </a:xfrm>
+          <a:prstGeom prst="rect">
+            <a:avLst/>
+          </a:prstGeom>
+          <a:noFill/>
+        </p:spPr>
+        <p:txBody>
+          <a:bodyPr wrap="none" rtlCol="0">
+            <a:spAutoFit/>
+          </a:bodyPr>
+          <a:lstStyle/>
+          <a:p>
+            <a:r>
+              <a:rPr lang="en-US" altLang="zh-CN" sz="1400" dirty="0">
+                <a:latin typeface="YaHei Consolas Hybrid" panose="020B0509020204020204" pitchFamily="49" charset="-122"/>
+                <a:ea typeface="YaHei Consolas Hybrid" panose="020B0509020204020204" pitchFamily="49" charset="-122"/>
+              </a:rPr>
+              <a:t>HTTP</a:t>
+            </a:r>
+            <a:r>
+              <a:rPr lang="zh-CN" altLang="en-US" sz="1400" dirty="0">
+                <a:latin typeface="YaHei Consolas Hybrid" panose="020B0509020204020204" pitchFamily="49" charset="-122"/>
+                <a:ea typeface="YaHei Consolas Hybrid" panose="020B0509020204020204" pitchFamily="49" charset="-122"/>
+              </a:rPr>
+              <a:t>返回</a:t>
+            </a:r>
+          </a:p>
+        </p:txBody>
+      </p:sp>
+      <p:sp>
+        <p:nvSpPr>
+          <p:cNvPr id="20" name="文本框 19">
+            <a:extLst>
+              <a:ext uri="{FF2B5EF4-FFF2-40B4-BE49-F238E27FC236}">
+                <a16:creationId xmlns:a16="http://schemas.microsoft.com/office/drawing/2014/main" id="{6B38E889-5828-462A-9D5D-F4CE3686B818}"/>
+              </a:ext>
+            </a:extLst>
+          </p:cNvPr>
+          <p:cNvSpPr txBox="1"/>
+          <p:nvPr/>
+        </p:nvSpPr>
+        <p:spPr>
+          <a:xfrm>
+            <a:off x="5074088" y="2636458"/>
+            <a:ext cx="579005" cy="307777"/>
+          </a:xfrm>
+          <a:prstGeom prst="rect">
+            <a:avLst/>
+          </a:prstGeom>
+          <a:noFill/>
+        </p:spPr>
+        <p:txBody>
+          <a:bodyPr wrap="none" rtlCol="0">
+            <a:spAutoFit/>
+          </a:bodyPr>
+          <a:lstStyle/>
+          <a:p>
+            <a:r>
+              <a:rPr lang="zh-CN" altLang="en-US" sz="1400" dirty="0">
+                <a:latin typeface="YaHei Consolas Hybrid" panose="020B0509020204020204" pitchFamily="49" charset="-122"/>
+                <a:ea typeface="YaHei Consolas Hybrid" panose="020B0509020204020204" pitchFamily="49" charset="-122"/>
+              </a:rPr>
+              <a:t>参数</a:t>
+            </a:r>
+          </a:p>
+        </p:txBody>
+      </p:sp>
+      <p:sp>
+        <p:nvSpPr>
+          <p:cNvPr id="21" name="文本框 20">
+            <a:extLst>
+              <a:ext uri="{FF2B5EF4-FFF2-40B4-BE49-F238E27FC236}">
+                <a16:creationId xmlns:a16="http://schemas.microsoft.com/office/drawing/2014/main" id="{5652D560-18AE-45AB-B259-581EA2425D7E}"/>
+              </a:ext>
+            </a:extLst>
+          </p:cNvPr>
+          <p:cNvSpPr txBox="1"/>
+          <p:nvPr/>
+        </p:nvSpPr>
+        <p:spPr>
+          <a:xfrm>
+            <a:off x="5097626" y="3904087"/>
+            <a:ext cx="579005" cy="307777"/>
+          </a:xfrm>
+          <a:prstGeom prst="rect">
+            <a:avLst/>
+          </a:prstGeom>
+          <a:noFill/>
+        </p:spPr>
+        <p:txBody>
+          <a:bodyPr wrap="none" rtlCol="0">
+            <a:spAutoFit/>
+          </a:bodyPr>
+          <a:lstStyle/>
+          <a:p>
+            <a:r>
+              <a:rPr lang="zh-CN" altLang="en-US" sz="1400" dirty="0">
+                <a:latin typeface="YaHei Consolas Hybrid" panose="020B0509020204020204" pitchFamily="49" charset="-122"/>
+                <a:ea typeface="YaHei Consolas Hybrid" panose="020B0509020204020204" pitchFamily="49" charset="-122"/>
+              </a:rPr>
+              <a:t>返回</a:t>
+            </a:r>
+          </a:p>
+        </p:txBody>
+      </p:sp>
+      <p:sp>
+        <p:nvSpPr>
+          <p:cNvPr id="22" name="文本框 21">
+            <a:extLst>
+              <a:ext uri="{FF2B5EF4-FFF2-40B4-BE49-F238E27FC236}">
+                <a16:creationId xmlns:a16="http://schemas.microsoft.com/office/drawing/2014/main" id="{36219BA6-8B88-4EF0-A1ED-DFE0CB13ECFA}"/>
+              </a:ext>
+            </a:extLst>
+          </p:cNvPr>
+          <p:cNvSpPr txBox="1"/>
+          <p:nvPr/>
+        </p:nvSpPr>
+        <p:spPr>
+          <a:xfrm>
+            <a:off x="6842116" y="2636458"/>
+            <a:ext cx="579005" cy="307777"/>
+          </a:xfrm>
+          <a:prstGeom prst="rect">
+            <a:avLst/>
+          </a:prstGeom>
+          <a:noFill/>
+        </p:spPr>
+        <p:txBody>
+          <a:bodyPr wrap="none" rtlCol="0">
+            <a:spAutoFit/>
+          </a:bodyPr>
+          <a:lstStyle/>
+          <a:p>
+            <a:r>
+              <a:rPr lang="zh-CN" altLang="en-US" sz="1400" dirty="0">
+                <a:latin typeface="YaHei Consolas Hybrid" panose="020B0509020204020204" pitchFamily="49" charset="-122"/>
+                <a:ea typeface="YaHei Consolas Hybrid" panose="020B0509020204020204" pitchFamily="49" charset="-122"/>
+              </a:rPr>
+              <a:t>执行</a:t>
+            </a:r>
+          </a:p>
+        </p:txBody>
+      </p:sp>
+      <p:sp>
+        <p:nvSpPr>
+          <p:cNvPr id="23" name="文本框 22">
+            <a:extLst>
+              <a:ext uri="{FF2B5EF4-FFF2-40B4-BE49-F238E27FC236}">
+                <a16:creationId xmlns:a16="http://schemas.microsoft.com/office/drawing/2014/main" id="{E3852449-73F6-464F-B286-D11FBB2D458C}"/>
+              </a:ext>
+            </a:extLst>
+          </p:cNvPr>
+          <p:cNvSpPr txBox="1"/>
+          <p:nvPr/>
+        </p:nvSpPr>
+        <p:spPr>
+          <a:xfrm>
+            <a:off x="6849093" y="3880469"/>
+            <a:ext cx="579005" cy="307777"/>
+          </a:xfrm>
+          <a:prstGeom prst="rect">
+            <a:avLst/>
+          </a:prstGeom>
+          <a:noFill/>
+        </p:spPr>
+        <p:txBody>
+          <a:bodyPr wrap="none" rtlCol="0">
+            <a:spAutoFit/>
+          </a:bodyPr>
+          <a:lstStyle/>
+          <a:p>
+            <a:r>
+              <a:rPr lang="zh-CN" altLang="en-US" sz="1400" dirty="0">
+                <a:latin typeface="YaHei Consolas Hybrid" panose="020B0509020204020204" pitchFamily="49" charset="-122"/>
+                <a:ea typeface="YaHei Consolas Hybrid" panose="020B0509020204020204" pitchFamily="49" charset="-122"/>
+              </a:rPr>
+              <a:t>返回</a:t>
+            </a:r>
+          </a:p>
+        </p:txBody>
+      </p:sp>
+      <p:sp>
+        <p:nvSpPr>
+          <p:cNvPr id="24" name="矩形: 圆角 23">
+            <a:extLst>
+              <a:ext uri="{FF2B5EF4-FFF2-40B4-BE49-F238E27FC236}">
+                <a16:creationId xmlns:a16="http://schemas.microsoft.com/office/drawing/2014/main" id="{AD822F2B-BACC-4218-91F7-348FCEF8DC00}"/>
+              </a:ext>
+            </a:extLst>
+          </p:cNvPr>
+          <p:cNvSpPr/>
+          <p:nvPr/>
+        </p:nvSpPr>
+        <p:spPr>
+          <a:xfrm>
+            <a:off x="9386746" y="4983460"/>
+            <a:ext cx="909294" cy="1064023"/>
+          </a:xfrm>
+          <a:prstGeom prst="roundRect">
+            <a:avLst/>
+          </a:prstGeom>
+        </p:spPr>
+        <p:style>
+          <a:lnRef idx="2">
+            <a:schemeClr val="accent1">
+              <a:shade val="50000"/>
+            </a:schemeClr>
+          </a:lnRef>
+          <a:fillRef idx="1">
+            <a:schemeClr val="accent1"/>
+          </a:fillRef>
+          <a:effectRef idx="0">
+            <a:schemeClr val="accent1"/>
+          </a:effectRef>
+          <a:fontRef idx="minor">
+            <a:schemeClr val="lt1"/>
+          </a:fontRef>
+        </p:style>
+        <p:txBody>
+          <a:bodyPr rtlCol="0" anchor="ctr"/>
+          <a:lstStyle/>
+          <a:p>
+            <a:pPr algn="ctr"/>
+            <a:r>
+              <a:rPr lang="zh-CN" altLang="en-US" sz="1600" dirty="0">
+                <a:solidFill>
+                  <a:schemeClr val="bg1"/>
+                </a:solidFill>
+                <a:latin typeface="YaHei Consolas Hybrid" panose="020B0509020204020204" charset="-122"/>
+                <a:ea typeface="YaHei Consolas Hybrid" panose="020B0509020204020204" charset="-122"/>
+              </a:rPr>
+              <a:t>数据库</a:t>
+            </a:r>
+          </a:p>
+        </p:txBody>
+      </p:sp>
+      <p:sp>
+        <p:nvSpPr>
+          <p:cNvPr id="25" name="矩形: 圆角 24">
+            <a:extLst>
+              <a:ext uri="{FF2B5EF4-FFF2-40B4-BE49-F238E27FC236}">
+                <a16:creationId xmlns:a16="http://schemas.microsoft.com/office/drawing/2014/main" id="{26FFB401-D74C-4081-8D84-FDD9BFB7FB21}"/>
+              </a:ext>
+            </a:extLst>
+          </p:cNvPr>
+          <p:cNvSpPr/>
+          <p:nvPr/>
+        </p:nvSpPr>
+        <p:spPr>
+          <a:xfrm>
+            <a:off x="9375661" y="3725539"/>
+            <a:ext cx="909294" cy="1064023"/>
+          </a:xfrm>
+          <a:prstGeom prst="roundRect">
+            <a:avLst/>
+          </a:prstGeom>
+        </p:spPr>
+        <p:style>
+          <a:lnRef idx="2">
+            <a:schemeClr val="accent1">
+              <a:shade val="50000"/>
+            </a:schemeClr>
+          </a:lnRef>
+          <a:fillRef idx="1">
+            <a:schemeClr val="accent1"/>
+          </a:fillRef>
+          <a:effectRef idx="0">
+            <a:schemeClr val="accent1"/>
+          </a:effectRef>
+          <a:fontRef idx="minor">
+            <a:schemeClr val="lt1"/>
+          </a:fontRef>
+        </p:style>
+        <p:txBody>
+          <a:bodyPr rtlCol="0" anchor="ctr"/>
+          <a:lstStyle/>
+          <a:p>
+            <a:pPr algn="ctr"/>
+            <a:r>
+              <a:rPr lang="en-US" altLang="zh-CN" sz="1600" dirty="0">
+                <a:solidFill>
+                  <a:schemeClr val="bg1"/>
+                </a:solidFill>
+                <a:latin typeface="YaHei Consolas Hybrid" panose="020B0509020204020204" charset="-122"/>
+                <a:ea typeface="YaHei Consolas Hybrid" panose="020B0509020204020204" charset="-122"/>
+              </a:rPr>
+              <a:t>...</a:t>
+            </a:r>
+            <a:endParaRPr lang="zh-CN" altLang="en-US" sz="1600" dirty="0">
+              <a:solidFill>
+                <a:schemeClr val="bg1"/>
+              </a:solidFill>
+              <a:latin typeface="YaHei Consolas Hybrid" panose="020B0509020204020204" charset="-122"/>
+              <a:ea typeface="YaHei Consolas Hybrid" panose="020B0509020204020204" charset="-122"/>
+            </a:endParaRPr>
+          </a:p>
+        </p:txBody>
+      </p:sp>
+      <p:sp>
+        <p:nvSpPr>
+          <p:cNvPr id="26" name="矩形: 圆角 25">
+            <a:extLst>
+              <a:ext uri="{FF2B5EF4-FFF2-40B4-BE49-F238E27FC236}">
+                <a16:creationId xmlns:a16="http://schemas.microsoft.com/office/drawing/2014/main" id="{A417A659-D651-4707-B6D9-49DE0B43315C}"/>
+              </a:ext>
+            </a:extLst>
+          </p:cNvPr>
+          <p:cNvSpPr/>
+          <p:nvPr/>
+        </p:nvSpPr>
+        <p:spPr>
+          <a:xfrm>
+            <a:off x="9375661" y="2467618"/>
+            <a:ext cx="909294" cy="1064023"/>
+          </a:xfrm>
+          <a:prstGeom prst="roundRect">
+            <a:avLst/>
+          </a:prstGeom>
+        </p:spPr>
+        <p:style>
+          <a:lnRef idx="2">
+            <a:schemeClr val="accent1">
+              <a:shade val="50000"/>
+            </a:schemeClr>
+          </a:lnRef>
+          <a:fillRef idx="1">
+            <a:schemeClr val="accent1"/>
+          </a:fillRef>
+          <a:effectRef idx="0">
+            <a:schemeClr val="accent1"/>
+          </a:effectRef>
+          <a:fontRef idx="minor">
+            <a:schemeClr val="lt1"/>
+          </a:fontRef>
+        </p:style>
+        <p:txBody>
+          <a:bodyPr rtlCol="0" anchor="ctr"/>
+          <a:lstStyle/>
+          <a:p>
+            <a:pPr algn="ctr"/>
+            <a:r>
+              <a:rPr lang="zh-CN" altLang="en-US" sz="1600" dirty="0">
+                <a:solidFill>
+                  <a:schemeClr val="bg1"/>
+                </a:solidFill>
+                <a:latin typeface="YaHei Consolas Hybrid" panose="020B0509020204020204" charset="-122"/>
+                <a:ea typeface="YaHei Consolas Hybrid" panose="020B0509020204020204" charset="-122"/>
+              </a:rPr>
+              <a:t>数据库</a:t>
+            </a:r>
+          </a:p>
+        </p:txBody>
+      </p:sp>
+      <p:sp>
+        <p:nvSpPr>
+          <p:cNvPr id="27" name="矩形: 圆角 26">
+            <a:extLst>
+              <a:ext uri="{FF2B5EF4-FFF2-40B4-BE49-F238E27FC236}">
+                <a16:creationId xmlns:a16="http://schemas.microsoft.com/office/drawing/2014/main" id="{0EC6863F-94C9-4F6C-87F8-39D4AC0E28F0}"/>
+              </a:ext>
+            </a:extLst>
+          </p:cNvPr>
+          <p:cNvSpPr/>
+          <p:nvPr/>
+        </p:nvSpPr>
+        <p:spPr>
+          <a:xfrm>
+            <a:off x="7467903" y="2412694"/>
+            <a:ext cx="972091" cy="2393425"/>
+          </a:xfrm>
+          <a:prstGeom prst="roundRect">
+            <a:avLst/>
+          </a:prstGeom>
+        </p:spPr>
+        <p:style>
+          <a:lnRef idx="2">
+            <a:schemeClr val="accent6">
+              <a:shade val="50000"/>
+            </a:schemeClr>
+          </a:lnRef>
+          <a:fillRef idx="1">
+            <a:schemeClr val="accent6"/>
+          </a:fillRef>
+          <a:effectRef idx="0">
+            <a:schemeClr val="accent6"/>
+          </a:effectRef>
+          <a:fontRef idx="minor">
+            <a:schemeClr val="lt1"/>
+          </a:fontRef>
+        </p:style>
+        <p:txBody>
+          <a:bodyPr rtlCol="0" anchor="ctr"/>
+          <a:lstStyle/>
+          <a:p>
+            <a:pPr algn="ctr"/>
+            <a:r>
+              <a:rPr lang="zh-CN" altLang="en-US" sz="1600" dirty="0">
+                <a:solidFill>
+                  <a:schemeClr val="bg1"/>
+                </a:solidFill>
+                <a:latin typeface="YaHei Consolas Hybrid" panose="020B0509020204020204" charset="-122"/>
+                <a:ea typeface="YaHei Consolas Hybrid" panose="020B0509020204020204" charset="-122"/>
+              </a:rPr>
+              <a:t>缓存空间</a:t>
+            </a:r>
+          </a:p>
+        </p:txBody>
+      </p:sp>
+      <p:cxnSp>
+        <p:nvCxnSpPr>
+          <p:cNvPr id="28" name="直接箭头连接符 27">
+            <a:extLst>
+              <a:ext uri="{FF2B5EF4-FFF2-40B4-BE49-F238E27FC236}">
+                <a16:creationId xmlns:a16="http://schemas.microsoft.com/office/drawing/2014/main" id="{EF338CC8-7A21-4BD4-8483-DDD91419EDB0}"/>
+              </a:ext>
+            </a:extLst>
+          </p:cNvPr>
+          <p:cNvCxnSpPr>
+            <a:cxnSpLocks/>
+            <a:stCxn id="27" idx="3"/>
+            <a:endCxn id="11" idx="1"/>
+          </p:cNvCxnSpPr>
+          <p:nvPr/>
+        </p:nvCxnSpPr>
+        <p:spPr>
+          <a:xfrm flipV="1">
+            <a:off x="8439994" y="1741709"/>
+            <a:ext cx="935667" cy="1867698"/>
+          </a:xfrm>
+          <a:prstGeom prst="straightConnector1">
+            <a:avLst/>
+          </a:prstGeom>
+          <a:ln w="25400">
+            <a:solidFill>
+              <a:schemeClr val="tx1"/>
+            </a:solidFill>
+            <a:headEnd type="arrow" w="med" len="med"/>
+            <a:tailEnd type="arrow"/>
+          </a:ln>
+        </p:spPr>
+        <p:style>
+          <a:lnRef idx="1">
+            <a:schemeClr val="accent1"/>
+          </a:lnRef>
+          <a:fillRef idx="0">
+            <a:schemeClr val="accent1"/>
+          </a:fillRef>
+          <a:effectRef idx="0">
+            <a:schemeClr val="accent1"/>
+          </a:effectRef>
+          <a:fontRef idx="minor">
+            <a:schemeClr val="tx1"/>
+          </a:fontRef>
+        </p:style>
+      </p:cxnSp>
+      <p:cxnSp>
+        <p:nvCxnSpPr>
+          <p:cNvPr id="29" name="直接箭头连接符 28">
+            <a:extLst>
+              <a:ext uri="{FF2B5EF4-FFF2-40B4-BE49-F238E27FC236}">
+                <a16:creationId xmlns:a16="http://schemas.microsoft.com/office/drawing/2014/main" id="{2C940183-6BB8-4151-A98F-7C1B04B5AFAA}"/>
+              </a:ext>
+            </a:extLst>
+          </p:cNvPr>
+          <p:cNvCxnSpPr>
+            <a:cxnSpLocks/>
+            <a:stCxn id="27" idx="3"/>
+            <a:endCxn id="26" idx="1"/>
+          </p:cNvCxnSpPr>
+          <p:nvPr/>
+        </p:nvCxnSpPr>
+        <p:spPr>
+          <a:xfrm flipV="1">
+            <a:off x="8439994" y="2999630"/>
+            <a:ext cx="935667" cy="609777"/>
+          </a:xfrm>
+          <a:prstGeom prst="straightConnector1">
+            <a:avLst/>
+          </a:prstGeom>
+          <a:ln w="25400">
+            <a:solidFill>
+              <a:schemeClr val="tx1"/>
+            </a:solidFill>
+            <a:headEnd type="arrow" w="med" len="med"/>
+            <a:tailEnd type="arrow"/>
+          </a:ln>
+        </p:spPr>
+        <p:style>
+          <a:lnRef idx="1">
+            <a:schemeClr val="accent1"/>
+          </a:lnRef>
+          <a:fillRef idx="0">
+            <a:schemeClr val="accent1"/>
+          </a:fillRef>
+          <a:effectRef idx="0">
+            <a:schemeClr val="accent1"/>
+          </a:effectRef>
+          <a:fontRef idx="minor">
+            <a:schemeClr val="tx1"/>
+          </a:fontRef>
+        </p:style>
+      </p:cxnSp>
+      <p:cxnSp>
+        <p:nvCxnSpPr>
+          <p:cNvPr id="30" name="直接箭头连接符 29">
+            <a:extLst>
+              <a:ext uri="{FF2B5EF4-FFF2-40B4-BE49-F238E27FC236}">
+                <a16:creationId xmlns:a16="http://schemas.microsoft.com/office/drawing/2014/main" id="{2B22025C-17A6-4151-98BD-E817AC71A8E9}"/>
+              </a:ext>
+            </a:extLst>
+          </p:cNvPr>
+          <p:cNvCxnSpPr>
+            <a:cxnSpLocks/>
+            <a:stCxn id="27" idx="3"/>
+            <a:endCxn id="25" idx="1"/>
+          </p:cNvCxnSpPr>
+          <p:nvPr/>
+        </p:nvCxnSpPr>
+        <p:spPr>
+          <a:xfrm>
+            <a:off x="8439994" y="3609407"/>
+            <a:ext cx="935667" cy="648144"/>
+          </a:xfrm>
+          <a:prstGeom prst="straightConnector1">
+            <a:avLst/>
+          </a:prstGeom>
+          <a:ln w="25400">
+            <a:solidFill>
+              <a:schemeClr val="tx1"/>
+            </a:solidFill>
+            <a:headEnd type="arrow" w="med" len="med"/>
+            <a:tailEnd type="arrow"/>
+          </a:ln>
+        </p:spPr>
+        <p:style>
+          <a:lnRef idx="1">
+            <a:schemeClr val="accent1"/>
+          </a:lnRef>
+          <a:fillRef idx="0">
+            <a:schemeClr val="accent1"/>
+          </a:fillRef>
+          <a:effectRef idx="0">
+            <a:schemeClr val="accent1"/>
+          </a:effectRef>
+          <a:fontRef idx="minor">
+            <a:schemeClr val="tx1"/>
+          </a:fontRef>
+        </p:style>
+      </p:cxnSp>
+      <p:cxnSp>
+        <p:nvCxnSpPr>
+          <p:cNvPr id="31" name="直接箭头连接符 30">
+            <a:extLst>
+              <a:ext uri="{FF2B5EF4-FFF2-40B4-BE49-F238E27FC236}">
+                <a16:creationId xmlns:a16="http://schemas.microsoft.com/office/drawing/2014/main" id="{1B20AB23-E5F2-41A3-887F-497242540D20}"/>
+              </a:ext>
+            </a:extLst>
+          </p:cNvPr>
+          <p:cNvCxnSpPr>
+            <a:cxnSpLocks/>
+            <a:stCxn id="27" idx="3"/>
+            <a:endCxn id="24" idx="1"/>
+          </p:cNvCxnSpPr>
+          <p:nvPr/>
+        </p:nvCxnSpPr>
+        <p:spPr>
+          <a:xfrm>
+            <a:off x="8439994" y="3609407"/>
+            <a:ext cx="946752" cy="1906065"/>
+          </a:xfrm>
+          <a:prstGeom prst="straightConnector1">
+            <a:avLst/>
+          </a:prstGeom>
+          <a:ln w="25400">
+            <a:solidFill>
+              <a:schemeClr val="tx1"/>
+            </a:solidFill>
+            <a:headEnd type="arrow" w="med" len="med"/>
+            <a:tailEnd type="arrow"/>
+          </a:ln>
+        </p:spPr>
+        <p:style>
+          <a:lnRef idx="1">
+            <a:schemeClr val="accent1"/>
+          </a:lnRef>
+          <a:fillRef idx="0">
+            <a:schemeClr val="accent1"/>
+          </a:fillRef>
+          <a:effectRef idx="0">
+            <a:schemeClr val="accent1"/>
+          </a:effectRef>
+          <a:fontRef idx="minor">
+            <a:schemeClr val="tx1"/>
+          </a:fontRef>
+        </p:style>
+      </p:cxnSp>
+    </p:spTree>
+    <p:extLst>
+      <p:ext uri="{BB962C8B-B14F-4D97-AF65-F5344CB8AC3E}">
+        <p14:creationId xmlns:p14="http://schemas.microsoft.com/office/powerpoint/2010/main" val="1889332578"/>
+      </p:ext>
+    </p:extLst>
+  </p:cSld>
+  <p:clrMapOvr>
+    <a:masterClrMapping/>
+  </p:clrMapOvr>
+</p:sld>
+</file>
+
 <file path=ppt/theme/theme1.xml><?xml version="1.0" encoding="utf-8"?>
 <a:theme xmlns:a="http://schemas.openxmlformats.org/drawingml/2006/main" name="Office 主题">
   <a:themeElements>
